--- a/docs/splice-event-annotation.pptx
+++ b/docs/splice-event-annotation.pptx
@@ -7,6 +7,11 @@
   <p:sldIdLst>
     <p:sldId id="256" r:id="rId2"/>
     <p:sldId id="257" r:id="rId3"/>
+    <p:sldId id="259" r:id="rId4"/>
+    <p:sldId id="258" r:id="rId5"/>
+    <p:sldId id="261" r:id="rId6"/>
+    <p:sldId id="262" r:id="rId7"/>
+    <p:sldId id="263" r:id="rId8"/>
   </p:sldIdLst>
   <p:sldSz cx="12192000" cy="6858000"/>
   <p:notesSz cx="6858000" cy="9144000"/>
@@ -105,7 +110,364 @@
       </a:defRPr>
     </a:lvl9pPr>
   </p:defaultTextStyle>
+  <p:extLst>
+    <p:ext uri="{EFAFB233-063F-42B5-8137-9DF3F51BA10A}">
+      <p15:sldGuideLst xmlns:p15="http://schemas.microsoft.com/office/powerpoint/2012/main"/>
+    </p:ext>
+  </p:extLst>
 </p:presentation>
+</file>
+
+<file path=ppt/revisionInfo.xml><?xml version="1.0" encoding="utf-8"?>
+<p1510:revInfo xmlns:a="http://schemas.openxmlformats.org/drawingml/2006/main" xmlns:r="http://schemas.openxmlformats.org/officeDocument/2006/relationships" xmlns:p1510="http://schemas.microsoft.com/office/powerpoint/2015/10/main">
+  <p1510:revLst>
+    <p1510:client id="{7133A3CE-13BC-A846-BD39-2206C18E2A82}" v="26" dt="2024-05-20T04:43:27.184"/>
+  </p1510:revLst>
+</p1510:revInfo>
+</file>
+
+<file path=ppt/changesInfos/changesInfo1.xml><?xml version="1.0" encoding="utf-8"?>
+<pc:chgInfo xmlns:a="http://schemas.openxmlformats.org/drawingml/2006/main" xmlns:r="http://schemas.openxmlformats.org/officeDocument/2006/relationships" xmlns:ac="http://schemas.microsoft.com/office/drawing/2013/main/command" xmlns:pc="http://schemas.microsoft.com/office/powerpoint/2013/main/command">
+  <pc:docChgLst>
+    <pc:chgData name="Rhett Marchant" userId="18df2c221d5c7175" providerId="LiveId" clId="{7133A3CE-13BC-A846-BD39-2206C18E2A82}"/>
+    <pc:docChg chg="undo custSel addSld delSld modSld sldOrd">
+      <pc:chgData name="Rhett Marchant" userId="18df2c221d5c7175" providerId="LiveId" clId="{7133A3CE-13BC-A846-BD39-2206C18E2A82}" dt="2024-05-20T04:43:52.582" v="609" actId="1076"/>
+      <pc:docMkLst>
+        <pc:docMk/>
+      </pc:docMkLst>
+      <pc:sldChg chg="addSp delSp modSp new mod">
+        <pc:chgData name="Rhett Marchant" userId="18df2c221d5c7175" providerId="LiveId" clId="{7133A3CE-13BC-A846-BD39-2206C18E2A82}" dt="2024-05-20T04:18:29.911" v="435" actId="21"/>
+        <pc:sldMkLst>
+          <pc:docMk/>
+          <pc:sldMk cId="2871830996" sldId="258"/>
+        </pc:sldMkLst>
+        <pc:spChg chg="mod">
+          <ac:chgData name="Rhett Marchant" userId="18df2c221d5c7175" providerId="LiveId" clId="{7133A3CE-13BC-A846-BD39-2206C18E2A82}" dt="2024-05-20T02:53:02.502" v="24" actId="114"/>
+          <ac:spMkLst>
+            <pc:docMk/>
+            <pc:sldMk cId="2871830996" sldId="258"/>
+            <ac:spMk id="2" creationId="{249115FB-225B-60BD-2028-785633E8564D}"/>
+          </ac:spMkLst>
+        </pc:spChg>
+        <pc:spChg chg="del">
+          <ac:chgData name="Rhett Marchant" userId="18df2c221d5c7175" providerId="LiveId" clId="{7133A3CE-13BC-A846-BD39-2206C18E2A82}" dt="2024-05-20T02:51:43.529" v="5"/>
+          <ac:spMkLst>
+            <pc:docMk/>
+            <pc:sldMk cId="2871830996" sldId="258"/>
+            <ac:spMk id="3" creationId="{A1ADDCE9-4E99-C335-3C18-D70FCBA5B953}"/>
+          </ac:spMkLst>
+        </pc:spChg>
+        <pc:spChg chg="add mod">
+          <ac:chgData name="Rhett Marchant" userId="18df2c221d5c7175" providerId="LiveId" clId="{7133A3CE-13BC-A846-BD39-2206C18E2A82}" dt="2024-05-20T03:14:37.816" v="49" actId="1076"/>
+          <ac:spMkLst>
+            <pc:docMk/>
+            <pc:sldMk cId="2871830996" sldId="258"/>
+            <ac:spMk id="7" creationId="{6D3E756C-8855-57B2-AAB6-68D3885C2710}"/>
+          </ac:spMkLst>
+        </pc:spChg>
+        <pc:spChg chg="add mod">
+          <ac:chgData name="Rhett Marchant" userId="18df2c221d5c7175" providerId="LiveId" clId="{7133A3CE-13BC-A846-BD39-2206C18E2A82}" dt="2024-05-20T03:14:53.387" v="74" actId="1076"/>
+          <ac:spMkLst>
+            <pc:docMk/>
+            <pc:sldMk cId="2871830996" sldId="258"/>
+            <ac:spMk id="8" creationId="{60E3A48F-E9C7-57C6-3EDC-D4D2D75D7EB0}"/>
+          </ac:spMkLst>
+        </pc:spChg>
+        <pc:picChg chg="add mod modCrop">
+          <ac:chgData name="Rhett Marchant" userId="18df2c221d5c7175" providerId="LiveId" clId="{7133A3CE-13BC-A846-BD39-2206C18E2A82}" dt="2024-05-20T03:14:53.387" v="74" actId="1076"/>
+          <ac:picMkLst>
+            <pc:docMk/>
+            <pc:sldMk cId="2871830996" sldId="258"/>
+            <ac:picMk id="5" creationId="{BE882182-287A-DF7D-7FBF-290B152372A8}"/>
+          </ac:picMkLst>
+        </pc:picChg>
+        <pc:picChg chg="add mod modCrop">
+          <ac:chgData name="Rhett Marchant" userId="18df2c221d5c7175" providerId="LiveId" clId="{7133A3CE-13BC-A846-BD39-2206C18E2A82}" dt="2024-05-20T03:14:33.332" v="48" actId="1076"/>
+          <ac:picMkLst>
+            <pc:docMk/>
+            <pc:sldMk cId="2871830996" sldId="258"/>
+            <ac:picMk id="6" creationId="{84F1C8E0-8EBC-5D67-C8AB-4C448E8A871D}"/>
+          </ac:picMkLst>
+        </pc:picChg>
+        <pc:picChg chg="add del mod">
+          <ac:chgData name="Rhett Marchant" userId="18df2c221d5c7175" providerId="LiveId" clId="{7133A3CE-13BC-A846-BD39-2206C18E2A82}" dt="2024-05-20T04:18:29.911" v="435" actId="21"/>
+          <ac:picMkLst>
+            <pc:docMk/>
+            <pc:sldMk cId="2871830996" sldId="258"/>
+            <ac:picMk id="10" creationId="{65F5C901-F34E-AF48-0C3C-3C0DCD4270F9}"/>
+          </ac:picMkLst>
+        </pc:picChg>
+      </pc:sldChg>
+      <pc:sldChg chg="addSp delSp modSp new mod ord">
+        <pc:chgData name="Rhett Marchant" userId="18df2c221d5c7175" providerId="LiveId" clId="{7133A3CE-13BC-A846-BD39-2206C18E2A82}" dt="2024-05-20T04:18:38.262" v="438" actId="20578"/>
+        <pc:sldMkLst>
+          <pc:docMk/>
+          <pc:sldMk cId="408511297" sldId="259"/>
+        </pc:sldMkLst>
+        <pc:spChg chg="del">
+          <ac:chgData name="Rhett Marchant" userId="18df2c221d5c7175" providerId="LiveId" clId="{7133A3CE-13BC-A846-BD39-2206C18E2A82}" dt="2024-05-20T03:24:36.904" v="83" actId="478"/>
+          <ac:spMkLst>
+            <pc:docMk/>
+            <pc:sldMk cId="408511297" sldId="259"/>
+            <ac:spMk id="2" creationId="{C2257D81-2BF8-FB19-0C93-4D3E5BD08620}"/>
+          </ac:spMkLst>
+        </pc:spChg>
+        <pc:spChg chg="del">
+          <ac:chgData name="Rhett Marchant" userId="18df2c221d5c7175" providerId="LiveId" clId="{7133A3CE-13BC-A846-BD39-2206C18E2A82}" dt="2024-05-20T03:24:23.916" v="76"/>
+          <ac:spMkLst>
+            <pc:docMk/>
+            <pc:sldMk cId="408511297" sldId="259"/>
+            <ac:spMk id="3" creationId="{2CDCFF5F-0C33-3D5E-3D68-BAC3225E3412}"/>
+          </ac:spMkLst>
+        </pc:spChg>
+        <pc:spChg chg="add mod">
+          <ac:chgData name="Rhett Marchant" userId="18df2c221d5c7175" providerId="LiveId" clId="{7133A3CE-13BC-A846-BD39-2206C18E2A82}" dt="2024-05-20T03:30:18.046" v="238" actId="20577"/>
+          <ac:spMkLst>
+            <pc:docMk/>
+            <pc:sldMk cId="408511297" sldId="259"/>
+            <ac:spMk id="8" creationId="{53252BE0-099E-B350-F738-0C0AC79FDAC3}"/>
+          </ac:spMkLst>
+        </pc:spChg>
+        <pc:spChg chg="add mod">
+          <ac:chgData name="Rhett Marchant" userId="18df2c221d5c7175" providerId="LiveId" clId="{7133A3CE-13BC-A846-BD39-2206C18E2A82}" dt="2024-05-20T03:34:34.059" v="429" actId="14100"/>
+          <ac:spMkLst>
+            <pc:docMk/>
+            <pc:sldMk cId="408511297" sldId="259"/>
+            <ac:spMk id="16" creationId="{FECC1E8D-5D8F-552D-2AAC-9AF804D7395D}"/>
+          </ac:spMkLst>
+        </pc:spChg>
+        <pc:spChg chg="add mod">
+          <ac:chgData name="Rhett Marchant" userId="18df2c221d5c7175" providerId="LiveId" clId="{7133A3CE-13BC-A846-BD39-2206C18E2A82}" dt="2024-05-20T03:34:48.377" v="433" actId="207"/>
+          <ac:spMkLst>
+            <pc:docMk/>
+            <pc:sldMk cId="408511297" sldId="259"/>
+            <ac:spMk id="17" creationId="{A2AC2BE3-C7E5-6FB7-3E24-0C3005F4EE6D}"/>
+          </ac:spMkLst>
+        </pc:spChg>
+        <pc:spChg chg="add mod">
+          <ac:chgData name="Rhett Marchant" userId="18df2c221d5c7175" providerId="LiveId" clId="{7133A3CE-13BC-A846-BD39-2206C18E2A82}" dt="2024-05-20T03:32:21.213" v="395" actId="207"/>
+          <ac:spMkLst>
+            <pc:docMk/>
+            <pc:sldMk cId="408511297" sldId="259"/>
+            <ac:spMk id="18" creationId="{12CA9864-137A-C4AE-C3CB-FF73126C9076}"/>
+          </ac:spMkLst>
+        </pc:spChg>
+        <pc:spChg chg="add mod">
+          <ac:chgData name="Rhett Marchant" userId="18df2c221d5c7175" providerId="LiveId" clId="{7133A3CE-13BC-A846-BD39-2206C18E2A82}" dt="2024-05-20T03:34:39.809" v="432" actId="1037"/>
+          <ac:spMkLst>
+            <pc:docMk/>
+            <pc:sldMk cId="408511297" sldId="259"/>
+            <ac:spMk id="19" creationId="{6470C9D4-A76A-30ED-9A73-2D56044BA88D}"/>
+          </ac:spMkLst>
+        </pc:spChg>
+        <pc:picChg chg="add mod">
+          <ac:chgData name="Rhett Marchant" userId="18df2c221d5c7175" providerId="LiveId" clId="{7133A3CE-13BC-A846-BD39-2206C18E2A82}" dt="2024-05-20T03:24:35.713" v="82" actId="1076"/>
+          <ac:picMkLst>
+            <pc:docMk/>
+            <pc:sldMk cId="408511297" sldId="259"/>
+            <ac:picMk id="5" creationId="{C2F34E1E-CE71-284D-50E7-D1B97B2B45E0}"/>
+          </ac:picMkLst>
+        </pc:picChg>
+        <pc:picChg chg="add mod modCrop">
+          <ac:chgData name="Rhett Marchant" userId="18df2c221d5c7175" providerId="LiveId" clId="{7133A3CE-13BC-A846-BD39-2206C18E2A82}" dt="2024-05-20T03:25:42.374" v="96" actId="1076"/>
+          <ac:picMkLst>
+            <pc:docMk/>
+            <pc:sldMk cId="408511297" sldId="259"/>
+            <ac:picMk id="7" creationId="{BE28BE97-868E-5E4B-11E1-6E1455A7598E}"/>
+          </ac:picMkLst>
+        </pc:picChg>
+        <pc:cxnChg chg="add mod">
+          <ac:chgData name="Rhett Marchant" userId="18df2c221d5c7175" providerId="LiveId" clId="{7133A3CE-13BC-A846-BD39-2206C18E2A82}" dt="2024-05-20T03:30:16.006" v="236" actId="20577"/>
+          <ac:cxnSpMkLst>
+            <pc:docMk/>
+            <pc:sldMk cId="408511297" sldId="259"/>
+            <ac:cxnSpMk id="10" creationId="{45970703-F4E9-CAC2-FAE3-0887078CEC71}"/>
+          </ac:cxnSpMkLst>
+        </pc:cxnChg>
+        <pc:cxnChg chg="add mod">
+          <ac:chgData name="Rhett Marchant" userId="18df2c221d5c7175" providerId="LiveId" clId="{7133A3CE-13BC-A846-BD39-2206C18E2A82}" dt="2024-05-20T03:30:16.006" v="236" actId="20577"/>
+          <ac:cxnSpMkLst>
+            <pc:docMk/>
+            <pc:sldMk cId="408511297" sldId="259"/>
+            <ac:cxnSpMk id="11" creationId="{49C75B10-B760-3051-DE71-11ED3B60B748}"/>
+          </ac:cxnSpMkLst>
+        </pc:cxnChg>
+      </pc:sldChg>
+      <pc:sldChg chg="addSp delSp modSp new del mod">
+        <pc:chgData name="Rhett Marchant" userId="18df2c221d5c7175" providerId="LiveId" clId="{7133A3CE-13BC-A846-BD39-2206C18E2A82}" dt="2024-05-20T04:43:29.317" v="608" actId="2696"/>
+        <pc:sldMkLst>
+          <pc:docMk/>
+          <pc:sldMk cId="1047290812" sldId="260"/>
+        </pc:sldMkLst>
+        <pc:spChg chg="mod">
+          <ac:chgData name="Rhett Marchant" userId="18df2c221d5c7175" providerId="LiveId" clId="{7133A3CE-13BC-A846-BD39-2206C18E2A82}" dt="2024-05-20T04:19:08.529" v="478" actId="20577"/>
+          <ac:spMkLst>
+            <pc:docMk/>
+            <pc:sldMk cId="1047290812" sldId="260"/>
+            <ac:spMk id="2" creationId="{07C28BBB-BA6C-725F-BCA7-8EF8F43D7849}"/>
+          </ac:spMkLst>
+        </pc:spChg>
+        <pc:spChg chg="del">
+          <ac:chgData name="Rhett Marchant" userId="18df2c221d5c7175" providerId="LiveId" clId="{7133A3CE-13BC-A846-BD39-2206C18E2A82}" dt="2024-05-20T04:18:40.455" v="439" actId="478"/>
+          <ac:spMkLst>
+            <pc:docMk/>
+            <pc:sldMk cId="1047290812" sldId="260"/>
+            <ac:spMk id="3" creationId="{1B5DE6BC-381A-D1E0-6050-1F0D2F47BE6F}"/>
+          </ac:spMkLst>
+        </pc:spChg>
+        <pc:spChg chg="add mod">
+          <ac:chgData name="Rhett Marchant" userId="18df2c221d5c7175" providerId="LiveId" clId="{7133A3CE-13BC-A846-BD39-2206C18E2A82}" dt="2024-05-20T04:19:28.830" v="485" actId="20577"/>
+          <ac:spMkLst>
+            <pc:docMk/>
+            <pc:sldMk cId="1047290812" sldId="260"/>
+            <ac:spMk id="5" creationId="{C2756C06-2EC9-A884-1598-534DEEFDCCD5}"/>
+          </ac:spMkLst>
+        </pc:spChg>
+        <pc:picChg chg="add mod modCrop">
+          <ac:chgData name="Rhett Marchant" userId="18df2c221d5c7175" providerId="LiveId" clId="{7133A3CE-13BC-A846-BD39-2206C18E2A82}" dt="2024-05-20T04:18:59.218" v="446" actId="732"/>
+          <ac:picMkLst>
+            <pc:docMk/>
+            <pc:sldMk cId="1047290812" sldId="260"/>
+            <ac:picMk id="4" creationId="{33218225-E1A8-AB9A-AA7F-FAEDB3ABFE2A}"/>
+          </ac:picMkLst>
+        </pc:picChg>
+      </pc:sldChg>
+      <pc:sldChg chg="addSp delSp modSp new mod">
+        <pc:chgData name="Rhett Marchant" userId="18df2c221d5c7175" providerId="LiveId" clId="{7133A3CE-13BC-A846-BD39-2206C18E2A82}" dt="2024-05-20T04:43:25.743" v="605"/>
+        <pc:sldMkLst>
+          <pc:docMk/>
+          <pc:sldMk cId="1104159419" sldId="261"/>
+        </pc:sldMkLst>
+        <pc:spChg chg="del">
+          <ac:chgData name="Rhett Marchant" userId="18df2c221d5c7175" providerId="LiveId" clId="{7133A3CE-13BC-A846-BD39-2206C18E2A82}" dt="2024-05-20T04:38:46.659" v="487" actId="478"/>
+          <ac:spMkLst>
+            <pc:docMk/>
+            <pc:sldMk cId="1104159419" sldId="261"/>
+            <ac:spMk id="2" creationId="{1BDA0010-FD4B-E974-0B9B-C9CC53EE3AE0}"/>
+          </ac:spMkLst>
+        </pc:spChg>
+        <pc:spChg chg="del">
+          <ac:chgData name="Rhett Marchant" userId="18df2c221d5c7175" providerId="LiveId" clId="{7133A3CE-13BC-A846-BD39-2206C18E2A82}" dt="2024-05-20T04:38:46.659" v="487" actId="478"/>
+          <ac:spMkLst>
+            <pc:docMk/>
+            <pc:sldMk cId="1104159419" sldId="261"/>
+            <ac:spMk id="3" creationId="{EABF79AA-E730-8A15-3E8F-AD18D89F27DD}"/>
+          </ac:spMkLst>
+        </pc:spChg>
+        <pc:spChg chg="add mod">
+          <ac:chgData name="Rhett Marchant" userId="18df2c221d5c7175" providerId="LiveId" clId="{7133A3CE-13BC-A846-BD39-2206C18E2A82}" dt="2024-05-20T04:43:10.714" v="602" actId="1076"/>
+          <ac:spMkLst>
+            <pc:docMk/>
+            <pc:sldMk cId="1104159419" sldId="261"/>
+            <ac:spMk id="8" creationId="{D48FF451-34B7-17FE-707F-CE2F8E05A2EA}"/>
+          </ac:spMkLst>
+        </pc:spChg>
+        <pc:spChg chg="add mod">
+          <ac:chgData name="Rhett Marchant" userId="18df2c221d5c7175" providerId="LiveId" clId="{7133A3CE-13BC-A846-BD39-2206C18E2A82}" dt="2024-05-20T04:43:25.743" v="605"/>
+          <ac:spMkLst>
+            <pc:docMk/>
+            <pc:sldMk cId="1104159419" sldId="261"/>
+            <ac:spMk id="9" creationId="{8126CFCC-8630-49DA-B170-16B9E0584762}"/>
+          </ac:spMkLst>
+        </pc:spChg>
+        <pc:picChg chg="add mod">
+          <ac:chgData name="Rhett Marchant" userId="18df2c221d5c7175" providerId="LiveId" clId="{7133A3CE-13BC-A846-BD39-2206C18E2A82}" dt="2024-05-20T04:43:10.714" v="602" actId="1076"/>
+          <ac:picMkLst>
+            <pc:docMk/>
+            <pc:sldMk cId="1104159419" sldId="261"/>
+            <ac:picMk id="5" creationId="{C0AD08F7-A6F9-A120-67E3-0FC360AAEA1C}"/>
+          </ac:picMkLst>
+        </pc:picChg>
+        <pc:picChg chg="add del mod modCrop">
+          <ac:chgData name="Rhett Marchant" userId="18df2c221d5c7175" providerId="LiveId" clId="{7133A3CE-13BC-A846-BD39-2206C18E2A82}" dt="2024-05-20T04:40:18.800" v="511" actId="478"/>
+          <ac:picMkLst>
+            <pc:docMk/>
+            <pc:sldMk cId="1104159419" sldId="261"/>
+            <ac:picMk id="7" creationId="{52CDC77C-EA13-1531-DF45-AD953E45C52E}"/>
+          </ac:picMkLst>
+        </pc:picChg>
+      </pc:sldChg>
+      <pc:sldChg chg="addSp delSp modSp add mod">
+        <pc:chgData name="Rhett Marchant" userId="18df2c221d5c7175" providerId="LiveId" clId="{7133A3CE-13BC-A846-BD39-2206C18E2A82}" dt="2024-05-20T04:43:52.582" v="609" actId="1076"/>
+        <pc:sldMkLst>
+          <pc:docMk/>
+          <pc:sldMk cId="2689905132" sldId="262"/>
+        </pc:sldMkLst>
+        <pc:spChg chg="add mod">
+          <ac:chgData name="Rhett Marchant" userId="18df2c221d5c7175" providerId="LiveId" clId="{7133A3CE-13BC-A846-BD39-2206C18E2A82}" dt="2024-05-20T04:43:52.582" v="609" actId="1076"/>
+          <ac:spMkLst>
+            <pc:docMk/>
+            <pc:sldMk cId="2689905132" sldId="262"/>
+            <ac:spMk id="2" creationId="{5C756413-71E5-5B31-50A9-03E0EA18B5B8}"/>
+          </ac:spMkLst>
+        </pc:spChg>
+        <pc:spChg chg="add mod">
+          <ac:chgData name="Rhett Marchant" userId="18df2c221d5c7175" providerId="LiveId" clId="{7133A3CE-13BC-A846-BD39-2206C18E2A82}" dt="2024-05-20T04:43:26.487" v="606"/>
+          <ac:spMkLst>
+            <pc:docMk/>
+            <pc:sldMk cId="2689905132" sldId="262"/>
+            <ac:spMk id="3" creationId="{65FBD6B1-47C1-AC12-7F48-08E3B0349419}"/>
+          </ac:spMkLst>
+        </pc:spChg>
+        <pc:picChg chg="del">
+          <ac:chgData name="Rhett Marchant" userId="18df2c221d5c7175" providerId="LiveId" clId="{7133A3CE-13BC-A846-BD39-2206C18E2A82}" dt="2024-05-20T04:40:29.557" v="513" actId="478"/>
+          <ac:picMkLst>
+            <pc:docMk/>
+            <pc:sldMk cId="2689905132" sldId="262"/>
+            <ac:picMk id="5" creationId="{C0AD08F7-A6F9-A120-67E3-0FC360AAEA1C}"/>
+          </ac:picMkLst>
+        </pc:picChg>
+        <pc:picChg chg="mod">
+          <ac:chgData name="Rhett Marchant" userId="18df2c221d5c7175" providerId="LiveId" clId="{7133A3CE-13BC-A846-BD39-2206C18E2A82}" dt="2024-05-20T04:43:52.582" v="609" actId="1076"/>
+          <ac:picMkLst>
+            <pc:docMk/>
+            <pc:sldMk cId="2689905132" sldId="262"/>
+            <ac:picMk id="7" creationId="{52CDC77C-EA13-1531-DF45-AD953E45C52E}"/>
+          </ac:picMkLst>
+        </pc:picChg>
+      </pc:sldChg>
+      <pc:sldChg chg="addSp delSp modSp add mod">
+        <pc:chgData name="Rhett Marchant" userId="18df2c221d5c7175" providerId="LiveId" clId="{7133A3CE-13BC-A846-BD39-2206C18E2A82}" dt="2024-05-20T04:43:27.184" v="607"/>
+        <pc:sldMkLst>
+          <pc:docMk/>
+          <pc:sldMk cId="16592388" sldId="263"/>
+        </pc:sldMkLst>
+        <pc:spChg chg="add mod">
+          <ac:chgData name="Rhett Marchant" userId="18df2c221d5c7175" providerId="LiveId" clId="{7133A3CE-13BC-A846-BD39-2206C18E2A82}" dt="2024-05-20T04:43:22.040" v="604" actId="1076"/>
+          <ac:spMkLst>
+            <pc:docMk/>
+            <pc:sldMk cId="16592388" sldId="263"/>
+            <ac:spMk id="4" creationId="{06ADAE92-B156-B2CF-2357-565C16DEF4C2}"/>
+          </ac:spMkLst>
+        </pc:spChg>
+        <pc:spChg chg="add mod">
+          <ac:chgData name="Rhett Marchant" userId="18df2c221d5c7175" providerId="LiveId" clId="{7133A3CE-13BC-A846-BD39-2206C18E2A82}" dt="2024-05-20T04:43:27.184" v="607"/>
+          <ac:spMkLst>
+            <pc:docMk/>
+            <pc:sldMk cId="16592388" sldId="263"/>
+            <ac:spMk id="5" creationId="{453BF132-965B-EBB2-0039-AA86EB68072F}"/>
+          </ac:spMkLst>
+        </pc:spChg>
+        <pc:picChg chg="add mod modCrop">
+          <ac:chgData name="Rhett Marchant" userId="18df2c221d5c7175" providerId="LiveId" clId="{7133A3CE-13BC-A846-BD39-2206C18E2A82}" dt="2024-05-20T04:43:22.040" v="604" actId="1076"/>
+          <ac:picMkLst>
+            <pc:docMk/>
+            <pc:sldMk cId="16592388" sldId="263"/>
+            <ac:picMk id="3" creationId="{A74F5748-48D3-FC8A-7C70-DE1AE42825C1}"/>
+          </ac:picMkLst>
+        </pc:picChg>
+        <pc:picChg chg="del">
+          <ac:chgData name="Rhett Marchant" userId="18df2c221d5c7175" providerId="LiveId" clId="{7133A3CE-13BC-A846-BD39-2206C18E2A82}" dt="2024-05-20T04:41:45.453" v="531" actId="478"/>
+          <ac:picMkLst>
+            <pc:docMk/>
+            <pc:sldMk cId="16592388" sldId="263"/>
+            <ac:picMk id="7" creationId="{52CDC77C-EA13-1531-DF45-AD953E45C52E}"/>
+          </ac:picMkLst>
+        </pc:picChg>
+      </pc:sldChg>
+    </pc:docChg>
+  </pc:docChgLst>
+</pc:chgInfo>
 </file>
 
 <file path=ppt/slideLayouts/slideLayout1.xml><?xml version="1.0" encoding="utf-8"?>
@@ -257,7 +619,7 @@
           <a:p>
             <a:fld id="{3EF31678-6B82-5B4B-834D-D2CBD0B9CFEC}" type="datetimeFigureOut">
               <a:rPr lang="en-US" smtClean="0"/>
-              <a:t>4/23/24</a:t>
+              <a:t>5/20/24</a:t>
             </a:fld>
             <a:endParaRPr lang="en-US"/>
           </a:p>
@@ -457,7 +819,7 @@
           <a:p>
             <a:fld id="{3EF31678-6B82-5B4B-834D-D2CBD0B9CFEC}" type="datetimeFigureOut">
               <a:rPr lang="en-US" smtClean="0"/>
-              <a:t>4/23/24</a:t>
+              <a:t>5/20/24</a:t>
             </a:fld>
             <a:endParaRPr lang="en-US"/>
           </a:p>
@@ -667,7 +1029,7 @@
           <a:p>
             <a:fld id="{3EF31678-6B82-5B4B-834D-D2CBD0B9CFEC}" type="datetimeFigureOut">
               <a:rPr lang="en-US" smtClean="0"/>
-              <a:t>4/23/24</a:t>
+              <a:t>5/20/24</a:t>
             </a:fld>
             <a:endParaRPr lang="en-US"/>
           </a:p>
@@ -867,7 +1229,7 @@
           <a:p>
             <a:fld id="{3EF31678-6B82-5B4B-834D-D2CBD0B9CFEC}" type="datetimeFigureOut">
               <a:rPr lang="en-US" smtClean="0"/>
-              <a:t>4/23/24</a:t>
+              <a:t>5/20/24</a:t>
             </a:fld>
             <a:endParaRPr lang="en-US"/>
           </a:p>
@@ -1143,7 +1505,7 @@
           <a:p>
             <a:fld id="{3EF31678-6B82-5B4B-834D-D2CBD0B9CFEC}" type="datetimeFigureOut">
               <a:rPr lang="en-US" smtClean="0"/>
-              <a:t>4/23/24</a:t>
+              <a:t>5/20/24</a:t>
             </a:fld>
             <a:endParaRPr lang="en-US"/>
           </a:p>
@@ -1411,7 +1773,7 @@
           <a:p>
             <a:fld id="{3EF31678-6B82-5B4B-834D-D2CBD0B9CFEC}" type="datetimeFigureOut">
               <a:rPr lang="en-US" smtClean="0"/>
-              <a:t>4/23/24</a:t>
+              <a:t>5/20/24</a:t>
             </a:fld>
             <a:endParaRPr lang="en-US"/>
           </a:p>
@@ -1826,7 +2188,7 @@
           <a:p>
             <a:fld id="{3EF31678-6B82-5B4B-834D-D2CBD0B9CFEC}" type="datetimeFigureOut">
               <a:rPr lang="en-US" smtClean="0"/>
-              <a:t>4/23/24</a:t>
+              <a:t>5/20/24</a:t>
             </a:fld>
             <a:endParaRPr lang="en-US"/>
           </a:p>
@@ -1968,7 +2330,7 @@
           <a:p>
             <a:fld id="{3EF31678-6B82-5B4B-834D-D2CBD0B9CFEC}" type="datetimeFigureOut">
               <a:rPr lang="en-US" smtClean="0"/>
-              <a:t>4/23/24</a:t>
+              <a:t>5/20/24</a:t>
             </a:fld>
             <a:endParaRPr lang="en-US"/>
           </a:p>
@@ -2081,7 +2443,7 @@
           <a:p>
             <a:fld id="{3EF31678-6B82-5B4B-834D-D2CBD0B9CFEC}" type="datetimeFigureOut">
               <a:rPr lang="en-US" smtClean="0"/>
-              <a:t>4/23/24</a:t>
+              <a:t>5/20/24</a:t>
             </a:fld>
             <a:endParaRPr lang="en-US"/>
           </a:p>
@@ -2394,7 +2756,7 @@
           <a:p>
             <a:fld id="{3EF31678-6B82-5B4B-834D-D2CBD0B9CFEC}" type="datetimeFigureOut">
               <a:rPr lang="en-US" smtClean="0"/>
-              <a:t>4/23/24</a:t>
+              <a:t>5/20/24</a:t>
             </a:fld>
             <a:endParaRPr lang="en-US"/>
           </a:p>
@@ -2683,7 +3045,7 @@
           <a:p>
             <a:fld id="{3EF31678-6B82-5B4B-834D-D2CBD0B9CFEC}" type="datetimeFigureOut">
               <a:rPr lang="en-US" smtClean="0"/>
-              <a:t>4/23/24</a:t>
+              <a:t>5/20/24</a:t>
             </a:fld>
             <a:endParaRPr lang="en-US"/>
           </a:p>
@@ -2926,7 +3288,7 @@
           <a:p>
             <a:fld id="{3EF31678-6B82-5B4B-834D-D2CBD0B9CFEC}" type="datetimeFigureOut">
               <a:rPr lang="en-US" smtClean="0"/>
-              <a:t>4/23/24</a:t>
+              <a:t>5/20/24</a:t>
             </a:fld>
             <a:endParaRPr lang="en-US"/>
           </a:p>
@@ -3510,6 +3872,964 @@
     <p:extLst>
       <p:ext uri="{BB962C8B-B14F-4D97-AF65-F5344CB8AC3E}">
         <p14:creationId xmlns:p14="http://schemas.microsoft.com/office/powerpoint/2010/main" val="1867753254"/>
+      </p:ext>
+    </p:extLst>
+  </p:cSld>
+  <p:clrMapOvr>
+    <a:masterClrMapping/>
+  </p:clrMapOvr>
+</p:sld>
+</file>
+
+<file path=ppt/slides/slide3.xml><?xml version="1.0" encoding="utf-8"?>
+<p:sld xmlns:a="http://schemas.openxmlformats.org/drawingml/2006/main" xmlns:r="http://schemas.openxmlformats.org/officeDocument/2006/relationships" xmlns:p="http://schemas.openxmlformats.org/presentationml/2006/main">
+  <p:cSld>
+    <p:spTree>
+      <p:nvGrpSpPr>
+        <p:cNvPr id="1" name=""/>
+        <p:cNvGrpSpPr/>
+        <p:nvPr/>
+      </p:nvGrpSpPr>
+      <p:grpSpPr>
+        <a:xfrm>
+          <a:off x="0" y="0"/>
+          <a:ext cx="0" cy="0"/>
+          <a:chOff x="0" y="0"/>
+          <a:chExt cx="0" cy="0"/>
+        </a:xfrm>
+      </p:grpSpPr>
+      <p:pic>
+        <p:nvPicPr>
+          <p:cNvPr id="5" name="Content Placeholder 4" descr="A screenshot of a computer&#10;&#10;Description automatically generated">
+            <a:extLst>
+              <a:ext uri="{FF2B5EF4-FFF2-40B4-BE49-F238E27FC236}">
+                <a16:creationId xmlns:a16="http://schemas.microsoft.com/office/drawing/2014/main" id="{C2F34E1E-CE71-284D-50E7-D1B97B2B45E0}"/>
+              </a:ext>
+            </a:extLst>
+          </p:cNvPr>
+          <p:cNvPicPr>
+            <a:picLocks noGrp="1" noChangeAspect="1"/>
+          </p:cNvPicPr>
+          <p:nvPr>
+            <p:ph idx="1"/>
+          </p:nvPr>
+        </p:nvPicPr>
+        <p:blipFill>
+          <a:blip r:embed="rId2"/>
+          <a:stretch>
+            <a:fillRect/>
+          </a:stretch>
+        </p:blipFill>
+        <p:spPr>
+          <a:xfrm>
+            <a:off x="161554" y="1169409"/>
+            <a:ext cx="11868892" cy="5688591"/>
+          </a:xfrm>
+        </p:spPr>
+      </p:pic>
+      <p:pic>
+        <p:nvPicPr>
+          <p:cNvPr id="7" name="Picture 6">
+            <a:extLst>
+              <a:ext uri="{FF2B5EF4-FFF2-40B4-BE49-F238E27FC236}">
+                <a16:creationId xmlns:a16="http://schemas.microsoft.com/office/drawing/2014/main" id="{BE28BE97-868E-5E4B-11E1-6E1455A7598E}"/>
+              </a:ext>
+            </a:extLst>
+          </p:cNvPr>
+          <p:cNvPicPr>
+            <a:picLocks noChangeAspect="1"/>
+          </p:cNvPicPr>
+          <p:nvPr/>
+        </p:nvPicPr>
+        <p:blipFill rotWithShape="1">
+          <a:blip r:embed="rId3"/>
+          <a:srcRect l="1760" r="30323" b="10365"/>
+          <a:stretch/>
+        </p:blipFill>
+        <p:spPr>
+          <a:xfrm>
+            <a:off x="171553" y="255682"/>
+            <a:ext cx="11848893" cy="821278"/>
+          </a:xfrm>
+          <a:prstGeom prst="rect">
+            <a:avLst/>
+          </a:prstGeom>
+        </p:spPr>
+      </p:pic>
+      <p:sp>
+        <p:nvSpPr>
+          <p:cNvPr id="8" name="TextBox 7">
+            <a:extLst>
+              <a:ext uri="{FF2B5EF4-FFF2-40B4-BE49-F238E27FC236}">
+                <a16:creationId xmlns:a16="http://schemas.microsoft.com/office/drawing/2014/main" id="{53252BE0-099E-B350-F738-0C0AC79FDAC3}"/>
+              </a:ext>
+            </a:extLst>
+          </p:cNvPr>
+          <p:cNvSpPr txBox="1"/>
+          <p:nvPr/>
+        </p:nvSpPr>
+        <p:spPr>
+          <a:xfrm>
+            <a:off x="2838175" y="2204720"/>
+            <a:ext cx="6583021" cy="369332"/>
+          </a:xfrm>
+          <a:prstGeom prst="rect">
+            <a:avLst/>
+          </a:prstGeom>
+          <a:solidFill>
+            <a:schemeClr val="bg1"/>
+          </a:solidFill>
+        </p:spPr>
+        <p:txBody>
+          <a:bodyPr wrap="none" rtlCol="0">
+            <a:spAutoFit/>
+          </a:bodyPr>
+          <a:lstStyle/>
+          <a:p>
+            <a:r>
+              <a:rPr lang="en-US" dirty="0" err="1"/>
+              <a:t>Exonic</a:t>
+            </a:r>
+            <a:r>
+              <a:rPr lang="en-US" dirty="0"/>
+              <a:t> donor (takes final exon G) and intronic acceptor (new AG)</a:t>
+            </a:r>
+          </a:p>
+        </p:txBody>
+      </p:sp>
+      <p:cxnSp>
+        <p:nvCxnSpPr>
+          <p:cNvPr id="10" name="Straight Arrow Connector 9">
+            <a:extLst>
+              <a:ext uri="{FF2B5EF4-FFF2-40B4-BE49-F238E27FC236}">
+                <a16:creationId xmlns:a16="http://schemas.microsoft.com/office/drawing/2014/main" id="{45970703-F4E9-CAC2-FAE3-0887078CEC71}"/>
+              </a:ext>
+            </a:extLst>
+          </p:cNvPr>
+          <p:cNvCxnSpPr>
+            <a:cxnSpLocks/>
+            <a:stCxn id="8" idx="3"/>
+          </p:cNvCxnSpPr>
+          <p:nvPr/>
+        </p:nvCxnSpPr>
+        <p:spPr>
+          <a:xfrm>
+            <a:off x="9421196" y="2389386"/>
+            <a:ext cx="677844" cy="0"/>
+          </a:xfrm>
+          <a:prstGeom prst="straightConnector1">
+            <a:avLst/>
+          </a:prstGeom>
+          <a:ln w="38100">
+            <a:solidFill>
+              <a:srgbClr val="FF0000"/>
+            </a:solidFill>
+            <a:tailEnd type="triangle"/>
+          </a:ln>
+        </p:spPr>
+        <p:style>
+          <a:lnRef idx="2">
+            <a:schemeClr val="accent1"/>
+          </a:lnRef>
+          <a:fillRef idx="0">
+            <a:schemeClr val="accent1"/>
+          </a:fillRef>
+          <a:effectRef idx="1">
+            <a:schemeClr val="accent1"/>
+          </a:effectRef>
+          <a:fontRef idx="minor">
+            <a:schemeClr val="tx1"/>
+          </a:fontRef>
+        </p:style>
+      </p:cxnSp>
+      <p:cxnSp>
+        <p:nvCxnSpPr>
+          <p:cNvPr id="11" name="Straight Arrow Connector 10">
+            <a:extLst>
+              <a:ext uri="{FF2B5EF4-FFF2-40B4-BE49-F238E27FC236}">
+                <a16:creationId xmlns:a16="http://schemas.microsoft.com/office/drawing/2014/main" id="{49C75B10-B760-3051-DE71-11ED3B60B748}"/>
+              </a:ext>
+            </a:extLst>
+          </p:cNvPr>
+          <p:cNvCxnSpPr>
+            <a:cxnSpLocks/>
+            <a:stCxn id="8" idx="1"/>
+          </p:cNvCxnSpPr>
+          <p:nvPr/>
+        </p:nvCxnSpPr>
+        <p:spPr>
+          <a:xfrm flipH="1">
+            <a:off x="2258609" y="2389386"/>
+            <a:ext cx="579566" cy="1786"/>
+          </a:xfrm>
+          <a:prstGeom prst="straightConnector1">
+            <a:avLst/>
+          </a:prstGeom>
+          <a:ln w="38100">
+            <a:solidFill>
+              <a:srgbClr val="FF0000"/>
+            </a:solidFill>
+            <a:tailEnd type="triangle"/>
+          </a:ln>
+        </p:spPr>
+        <p:style>
+          <a:lnRef idx="2">
+            <a:schemeClr val="accent1"/>
+          </a:lnRef>
+          <a:fillRef idx="0">
+            <a:schemeClr val="accent1"/>
+          </a:fillRef>
+          <a:effectRef idx="1">
+            <a:schemeClr val="accent1"/>
+          </a:effectRef>
+          <a:fontRef idx="minor">
+            <a:schemeClr val="tx1"/>
+          </a:fontRef>
+        </p:style>
+      </p:cxnSp>
+      <p:sp>
+        <p:nvSpPr>
+          <p:cNvPr id="16" name="TextBox 15">
+            <a:extLst>
+              <a:ext uri="{FF2B5EF4-FFF2-40B4-BE49-F238E27FC236}">
+                <a16:creationId xmlns:a16="http://schemas.microsoft.com/office/drawing/2014/main" id="{FECC1E8D-5D8F-552D-2AAC-9AF804D7395D}"/>
+              </a:ext>
+            </a:extLst>
+          </p:cNvPr>
+          <p:cNvSpPr txBox="1"/>
+          <p:nvPr/>
+        </p:nvSpPr>
+        <p:spPr>
+          <a:xfrm>
+            <a:off x="1352601" y="4100162"/>
+            <a:ext cx="974039" cy="369332"/>
+          </a:xfrm>
+          <a:prstGeom prst="rect">
+            <a:avLst/>
+          </a:prstGeom>
+          <a:solidFill>
+            <a:schemeClr val="bg1">
+              <a:alpha val="60000"/>
+            </a:schemeClr>
+          </a:solidFill>
+        </p:spPr>
+        <p:txBody>
+          <a:bodyPr wrap="square" rtlCol="0">
+            <a:spAutoFit/>
+          </a:bodyPr>
+          <a:lstStyle/>
+          <a:p>
+            <a:pPr algn="ctr"/>
+            <a:r>
+              <a:rPr lang="en-US" dirty="0"/>
+              <a:t>GCCAG</a:t>
+            </a:r>
+          </a:p>
+        </p:txBody>
+      </p:sp>
+      <p:sp>
+        <p:nvSpPr>
+          <p:cNvPr id="17" name="TextBox 16">
+            <a:extLst>
+              <a:ext uri="{FF2B5EF4-FFF2-40B4-BE49-F238E27FC236}">
+                <a16:creationId xmlns:a16="http://schemas.microsoft.com/office/drawing/2014/main" id="{A2AC2BE3-C7E5-6FB7-3E24-0C3005F4EE6D}"/>
+              </a:ext>
+            </a:extLst>
+          </p:cNvPr>
+          <p:cNvSpPr txBox="1"/>
+          <p:nvPr/>
+        </p:nvSpPr>
+        <p:spPr>
+          <a:xfrm>
+            <a:off x="9895841" y="3096005"/>
+            <a:ext cx="1300480" cy="369332"/>
+          </a:xfrm>
+          <a:prstGeom prst="rect">
+            <a:avLst/>
+          </a:prstGeom>
+          <a:solidFill>
+            <a:schemeClr val="bg1">
+              <a:alpha val="60000"/>
+            </a:schemeClr>
+          </a:solidFill>
+        </p:spPr>
+        <p:txBody>
+          <a:bodyPr wrap="square" rtlCol="0">
+            <a:spAutoFit/>
+          </a:bodyPr>
+          <a:lstStyle/>
+          <a:p>
+            <a:r>
+              <a:rPr lang="en-US" dirty="0" err="1"/>
+              <a:t>t</a:t>
+            </a:r>
+            <a:r>
+              <a:rPr lang="en-US" dirty="0" err="1">
+                <a:solidFill>
+                  <a:srgbClr val="FF0000"/>
+                </a:solidFill>
+              </a:rPr>
+              <a:t>aG</a:t>
+            </a:r>
+            <a:r>
+              <a:rPr lang="en-US" dirty="0" err="1"/>
+              <a:t>CCAG</a:t>
+            </a:r>
+            <a:endParaRPr lang="en-US" dirty="0"/>
+          </a:p>
+        </p:txBody>
+      </p:sp>
+      <p:sp>
+        <p:nvSpPr>
+          <p:cNvPr id="18" name="TextBox 17">
+            <a:extLst>
+              <a:ext uri="{FF2B5EF4-FFF2-40B4-BE49-F238E27FC236}">
+                <a16:creationId xmlns:a16="http://schemas.microsoft.com/office/drawing/2014/main" id="{12CA9864-137A-C4AE-C3CB-FF73126C9076}"/>
+              </a:ext>
+            </a:extLst>
+          </p:cNvPr>
+          <p:cNvSpPr txBox="1"/>
+          <p:nvPr/>
+        </p:nvSpPr>
+        <p:spPr>
+          <a:xfrm>
+            <a:off x="10373361" y="4091348"/>
+            <a:ext cx="1463040" cy="369332"/>
+          </a:xfrm>
+          <a:prstGeom prst="rect">
+            <a:avLst/>
+          </a:prstGeom>
+          <a:solidFill>
+            <a:schemeClr val="bg1">
+              <a:alpha val="60000"/>
+            </a:schemeClr>
+          </a:solidFill>
+        </p:spPr>
+        <p:txBody>
+          <a:bodyPr wrap="square" rtlCol="0">
+            <a:spAutoFit/>
+          </a:bodyPr>
+          <a:lstStyle/>
+          <a:p>
+            <a:r>
+              <a:rPr lang="en-US" dirty="0" err="1"/>
+              <a:t>cagGTATG</a:t>
+            </a:r>
+            <a:endParaRPr lang="en-US" dirty="0"/>
+          </a:p>
+        </p:txBody>
+      </p:sp>
+      <p:sp>
+        <p:nvSpPr>
+          <p:cNvPr id="19" name="TextBox 18">
+            <a:extLst>
+              <a:ext uri="{FF2B5EF4-FFF2-40B4-BE49-F238E27FC236}">
+                <a16:creationId xmlns:a16="http://schemas.microsoft.com/office/drawing/2014/main" id="{6470C9D4-A76A-30ED-9A73-2D56044BA88D}"/>
+              </a:ext>
+            </a:extLst>
+          </p:cNvPr>
+          <p:cNvSpPr txBox="1"/>
+          <p:nvPr/>
+        </p:nvSpPr>
+        <p:spPr>
+          <a:xfrm>
+            <a:off x="1474521" y="3125708"/>
+            <a:ext cx="831799" cy="369332"/>
+          </a:xfrm>
+          <a:prstGeom prst="rect">
+            <a:avLst/>
+          </a:prstGeom>
+          <a:solidFill>
+            <a:schemeClr val="bg1">
+              <a:alpha val="60000"/>
+            </a:schemeClr>
+          </a:solidFill>
+        </p:spPr>
+        <p:txBody>
+          <a:bodyPr wrap="square" rtlCol="0">
+            <a:spAutoFit/>
+          </a:bodyPr>
+          <a:lstStyle/>
+          <a:p>
+            <a:pPr algn="ctr"/>
+            <a:r>
+              <a:rPr lang="en-US" dirty="0"/>
+              <a:t>GCCA</a:t>
+            </a:r>
+          </a:p>
+        </p:txBody>
+      </p:sp>
+    </p:spTree>
+    <p:extLst>
+      <p:ext uri="{BB962C8B-B14F-4D97-AF65-F5344CB8AC3E}">
+        <p14:creationId xmlns:p14="http://schemas.microsoft.com/office/powerpoint/2010/main" val="408511297"/>
+      </p:ext>
+    </p:extLst>
+  </p:cSld>
+  <p:clrMapOvr>
+    <a:masterClrMapping/>
+  </p:clrMapOvr>
+</p:sld>
+</file>
+
+<file path=ppt/slides/slide4.xml><?xml version="1.0" encoding="utf-8"?>
+<p:sld xmlns:a="http://schemas.openxmlformats.org/drawingml/2006/main" xmlns:r="http://schemas.openxmlformats.org/officeDocument/2006/relationships" xmlns:p="http://schemas.openxmlformats.org/presentationml/2006/main">
+  <p:cSld>
+    <p:spTree>
+      <p:nvGrpSpPr>
+        <p:cNvPr id="1" name=""/>
+        <p:cNvGrpSpPr/>
+        <p:nvPr/>
+      </p:nvGrpSpPr>
+      <p:grpSpPr>
+        <a:xfrm>
+          <a:off x="0" y="0"/>
+          <a:ext cx="0" cy="0"/>
+          <a:chOff x="0" y="0"/>
+          <a:chExt cx="0" cy="0"/>
+        </a:xfrm>
+      </p:grpSpPr>
+      <p:sp>
+        <p:nvSpPr>
+          <p:cNvPr id="2" name="Title 1">
+            <a:extLst>
+              <a:ext uri="{FF2B5EF4-FFF2-40B4-BE49-F238E27FC236}">
+                <a16:creationId xmlns:a16="http://schemas.microsoft.com/office/drawing/2014/main" id="{249115FB-225B-60BD-2028-785633E8564D}"/>
+              </a:ext>
+            </a:extLst>
+          </p:cNvPr>
+          <p:cNvSpPr>
+            <a:spLocks noGrp="1"/>
+          </p:cNvSpPr>
+          <p:nvPr>
+            <p:ph type="title"/>
+          </p:nvPr>
+        </p:nvSpPr>
+        <p:spPr/>
+        <p:txBody>
+          <a:bodyPr/>
+          <a:lstStyle/>
+          <a:p>
+            <a:r>
+              <a:rPr lang="en-US" i="1" dirty="0"/>
+              <a:t>GALT</a:t>
+            </a:r>
+          </a:p>
+        </p:txBody>
+      </p:sp>
+      <p:pic>
+        <p:nvPicPr>
+          <p:cNvPr id="5" name="Content Placeholder 4" descr="A screenshot of a graph&#10;&#10;Description automatically generated">
+            <a:extLst>
+              <a:ext uri="{FF2B5EF4-FFF2-40B4-BE49-F238E27FC236}">
+                <a16:creationId xmlns:a16="http://schemas.microsoft.com/office/drawing/2014/main" id="{BE882182-287A-DF7D-7FBF-290B152372A8}"/>
+              </a:ext>
+            </a:extLst>
+          </p:cNvPr>
+          <p:cNvPicPr>
+            <a:picLocks noGrp="1" noChangeAspect="1"/>
+          </p:cNvPicPr>
+          <p:nvPr>
+            <p:ph idx="1"/>
+          </p:nvPr>
+        </p:nvPicPr>
+        <p:blipFill rotWithShape="1">
+          <a:blip r:embed="rId2"/>
+          <a:srcRect l="1053" t="55249" r="1882" b="2208"/>
+          <a:stretch/>
+        </p:blipFill>
+        <p:spPr>
+          <a:xfrm>
+            <a:off x="304800" y="4460875"/>
+            <a:ext cx="11409680" cy="2153920"/>
+          </a:xfrm>
+        </p:spPr>
+      </p:pic>
+      <p:pic>
+        <p:nvPicPr>
+          <p:cNvPr id="6" name="Content Placeholder 4" descr="A screenshot of a graph&#10;&#10;Description automatically generated">
+            <a:extLst>
+              <a:ext uri="{FF2B5EF4-FFF2-40B4-BE49-F238E27FC236}">
+                <a16:creationId xmlns:a16="http://schemas.microsoft.com/office/drawing/2014/main" id="{84F1C8E0-8EBC-5D67-C8AB-4C448E8A871D}"/>
+              </a:ext>
+            </a:extLst>
+          </p:cNvPr>
+          <p:cNvPicPr>
+            <a:picLocks noChangeAspect="1"/>
+          </p:cNvPicPr>
+          <p:nvPr/>
+        </p:nvPicPr>
+        <p:blipFill rotWithShape="1">
+          <a:blip r:embed="rId2"/>
+          <a:srcRect l="1053" t="1869" r="8537" b="55588"/>
+          <a:stretch/>
+        </p:blipFill>
+        <p:spPr>
+          <a:xfrm>
+            <a:off x="304800" y="1788795"/>
+            <a:ext cx="10627360" cy="2153919"/>
+          </a:xfrm>
+          <a:prstGeom prst="rect">
+            <a:avLst/>
+          </a:prstGeom>
+        </p:spPr>
+      </p:pic>
+      <p:sp>
+        <p:nvSpPr>
+          <p:cNvPr id="7" name="TextBox 6">
+            <a:extLst>
+              <a:ext uri="{FF2B5EF4-FFF2-40B4-BE49-F238E27FC236}">
+                <a16:creationId xmlns:a16="http://schemas.microsoft.com/office/drawing/2014/main" id="{6D3E756C-8855-57B2-AAB6-68D3885C2710}"/>
+              </a:ext>
+            </a:extLst>
+          </p:cNvPr>
+          <p:cNvSpPr txBox="1"/>
+          <p:nvPr/>
+        </p:nvSpPr>
+        <p:spPr>
+          <a:xfrm>
+            <a:off x="304800" y="1392554"/>
+            <a:ext cx="2122697" cy="369332"/>
+          </a:xfrm>
+          <a:prstGeom prst="rect">
+            <a:avLst/>
+          </a:prstGeom>
+          <a:noFill/>
+        </p:spPr>
+        <p:txBody>
+          <a:bodyPr wrap="none" rtlCol="0">
+            <a:spAutoFit/>
+          </a:bodyPr>
+          <a:lstStyle/>
+          <a:p>
+            <a:r>
+              <a:rPr lang="en-US" dirty="0"/>
+              <a:t>Junctions Identified</a:t>
+            </a:r>
+          </a:p>
+        </p:txBody>
+      </p:sp>
+      <p:sp>
+        <p:nvSpPr>
+          <p:cNvPr id="8" name="TextBox 7">
+            <a:extLst>
+              <a:ext uri="{FF2B5EF4-FFF2-40B4-BE49-F238E27FC236}">
+                <a16:creationId xmlns:a16="http://schemas.microsoft.com/office/drawing/2014/main" id="{60E3A48F-E9C7-57C6-3EDC-D4D2D75D7EB0}"/>
+              </a:ext>
+            </a:extLst>
+          </p:cNvPr>
+          <p:cNvSpPr txBox="1"/>
+          <p:nvPr/>
+        </p:nvSpPr>
+        <p:spPr>
+          <a:xfrm>
+            <a:off x="304799" y="4132974"/>
+            <a:ext cx="2069797" cy="369332"/>
+          </a:xfrm>
+          <a:prstGeom prst="rect">
+            <a:avLst/>
+          </a:prstGeom>
+          <a:noFill/>
+        </p:spPr>
+        <p:txBody>
+          <a:bodyPr wrap="none" rtlCol="0">
+            <a:spAutoFit/>
+          </a:bodyPr>
+          <a:lstStyle/>
+          <a:p>
+            <a:r>
+              <a:rPr lang="en-US" dirty="0"/>
+              <a:t>Reads per Junction</a:t>
+            </a:r>
+          </a:p>
+        </p:txBody>
+      </p:sp>
+    </p:spTree>
+    <p:extLst>
+      <p:ext uri="{BB962C8B-B14F-4D97-AF65-F5344CB8AC3E}">
+        <p14:creationId xmlns:p14="http://schemas.microsoft.com/office/powerpoint/2010/main" val="2871830996"/>
+      </p:ext>
+    </p:extLst>
+  </p:cSld>
+  <p:clrMapOvr>
+    <a:masterClrMapping/>
+  </p:clrMapOvr>
+</p:sld>
+</file>
+
+<file path=ppt/slides/slide5.xml><?xml version="1.0" encoding="utf-8"?>
+<p:sld xmlns:a="http://schemas.openxmlformats.org/drawingml/2006/main" xmlns:r="http://schemas.openxmlformats.org/officeDocument/2006/relationships" xmlns:p="http://schemas.openxmlformats.org/presentationml/2006/main">
+  <p:cSld>
+    <p:spTree>
+      <p:nvGrpSpPr>
+        <p:cNvPr id="1" name=""/>
+        <p:cNvGrpSpPr/>
+        <p:nvPr/>
+      </p:nvGrpSpPr>
+      <p:grpSpPr>
+        <a:xfrm>
+          <a:off x="0" y="0"/>
+          <a:ext cx="0" cy="0"/>
+          <a:chOff x="0" y="0"/>
+          <a:chExt cx="0" cy="0"/>
+        </a:xfrm>
+      </p:grpSpPr>
+      <p:pic>
+        <p:nvPicPr>
+          <p:cNvPr id="5" name="Picture 4" descr="A pie chart with many colors&#10;&#10;Description automatically generated">
+            <a:extLst>
+              <a:ext uri="{FF2B5EF4-FFF2-40B4-BE49-F238E27FC236}">
+                <a16:creationId xmlns:a16="http://schemas.microsoft.com/office/drawing/2014/main" id="{C0AD08F7-A6F9-A120-67E3-0FC360AAEA1C}"/>
+              </a:ext>
+            </a:extLst>
+          </p:cNvPr>
+          <p:cNvPicPr>
+            <a:picLocks noChangeAspect="1"/>
+          </p:cNvPicPr>
+          <p:nvPr/>
+        </p:nvPicPr>
+        <p:blipFill>
+          <a:blip r:embed="rId2"/>
+          <a:stretch>
+            <a:fillRect/>
+          </a:stretch>
+        </p:blipFill>
+        <p:spPr>
+          <a:xfrm>
+            <a:off x="273050" y="1937751"/>
+            <a:ext cx="11645900" cy="4587778"/>
+          </a:xfrm>
+          <a:prstGeom prst="rect">
+            <a:avLst/>
+          </a:prstGeom>
+        </p:spPr>
+      </p:pic>
+      <p:sp>
+        <p:nvSpPr>
+          <p:cNvPr id="8" name="TextBox 7">
+            <a:extLst>
+              <a:ext uri="{FF2B5EF4-FFF2-40B4-BE49-F238E27FC236}">
+                <a16:creationId xmlns:a16="http://schemas.microsoft.com/office/drawing/2014/main" id="{D48FF451-34B7-17FE-707F-CE2F8E05A2EA}"/>
+              </a:ext>
+            </a:extLst>
+          </p:cNvPr>
+          <p:cNvSpPr txBox="1"/>
+          <p:nvPr/>
+        </p:nvSpPr>
+        <p:spPr>
+          <a:xfrm>
+            <a:off x="345440" y="1568419"/>
+            <a:ext cx="2424062" cy="369332"/>
+          </a:xfrm>
+          <a:prstGeom prst="rect">
+            <a:avLst/>
+          </a:prstGeom>
+          <a:noFill/>
+        </p:spPr>
+        <p:txBody>
+          <a:bodyPr wrap="none" rtlCol="0">
+            <a:spAutoFit/>
+          </a:bodyPr>
+          <a:lstStyle/>
+          <a:p>
+            <a:r>
+              <a:rPr lang="en-US" dirty="0"/>
+              <a:t>All Junctions Identified</a:t>
+            </a:r>
+          </a:p>
+        </p:txBody>
+      </p:sp>
+      <p:sp>
+        <p:nvSpPr>
+          <p:cNvPr id="9" name="Title 1">
+            <a:extLst>
+              <a:ext uri="{FF2B5EF4-FFF2-40B4-BE49-F238E27FC236}">
+                <a16:creationId xmlns:a16="http://schemas.microsoft.com/office/drawing/2014/main" id="{8126CFCC-8630-49DA-B170-16B9E0584762}"/>
+              </a:ext>
+            </a:extLst>
+          </p:cNvPr>
+          <p:cNvSpPr>
+            <a:spLocks noGrp="1"/>
+          </p:cNvSpPr>
+          <p:nvPr>
+            <p:ph type="title"/>
+          </p:nvPr>
+        </p:nvSpPr>
+        <p:spPr>
+          <a:xfrm>
+            <a:off x="838200" y="365125"/>
+            <a:ext cx="10515600" cy="1325563"/>
+          </a:xfrm>
+        </p:spPr>
+        <p:txBody>
+          <a:bodyPr/>
+          <a:lstStyle/>
+          <a:p>
+            <a:r>
+              <a:rPr lang="en-US" dirty="0"/>
+              <a:t>FRASER for Family IK</a:t>
+            </a:r>
+          </a:p>
+        </p:txBody>
+      </p:sp>
+    </p:spTree>
+    <p:extLst>
+      <p:ext uri="{BB962C8B-B14F-4D97-AF65-F5344CB8AC3E}">
+        <p14:creationId xmlns:p14="http://schemas.microsoft.com/office/powerpoint/2010/main" val="1104159419"/>
+      </p:ext>
+    </p:extLst>
+  </p:cSld>
+  <p:clrMapOvr>
+    <a:masterClrMapping/>
+  </p:clrMapOvr>
+</p:sld>
+</file>
+
+<file path=ppt/slides/slide6.xml><?xml version="1.0" encoding="utf-8"?>
+<p:sld xmlns:a="http://schemas.openxmlformats.org/drawingml/2006/main" xmlns:r="http://schemas.openxmlformats.org/officeDocument/2006/relationships" xmlns:p="http://schemas.openxmlformats.org/presentationml/2006/main">
+  <p:cSld>
+    <p:spTree>
+      <p:nvGrpSpPr>
+        <p:cNvPr id="1" name=""/>
+        <p:cNvGrpSpPr/>
+        <p:nvPr/>
+      </p:nvGrpSpPr>
+      <p:grpSpPr>
+        <a:xfrm>
+          <a:off x="0" y="0"/>
+          <a:ext cx="0" cy="0"/>
+          <a:chOff x="0" y="0"/>
+          <a:chExt cx="0" cy="0"/>
+        </a:xfrm>
+      </p:grpSpPr>
+      <p:pic>
+        <p:nvPicPr>
+          <p:cNvPr id="7" name="Picture 6" descr="A pie chart with many colors&#10;&#10;Description automatically generated">
+            <a:extLst>
+              <a:ext uri="{FF2B5EF4-FFF2-40B4-BE49-F238E27FC236}">
+                <a16:creationId xmlns:a16="http://schemas.microsoft.com/office/drawing/2014/main" id="{52CDC77C-EA13-1531-DF45-AD953E45C52E}"/>
+              </a:ext>
+            </a:extLst>
+          </p:cNvPr>
+          <p:cNvPicPr>
+            <a:picLocks noChangeAspect="1"/>
+          </p:cNvPicPr>
+          <p:nvPr/>
+        </p:nvPicPr>
+        <p:blipFill rotWithShape="1">
+          <a:blip r:embed="rId2"/>
+          <a:srcRect l="630" t="1611" r="1270" b="2719"/>
+          <a:stretch/>
+        </p:blipFill>
+        <p:spPr>
+          <a:xfrm>
+            <a:off x="273050" y="1960417"/>
+            <a:ext cx="11645900" cy="4532458"/>
+          </a:xfrm>
+          <a:prstGeom prst="rect">
+            <a:avLst/>
+          </a:prstGeom>
+        </p:spPr>
+      </p:pic>
+      <p:sp>
+        <p:nvSpPr>
+          <p:cNvPr id="2" name="TextBox 1">
+            <a:extLst>
+              <a:ext uri="{FF2B5EF4-FFF2-40B4-BE49-F238E27FC236}">
+                <a16:creationId xmlns:a16="http://schemas.microsoft.com/office/drawing/2014/main" id="{5C756413-71E5-5B31-50A9-03E0EA18B5B8}"/>
+              </a:ext>
+            </a:extLst>
+          </p:cNvPr>
+          <p:cNvSpPr txBox="1"/>
+          <p:nvPr/>
+        </p:nvSpPr>
+        <p:spPr>
+          <a:xfrm>
+            <a:off x="345440" y="1563425"/>
+            <a:ext cx="5765937" cy="369332"/>
+          </a:xfrm>
+          <a:prstGeom prst="rect">
+            <a:avLst/>
+          </a:prstGeom>
+          <a:noFill/>
+        </p:spPr>
+        <p:txBody>
+          <a:bodyPr wrap="none" rtlCol="0">
+            <a:spAutoFit/>
+          </a:bodyPr>
+          <a:lstStyle/>
+          <a:p>
+            <a:r>
+              <a:rPr lang="en-US" dirty="0"/>
+              <a:t>All Significant Junctions Identified (not adjusted for FDR)</a:t>
+            </a:r>
+          </a:p>
+        </p:txBody>
+      </p:sp>
+      <p:sp>
+        <p:nvSpPr>
+          <p:cNvPr id="3" name="Title 1">
+            <a:extLst>
+              <a:ext uri="{FF2B5EF4-FFF2-40B4-BE49-F238E27FC236}">
+                <a16:creationId xmlns:a16="http://schemas.microsoft.com/office/drawing/2014/main" id="{65FBD6B1-47C1-AC12-7F48-08E3B0349419}"/>
+              </a:ext>
+            </a:extLst>
+          </p:cNvPr>
+          <p:cNvSpPr>
+            <a:spLocks noGrp="1"/>
+          </p:cNvSpPr>
+          <p:nvPr>
+            <p:ph type="title"/>
+          </p:nvPr>
+        </p:nvSpPr>
+        <p:spPr>
+          <a:xfrm>
+            <a:off x="838200" y="365125"/>
+            <a:ext cx="10515600" cy="1325563"/>
+          </a:xfrm>
+        </p:spPr>
+        <p:txBody>
+          <a:bodyPr/>
+          <a:lstStyle/>
+          <a:p>
+            <a:r>
+              <a:rPr lang="en-US" dirty="0"/>
+              <a:t>FRASER for Family IK</a:t>
+            </a:r>
+          </a:p>
+        </p:txBody>
+      </p:sp>
+    </p:spTree>
+    <p:extLst>
+      <p:ext uri="{BB962C8B-B14F-4D97-AF65-F5344CB8AC3E}">
+        <p14:creationId xmlns:p14="http://schemas.microsoft.com/office/powerpoint/2010/main" val="2689905132"/>
+      </p:ext>
+    </p:extLst>
+  </p:cSld>
+  <p:clrMapOvr>
+    <a:masterClrMapping/>
+  </p:clrMapOvr>
+</p:sld>
+</file>
+
+<file path=ppt/slides/slide7.xml><?xml version="1.0" encoding="utf-8"?>
+<p:sld xmlns:a="http://schemas.openxmlformats.org/drawingml/2006/main" xmlns:r="http://schemas.openxmlformats.org/officeDocument/2006/relationships" xmlns:p="http://schemas.openxmlformats.org/presentationml/2006/main">
+  <p:cSld>
+    <p:spTree>
+      <p:nvGrpSpPr>
+        <p:cNvPr id="1" name=""/>
+        <p:cNvGrpSpPr/>
+        <p:nvPr/>
+      </p:nvGrpSpPr>
+      <p:grpSpPr>
+        <a:xfrm>
+          <a:off x="0" y="0"/>
+          <a:ext cx="0" cy="0"/>
+          <a:chOff x="0" y="0"/>
+          <a:chExt cx="0" cy="0"/>
+        </a:xfrm>
+      </p:grpSpPr>
+      <p:pic>
+        <p:nvPicPr>
+          <p:cNvPr id="3" name="Picture 2" descr="A pie chart with many colors&#10;&#10;Description automatically generated">
+            <a:extLst>
+              <a:ext uri="{FF2B5EF4-FFF2-40B4-BE49-F238E27FC236}">
+                <a16:creationId xmlns:a16="http://schemas.microsoft.com/office/drawing/2014/main" id="{A74F5748-48D3-FC8A-7C70-DE1AE42825C1}"/>
+              </a:ext>
+            </a:extLst>
+          </p:cNvPr>
+          <p:cNvPicPr>
+            <a:picLocks noChangeAspect="1"/>
+          </p:cNvPicPr>
+          <p:nvPr/>
+        </p:nvPicPr>
+        <p:blipFill rotWithShape="1">
+          <a:blip r:embed="rId2"/>
+          <a:srcRect l="616" t="-1" r="963" b="1520"/>
+          <a:stretch/>
+        </p:blipFill>
+        <p:spPr>
+          <a:xfrm>
+            <a:off x="273050" y="1946749"/>
+            <a:ext cx="11645900" cy="4636932"/>
+          </a:xfrm>
+          <a:prstGeom prst="rect">
+            <a:avLst/>
+          </a:prstGeom>
+        </p:spPr>
+      </p:pic>
+      <p:sp>
+        <p:nvSpPr>
+          <p:cNvPr id="4" name="TextBox 3">
+            <a:extLst>
+              <a:ext uri="{FF2B5EF4-FFF2-40B4-BE49-F238E27FC236}">
+                <a16:creationId xmlns:a16="http://schemas.microsoft.com/office/drawing/2014/main" id="{06ADAE92-B156-B2CF-2357-565C16DEF4C2}"/>
+              </a:ext>
+            </a:extLst>
+          </p:cNvPr>
+          <p:cNvSpPr txBox="1"/>
+          <p:nvPr/>
+        </p:nvSpPr>
+        <p:spPr>
+          <a:xfrm>
+            <a:off x="345440" y="1578579"/>
+            <a:ext cx="5353389" cy="369332"/>
+          </a:xfrm>
+          <a:prstGeom prst="rect">
+            <a:avLst/>
+          </a:prstGeom>
+          <a:noFill/>
+        </p:spPr>
+        <p:txBody>
+          <a:bodyPr wrap="none" rtlCol="0">
+            <a:spAutoFit/>
+          </a:bodyPr>
+          <a:lstStyle/>
+          <a:p>
+            <a:r>
+              <a:rPr lang="en-US" dirty="0"/>
+              <a:t>All Significant Junctions Identified (adjusted for FDR)</a:t>
+            </a:r>
+          </a:p>
+        </p:txBody>
+      </p:sp>
+      <p:sp>
+        <p:nvSpPr>
+          <p:cNvPr id="5" name="Title 1">
+            <a:extLst>
+              <a:ext uri="{FF2B5EF4-FFF2-40B4-BE49-F238E27FC236}">
+                <a16:creationId xmlns:a16="http://schemas.microsoft.com/office/drawing/2014/main" id="{453BF132-965B-EBB2-0039-AA86EB68072F}"/>
+              </a:ext>
+            </a:extLst>
+          </p:cNvPr>
+          <p:cNvSpPr>
+            <a:spLocks noGrp="1"/>
+          </p:cNvSpPr>
+          <p:nvPr>
+            <p:ph type="title"/>
+          </p:nvPr>
+        </p:nvSpPr>
+        <p:spPr>
+          <a:xfrm>
+            <a:off x="838200" y="365125"/>
+            <a:ext cx="10515600" cy="1325563"/>
+          </a:xfrm>
+        </p:spPr>
+        <p:txBody>
+          <a:bodyPr/>
+          <a:lstStyle/>
+          <a:p>
+            <a:r>
+              <a:rPr lang="en-US" dirty="0"/>
+              <a:t>FRASER for Family IK</a:t>
+            </a:r>
+          </a:p>
+        </p:txBody>
+      </p:sp>
+    </p:spTree>
+    <p:extLst>
+      <p:ext uri="{BB962C8B-B14F-4D97-AF65-F5344CB8AC3E}">
+        <p14:creationId xmlns:p14="http://schemas.microsoft.com/office/powerpoint/2010/main" val="16592388"/>
       </p:ext>
     </p:extLst>
   </p:cSld>

--- a/docs/splice-event-annotation.pptx
+++ b/docs/splice-event-annotation.pptx
@@ -7,6 +7,13 @@
   <p:sldIdLst>
     <p:sldId id="256" r:id="rId2"/>
     <p:sldId id="257" r:id="rId3"/>
+    <p:sldId id="259" r:id="rId4"/>
+    <p:sldId id="262" r:id="rId5"/>
+    <p:sldId id="258" r:id="rId6"/>
+    <p:sldId id="260" r:id="rId7"/>
+    <p:sldId id="264" r:id="rId8"/>
+    <p:sldId id="263" r:id="rId9"/>
+    <p:sldId id="261" r:id="rId10"/>
   </p:sldIdLst>
   <p:sldSz cx="12192000" cy="6858000"/>
   <p:notesSz cx="6858000" cy="9144000"/>
@@ -105,7 +112,784 @@
       </a:defRPr>
     </a:lvl9pPr>
   </p:defaultTextStyle>
+  <p:extLst>
+    <p:ext uri="{EFAFB233-063F-42B5-8137-9DF3F51BA10A}">
+      <p15:sldGuideLst xmlns:p15="http://schemas.microsoft.com/office/powerpoint/2012/main"/>
+    </p:ext>
+  </p:extLst>
 </p:presentation>
+</file>
+
+<file path=ppt/revisionInfo.xml><?xml version="1.0" encoding="utf-8"?>
+<p1510:revInfo xmlns:a="http://schemas.openxmlformats.org/drawingml/2006/main" xmlns:r="http://schemas.openxmlformats.org/officeDocument/2006/relationships" xmlns:p1510="http://schemas.microsoft.com/office/powerpoint/2015/10/main">
+  <p1510:revLst>
+    <p1510:client id="{7133A3CE-13BC-A846-BD39-2206C18E2A82}" v="38" dt="2024-05-21T02:58:04.074"/>
+  </p1510:revLst>
+</p1510:revInfo>
+</file>
+
+<file path=ppt/changesInfos/changesInfo1.xml><?xml version="1.0" encoding="utf-8"?>
+<pc:chgInfo xmlns:a="http://schemas.openxmlformats.org/drawingml/2006/main" xmlns:r="http://schemas.openxmlformats.org/officeDocument/2006/relationships" xmlns:ac="http://schemas.microsoft.com/office/drawing/2013/main/command" xmlns:pc="http://schemas.microsoft.com/office/powerpoint/2013/main/command">
+  <pc:docChgLst>
+    <pc:chgData name="Rhett Marchant" userId="18df2c221d5c7175" providerId="LiveId" clId="{7133A3CE-13BC-A846-BD39-2206C18E2A82}"/>
+    <pc:docChg chg="undo custSel addSld delSld modSld sldOrd">
+      <pc:chgData name="Rhett Marchant" userId="18df2c221d5c7175" providerId="LiveId" clId="{7133A3CE-13BC-A846-BD39-2206C18E2A82}" dt="2024-05-21T03:02:43.139" v="1551" actId="2162"/>
+      <pc:docMkLst>
+        <pc:docMk/>
+      </pc:docMkLst>
+      <pc:sldChg chg="addSp delSp modSp mod">
+        <pc:chgData name="Rhett Marchant" userId="18df2c221d5c7175" providerId="LiveId" clId="{7133A3CE-13BC-A846-BD39-2206C18E2A82}" dt="2024-05-21T02:35:16.701" v="635" actId="122"/>
+        <pc:sldMkLst>
+          <pc:docMk/>
+          <pc:sldMk cId="1867753254" sldId="257"/>
+        </pc:sldMkLst>
+        <pc:spChg chg="mod">
+          <ac:chgData name="Rhett Marchant" userId="18df2c221d5c7175" providerId="LiveId" clId="{7133A3CE-13BC-A846-BD39-2206C18E2A82}" dt="2024-05-21T02:18:23.594" v="9" actId="20577"/>
+          <ac:spMkLst>
+            <pc:docMk/>
+            <pc:sldMk cId="1867753254" sldId="257"/>
+            <ac:spMk id="2" creationId="{5C14E7F7-BD0E-0C4D-5F7D-8AE6C3509A91}"/>
+          </ac:spMkLst>
+        </pc:spChg>
+        <pc:spChg chg="del mod">
+          <ac:chgData name="Rhett Marchant" userId="18df2c221d5c7175" providerId="LiveId" clId="{7133A3CE-13BC-A846-BD39-2206C18E2A82}" dt="2024-05-21T02:23:49.025" v="183" actId="478"/>
+          <ac:spMkLst>
+            <pc:docMk/>
+            <pc:sldMk cId="1867753254" sldId="257"/>
+            <ac:spMk id="3" creationId="{74425EB2-63D6-7E8D-FD29-C9CA8934BB5D}"/>
+          </ac:spMkLst>
+        </pc:spChg>
+        <pc:spChg chg="add mod">
+          <ac:chgData name="Rhett Marchant" userId="18df2c221d5c7175" providerId="LiveId" clId="{7133A3CE-13BC-A846-BD39-2206C18E2A82}" dt="2024-05-21T02:32:30.801" v="623" actId="1076"/>
+          <ac:spMkLst>
+            <pc:docMk/>
+            <pc:sldMk cId="1867753254" sldId="257"/>
+            <ac:spMk id="6" creationId="{D68987BB-9C33-49F8-C02A-E3976E638519}"/>
+          </ac:spMkLst>
+        </pc:spChg>
+        <pc:spChg chg="add mod">
+          <ac:chgData name="Rhett Marchant" userId="18df2c221d5c7175" providerId="LiveId" clId="{7133A3CE-13BC-A846-BD39-2206C18E2A82}" dt="2024-05-21T02:20:22.353" v="108" actId="1076"/>
+          <ac:spMkLst>
+            <pc:docMk/>
+            <pc:sldMk cId="1867753254" sldId="257"/>
+            <ac:spMk id="7" creationId="{CE223E69-39A6-3F25-3FFC-B23AC1DDA69C}"/>
+          </ac:spMkLst>
+        </pc:spChg>
+        <pc:spChg chg="add mod">
+          <ac:chgData name="Rhett Marchant" userId="18df2c221d5c7175" providerId="LiveId" clId="{7133A3CE-13BC-A846-BD39-2206C18E2A82}" dt="2024-05-21T02:20:48.205" v="116" actId="2085"/>
+          <ac:spMkLst>
+            <pc:docMk/>
+            <pc:sldMk cId="1867753254" sldId="257"/>
+            <ac:spMk id="8" creationId="{C497D875-240C-47D8-2959-0E759AE1AB83}"/>
+          </ac:spMkLst>
+        </pc:spChg>
+        <pc:spChg chg="add mod">
+          <ac:chgData name="Rhett Marchant" userId="18df2c221d5c7175" providerId="LiveId" clId="{7133A3CE-13BC-A846-BD39-2206C18E2A82}" dt="2024-05-21T02:20:48.205" v="116" actId="2085"/>
+          <ac:spMkLst>
+            <pc:docMk/>
+            <pc:sldMk cId="1867753254" sldId="257"/>
+            <ac:spMk id="9" creationId="{AC184B6E-A43E-F10A-EB7F-EC0BA5062F19}"/>
+          </ac:spMkLst>
+        </pc:spChg>
+        <pc:spChg chg="add mod">
+          <ac:chgData name="Rhett Marchant" userId="18df2c221d5c7175" providerId="LiveId" clId="{7133A3CE-13BC-A846-BD39-2206C18E2A82}" dt="2024-05-21T02:21:11.574" v="128" actId="1076"/>
+          <ac:spMkLst>
+            <pc:docMk/>
+            <pc:sldMk cId="1867753254" sldId="257"/>
+            <ac:spMk id="12" creationId="{D86FEA76-4274-B8F0-2AC5-0ED102DE5774}"/>
+          </ac:spMkLst>
+        </pc:spChg>
+        <pc:spChg chg="add mod">
+          <ac:chgData name="Rhett Marchant" userId="18df2c221d5c7175" providerId="LiveId" clId="{7133A3CE-13BC-A846-BD39-2206C18E2A82}" dt="2024-05-21T02:21:27.199" v="137" actId="6549"/>
+          <ac:spMkLst>
+            <pc:docMk/>
+            <pc:sldMk cId="1867753254" sldId="257"/>
+            <ac:spMk id="13" creationId="{9643C0DC-E5D9-CCD7-0658-14C056CBB084}"/>
+          </ac:spMkLst>
+        </pc:spChg>
+        <pc:spChg chg="add mod">
+          <ac:chgData name="Rhett Marchant" userId="18df2c221d5c7175" providerId="LiveId" clId="{7133A3CE-13BC-A846-BD39-2206C18E2A82}" dt="2024-05-21T02:22:17.510" v="154" actId="1076"/>
+          <ac:spMkLst>
+            <pc:docMk/>
+            <pc:sldMk cId="1867753254" sldId="257"/>
+            <ac:spMk id="14" creationId="{1D723613-25AB-5237-B039-19EC8006C5E1}"/>
+          </ac:spMkLst>
+        </pc:spChg>
+        <pc:spChg chg="add mod">
+          <ac:chgData name="Rhett Marchant" userId="18df2c221d5c7175" providerId="LiveId" clId="{7133A3CE-13BC-A846-BD39-2206C18E2A82}" dt="2024-05-21T02:22:30.347" v="157" actId="14100"/>
+          <ac:spMkLst>
+            <pc:docMk/>
+            <pc:sldMk cId="1867753254" sldId="257"/>
+            <ac:spMk id="15" creationId="{EAA6DF98-677F-D10C-D3DC-2F2360FB7978}"/>
+          </ac:spMkLst>
+        </pc:spChg>
+        <pc:spChg chg="add mod">
+          <ac:chgData name="Rhett Marchant" userId="18df2c221d5c7175" providerId="LiveId" clId="{7133A3CE-13BC-A846-BD39-2206C18E2A82}" dt="2024-05-21T02:29:53.016" v="455" actId="1076"/>
+          <ac:spMkLst>
+            <pc:docMk/>
+            <pc:sldMk cId="1867753254" sldId="257"/>
+            <ac:spMk id="16" creationId="{3FF3842E-35F0-9AE4-B295-4AA28F186582}"/>
+          </ac:spMkLst>
+        </pc:spChg>
+        <pc:spChg chg="add del mod">
+          <ac:chgData name="Rhett Marchant" userId="18df2c221d5c7175" providerId="LiveId" clId="{7133A3CE-13BC-A846-BD39-2206C18E2A82}" dt="2024-05-21T02:23:50.821" v="184" actId="478"/>
+          <ac:spMkLst>
+            <pc:docMk/>
+            <pc:sldMk cId="1867753254" sldId="257"/>
+            <ac:spMk id="18" creationId="{1E364F1E-5D6D-2A7B-25AB-5B60FAA61616}"/>
+          </ac:spMkLst>
+        </pc:spChg>
+        <pc:spChg chg="add del mod">
+          <ac:chgData name="Rhett Marchant" userId="18df2c221d5c7175" providerId="LiveId" clId="{7133A3CE-13BC-A846-BD39-2206C18E2A82}" dt="2024-05-21T02:27:06.081" v="229" actId="478"/>
+          <ac:spMkLst>
+            <pc:docMk/>
+            <pc:sldMk cId="1867753254" sldId="257"/>
+            <ac:spMk id="20" creationId="{C05A296D-0DAF-B7E3-0543-980865C87710}"/>
+          </ac:spMkLst>
+        </pc:spChg>
+        <pc:spChg chg="add mod">
+          <ac:chgData name="Rhett Marchant" userId="18df2c221d5c7175" providerId="LiveId" clId="{7133A3CE-13BC-A846-BD39-2206C18E2A82}" dt="2024-05-21T02:28:59.115" v="353" actId="1076"/>
+          <ac:spMkLst>
+            <pc:docMk/>
+            <pc:sldMk cId="1867753254" sldId="257"/>
+            <ac:spMk id="21" creationId="{E3D42977-3C43-9C77-E4FD-19A73EEEDC36}"/>
+          </ac:spMkLst>
+        </pc:spChg>
+        <pc:spChg chg="add mod">
+          <ac:chgData name="Rhett Marchant" userId="18df2c221d5c7175" providerId="LiveId" clId="{7133A3CE-13BC-A846-BD39-2206C18E2A82}" dt="2024-05-21T02:29:53.016" v="455" actId="1076"/>
+          <ac:spMkLst>
+            <pc:docMk/>
+            <pc:sldMk cId="1867753254" sldId="257"/>
+            <ac:spMk id="22" creationId="{C1DBB03D-D07A-C253-85BB-9BBF573C0044}"/>
+          </ac:spMkLst>
+        </pc:spChg>
+        <pc:spChg chg="add mod">
+          <ac:chgData name="Rhett Marchant" userId="18df2c221d5c7175" providerId="LiveId" clId="{7133A3CE-13BC-A846-BD39-2206C18E2A82}" dt="2024-05-21T02:30:42.078" v="564" actId="1076"/>
+          <ac:spMkLst>
+            <pc:docMk/>
+            <pc:sldMk cId="1867753254" sldId="257"/>
+            <ac:spMk id="23" creationId="{DBD797F9-6339-131A-2AF9-7A11112217D3}"/>
+          </ac:spMkLst>
+        </pc:spChg>
+        <pc:graphicFrameChg chg="add mod modGraphic">
+          <ac:chgData name="Rhett Marchant" userId="18df2c221d5c7175" providerId="LiveId" clId="{7133A3CE-13BC-A846-BD39-2206C18E2A82}" dt="2024-05-21T02:35:16.701" v="635" actId="122"/>
+          <ac:graphicFrameMkLst>
+            <pc:docMk/>
+            <pc:sldMk cId="1867753254" sldId="257"/>
+            <ac:graphicFrameMk id="19" creationId="{2A8BD8DB-A041-91FB-959A-43EA89510F1C}"/>
+          </ac:graphicFrameMkLst>
+        </pc:graphicFrameChg>
+        <pc:picChg chg="add mod modCrop">
+          <ac:chgData name="Rhett Marchant" userId="18df2c221d5c7175" providerId="LiveId" clId="{7133A3CE-13BC-A846-BD39-2206C18E2A82}" dt="2024-05-21T02:20:03.024" v="95" actId="1076"/>
+          <ac:picMkLst>
+            <pc:docMk/>
+            <pc:sldMk cId="1867753254" sldId="257"/>
+            <ac:picMk id="5" creationId="{04CE6FEB-0FBF-6766-A964-83CB264EDAA4}"/>
+          </ac:picMkLst>
+        </pc:picChg>
+        <pc:inkChg chg="add">
+          <ac:chgData name="Rhett Marchant" userId="18df2c221d5c7175" providerId="LiveId" clId="{7133A3CE-13BC-A846-BD39-2206C18E2A82}" dt="2024-05-21T02:30:55.264" v="565" actId="9405"/>
+          <ac:inkMkLst>
+            <pc:docMk/>
+            <pc:sldMk cId="1867753254" sldId="257"/>
+            <ac:inkMk id="24" creationId="{D2AC0F50-4140-2CD7-89B8-65CD233827F4}"/>
+          </ac:inkMkLst>
+        </pc:inkChg>
+        <pc:inkChg chg="add del">
+          <ac:chgData name="Rhett Marchant" userId="18df2c221d5c7175" providerId="LiveId" clId="{7133A3CE-13BC-A846-BD39-2206C18E2A82}" dt="2024-05-21T02:31:12.779" v="569" actId="478"/>
+          <ac:inkMkLst>
+            <pc:docMk/>
+            <pc:sldMk cId="1867753254" sldId="257"/>
+            <ac:inkMk id="25" creationId="{5B57C08F-55D8-27F6-8696-12B21011322E}"/>
+          </ac:inkMkLst>
+        </pc:inkChg>
+        <pc:inkChg chg="add del">
+          <ac:chgData name="Rhett Marchant" userId="18df2c221d5c7175" providerId="LiveId" clId="{7133A3CE-13BC-A846-BD39-2206C18E2A82}" dt="2024-05-21T02:31:10.027" v="568" actId="9405"/>
+          <ac:inkMkLst>
+            <pc:docMk/>
+            <pc:sldMk cId="1867753254" sldId="257"/>
+            <ac:inkMk id="26" creationId="{B26D2BA2-CF90-9AA1-8B21-31A176792F71}"/>
+          </ac:inkMkLst>
+        </pc:inkChg>
+        <pc:inkChg chg="add">
+          <ac:chgData name="Rhett Marchant" userId="18df2c221d5c7175" providerId="LiveId" clId="{7133A3CE-13BC-A846-BD39-2206C18E2A82}" dt="2024-05-21T02:32:45.596" v="624" actId="9405"/>
+          <ac:inkMkLst>
+            <pc:docMk/>
+            <pc:sldMk cId="1867753254" sldId="257"/>
+            <ac:inkMk id="27" creationId="{9B714589-AC69-F5C6-8059-09BE7DB8EB14}"/>
+          </ac:inkMkLst>
+        </pc:inkChg>
+        <pc:cxnChg chg="add mod">
+          <ac:chgData name="Rhett Marchant" userId="18df2c221d5c7175" providerId="LiveId" clId="{7133A3CE-13BC-A846-BD39-2206C18E2A82}" dt="2024-05-21T02:20:52.254" v="117" actId="208"/>
+          <ac:cxnSpMkLst>
+            <pc:docMk/>
+            <pc:sldMk cId="1867753254" sldId="257"/>
+            <ac:cxnSpMk id="11" creationId="{98743720-297B-CEFA-E81F-CB7A7531DCF9}"/>
+          </ac:cxnSpMkLst>
+        </pc:cxnChg>
+      </pc:sldChg>
+      <pc:sldChg chg="addSp delSp modSp new mod">
+        <pc:chgData name="Rhett Marchant" userId="18df2c221d5c7175" providerId="LiveId" clId="{7133A3CE-13BC-A846-BD39-2206C18E2A82}" dt="2024-05-21T02:54:21.543" v="1173" actId="1076"/>
+        <pc:sldMkLst>
+          <pc:docMk/>
+          <pc:sldMk cId="3249732208" sldId="258"/>
+        </pc:sldMkLst>
+        <pc:spChg chg="mod">
+          <ac:chgData name="Rhett Marchant" userId="18df2c221d5c7175" providerId="LiveId" clId="{7133A3CE-13BC-A846-BD39-2206C18E2A82}" dt="2024-05-21T02:54:21.543" v="1173" actId="1076"/>
+          <ac:spMkLst>
+            <pc:docMk/>
+            <pc:sldMk cId="3249732208" sldId="258"/>
+            <ac:spMk id="2" creationId="{5D2C6068-E3F9-C0D3-8131-21326EA5BF46}"/>
+          </ac:spMkLst>
+        </pc:spChg>
+        <pc:spChg chg="del">
+          <ac:chgData name="Rhett Marchant" userId="18df2c221d5c7175" providerId="LiveId" clId="{7133A3CE-13BC-A846-BD39-2206C18E2A82}" dt="2024-05-21T02:46:38.637" v="816" actId="478"/>
+          <ac:spMkLst>
+            <pc:docMk/>
+            <pc:sldMk cId="3249732208" sldId="258"/>
+            <ac:spMk id="3" creationId="{7FBE7EC6-3ED6-BF93-BB85-534AE104C3B5}"/>
+          </ac:spMkLst>
+        </pc:spChg>
+        <pc:spChg chg="add del">
+          <ac:chgData name="Rhett Marchant" userId="18df2c221d5c7175" providerId="LiveId" clId="{7133A3CE-13BC-A846-BD39-2206C18E2A82}" dt="2024-05-21T02:18:52.699" v="60" actId="478"/>
+          <ac:spMkLst>
+            <pc:docMk/>
+            <pc:sldMk cId="3249732208" sldId="258"/>
+            <ac:spMk id="5" creationId="{B404DB12-EC06-AF9F-7269-9D4D13169E59}"/>
+          </ac:spMkLst>
+        </pc:spChg>
+        <pc:picChg chg="add mod">
+          <ac:chgData name="Rhett Marchant" userId="18df2c221d5c7175" providerId="LiveId" clId="{7133A3CE-13BC-A846-BD39-2206C18E2A82}" dt="2024-05-21T02:54:19.282" v="1172" actId="1076"/>
+          <ac:picMkLst>
+            <pc:docMk/>
+            <pc:sldMk cId="3249732208" sldId="258"/>
+            <ac:picMk id="7" creationId="{15F617F6-870D-E2AD-62CD-701F345C456E}"/>
+          </ac:picMkLst>
+        </pc:picChg>
+        <pc:picChg chg="add mod">
+          <ac:chgData name="Rhett Marchant" userId="18df2c221d5c7175" providerId="LiveId" clId="{7133A3CE-13BC-A846-BD39-2206C18E2A82}" dt="2024-05-21T02:54:18.213" v="1171" actId="1076"/>
+          <ac:picMkLst>
+            <pc:docMk/>
+            <pc:sldMk cId="3249732208" sldId="258"/>
+            <ac:picMk id="9" creationId="{E13D9288-B18A-741A-D4B0-559E239F128C}"/>
+          </ac:picMkLst>
+        </pc:picChg>
+      </pc:sldChg>
+      <pc:sldChg chg="addSp delSp modSp new mod ord">
+        <pc:chgData name="Rhett Marchant" userId="18df2c221d5c7175" providerId="LiveId" clId="{7133A3CE-13BC-A846-BD39-2206C18E2A82}" dt="2024-05-21T02:50:40.418" v="1086" actId="207"/>
+        <pc:sldMkLst>
+          <pc:docMk/>
+          <pc:sldMk cId="2336898673" sldId="259"/>
+        </pc:sldMkLst>
+        <pc:spChg chg="mod">
+          <ac:chgData name="Rhett Marchant" userId="18df2c221d5c7175" providerId="LiveId" clId="{7133A3CE-13BC-A846-BD39-2206C18E2A82}" dt="2024-05-21T02:18:45.275" v="54" actId="20577"/>
+          <ac:spMkLst>
+            <pc:docMk/>
+            <pc:sldMk cId="2336898673" sldId="259"/>
+            <ac:spMk id="2" creationId="{14B7B3DA-1DB1-8A64-6B4B-1BE65489421E}"/>
+          </ac:spMkLst>
+        </pc:spChg>
+        <pc:spChg chg="del">
+          <ac:chgData name="Rhett Marchant" userId="18df2c221d5c7175" providerId="LiveId" clId="{7133A3CE-13BC-A846-BD39-2206C18E2A82}" dt="2024-05-21T02:31:17.641" v="570" actId="478"/>
+          <ac:spMkLst>
+            <pc:docMk/>
+            <pc:sldMk cId="2336898673" sldId="259"/>
+            <ac:spMk id="3" creationId="{BF71C800-F1D7-E94A-DF82-416A1781F89A}"/>
+          </ac:spMkLst>
+        </pc:spChg>
+        <pc:spChg chg="add mod">
+          <ac:chgData name="Rhett Marchant" userId="18df2c221d5c7175" providerId="LiveId" clId="{7133A3CE-13BC-A846-BD39-2206C18E2A82}" dt="2024-05-21T02:40:04.665" v="806" actId="1076"/>
+          <ac:spMkLst>
+            <pc:docMk/>
+            <pc:sldMk cId="2336898673" sldId="259"/>
+            <ac:spMk id="5" creationId="{942BFAA8-5E46-FA16-C7CF-6DF5EA08D4A5}"/>
+          </ac:spMkLst>
+        </pc:spChg>
+        <pc:spChg chg="add mod">
+          <ac:chgData name="Rhett Marchant" userId="18df2c221d5c7175" providerId="LiveId" clId="{7133A3CE-13BC-A846-BD39-2206C18E2A82}" dt="2024-05-21T02:33:05.342" v="626"/>
+          <ac:spMkLst>
+            <pc:docMk/>
+            <pc:sldMk cId="2336898673" sldId="259"/>
+            <ac:spMk id="7" creationId="{1C0822A9-BFC0-31D0-BC55-E0E6466614AB}"/>
+          </ac:spMkLst>
+        </pc:spChg>
+        <pc:spChg chg="add mod">
+          <ac:chgData name="Rhett Marchant" userId="18df2c221d5c7175" providerId="LiveId" clId="{7133A3CE-13BC-A846-BD39-2206C18E2A82}" dt="2024-05-21T02:33:05.342" v="626"/>
+          <ac:spMkLst>
+            <pc:docMk/>
+            <pc:sldMk cId="2336898673" sldId="259"/>
+            <ac:spMk id="8" creationId="{5A3096A0-23D6-5F4D-F26D-919B0A207EA4}"/>
+          </ac:spMkLst>
+        </pc:spChg>
+        <pc:spChg chg="add mod">
+          <ac:chgData name="Rhett Marchant" userId="18df2c221d5c7175" providerId="LiveId" clId="{7133A3CE-13BC-A846-BD39-2206C18E2A82}" dt="2024-05-21T02:33:05.342" v="626"/>
+          <ac:spMkLst>
+            <pc:docMk/>
+            <pc:sldMk cId="2336898673" sldId="259"/>
+            <ac:spMk id="9" creationId="{DCD8607F-FF3A-85FC-5CBC-398D802B9D4A}"/>
+          </ac:spMkLst>
+        </pc:spChg>
+        <pc:spChg chg="add mod">
+          <ac:chgData name="Rhett Marchant" userId="18df2c221d5c7175" providerId="LiveId" clId="{7133A3CE-13BC-A846-BD39-2206C18E2A82}" dt="2024-05-21T02:33:05.342" v="626"/>
+          <ac:spMkLst>
+            <pc:docMk/>
+            <pc:sldMk cId="2336898673" sldId="259"/>
+            <ac:spMk id="10" creationId="{5F316266-D8F9-6AFF-710D-E1DA5E5FA021}"/>
+          </ac:spMkLst>
+        </pc:spChg>
+        <pc:spChg chg="add del mod">
+          <ac:chgData name="Rhett Marchant" userId="18df2c221d5c7175" providerId="LiveId" clId="{7133A3CE-13BC-A846-BD39-2206C18E2A82}" dt="2024-05-21T02:33:11.045" v="627" actId="478"/>
+          <ac:spMkLst>
+            <pc:docMk/>
+            <pc:sldMk cId="2336898673" sldId="259"/>
+            <ac:spMk id="12" creationId="{37FA8EFC-CB23-E17F-36D5-48C2069745D2}"/>
+          </ac:spMkLst>
+        </pc:spChg>
+        <pc:spChg chg="add del mod">
+          <ac:chgData name="Rhett Marchant" userId="18df2c221d5c7175" providerId="LiveId" clId="{7133A3CE-13BC-A846-BD39-2206C18E2A82}" dt="2024-05-21T02:33:11.045" v="627" actId="478"/>
+          <ac:spMkLst>
+            <pc:docMk/>
+            <pc:sldMk cId="2336898673" sldId="259"/>
+            <ac:spMk id="13" creationId="{A6EAAA3B-A7A2-120F-7CFE-F0F20B6AC14F}"/>
+          </ac:spMkLst>
+        </pc:spChg>
+        <pc:spChg chg="add mod">
+          <ac:chgData name="Rhett Marchant" userId="18df2c221d5c7175" providerId="LiveId" clId="{7133A3CE-13BC-A846-BD39-2206C18E2A82}" dt="2024-05-21T02:33:05.342" v="626"/>
+          <ac:spMkLst>
+            <pc:docMk/>
+            <pc:sldMk cId="2336898673" sldId="259"/>
+            <ac:spMk id="14" creationId="{B8C34AC0-56E1-F052-D729-09F2C930E065}"/>
+          </ac:spMkLst>
+        </pc:spChg>
+        <pc:spChg chg="add mod">
+          <ac:chgData name="Rhett Marchant" userId="18df2c221d5c7175" providerId="LiveId" clId="{7133A3CE-13BC-A846-BD39-2206C18E2A82}" dt="2024-05-21T02:33:05.342" v="626"/>
+          <ac:spMkLst>
+            <pc:docMk/>
+            <pc:sldMk cId="2336898673" sldId="259"/>
+            <ac:spMk id="15" creationId="{0B1442AC-0D72-A728-9841-B3F4CE52ADDC}"/>
+          </ac:spMkLst>
+        </pc:spChg>
+        <pc:spChg chg="add mod">
+          <ac:chgData name="Rhett Marchant" userId="18df2c221d5c7175" providerId="LiveId" clId="{7133A3CE-13BC-A846-BD39-2206C18E2A82}" dt="2024-05-21T02:40:04.665" v="806" actId="1076"/>
+          <ac:spMkLst>
+            <pc:docMk/>
+            <pc:sldMk cId="2336898673" sldId="259"/>
+            <ac:spMk id="16" creationId="{8FFE7A39-33F3-4601-0559-2521AD0E1D6F}"/>
+          </ac:spMkLst>
+        </pc:spChg>
+        <pc:spChg chg="add mod">
+          <ac:chgData name="Rhett Marchant" userId="18df2c221d5c7175" providerId="LiveId" clId="{7133A3CE-13BC-A846-BD39-2206C18E2A82}" dt="2024-05-21T02:50:35.829" v="1084" actId="207"/>
+          <ac:spMkLst>
+            <pc:docMk/>
+            <pc:sldMk cId="2336898673" sldId="259"/>
+            <ac:spMk id="17" creationId="{E8EE128E-03BD-39A6-6BF0-7776B6A27FFC}"/>
+          </ac:spMkLst>
+        </pc:spChg>
+        <pc:spChg chg="add mod">
+          <ac:chgData name="Rhett Marchant" userId="18df2c221d5c7175" providerId="LiveId" clId="{7133A3CE-13BC-A846-BD39-2206C18E2A82}" dt="2024-05-21T02:50:38.407" v="1085" actId="207"/>
+          <ac:spMkLst>
+            <pc:docMk/>
+            <pc:sldMk cId="2336898673" sldId="259"/>
+            <ac:spMk id="18" creationId="{EBC9CA0A-979D-795B-0B2E-6BB062A57924}"/>
+          </ac:spMkLst>
+        </pc:spChg>
+        <pc:spChg chg="add mod">
+          <ac:chgData name="Rhett Marchant" userId="18df2c221d5c7175" providerId="LiveId" clId="{7133A3CE-13BC-A846-BD39-2206C18E2A82}" dt="2024-05-21T02:50:40.418" v="1086" actId="207"/>
+          <ac:spMkLst>
+            <pc:docMk/>
+            <pc:sldMk cId="2336898673" sldId="259"/>
+            <ac:spMk id="19" creationId="{0017A7AD-A7C8-07AE-A45E-2F9E7CF35487}"/>
+          </ac:spMkLst>
+        </pc:spChg>
+        <pc:spChg chg="add mod">
+          <ac:chgData name="Rhett Marchant" userId="18df2c221d5c7175" providerId="LiveId" clId="{7133A3CE-13BC-A846-BD39-2206C18E2A82}" dt="2024-05-21T02:46:15.267" v="814" actId="1076"/>
+          <ac:spMkLst>
+            <pc:docMk/>
+            <pc:sldMk cId="2336898673" sldId="259"/>
+            <ac:spMk id="21" creationId="{F1E7E86B-6E8B-4BF7-09AD-8DD5FF562ED6}"/>
+          </ac:spMkLst>
+        </pc:spChg>
+        <pc:picChg chg="add mod">
+          <ac:chgData name="Rhett Marchant" userId="18df2c221d5c7175" providerId="LiveId" clId="{7133A3CE-13BC-A846-BD39-2206C18E2A82}" dt="2024-05-21T02:33:05.342" v="626"/>
+          <ac:picMkLst>
+            <pc:docMk/>
+            <pc:sldMk cId="2336898673" sldId="259"/>
+            <ac:picMk id="6" creationId="{9F66B1FC-7CAA-1C21-9CF0-1053666FB0DD}"/>
+          </ac:picMkLst>
+        </pc:picChg>
+        <pc:cxnChg chg="add mod">
+          <ac:chgData name="Rhett Marchant" userId="18df2c221d5c7175" providerId="LiveId" clId="{7133A3CE-13BC-A846-BD39-2206C18E2A82}" dt="2024-05-21T02:33:05.342" v="626"/>
+          <ac:cxnSpMkLst>
+            <pc:docMk/>
+            <pc:sldMk cId="2336898673" sldId="259"/>
+            <ac:cxnSpMk id="11" creationId="{AFD62BE5-4085-DBE1-645E-9AF868CEC19E}"/>
+          </ac:cxnSpMkLst>
+        </pc:cxnChg>
+      </pc:sldChg>
+      <pc:sldChg chg="addSp delSp modSp add del mod">
+        <pc:chgData name="Rhett Marchant" userId="18df2c221d5c7175" providerId="LiveId" clId="{7133A3CE-13BC-A846-BD39-2206C18E2A82}" dt="2024-05-21T02:59:06.879" v="1520" actId="121"/>
+        <pc:sldMkLst>
+          <pc:docMk/>
+          <pc:sldMk cId="3992637899" sldId="260"/>
+        </pc:sldMkLst>
+        <pc:spChg chg="mod">
+          <ac:chgData name="Rhett Marchant" userId="18df2c221d5c7175" providerId="LiveId" clId="{7133A3CE-13BC-A846-BD39-2206C18E2A82}" dt="2024-05-21T02:54:48.703" v="1212" actId="20577"/>
+          <ac:spMkLst>
+            <pc:docMk/>
+            <pc:sldMk cId="3992637899" sldId="260"/>
+            <ac:spMk id="2" creationId="{5D2C6068-E3F9-C0D3-8131-21326EA5BF46}"/>
+          </ac:spMkLst>
+        </pc:spChg>
+        <pc:spChg chg="del">
+          <ac:chgData name="Rhett Marchant" userId="18df2c221d5c7175" providerId="LiveId" clId="{7133A3CE-13BC-A846-BD39-2206C18E2A82}" dt="2024-05-21T02:47:24.760" v="832"/>
+          <ac:spMkLst>
+            <pc:docMk/>
+            <pc:sldMk cId="3992637899" sldId="260"/>
+            <ac:spMk id="3" creationId="{7FBE7EC6-3ED6-BF93-BB85-534AE104C3B5}"/>
+          </ac:spMkLst>
+        </pc:spChg>
+        <pc:spChg chg="add mod">
+          <ac:chgData name="Rhett Marchant" userId="18df2c221d5c7175" providerId="LiveId" clId="{7133A3CE-13BC-A846-BD39-2206C18E2A82}" dt="2024-05-21T02:59:06.879" v="1520" actId="121"/>
+          <ac:spMkLst>
+            <pc:docMk/>
+            <pc:sldMk cId="3992637899" sldId="260"/>
+            <ac:spMk id="10" creationId="{C456FD77-F5DE-DD23-CB60-88BFCD0DC59B}"/>
+          </ac:spMkLst>
+        </pc:spChg>
+        <pc:picChg chg="add mod">
+          <ac:chgData name="Rhett Marchant" userId="18df2c221d5c7175" providerId="LiveId" clId="{7133A3CE-13BC-A846-BD39-2206C18E2A82}" dt="2024-05-21T02:59:05.873" v="1519" actId="1036"/>
+          <ac:picMkLst>
+            <pc:docMk/>
+            <pc:sldMk cId="3992637899" sldId="260"/>
+            <ac:picMk id="5" creationId="{83536B7F-E6A4-FAE6-AAFE-0AB56FA732F8}"/>
+          </ac:picMkLst>
+        </pc:picChg>
+        <pc:picChg chg="add del mod">
+          <ac:chgData name="Rhett Marchant" userId="18df2c221d5c7175" providerId="LiveId" clId="{7133A3CE-13BC-A846-BD39-2206C18E2A82}" dt="2024-05-21T02:47:28.632" v="840" actId="21"/>
+          <ac:picMkLst>
+            <pc:docMk/>
+            <pc:sldMk cId="3992637899" sldId="260"/>
+            <ac:picMk id="7" creationId="{6AD80447-DF0C-4BC7-C4EE-5114D83FE432}"/>
+          </ac:picMkLst>
+        </pc:picChg>
+        <pc:picChg chg="add del mod">
+          <ac:chgData name="Rhett Marchant" userId="18df2c221d5c7175" providerId="LiveId" clId="{7133A3CE-13BC-A846-BD39-2206C18E2A82}" dt="2024-05-21T02:47:28.632" v="840" actId="21"/>
+          <ac:picMkLst>
+            <pc:docMk/>
+            <pc:sldMk cId="3992637899" sldId="260"/>
+            <ac:picMk id="9" creationId="{B9731232-3EBA-5FA6-2200-368BEF6A7BFA}"/>
+          </ac:picMkLst>
+        </pc:picChg>
+      </pc:sldChg>
+      <pc:sldChg chg="modSp new mod">
+        <pc:chgData name="Rhett Marchant" userId="18df2c221d5c7175" providerId="LiveId" clId="{7133A3CE-13BC-A846-BD39-2206C18E2A82}" dt="2024-05-21T02:57:00.808" v="1304" actId="20577"/>
+        <pc:sldMkLst>
+          <pc:docMk/>
+          <pc:sldMk cId="601041608" sldId="261"/>
+        </pc:sldMkLst>
+        <pc:spChg chg="mod">
+          <ac:chgData name="Rhett Marchant" userId="18df2c221d5c7175" providerId="LiveId" clId="{7133A3CE-13BC-A846-BD39-2206C18E2A82}" dt="2024-05-21T02:19:01.525" v="85" actId="20577"/>
+          <ac:spMkLst>
+            <pc:docMk/>
+            <pc:sldMk cId="601041608" sldId="261"/>
+            <ac:spMk id="2" creationId="{B16402BF-BC41-8612-E5A9-BCBAE6923C2C}"/>
+          </ac:spMkLst>
+        </pc:spChg>
+        <pc:spChg chg="mod">
+          <ac:chgData name="Rhett Marchant" userId="18df2c221d5c7175" providerId="LiveId" clId="{7133A3CE-13BC-A846-BD39-2206C18E2A82}" dt="2024-05-21T02:57:00.808" v="1304" actId="20577"/>
+          <ac:spMkLst>
+            <pc:docMk/>
+            <pc:sldMk cId="601041608" sldId="261"/>
+            <ac:spMk id="3" creationId="{22304B87-6C6B-04C5-1FC7-E58797F546BD}"/>
+          </ac:spMkLst>
+        </pc:spChg>
+      </pc:sldChg>
+      <pc:sldChg chg="addSp delSp modSp add mod">
+        <pc:chgData name="Rhett Marchant" userId="18df2c221d5c7175" providerId="LiveId" clId="{7133A3CE-13BC-A846-BD39-2206C18E2A82}" dt="2024-05-21T03:02:43.139" v="1551" actId="2162"/>
+        <pc:sldMkLst>
+          <pc:docMk/>
+          <pc:sldMk cId="2937172334" sldId="262"/>
+        </pc:sldMkLst>
+        <pc:spChg chg="del">
+          <ac:chgData name="Rhett Marchant" userId="18df2c221d5c7175" providerId="LiveId" clId="{7133A3CE-13BC-A846-BD39-2206C18E2A82}" dt="2024-05-21T02:35:30.862" v="637" actId="478"/>
+          <ac:spMkLst>
+            <pc:docMk/>
+            <pc:sldMk cId="2937172334" sldId="262"/>
+            <ac:spMk id="5" creationId="{942BFAA8-5E46-FA16-C7CF-6DF5EA08D4A5}"/>
+          </ac:spMkLst>
+        </pc:spChg>
+        <pc:spChg chg="del">
+          <ac:chgData name="Rhett Marchant" userId="18df2c221d5c7175" providerId="LiveId" clId="{7133A3CE-13BC-A846-BD39-2206C18E2A82}" dt="2024-05-21T02:35:30.862" v="637" actId="478"/>
+          <ac:spMkLst>
+            <pc:docMk/>
+            <pc:sldMk cId="2937172334" sldId="262"/>
+            <ac:spMk id="7" creationId="{1C0822A9-BFC0-31D0-BC55-E0E6466614AB}"/>
+          </ac:spMkLst>
+        </pc:spChg>
+        <pc:spChg chg="del">
+          <ac:chgData name="Rhett Marchant" userId="18df2c221d5c7175" providerId="LiveId" clId="{7133A3CE-13BC-A846-BD39-2206C18E2A82}" dt="2024-05-21T02:35:30.862" v="637" actId="478"/>
+          <ac:spMkLst>
+            <pc:docMk/>
+            <pc:sldMk cId="2937172334" sldId="262"/>
+            <ac:spMk id="8" creationId="{5A3096A0-23D6-5F4D-F26D-919B0A207EA4}"/>
+          </ac:spMkLst>
+        </pc:spChg>
+        <pc:spChg chg="del">
+          <ac:chgData name="Rhett Marchant" userId="18df2c221d5c7175" providerId="LiveId" clId="{7133A3CE-13BC-A846-BD39-2206C18E2A82}" dt="2024-05-21T02:35:30.862" v="637" actId="478"/>
+          <ac:spMkLst>
+            <pc:docMk/>
+            <pc:sldMk cId="2937172334" sldId="262"/>
+            <ac:spMk id="9" creationId="{DCD8607F-FF3A-85FC-5CBC-398D802B9D4A}"/>
+          </ac:spMkLst>
+        </pc:spChg>
+        <pc:spChg chg="del">
+          <ac:chgData name="Rhett Marchant" userId="18df2c221d5c7175" providerId="LiveId" clId="{7133A3CE-13BC-A846-BD39-2206C18E2A82}" dt="2024-05-21T02:35:30.862" v="637" actId="478"/>
+          <ac:spMkLst>
+            <pc:docMk/>
+            <pc:sldMk cId="2937172334" sldId="262"/>
+            <ac:spMk id="10" creationId="{5F316266-D8F9-6AFF-710D-E1DA5E5FA021}"/>
+          </ac:spMkLst>
+        </pc:spChg>
+        <pc:spChg chg="del">
+          <ac:chgData name="Rhett Marchant" userId="18df2c221d5c7175" providerId="LiveId" clId="{7133A3CE-13BC-A846-BD39-2206C18E2A82}" dt="2024-05-21T02:35:30.862" v="637" actId="478"/>
+          <ac:spMkLst>
+            <pc:docMk/>
+            <pc:sldMk cId="2937172334" sldId="262"/>
+            <ac:spMk id="14" creationId="{B8C34AC0-56E1-F052-D729-09F2C930E065}"/>
+          </ac:spMkLst>
+        </pc:spChg>
+        <pc:spChg chg="del">
+          <ac:chgData name="Rhett Marchant" userId="18df2c221d5c7175" providerId="LiveId" clId="{7133A3CE-13BC-A846-BD39-2206C18E2A82}" dt="2024-05-21T02:35:30.862" v="637" actId="478"/>
+          <ac:spMkLst>
+            <pc:docMk/>
+            <pc:sldMk cId="2937172334" sldId="262"/>
+            <ac:spMk id="15" creationId="{0B1442AC-0D72-A728-9841-B3F4CE52ADDC}"/>
+          </ac:spMkLst>
+        </pc:spChg>
+        <pc:graphicFrameChg chg="add mod modGraphic">
+          <ac:chgData name="Rhett Marchant" userId="18df2c221d5c7175" providerId="LiveId" clId="{7133A3CE-13BC-A846-BD39-2206C18E2A82}" dt="2024-05-21T03:02:43.139" v="1551" actId="2162"/>
+          <ac:graphicFrameMkLst>
+            <pc:docMk/>
+            <pc:sldMk cId="2937172334" sldId="262"/>
+            <ac:graphicFrameMk id="3" creationId="{613D8EA5-1741-71EA-4053-6DF542AEEAC4}"/>
+          </ac:graphicFrameMkLst>
+        </pc:graphicFrameChg>
+        <pc:picChg chg="del">
+          <ac:chgData name="Rhett Marchant" userId="18df2c221d5c7175" providerId="LiveId" clId="{7133A3CE-13BC-A846-BD39-2206C18E2A82}" dt="2024-05-21T02:35:30.862" v="637" actId="478"/>
+          <ac:picMkLst>
+            <pc:docMk/>
+            <pc:sldMk cId="2937172334" sldId="262"/>
+            <ac:picMk id="6" creationId="{9F66B1FC-7CAA-1C21-9CF0-1053666FB0DD}"/>
+          </ac:picMkLst>
+        </pc:picChg>
+        <pc:cxnChg chg="del mod">
+          <ac:chgData name="Rhett Marchant" userId="18df2c221d5c7175" providerId="LiveId" clId="{7133A3CE-13BC-A846-BD39-2206C18E2A82}" dt="2024-05-21T02:35:30.862" v="637" actId="478"/>
+          <ac:cxnSpMkLst>
+            <pc:docMk/>
+            <pc:sldMk cId="2937172334" sldId="262"/>
+            <ac:cxnSpMk id="11" creationId="{AFD62BE5-4085-DBE1-645E-9AF868CEC19E}"/>
+          </ac:cxnSpMkLst>
+        </pc:cxnChg>
+      </pc:sldChg>
+      <pc:sldChg chg="addSp delSp modSp add mod">
+        <pc:chgData name="Rhett Marchant" userId="18df2c221d5c7175" providerId="LiveId" clId="{7133A3CE-13BC-A846-BD39-2206C18E2A82}" dt="2024-05-21T02:58:52.496" v="1503" actId="1036"/>
+        <pc:sldMkLst>
+          <pc:docMk/>
+          <pc:sldMk cId="3614067962" sldId="263"/>
+        </pc:sldMkLst>
+        <pc:spChg chg="mod">
+          <ac:chgData name="Rhett Marchant" userId="18df2c221d5c7175" providerId="LiveId" clId="{7133A3CE-13BC-A846-BD39-2206C18E2A82}" dt="2024-05-21T02:55:35.095" v="1270" actId="20577"/>
+          <ac:spMkLst>
+            <pc:docMk/>
+            <pc:sldMk cId="3614067962" sldId="263"/>
+            <ac:spMk id="2" creationId="{5D2C6068-E3F9-C0D3-8131-21326EA5BF46}"/>
+          </ac:spMkLst>
+        </pc:spChg>
+        <pc:spChg chg="add del mod">
+          <ac:chgData name="Rhett Marchant" userId="18df2c221d5c7175" providerId="LiveId" clId="{7133A3CE-13BC-A846-BD39-2206C18E2A82}" dt="2024-05-21T02:48:33.703" v="866" actId="478"/>
+          <ac:spMkLst>
+            <pc:docMk/>
+            <pc:sldMk cId="3614067962" sldId="263"/>
+            <ac:spMk id="4" creationId="{B312154B-9D3F-F692-A323-0B5A66A5323E}"/>
+          </ac:spMkLst>
+        </pc:spChg>
+        <pc:spChg chg="add mod">
+          <ac:chgData name="Rhett Marchant" userId="18df2c221d5c7175" providerId="LiveId" clId="{7133A3CE-13BC-A846-BD39-2206C18E2A82}" dt="2024-05-21T02:58:52.496" v="1503" actId="1036"/>
+          <ac:spMkLst>
+            <pc:docMk/>
+            <pc:sldMk cId="3614067962" sldId="263"/>
+            <ac:spMk id="9" creationId="{6D72A3F3-E50A-9101-0B33-E7CF0D98B187}"/>
+          </ac:spMkLst>
+        </pc:spChg>
+        <pc:spChg chg="add mod">
+          <ac:chgData name="Rhett Marchant" userId="18df2c221d5c7175" providerId="LiveId" clId="{7133A3CE-13BC-A846-BD39-2206C18E2A82}" dt="2024-05-21T02:58:47.675" v="1497" actId="121"/>
+          <ac:spMkLst>
+            <pc:docMk/>
+            <pc:sldMk cId="3614067962" sldId="263"/>
+            <ac:spMk id="10" creationId="{96D8DFED-3732-3ACE-F084-7E9590750D5B}"/>
+          </ac:spMkLst>
+        </pc:spChg>
+        <pc:picChg chg="del">
+          <ac:chgData name="Rhett Marchant" userId="18df2c221d5c7175" providerId="LiveId" clId="{7133A3CE-13BC-A846-BD39-2206C18E2A82}" dt="2024-05-21T02:47:39.301" v="845" actId="478"/>
+          <ac:picMkLst>
+            <pc:docMk/>
+            <pc:sldMk cId="3614067962" sldId="263"/>
+            <ac:picMk id="5" creationId="{83536B7F-E6A4-FAE6-AAFE-0AB56FA732F8}"/>
+          </ac:picMkLst>
+        </pc:picChg>
+        <pc:picChg chg="add del mod">
+          <ac:chgData name="Rhett Marchant" userId="18df2c221d5c7175" providerId="LiveId" clId="{7133A3CE-13BC-A846-BD39-2206C18E2A82}" dt="2024-05-21T02:48:18.652" v="859" actId="478"/>
+          <ac:picMkLst>
+            <pc:docMk/>
+            <pc:sldMk cId="3614067962" sldId="263"/>
+            <ac:picMk id="6" creationId="{56829D72-C173-152C-83AA-1EEFD4ED6B5F}"/>
+          </ac:picMkLst>
+        </pc:picChg>
+        <pc:picChg chg="add mod">
+          <ac:chgData name="Rhett Marchant" userId="18df2c221d5c7175" providerId="LiveId" clId="{7133A3CE-13BC-A846-BD39-2206C18E2A82}" dt="2024-05-21T02:58:52.496" v="1503" actId="1036"/>
+          <ac:picMkLst>
+            <pc:docMk/>
+            <pc:sldMk cId="3614067962" sldId="263"/>
+            <ac:picMk id="7" creationId="{7853580C-F73F-D9DD-518E-B34F10131ABB}"/>
+          </ac:picMkLst>
+        </pc:picChg>
+        <pc:picChg chg="add del mod">
+          <ac:chgData name="Rhett Marchant" userId="18df2c221d5c7175" providerId="LiveId" clId="{7133A3CE-13BC-A846-BD39-2206C18E2A82}" dt="2024-05-21T02:48:32.015" v="865" actId="478"/>
+          <ac:picMkLst>
+            <pc:docMk/>
+            <pc:sldMk cId="3614067962" sldId="263"/>
+            <ac:picMk id="8" creationId="{43FF0140-C02A-9A89-9A9C-84D926C390A6}"/>
+          </ac:picMkLst>
+        </pc:picChg>
+      </pc:sldChg>
+      <pc:sldChg chg="add del">
+        <pc:chgData name="Rhett Marchant" userId="18df2c221d5c7175" providerId="LiveId" clId="{7133A3CE-13BC-A846-BD39-2206C18E2A82}" dt="2024-05-21T02:47:18.022" v="831" actId="2696"/>
+        <pc:sldMkLst>
+          <pc:docMk/>
+          <pc:sldMk cId="4185703363" sldId="263"/>
+        </pc:sldMkLst>
+      </pc:sldChg>
+      <pc:sldChg chg="addSp delSp modSp add mod ord">
+        <pc:chgData name="Rhett Marchant" userId="18df2c221d5c7175" providerId="LiveId" clId="{7133A3CE-13BC-A846-BD39-2206C18E2A82}" dt="2024-05-21T02:59:00.662" v="1512" actId="1036"/>
+        <pc:sldMkLst>
+          <pc:docMk/>
+          <pc:sldMk cId="1476365057" sldId="264"/>
+        </pc:sldMkLst>
+        <pc:spChg chg="mod">
+          <ac:chgData name="Rhett Marchant" userId="18df2c221d5c7175" providerId="LiveId" clId="{7133A3CE-13BC-A846-BD39-2206C18E2A82}" dt="2024-05-21T02:55:16.227" v="1258" actId="20577"/>
+          <ac:spMkLst>
+            <pc:docMk/>
+            <pc:sldMk cId="1476365057" sldId="264"/>
+            <ac:spMk id="2" creationId="{5D2C6068-E3F9-C0D3-8131-21326EA5BF46}"/>
+          </ac:spMkLst>
+        </pc:spChg>
+        <pc:spChg chg="add mod">
+          <ac:chgData name="Rhett Marchant" userId="18df2c221d5c7175" providerId="LiveId" clId="{7133A3CE-13BC-A846-BD39-2206C18E2A82}" dt="2024-05-21T02:58:58.541" v="1506" actId="121"/>
+          <ac:spMkLst>
+            <pc:docMk/>
+            <pc:sldMk cId="1476365057" sldId="264"/>
+            <ac:spMk id="3" creationId="{0275DE16-74EB-0199-7969-62C62EEEBA82}"/>
+          </ac:spMkLst>
+        </pc:spChg>
+        <pc:spChg chg="del">
+          <ac:chgData name="Rhett Marchant" userId="18df2c221d5c7175" providerId="LiveId" clId="{7133A3CE-13BC-A846-BD39-2206C18E2A82}" dt="2024-05-21T02:48:08.867" v="856" actId="478"/>
+          <ac:spMkLst>
+            <pc:docMk/>
+            <pc:sldMk cId="1476365057" sldId="264"/>
+            <ac:spMk id="4" creationId="{B312154B-9D3F-F692-A323-0B5A66A5323E}"/>
+          </ac:spMkLst>
+        </pc:spChg>
+        <pc:picChg chg="mod">
+          <ac:chgData name="Rhett Marchant" userId="18df2c221d5c7175" providerId="LiveId" clId="{7133A3CE-13BC-A846-BD39-2206C18E2A82}" dt="2024-05-21T02:59:00.662" v="1512" actId="1036"/>
+          <ac:picMkLst>
+            <pc:docMk/>
+            <pc:sldMk cId="1476365057" sldId="264"/>
+            <ac:picMk id="6" creationId="{56829D72-C173-152C-83AA-1EEFD4ED6B5F}"/>
+          </ac:picMkLst>
+        </pc:picChg>
+        <pc:picChg chg="del">
+          <ac:chgData name="Rhett Marchant" userId="18df2c221d5c7175" providerId="LiveId" clId="{7133A3CE-13BC-A846-BD39-2206C18E2A82}" dt="2024-05-21T02:48:01.369" v="853" actId="478"/>
+          <ac:picMkLst>
+            <pc:docMk/>
+            <pc:sldMk cId="1476365057" sldId="264"/>
+            <ac:picMk id="7" creationId="{7853580C-F73F-D9DD-518E-B34F10131ABB}"/>
+          </ac:picMkLst>
+        </pc:picChg>
+        <pc:picChg chg="del">
+          <ac:chgData name="Rhett Marchant" userId="18df2c221d5c7175" providerId="LiveId" clId="{7133A3CE-13BC-A846-BD39-2206C18E2A82}" dt="2024-05-21T02:48:06.479" v="855" actId="478"/>
+          <ac:picMkLst>
+            <pc:docMk/>
+            <pc:sldMk cId="1476365057" sldId="264"/>
+            <ac:picMk id="8" creationId="{43FF0140-C02A-9A89-9A9C-84D926C390A6}"/>
+          </ac:picMkLst>
+        </pc:picChg>
+      </pc:sldChg>
+      <pc:sldChg chg="new del">
+        <pc:chgData name="Rhett Marchant" userId="18df2c221d5c7175" providerId="LiveId" clId="{7133A3CE-13BC-A846-BD39-2206C18E2A82}" dt="2024-05-21T03:00:43.184" v="1522" actId="2696"/>
+        <pc:sldMkLst>
+          <pc:docMk/>
+          <pc:sldMk cId="1107688131" sldId="265"/>
+        </pc:sldMkLst>
+      </pc:sldChg>
+    </pc:docChg>
+  </pc:docChgLst>
+</pc:chgInfo>
+</file>
+
+<file path=ppt/ink/ink1.xml><?xml version="1.0" encoding="utf-8"?>
+<inkml:ink xmlns:inkml="http://www.w3.org/2003/InkML">
+  <inkml:definitions>
+    <inkml:context xml:id="ctx0">
+      <inkml:inkSource xml:id="inkSrc0">
+        <inkml:traceFormat>
+          <inkml:channel name="X" type="integer" min="-2.14748E9" max="2.14748E9" units="cm"/>
+          <inkml:channel name="Y" type="integer" min="-2.14748E9" max="2.14748E9" units="cm"/>
+          <inkml:channel name="F" type="integer" max="32767" units="dev"/>
+        </inkml:traceFormat>
+        <inkml:channelProperties>
+          <inkml:channelProperty channel="X" name="resolution" value="1000" units="1/cm"/>
+          <inkml:channelProperty channel="Y" name="resolution" value="1000" units="1/cm"/>
+          <inkml:channelProperty channel="F" name="resolution" value="0" units="1/dev"/>
+        </inkml:channelProperties>
+      </inkml:inkSource>
+      <inkml:timestamp xml:id="ts0" timeString="2024-05-21T02:30:55.260"/>
+    </inkml:context>
+    <inkml:brush xml:id="br0">
+      <inkml:brushProperty name="width" value="0.05" units="cm"/>
+      <inkml:brushProperty name="height" value="0.05" units="cm"/>
+      <inkml:brushProperty name="color" value="#E71224"/>
+    </inkml:brush>
+  </inkml:definitions>
+  <inkml:trace contextRef="#ctx0" brushRef="#br0">2129 0 24575,'3'12'0,"-2"1"0,3 3 0,1 9 0,-4 3 0,5 8 0,-6 0 0,0 18 0,0-23 0,-9 39 0,-10-20 0,6 8 0,-14-4 0,24-18 0,-16 18 0,17-14 0,-12 14 0,4 0 0,3-13 0,-10 30 0,9-30 0,-7 13 0,0 0 0,2-14 0,-1 5 0,-9 7 0,7-2 0,-9 8 0,-2 14 0,1-14 0,-12 18 0,6-17 0,8-14 0,-18 14 0,13-7 0,-13 5 0,-3 4 0,6-22 0,-3 9 0,-12 7 0,33-26 0,-30 24 0,-1-9 0,19-7 0,-1 1 0,-3-5 0,-1 1 0,-2 6 0,1-1 0,-4 1 0,1-3 0,0 0 0,-2 6 0,1-4 0,-3 1 0,-15 19 0,6-15 0,-24 15 0,51-37 0,-42 21 0,25-16 0,13-5 0,-20 8 0,34-13 0,-16 6 0,6-2 0,1-4 0,2 1 0,8-9 0,4 3 0,2-7 0,2 2 0,5-2 0,-4-1 0,4 3 0,-5-2 0,1 3 0,-4 0 0,3-3 0,-3 2 0,4-6 0,3 6 0,-6-2 0,6 3 0,-7-4 0,3 0 0,5-11 0,0-29 0,15 4 0,-3-22 0,9 18 0,-5 0 0,0-1 0,-2 14 0,2-10 0,-7 21 0,4-9 0,-9 13 0,4 0 0,0 3 0,-3-2 0,6 2 0,-6-3 0,2 0 0,-3 7 0,0 5 0,-3 9 0,-5 3 0,2 1 0,-9-1 0,3 9 0,-2-10 0,-3 18 0,8-18 0,-2 19 0,0-7 0,1 0 0,0-5 0,5-11 0,2-2 0,-1-1 0,3 0 0,-2 0 0,3 0 0,0 0 0,0 1 0,0-1 0,0 0 0,0 0 0,0 0 0,0 0 0,3 1 0,2-5 0,6 3 0,2-6 0,0 3 0,2-1 0,-2-2 0,12 3 0,-10-4 0,9 0 0,-15 0 0,7 4 0,-4-3 0,5 6 0,-5-6 0,13 2 0,-14-3 0,9 0 0,-8 0 0,-3 0 0,3 4 0,0-3 0,-3 3 0,3-4 0,-4 0 0,0 0 0,0 0 0,0 0 0,-3 3 0,2-2 0,-10 3 0,-1-4 0,-9 0 0,-12 0 0,-3 0 0,1 0 0,-25 0 0,33 0 0,-24 0 0,31 0 0,-1 0 0,-3 0 0,7 0 0,-3 0 0,0 0 0,3 0 0,-7 0 0,7 0 0,-3 0 0,0-4 0,3 3 0,-6-3 0,5 1 0,-1 2 0,2-3 0,1 0 0,0 3 0,-1-2 0,1 3 0,3-4 0,-2 3 0,6-2 0,-2 3 0</inkml:trace>
+</inkml:ink>
+</file>
+
+<file path=ppt/ink/ink2.xml><?xml version="1.0" encoding="utf-8"?>
+<inkml:ink xmlns:inkml="http://www.w3.org/2003/InkML">
+  <inkml:definitions>
+    <inkml:context xml:id="ctx0">
+      <inkml:inkSource xml:id="inkSrc0">
+        <inkml:traceFormat>
+          <inkml:channel name="X" type="integer" min="-2.14748E9" max="2.14748E9" units="cm"/>
+          <inkml:channel name="Y" type="integer" min="-2.14748E9" max="2.14748E9" units="cm"/>
+          <inkml:channel name="F" type="integer" max="32767" units="dev"/>
+        </inkml:traceFormat>
+        <inkml:channelProperties>
+          <inkml:channelProperty channel="X" name="resolution" value="1000" units="1/cm"/>
+          <inkml:channelProperty channel="Y" name="resolution" value="1000" units="1/cm"/>
+          <inkml:channelProperty channel="F" name="resolution" value="0" units="1/dev"/>
+        </inkml:channelProperties>
+      </inkml:inkSource>
+      <inkml:timestamp xml:id="ts0" timeString="2024-05-21T02:32:45.593"/>
+    </inkml:context>
+    <inkml:brush xml:id="br0">
+      <inkml:brushProperty name="width" value="0.05" units="cm"/>
+      <inkml:brushProperty name="height" value="0.05" units="cm"/>
+      <inkml:brushProperty name="color" value="#E71224"/>
+    </inkml:brush>
+  </inkml:definitions>
+  <inkml:trace contextRef="#ctx0" brushRef="#br0">5082 1627 24575,'-4'-5'0,"-1"-2"0,-7-2 0,3 0 0,-6-3 0,5 4 0,-5 0 0,2-4 0,-3-1 0,-1-4 0,1 5 0,-1-4 0,-8 0 0,6 2 0,-6-5 0,0 3 0,6 2 0,-15-8 0,16 8 0,-8-6 0,10 8 0,0 0 0,-10-4 0,-1-1 0,0-3 0,-7-4 0,-12-3 0,14 9 0,-37-17 0,19 10 0,0 0 0,-19-10 0,11-4 0,-2 9 0,-20-19 0,4 29 0,13-11 0,-27 1 0,-4 4 0,27 0 0,5 10 0,-2-1 0,-17-15 0,14 8 0,0-1 0,-18-7 0,19 14 0,6 1 0,15 4 0,-45-7 0,62 9 0,-23 1 0,36 3 0,-19 6 0,7-8 0,-1 7 0,-42-13 0,-2 2 0,8 1 0,-6-1-223,1 1 1,-1-1 222,0 1 0,1-1 0,1 0 0,2 2 0,5 4 0,5 1 0,-25-10 0,27 15 0,1 0 0,-10-12 0,-32 11 445,37-12-445,-14 12 0,13-12 0,1 12 0,4-11 0,27 11 0,-7-9 0,19 10 0,-10-4 0,16 5 0,-3-4 0,4 3 0,0-3 0,-1 4 0,1 0 0,-4-3 0,-1 2 0,0-3 0,-2 4 0,6 0 0,-3-3 0,0 2 0,3-3 0,-3 4 0,7-4 0,-2 3 0,2-2 0,-16 3 0,-2-6 0,-5 5 0,-6-10 0,16 10 0,-8-4 0,14 1 0,-4 3 0,7-3 0,-3 4 0,0 0 0,3-3 0,-7 2 0,3-7 0,-3 7 0,0-2 0,-1 3 0,4 0 0,-11 0 0,13 0 0,-23-6 0,19 5 0,-19-4 0,-11-4 0,5 7 0,-32-15 0,31 15 0,-31-7 0,32 4 0,-15 4 0,28-5 0,2 6 0,0-5 0,-3 4 0,-8-5 0,0 6 0,12 0 0,3-3 0,10 2 0,1-3 0,-2 4 0,0 0 0,3 0 0,-3 0 0,4 0 0,7 0 0,2 4 0,55 28 0,-23-10 0,39 17 0,-18-19 0,-23-9 0,21 4 0,-37-7 0,5 2 0,-11-5 0,-1 2 0,0-3 0,0 5 0,0-5 0,-3 3 0,2-2 0,-2-1 0,-5-4 0,-1-4 0,-19-12 0,5 3 0,-10-3 0,12 0 0,-3 7 0,7 1 0,-3-3 0,4 5 0,-1-2 0,1 4 0,0 1 0,0-2 0,-1 0 0,1-2 0,0 6 0,-1-6 0,1 6 0,0-7 0,0 7 0,-1-6 0,1 2 0,0-3 0,-1 0 0,5 0 0,-4-1 0,4 5 0,-1-4 0,-2 7 0,2-6 0,-3 2 0,0 1 0,3-4 0,-2 8 0,2-8 0,-3 7 0,0-6 0,-1 2 0,1 1 0,0-4 0,7 7 0,5-2 0,9-1 0,3-1 0,1-3 0,-1 0 0,0 0 0,0 3 0,10-4 0,-8 8 0,4-5 0,-11 6 0,1-3 0,-3 2 0,3-3 0,-4 4 0,0 0 0,0 0 0,1 0 0,-1 0 0,0 0 0,0-4 0,0 3 0,0-2 0,1 3 0,-1 0 0,0-4 0,0 3 0,0-3 0,0 4 0,1-3 0,-1-2 0,4-3 0,0-1 0,1 1 0,-1 0 0,-4 3 0,-7 2 0,-2 3 0,-11 3 0,-1 2 0,-3-1 0,-1 4 0,4-8 0,-2 4 0,2-4 0,-3 4 0,-1 0 0,4 1 0,-2-2 0,5 1 0,-1-3 0,2 3 0,1-1 0,0-2 0,-1 3 0,5-1 0,-4-2 0,0 7 0,-1-4 0,-3 1 0,4 2 0,0-3 0,-1 1 0,1-1 0,3-1 0,-2-2 0,2 6 0,-3-6 0,0 7 0,-1-8 0,1 8 0,0-7 0,0 6 0,-1-6 0,5 6 0,-4-6 0,4 6 0,-5-6 0,1 6 0,0-6 0,0 6 0,3-6 0,1 3 0</inkml:trace>
+</inkml:ink>
 </file>
 
 <file path=ppt/slideLayouts/slideLayout1.xml><?xml version="1.0" encoding="utf-8"?>
@@ -257,7 +1041,7 @@
           <a:p>
             <a:fld id="{3EF31678-6B82-5B4B-834D-D2CBD0B9CFEC}" type="datetimeFigureOut">
               <a:rPr lang="en-US" smtClean="0"/>
-              <a:t>4/23/24</a:t>
+              <a:t>5/21/24</a:t>
             </a:fld>
             <a:endParaRPr lang="en-US"/>
           </a:p>
@@ -457,7 +1241,7 @@
           <a:p>
             <a:fld id="{3EF31678-6B82-5B4B-834D-D2CBD0B9CFEC}" type="datetimeFigureOut">
               <a:rPr lang="en-US" smtClean="0"/>
-              <a:t>4/23/24</a:t>
+              <a:t>5/21/24</a:t>
             </a:fld>
             <a:endParaRPr lang="en-US"/>
           </a:p>
@@ -667,7 +1451,7 @@
           <a:p>
             <a:fld id="{3EF31678-6B82-5B4B-834D-D2CBD0B9CFEC}" type="datetimeFigureOut">
               <a:rPr lang="en-US" smtClean="0"/>
-              <a:t>4/23/24</a:t>
+              <a:t>5/21/24</a:t>
             </a:fld>
             <a:endParaRPr lang="en-US"/>
           </a:p>
@@ -867,7 +1651,7 @@
           <a:p>
             <a:fld id="{3EF31678-6B82-5B4B-834D-D2CBD0B9CFEC}" type="datetimeFigureOut">
               <a:rPr lang="en-US" smtClean="0"/>
-              <a:t>4/23/24</a:t>
+              <a:t>5/21/24</a:t>
             </a:fld>
             <a:endParaRPr lang="en-US"/>
           </a:p>
@@ -1143,7 +1927,7 @@
           <a:p>
             <a:fld id="{3EF31678-6B82-5B4B-834D-D2CBD0B9CFEC}" type="datetimeFigureOut">
               <a:rPr lang="en-US" smtClean="0"/>
-              <a:t>4/23/24</a:t>
+              <a:t>5/21/24</a:t>
             </a:fld>
             <a:endParaRPr lang="en-US"/>
           </a:p>
@@ -1411,7 +2195,7 @@
           <a:p>
             <a:fld id="{3EF31678-6B82-5B4B-834D-D2CBD0B9CFEC}" type="datetimeFigureOut">
               <a:rPr lang="en-US" smtClean="0"/>
-              <a:t>4/23/24</a:t>
+              <a:t>5/21/24</a:t>
             </a:fld>
             <a:endParaRPr lang="en-US"/>
           </a:p>
@@ -1826,7 +2610,7 @@
           <a:p>
             <a:fld id="{3EF31678-6B82-5B4B-834D-D2CBD0B9CFEC}" type="datetimeFigureOut">
               <a:rPr lang="en-US" smtClean="0"/>
-              <a:t>4/23/24</a:t>
+              <a:t>5/21/24</a:t>
             </a:fld>
             <a:endParaRPr lang="en-US"/>
           </a:p>
@@ -1968,7 +2752,7 @@
           <a:p>
             <a:fld id="{3EF31678-6B82-5B4B-834D-D2CBD0B9CFEC}" type="datetimeFigureOut">
               <a:rPr lang="en-US" smtClean="0"/>
-              <a:t>4/23/24</a:t>
+              <a:t>5/21/24</a:t>
             </a:fld>
             <a:endParaRPr lang="en-US"/>
           </a:p>
@@ -2081,7 +2865,7 @@
           <a:p>
             <a:fld id="{3EF31678-6B82-5B4B-834D-D2CBD0B9CFEC}" type="datetimeFigureOut">
               <a:rPr lang="en-US" smtClean="0"/>
-              <a:t>4/23/24</a:t>
+              <a:t>5/21/24</a:t>
             </a:fld>
             <a:endParaRPr lang="en-US"/>
           </a:p>
@@ -2394,7 +3178,7 @@
           <a:p>
             <a:fld id="{3EF31678-6B82-5B4B-834D-D2CBD0B9CFEC}" type="datetimeFigureOut">
               <a:rPr lang="en-US" smtClean="0"/>
-              <a:t>4/23/24</a:t>
+              <a:t>5/21/24</a:t>
             </a:fld>
             <a:endParaRPr lang="en-US"/>
           </a:p>
@@ -2683,7 +3467,7 @@
           <a:p>
             <a:fld id="{3EF31678-6B82-5B4B-834D-D2CBD0B9CFEC}" type="datetimeFigureOut">
               <a:rPr lang="en-US" smtClean="0"/>
-              <a:t>4/23/24</a:t>
+              <a:t>5/21/24</a:t>
             </a:fld>
             <a:endParaRPr lang="en-US"/>
           </a:p>
@@ -2926,7 +3710,7 @@
           <a:p>
             <a:fld id="{3EF31678-6B82-5B4B-834D-D2CBD0B9CFEC}" type="datetimeFigureOut">
               <a:rPr lang="en-US" smtClean="0"/>
-              <a:t>4/23/24</a:t>
+              <a:t>5/21/24</a:t>
             </a:fld>
             <a:endParaRPr lang="en-US"/>
           </a:p>
@@ -3476,7 +4260,5505 @@
           <a:p>
             <a:r>
               <a:rPr lang="en-US" dirty="0"/>
-              <a:t>Decision Tree</a:t>
+              <a:t>Background</a:t>
+            </a:r>
+          </a:p>
+        </p:txBody>
+      </p:sp>
+      <p:pic>
+        <p:nvPicPr>
+          <p:cNvPr id="5" name="Picture 4" descr="A diagram of different types of lines&#10;&#10;Description automatically generated">
+            <a:extLst>
+              <a:ext uri="{FF2B5EF4-FFF2-40B4-BE49-F238E27FC236}">
+                <a16:creationId xmlns:a16="http://schemas.microsoft.com/office/drawing/2014/main" id="{04CE6FEB-0FBF-6766-A964-83CB264EDAA4}"/>
+              </a:ext>
+            </a:extLst>
+          </p:cNvPr>
+          <p:cNvPicPr>
+            <a:picLocks noChangeAspect="1"/>
+          </p:cNvPicPr>
+          <p:nvPr/>
+        </p:nvPicPr>
+        <p:blipFill rotWithShape="1">
+          <a:blip r:embed="rId2"/>
+          <a:srcRect b="90868"/>
+          <a:stretch/>
+        </p:blipFill>
+        <p:spPr>
+          <a:xfrm>
+            <a:off x="2209800" y="1690688"/>
+            <a:ext cx="7772400" cy="477202"/>
+          </a:xfrm>
+          <a:prstGeom prst="rect">
+            <a:avLst/>
+          </a:prstGeom>
+        </p:spPr>
+      </p:pic>
+      <p:sp>
+        <p:nvSpPr>
+          <p:cNvPr id="6" name="TextBox 5">
+            <a:extLst>
+              <a:ext uri="{FF2B5EF4-FFF2-40B4-BE49-F238E27FC236}">
+                <a16:creationId xmlns:a16="http://schemas.microsoft.com/office/drawing/2014/main" id="{D68987BB-9C33-49F8-C02A-E3976E638519}"/>
+              </a:ext>
+            </a:extLst>
+          </p:cNvPr>
+          <p:cNvSpPr txBox="1"/>
+          <p:nvPr/>
+        </p:nvSpPr>
+        <p:spPr>
+          <a:xfrm>
+            <a:off x="1122487" y="1823344"/>
+            <a:ext cx="1338893" cy="369332"/>
+          </a:xfrm>
+          <a:prstGeom prst="rect">
+            <a:avLst/>
+          </a:prstGeom>
+          <a:noFill/>
+        </p:spPr>
+        <p:txBody>
+          <a:bodyPr wrap="none" rtlCol="0">
+            <a:spAutoFit/>
+          </a:bodyPr>
+          <a:lstStyle/>
+          <a:p>
+            <a:r>
+              <a:rPr lang="en-US" dirty="0"/>
+              <a:t>Gene: </a:t>
+            </a:r>
+            <a:r>
+              <a:rPr lang="en-US" i="1" dirty="0"/>
+              <a:t>GALT</a:t>
+            </a:r>
+          </a:p>
+        </p:txBody>
+      </p:sp>
+      <p:sp>
+        <p:nvSpPr>
+          <p:cNvPr id="7" name="TextBox 6">
+            <a:extLst>
+              <a:ext uri="{FF2B5EF4-FFF2-40B4-BE49-F238E27FC236}">
+                <a16:creationId xmlns:a16="http://schemas.microsoft.com/office/drawing/2014/main" id="{CE223E69-39A6-3F25-3FFC-B23AC1DDA69C}"/>
+              </a:ext>
+            </a:extLst>
+          </p:cNvPr>
+          <p:cNvSpPr txBox="1"/>
+          <p:nvPr/>
+        </p:nvSpPr>
+        <p:spPr>
+          <a:xfrm>
+            <a:off x="2733040" y="2243257"/>
+            <a:ext cx="699230" cy="369332"/>
+          </a:xfrm>
+          <a:prstGeom prst="rect">
+            <a:avLst/>
+          </a:prstGeom>
+          <a:noFill/>
+        </p:spPr>
+        <p:txBody>
+          <a:bodyPr wrap="none" rtlCol="0">
+            <a:spAutoFit/>
+          </a:bodyPr>
+          <a:lstStyle/>
+          <a:p>
+            <a:r>
+              <a:rPr lang="en-US" dirty="0"/>
+              <a:t>Read</a:t>
+            </a:r>
+          </a:p>
+        </p:txBody>
+      </p:sp>
+      <p:sp>
+        <p:nvSpPr>
+          <p:cNvPr id="8" name="Rectangle 7">
+            <a:extLst>
+              <a:ext uri="{FF2B5EF4-FFF2-40B4-BE49-F238E27FC236}">
+                <a16:creationId xmlns:a16="http://schemas.microsoft.com/office/drawing/2014/main" id="{C497D875-240C-47D8-2959-0E759AE1AB83}"/>
+              </a:ext>
+            </a:extLst>
+          </p:cNvPr>
+          <p:cNvSpPr/>
+          <p:nvPr/>
+        </p:nvSpPr>
+        <p:spPr>
+          <a:xfrm>
+            <a:off x="3556000" y="2346960"/>
+            <a:ext cx="365760" cy="117038"/>
+          </a:xfrm>
+          <a:prstGeom prst="rect">
+            <a:avLst/>
+          </a:prstGeom>
+          <a:solidFill>
+            <a:schemeClr val="accent2"/>
+          </a:solidFill>
+          <a:ln>
+            <a:noFill/>
+          </a:ln>
+        </p:spPr>
+        <p:style>
+          <a:lnRef idx="2">
+            <a:schemeClr val="accent1">
+              <a:shade val="15000"/>
+            </a:schemeClr>
+          </a:lnRef>
+          <a:fillRef idx="1">
+            <a:schemeClr val="accent1"/>
+          </a:fillRef>
+          <a:effectRef idx="0">
+            <a:schemeClr val="accent1"/>
+          </a:effectRef>
+          <a:fontRef idx="minor">
+            <a:schemeClr val="lt1"/>
+          </a:fontRef>
+        </p:style>
+        <p:txBody>
+          <a:bodyPr rtlCol="0" anchor="ctr"/>
+          <a:lstStyle/>
+          <a:p>
+            <a:pPr algn="ctr"/>
+            <a:endParaRPr lang="en-US"/>
+          </a:p>
+        </p:txBody>
+      </p:sp>
+      <p:sp>
+        <p:nvSpPr>
+          <p:cNvPr id="9" name="Rectangle 8">
+            <a:extLst>
+              <a:ext uri="{FF2B5EF4-FFF2-40B4-BE49-F238E27FC236}">
+                <a16:creationId xmlns:a16="http://schemas.microsoft.com/office/drawing/2014/main" id="{AC184B6E-A43E-F10A-EB7F-EC0BA5062F19}"/>
+              </a:ext>
+            </a:extLst>
+          </p:cNvPr>
+          <p:cNvSpPr/>
+          <p:nvPr/>
+        </p:nvSpPr>
+        <p:spPr>
+          <a:xfrm>
+            <a:off x="6746240" y="2346960"/>
+            <a:ext cx="365760" cy="117038"/>
+          </a:xfrm>
+          <a:prstGeom prst="rect">
+            <a:avLst/>
+          </a:prstGeom>
+          <a:solidFill>
+            <a:schemeClr val="accent2"/>
+          </a:solidFill>
+          <a:ln>
+            <a:noFill/>
+          </a:ln>
+        </p:spPr>
+        <p:style>
+          <a:lnRef idx="2">
+            <a:schemeClr val="accent1">
+              <a:shade val="15000"/>
+            </a:schemeClr>
+          </a:lnRef>
+          <a:fillRef idx="1">
+            <a:schemeClr val="accent1"/>
+          </a:fillRef>
+          <a:effectRef idx="0">
+            <a:schemeClr val="accent1"/>
+          </a:effectRef>
+          <a:fontRef idx="minor">
+            <a:schemeClr val="lt1"/>
+          </a:fontRef>
+        </p:style>
+        <p:txBody>
+          <a:bodyPr rtlCol="0" anchor="ctr"/>
+          <a:lstStyle/>
+          <a:p>
+            <a:pPr algn="ctr"/>
+            <a:endParaRPr lang="en-US"/>
+          </a:p>
+        </p:txBody>
+      </p:sp>
+      <p:cxnSp>
+        <p:nvCxnSpPr>
+          <p:cNvPr id="11" name="Straight Connector 10">
+            <a:extLst>
+              <a:ext uri="{FF2B5EF4-FFF2-40B4-BE49-F238E27FC236}">
+                <a16:creationId xmlns:a16="http://schemas.microsoft.com/office/drawing/2014/main" id="{98743720-297B-CEFA-E81F-CB7A7531DCF9}"/>
+              </a:ext>
+            </a:extLst>
+          </p:cNvPr>
+          <p:cNvCxnSpPr>
+            <a:stCxn id="8" idx="3"/>
+            <a:endCxn id="9" idx="1"/>
+          </p:cNvCxnSpPr>
+          <p:nvPr/>
+        </p:nvCxnSpPr>
+        <p:spPr>
+          <a:xfrm>
+            <a:off x="3921760" y="2405479"/>
+            <a:ext cx="2824480" cy="0"/>
+          </a:xfrm>
+          <a:prstGeom prst="line">
+            <a:avLst/>
+          </a:prstGeom>
+          <a:ln>
+            <a:solidFill>
+              <a:schemeClr val="accent2"/>
+            </a:solidFill>
+          </a:ln>
+        </p:spPr>
+        <p:style>
+          <a:lnRef idx="2">
+            <a:schemeClr val="accent1"/>
+          </a:lnRef>
+          <a:fillRef idx="0">
+            <a:schemeClr val="accent1"/>
+          </a:fillRef>
+          <a:effectRef idx="1">
+            <a:schemeClr val="accent1"/>
+          </a:effectRef>
+          <a:fontRef idx="minor">
+            <a:schemeClr val="tx1"/>
+          </a:fontRef>
+        </p:style>
+      </p:cxnSp>
+      <p:sp>
+        <p:nvSpPr>
+          <p:cNvPr id="12" name="TextBox 11">
+            <a:extLst>
+              <a:ext uri="{FF2B5EF4-FFF2-40B4-BE49-F238E27FC236}">
+                <a16:creationId xmlns:a16="http://schemas.microsoft.com/office/drawing/2014/main" id="{D86FEA76-4274-B8F0-2AC5-0ED102DE5774}"/>
+              </a:ext>
+            </a:extLst>
+          </p:cNvPr>
+          <p:cNvSpPr txBox="1"/>
+          <p:nvPr/>
+        </p:nvSpPr>
+        <p:spPr>
+          <a:xfrm>
+            <a:off x="3335702" y="2535793"/>
+            <a:ext cx="1172116" cy="369332"/>
+          </a:xfrm>
+          <a:prstGeom prst="rect">
+            <a:avLst/>
+          </a:prstGeom>
+          <a:noFill/>
+        </p:spPr>
+        <p:txBody>
+          <a:bodyPr wrap="none" rtlCol="0">
+            <a:spAutoFit/>
+          </a:bodyPr>
+          <a:lstStyle/>
+          <a:p>
+            <a:r>
+              <a:rPr lang="en-US" dirty="0"/>
+              <a:t>34646787</a:t>
+            </a:r>
+          </a:p>
+        </p:txBody>
+      </p:sp>
+      <p:sp>
+        <p:nvSpPr>
+          <p:cNvPr id="13" name="TextBox 12">
+            <a:extLst>
+              <a:ext uri="{FF2B5EF4-FFF2-40B4-BE49-F238E27FC236}">
+                <a16:creationId xmlns:a16="http://schemas.microsoft.com/office/drawing/2014/main" id="{9643C0DC-E5D9-CCD7-0658-14C056CBB084}"/>
+              </a:ext>
+            </a:extLst>
+          </p:cNvPr>
+          <p:cNvSpPr txBox="1"/>
+          <p:nvPr/>
+        </p:nvSpPr>
+        <p:spPr>
+          <a:xfrm>
+            <a:off x="6160182" y="2535793"/>
+            <a:ext cx="1172116" cy="369332"/>
+          </a:xfrm>
+          <a:prstGeom prst="rect">
+            <a:avLst/>
+          </a:prstGeom>
+          <a:noFill/>
+        </p:spPr>
+        <p:txBody>
+          <a:bodyPr wrap="none" rtlCol="0">
+            <a:spAutoFit/>
+          </a:bodyPr>
+          <a:lstStyle/>
+          <a:p>
+            <a:r>
+              <a:rPr lang="en-US" dirty="0"/>
+              <a:t>34647088</a:t>
+            </a:r>
+          </a:p>
+        </p:txBody>
+      </p:sp>
+      <p:sp>
+        <p:nvSpPr>
+          <p:cNvPr id="14" name="TextBox 13">
+            <a:extLst>
+              <a:ext uri="{FF2B5EF4-FFF2-40B4-BE49-F238E27FC236}">
+                <a16:creationId xmlns:a16="http://schemas.microsoft.com/office/drawing/2014/main" id="{1D723613-25AB-5237-B039-19EC8006C5E1}"/>
+              </a:ext>
+            </a:extLst>
+          </p:cNvPr>
+          <p:cNvSpPr txBox="1"/>
+          <p:nvPr/>
+        </p:nvSpPr>
+        <p:spPr>
+          <a:xfrm>
+            <a:off x="5843428" y="1267325"/>
+            <a:ext cx="633507" cy="369332"/>
+          </a:xfrm>
+          <a:prstGeom prst="rect">
+            <a:avLst/>
+          </a:prstGeom>
+          <a:noFill/>
+        </p:spPr>
+        <p:txBody>
+          <a:bodyPr wrap="none" rtlCol="0">
+            <a:spAutoFit/>
+          </a:bodyPr>
+          <a:lstStyle/>
+          <a:p>
+            <a:r>
+              <a:rPr lang="en-US" dirty="0"/>
+              <a:t>chr9</a:t>
+            </a:r>
+          </a:p>
+        </p:txBody>
+      </p:sp>
+      <p:sp>
+        <p:nvSpPr>
+          <p:cNvPr id="15" name="Rectangle 14">
+            <a:extLst>
+              <a:ext uri="{FF2B5EF4-FFF2-40B4-BE49-F238E27FC236}">
+                <a16:creationId xmlns:a16="http://schemas.microsoft.com/office/drawing/2014/main" id="{EAA6DF98-677F-D10C-D3DC-2F2360FB7978}"/>
+              </a:ext>
+            </a:extLst>
+          </p:cNvPr>
+          <p:cNvSpPr/>
+          <p:nvPr/>
+        </p:nvSpPr>
+        <p:spPr>
+          <a:xfrm>
+            <a:off x="838200" y="1625768"/>
+            <a:ext cx="10515600" cy="69408"/>
+          </a:xfrm>
+          <a:prstGeom prst="rect">
+            <a:avLst/>
+          </a:prstGeom>
+          <a:solidFill>
+            <a:schemeClr val="accent1">
+              <a:lumMod val="20000"/>
+              <a:lumOff val="80000"/>
+            </a:schemeClr>
+          </a:solidFill>
+          <a:ln>
+            <a:noFill/>
+          </a:ln>
+        </p:spPr>
+        <p:style>
+          <a:lnRef idx="2">
+            <a:schemeClr val="accent1">
+              <a:shade val="15000"/>
+            </a:schemeClr>
+          </a:lnRef>
+          <a:fillRef idx="1">
+            <a:schemeClr val="accent1"/>
+          </a:fillRef>
+          <a:effectRef idx="0">
+            <a:schemeClr val="accent1"/>
+          </a:effectRef>
+          <a:fontRef idx="minor">
+            <a:schemeClr val="lt1"/>
+          </a:fontRef>
+        </p:style>
+        <p:txBody>
+          <a:bodyPr rtlCol="0" anchor="ctr"/>
+          <a:lstStyle/>
+          <a:p>
+            <a:pPr algn="ctr"/>
+            <a:endParaRPr lang="en-US"/>
+          </a:p>
+        </p:txBody>
+      </p:sp>
+      <p:sp>
+        <p:nvSpPr>
+          <p:cNvPr id="16" name="TextBox 15">
+            <a:extLst>
+              <a:ext uri="{FF2B5EF4-FFF2-40B4-BE49-F238E27FC236}">
+                <a16:creationId xmlns:a16="http://schemas.microsoft.com/office/drawing/2014/main" id="{3FF3842E-35F0-9AE4-B295-4AA28F186582}"/>
+              </a:ext>
+            </a:extLst>
+          </p:cNvPr>
+          <p:cNvSpPr txBox="1"/>
+          <p:nvPr/>
+        </p:nvSpPr>
+        <p:spPr>
+          <a:xfrm>
+            <a:off x="704420" y="3480162"/>
+            <a:ext cx="3010761" cy="369332"/>
+          </a:xfrm>
+          <a:prstGeom prst="rect">
+            <a:avLst/>
+          </a:prstGeom>
+          <a:noFill/>
+        </p:spPr>
+        <p:txBody>
+          <a:bodyPr wrap="none" rtlCol="0">
+            <a:spAutoFit/>
+          </a:bodyPr>
+          <a:lstStyle/>
+          <a:p>
+            <a:r>
+              <a:rPr lang="en-US" dirty="0"/>
+              <a:t>chr9:34646787-34647088(+)</a:t>
+            </a:r>
+          </a:p>
+        </p:txBody>
+      </p:sp>
+      <p:graphicFrame>
+        <p:nvGraphicFramePr>
+          <p:cNvPr id="19" name="Table 18">
+            <a:extLst>
+              <a:ext uri="{FF2B5EF4-FFF2-40B4-BE49-F238E27FC236}">
+                <a16:creationId xmlns:a16="http://schemas.microsoft.com/office/drawing/2014/main" id="{2A8BD8DB-A041-91FB-959A-43EA89510F1C}"/>
+              </a:ext>
+            </a:extLst>
+          </p:cNvPr>
+          <p:cNvGraphicFramePr>
+            <a:graphicFrameLocks noGrp="1"/>
+          </p:cNvGraphicFramePr>
+          <p:nvPr>
+            <p:extLst>
+              <p:ext uri="{D42A27DB-BD31-4B8C-83A1-F6EECF244321}">
+                <p14:modId xmlns:p14="http://schemas.microsoft.com/office/powerpoint/2010/main" val="2890134118"/>
+              </p:ext>
+            </p:extLst>
+          </p:nvPr>
+        </p:nvGraphicFramePr>
+        <p:xfrm>
+          <a:off x="6160183" y="3061636"/>
+          <a:ext cx="5327398" cy="3584961"/>
+        </p:xfrm>
+        <a:graphic>
+          <a:graphicData uri="http://schemas.openxmlformats.org/drawingml/2006/table">
+            <a:tbl>
+              <a:tblPr>
+                <a:tableStyleId>{5C22544A-7EE6-4342-B048-85BDC9FD1C3A}</a:tableStyleId>
+              </a:tblPr>
+              <a:tblGrid>
+                <a:gridCol w="1294849">
+                  <a:extLst>
+                    <a:ext uri="{9D8B030D-6E8A-4147-A177-3AD203B41FA5}">
+                      <a16:colId xmlns:a16="http://schemas.microsoft.com/office/drawing/2014/main" val="1110858165"/>
+                    </a:ext>
+                  </a:extLst>
+                </a:gridCol>
+                <a:gridCol w="1431771">
+                  <a:extLst>
+                    <a:ext uri="{9D8B030D-6E8A-4147-A177-3AD203B41FA5}">
+                      <a16:colId xmlns:a16="http://schemas.microsoft.com/office/drawing/2014/main" val="2468009557"/>
+                    </a:ext>
+                  </a:extLst>
+                </a:gridCol>
+                <a:gridCol w="1384286">
+                  <a:extLst>
+                    <a:ext uri="{9D8B030D-6E8A-4147-A177-3AD203B41FA5}">
+                      <a16:colId xmlns:a16="http://schemas.microsoft.com/office/drawing/2014/main" val="2134646287"/>
+                    </a:ext>
+                  </a:extLst>
+                </a:gridCol>
+                <a:gridCol w="1216492">
+                  <a:extLst>
+                    <a:ext uri="{9D8B030D-6E8A-4147-A177-3AD203B41FA5}">
+                      <a16:colId xmlns:a16="http://schemas.microsoft.com/office/drawing/2014/main" val="3370446702"/>
+                    </a:ext>
+                  </a:extLst>
+                </a:gridCol>
+              </a:tblGrid>
+              <a:tr h="230188">
+                <a:tc>
+                  <a:txBody>
+                    <a:bodyPr/>
+                    <a:lstStyle/>
+                    <a:p>
+                      <a:pPr algn="r" fontAlgn="b"/>
+                      <a:r>
+                        <a:rPr lang="en-AU" sz="1600" b="1" u="none" strike="noStrike" dirty="0">
+                          <a:effectLst/>
+                        </a:rPr>
+                        <a:t>chromosome</a:t>
+                      </a:r>
+                      <a:endParaRPr lang="en-AU" sz="1600" b="1" i="0" u="none" strike="noStrike" dirty="0">
+                        <a:solidFill>
+                          <a:srgbClr val="000000"/>
+                        </a:solidFill>
+                        <a:effectLst/>
+                        <a:latin typeface="Aptos Narrow" panose="020B0004020202020204" pitchFamily="34" charset="0"/>
+                      </a:endParaRPr>
+                    </a:p>
+                  </a:txBody>
+                  <a:tcPr marL="2487" marR="2487" marT="2487" marB="0" anchor="b"/>
+                </a:tc>
+                <a:tc>
+                  <a:txBody>
+                    <a:bodyPr/>
+                    <a:lstStyle/>
+                    <a:p>
+                      <a:pPr algn="r" fontAlgn="b"/>
+                      <a:r>
+                        <a:rPr lang="en-AU" sz="1600" b="1" u="none" strike="noStrike" dirty="0">
+                          <a:effectLst/>
+                        </a:rPr>
+                        <a:t>start</a:t>
+                      </a:r>
+                      <a:endParaRPr lang="en-AU" sz="1600" b="1" i="0" u="none" strike="noStrike" dirty="0">
+                        <a:solidFill>
+                          <a:srgbClr val="000000"/>
+                        </a:solidFill>
+                        <a:effectLst/>
+                        <a:latin typeface="Aptos Narrow" panose="020B0004020202020204" pitchFamily="34" charset="0"/>
+                      </a:endParaRPr>
+                    </a:p>
+                  </a:txBody>
+                  <a:tcPr marL="2487" marR="2487" marT="2487" marB="0" anchor="b"/>
+                </a:tc>
+                <a:tc>
+                  <a:txBody>
+                    <a:bodyPr/>
+                    <a:lstStyle/>
+                    <a:p>
+                      <a:pPr algn="r" fontAlgn="b"/>
+                      <a:r>
+                        <a:rPr lang="en-AU" sz="1600" b="1" u="none" strike="noStrike" dirty="0">
+                          <a:effectLst/>
+                        </a:rPr>
+                        <a:t>end</a:t>
+                      </a:r>
+                      <a:endParaRPr lang="en-AU" sz="1600" b="1" i="0" u="none" strike="noStrike" dirty="0">
+                        <a:solidFill>
+                          <a:srgbClr val="000000"/>
+                        </a:solidFill>
+                        <a:effectLst/>
+                        <a:latin typeface="Aptos Narrow" panose="020B0004020202020204" pitchFamily="34" charset="0"/>
+                      </a:endParaRPr>
+                    </a:p>
+                  </a:txBody>
+                  <a:tcPr marL="2487" marR="2487" marT="2487" marB="0" anchor="b"/>
+                </a:tc>
+                <a:tc>
+                  <a:txBody>
+                    <a:bodyPr/>
+                    <a:lstStyle/>
+                    <a:p>
+                      <a:pPr algn="ctr" fontAlgn="b"/>
+                      <a:r>
+                        <a:rPr lang="en-AU" sz="1600" b="1" u="none" strike="noStrike" dirty="0">
+                          <a:effectLst/>
+                        </a:rPr>
+                        <a:t>strand</a:t>
+                      </a:r>
+                      <a:endParaRPr lang="en-AU" sz="1600" b="1" i="0" u="none" strike="noStrike" dirty="0">
+                        <a:solidFill>
+                          <a:srgbClr val="000000"/>
+                        </a:solidFill>
+                        <a:effectLst/>
+                        <a:latin typeface="Aptos Narrow" panose="020B0004020202020204" pitchFamily="34" charset="0"/>
+                      </a:endParaRPr>
+                    </a:p>
+                  </a:txBody>
+                  <a:tcPr marL="2487" marR="2487" marT="2487" marB="0" anchor="b"/>
+                </a:tc>
+                <a:extLst>
+                  <a:ext uri="{0D108BD9-81ED-4DB2-BD59-A6C34878D82A}">
+                    <a16:rowId xmlns:a16="http://schemas.microsoft.com/office/drawing/2014/main" val="1174067835"/>
+                  </a:ext>
+                </a:extLst>
+              </a:tr>
+              <a:tr h="230188">
+                <a:tc>
+                  <a:txBody>
+                    <a:bodyPr/>
+                    <a:lstStyle/>
+                    <a:p>
+                      <a:pPr algn="r" fontAlgn="b"/>
+                      <a:r>
+                        <a:rPr lang="en-AU" sz="1600" b="0" i="0" u="none" strike="noStrike" dirty="0">
+                          <a:solidFill>
+                            <a:srgbClr val="000000"/>
+                          </a:solidFill>
+                          <a:effectLst/>
+                          <a:latin typeface="Aptos Narrow" panose="020B0004020202020204" pitchFamily="34" charset="0"/>
+                        </a:rPr>
+                        <a:t>chr11</a:t>
+                      </a:r>
+                    </a:p>
+                  </a:txBody>
+                  <a:tcPr marL="9525" marR="9525" marT="9525" marB="0" anchor="b"/>
+                </a:tc>
+                <a:tc>
+                  <a:txBody>
+                    <a:bodyPr/>
+                    <a:lstStyle/>
+                    <a:p>
+                      <a:pPr algn="r" fontAlgn="b"/>
+                      <a:r>
+                        <a:rPr lang="en-AU" sz="1600" b="0" i="0" u="none" strike="noStrike">
+                          <a:solidFill>
+                            <a:srgbClr val="000000"/>
+                          </a:solidFill>
+                          <a:effectLst/>
+                          <a:latin typeface="Aptos Narrow" panose="020B0004020202020204" pitchFamily="34" charset="0"/>
+                        </a:rPr>
+                        <a:t>64514937</a:t>
+                      </a:r>
+                    </a:p>
+                  </a:txBody>
+                  <a:tcPr marL="9525" marR="9525" marT="9525" marB="0" anchor="b"/>
+                </a:tc>
+                <a:tc>
+                  <a:txBody>
+                    <a:bodyPr/>
+                    <a:lstStyle/>
+                    <a:p>
+                      <a:pPr algn="r" fontAlgn="b"/>
+                      <a:r>
+                        <a:rPr lang="en-AU" sz="1600" b="0" i="0" u="none" strike="noStrike">
+                          <a:solidFill>
+                            <a:srgbClr val="000000"/>
+                          </a:solidFill>
+                          <a:effectLst/>
+                          <a:latin typeface="Aptos Narrow" panose="020B0004020202020204" pitchFamily="34" charset="0"/>
+                        </a:rPr>
+                        <a:t>64519068</a:t>
+                      </a:r>
+                    </a:p>
+                  </a:txBody>
+                  <a:tcPr marL="9525" marR="9525" marT="9525" marB="0" anchor="b"/>
+                </a:tc>
+                <a:tc>
+                  <a:txBody>
+                    <a:bodyPr/>
+                    <a:lstStyle/>
+                    <a:p>
+                      <a:pPr algn="ctr" fontAlgn="b"/>
+                      <a:r>
+                        <a:rPr lang="en-AU" sz="1600" b="0" i="0" u="none" strike="noStrike" dirty="0">
+                          <a:solidFill>
+                            <a:srgbClr val="000000"/>
+                          </a:solidFill>
+                          <a:effectLst/>
+                          <a:latin typeface="Aptos Narrow" panose="020B0004020202020204" pitchFamily="34" charset="0"/>
+                        </a:rPr>
+                        <a:t>-</a:t>
+                      </a:r>
+                    </a:p>
+                  </a:txBody>
+                  <a:tcPr marL="9525" marR="9525" marT="9525" marB="0" anchor="b"/>
+                </a:tc>
+                <a:extLst>
+                  <a:ext uri="{0D108BD9-81ED-4DB2-BD59-A6C34878D82A}">
+                    <a16:rowId xmlns:a16="http://schemas.microsoft.com/office/drawing/2014/main" val="1499173822"/>
+                  </a:ext>
+                </a:extLst>
+              </a:tr>
+              <a:tr h="298254">
+                <a:tc>
+                  <a:txBody>
+                    <a:bodyPr/>
+                    <a:lstStyle/>
+                    <a:p>
+                      <a:pPr algn="r" fontAlgn="b"/>
+                      <a:r>
+                        <a:rPr lang="en-AU" sz="1600" b="0" i="0" u="none" strike="noStrike">
+                          <a:solidFill>
+                            <a:srgbClr val="000000"/>
+                          </a:solidFill>
+                          <a:effectLst/>
+                          <a:latin typeface="Aptos Narrow" panose="020B0004020202020204" pitchFamily="34" charset="0"/>
+                        </a:rPr>
+                        <a:t>chr9</a:t>
+                      </a:r>
+                    </a:p>
+                  </a:txBody>
+                  <a:tcPr marL="9525" marR="9525" marT="9525" marB="0" anchor="b"/>
+                </a:tc>
+                <a:tc>
+                  <a:txBody>
+                    <a:bodyPr/>
+                    <a:lstStyle/>
+                    <a:p>
+                      <a:pPr algn="r" fontAlgn="b"/>
+                      <a:r>
+                        <a:rPr lang="en-AU" sz="1600" b="0" i="0" u="none" strike="noStrike" dirty="0">
+                          <a:solidFill>
+                            <a:srgbClr val="000000"/>
+                          </a:solidFill>
+                          <a:effectLst/>
+                          <a:latin typeface="Aptos Narrow" panose="020B0004020202020204" pitchFamily="34" charset="0"/>
+                        </a:rPr>
+                        <a:t>19378917</a:t>
+                      </a:r>
+                    </a:p>
+                  </a:txBody>
+                  <a:tcPr marL="9525" marR="9525" marT="9525" marB="0" anchor="b"/>
+                </a:tc>
+                <a:tc>
+                  <a:txBody>
+                    <a:bodyPr/>
+                    <a:lstStyle/>
+                    <a:p>
+                      <a:pPr algn="r" fontAlgn="b"/>
+                      <a:r>
+                        <a:rPr lang="en-AU" sz="1600" b="0" i="0" u="none" strike="noStrike">
+                          <a:solidFill>
+                            <a:srgbClr val="000000"/>
+                          </a:solidFill>
+                          <a:effectLst/>
+                          <a:latin typeface="Aptos Narrow" panose="020B0004020202020204" pitchFamily="34" charset="0"/>
+                        </a:rPr>
+                        <a:t>19379460</a:t>
+                      </a:r>
+                    </a:p>
+                  </a:txBody>
+                  <a:tcPr marL="9525" marR="9525" marT="9525" marB="0" anchor="b"/>
+                </a:tc>
+                <a:tc>
+                  <a:txBody>
+                    <a:bodyPr/>
+                    <a:lstStyle/>
+                    <a:p>
+                      <a:pPr algn="ctr" fontAlgn="b"/>
+                      <a:r>
+                        <a:rPr lang="en-AU" sz="1600" b="0" i="0" u="none" strike="noStrike" dirty="0">
+                          <a:solidFill>
+                            <a:srgbClr val="000000"/>
+                          </a:solidFill>
+                          <a:effectLst/>
+                          <a:latin typeface="Aptos Narrow" panose="020B0004020202020204" pitchFamily="34" charset="0"/>
+                        </a:rPr>
+                        <a:t>-</a:t>
+                      </a:r>
+                    </a:p>
+                  </a:txBody>
+                  <a:tcPr marL="9525" marR="9525" marT="9525" marB="0" anchor="b"/>
+                </a:tc>
+                <a:extLst>
+                  <a:ext uri="{0D108BD9-81ED-4DB2-BD59-A6C34878D82A}">
+                    <a16:rowId xmlns:a16="http://schemas.microsoft.com/office/drawing/2014/main" val="2697179442"/>
+                  </a:ext>
+                </a:extLst>
+              </a:tr>
+              <a:tr h="230188">
+                <a:tc>
+                  <a:txBody>
+                    <a:bodyPr/>
+                    <a:lstStyle/>
+                    <a:p>
+                      <a:pPr algn="r" fontAlgn="b"/>
+                      <a:r>
+                        <a:rPr lang="en-AU" sz="1600" b="0" i="0" u="none" strike="noStrike">
+                          <a:solidFill>
+                            <a:srgbClr val="000000"/>
+                          </a:solidFill>
+                          <a:effectLst/>
+                          <a:latin typeface="Aptos Narrow" panose="020B0004020202020204" pitchFamily="34" charset="0"/>
+                        </a:rPr>
+                        <a:t>chr9</a:t>
+                      </a:r>
+                    </a:p>
+                  </a:txBody>
+                  <a:tcPr marL="9525" marR="9525" marT="9525" marB="0" anchor="b"/>
+                </a:tc>
+                <a:tc>
+                  <a:txBody>
+                    <a:bodyPr/>
+                    <a:lstStyle/>
+                    <a:p>
+                      <a:pPr algn="r" fontAlgn="b"/>
+                      <a:r>
+                        <a:rPr lang="en-AU" sz="1600" b="0" i="0" u="none" strike="noStrike" dirty="0">
+                          <a:solidFill>
+                            <a:srgbClr val="000000"/>
+                          </a:solidFill>
+                          <a:effectLst/>
+                          <a:latin typeface="Aptos Narrow" panose="020B0004020202020204" pitchFamily="34" charset="0"/>
+                        </a:rPr>
+                        <a:t>139565773</a:t>
+                      </a:r>
+                    </a:p>
+                  </a:txBody>
+                  <a:tcPr marL="9525" marR="9525" marT="9525" marB="0" anchor="b"/>
+                </a:tc>
+                <a:tc>
+                  <a:txBody>
+                    <a:bodyPr/>
+                    <a:lstStyle/>
+                    <a:p>
+                      <a:pPr algn="r" fontAlgn="b"/>
+                      <a:r>
+                        <a:rPr lang="en-AU" sz="1600" b="0" i="0" u="none" strike="noStrike">
+                          <a:solidFill>
+                            <a:srgbClr val="000000"/>
+                          </a:solidFill>
+                          <a:effectLst/>
+                          <a:latin typeface="Aptos Narrow" panose="020B0004020202020204" pitchFamily="34" charset="0"/>
+                        </a:rPr>
+                        <a:t>139566377</a:t>
+                      </a:r>
+                    </a:p>
+                  </a:txBody>
+                  <a:tcPr marL="9525" marR="9525" marT="9525" marB="0" anchor="b"/>
+                </a:tc>
+                <a:tc>
+                  <a:txBody>
+                    <a:bodyPr/>
+                    <a:lstStyle/>
+                    <a:p>
+                      <a:pPr algn="ctr" fontAlgn="b"/>
+                      <a:r>
+                        <a:rPr lang="en-AU" sz="1600" b="0" i="0" u="none" strike="noStrike" dirty="0">
+                          <a:solidFill>
+                            <a:srgbClr val="000000"/>
+                          </a:solidFill>
+                          <a:effectLst/>
+                          <a:latin typeface="Aptos Narrow" panose="020B0004020202020204" pitchFamily="34" charset="0"/>
+                        </a:rPr>
+                        <a:t>+</a:t>
+                      </a:r>
+                    </a:p>
+                  </a:txBody>
+                  <a:tcPr marL="9525" marR="9525" marT="9525" marB="0" anchor="b"/>
+                </a:tc>
+                <a:extLst>
+                  <a:ext uri="{0D108BD9-81ED-4DB2-BD59-A6C34878D82A}">
+                    <a16:rowId xmlns:a16="http://schemas.microsoft.com/office/drawing/2014/main" val="4185118752"/>
+                  </a:ext>
+                </a:extLst>
+              </a:tr>
+              <a:tr h="230188">
+                <a:tc>
+                  <a:txBody>
+                    <a:bodyPr/>
+                    <a:lstStyle/>
+                    <a:p>
+                      <a:pPr algn="r" fontAlgn="b"/>
+                      <a:r>
+                        <a:rPr lang="en-AU" sz="1600" b="0" i="0" u="none" strike="noStrike">
+                          <a:solidFill>
+                            <a:srgbClr val="000000"/>
+                          </a:solidFill>
+                          <a:effectLst/>
+                          <a:latin typeface="Aptos Narrow" panose="020B0004020202020204" pitchFamily="34" charset="0"/>
+                        </a:rPr>
+                        <a:t>chr1</a:t>
+                      </a:r>
+                    </a:p>
+                  </a:txBody>
+                  <a:tcPr marL="9525" marR="9525" marT="9525" marB="0" anchor="b"/>
+                </a:tc>
+                <a:tc>
+                  <a:txBody>
+                    <a:bodyPr/>
+                    <a:lstStyle/>
+                    <a:p>
+                      <a:pPr algn="r" fontAlgn="b"/>
+                      <a:r>
+                        <a:rPr lang="en-AU" sz="1600" b="0" i="0" u="none" strike="noStrike" dirty="0">
+                          <a:solidFill>
+                            <a:srgbClr val="000000"/>
+                          </a:solidFill>
+                          <a:effectLst/>
+                          <a:latin typeface="Aptos Narrow" panose="020B0004020202020204" pitchFamily="34" charset="0"/>
+                        </a:rPr>
+                        <a:t>229602504</a:t>
+                      </a:r>
+                    </a:p>
+                  </a:txBody>
+                  <a:tcPr marL="9525" marR="9525" marT="9525" marB="0" anchor="b"/>
+                </a:tc>
+                <a:tc>
+                  <a:txBody>
+                    <a:bodyPr/>
+                    <a:lstStyle/>
+                    <a:p>
+                      <a:pPr algn="r" fontAlgn="b"/>
+                      <a:r>
+                        <a:rPr lang="en-AU" sz="1600" b="0" i="0" u="none" strike="noStrike">
+                          <a:solidFill>
+                            <a:srgbClr val="000000"/>
+                          </a:solidFill>
+                          <a:effectLst/>
+                          <a:latin typeface="Aptos Narrow" panose="020B0004020202020204" pitchFamily="34" charset="0"/>
+                        </a:rPr>
+                        <a:t>229606326</a:t>
+                      </a:r>
+                    </a:p>
+                  </a:txBody>
+                  <a:tcPr marL="9525" marR="9525" marT="9525" marB="0" anchor="b"/>
+                </a:tc>
+                <a:tc>
+                  <a:txBody>
+                    <a:bodyPr/>
+                    <a:lstStyle/>
+                    <a:p>
+                      <a:pPr algn="ctr" fontAlgn="b"/>
+                      <a:r>
+                        <a:rPr lang="en-AU" sz="1600" b="0" i="0" u="none" strike="noStrike" dirty="0">
+                          <a:solidFill>
+                            <a:srgbClr val="000000"/>
+                          </a:solidFill>
+                          <a:effectLst/>
+                          <a:latin typeface="Aptos Narrow" panose="020B0004020202020204" pitchFamily="34" charset="0"/>
+                        </a:rPr>
+                        <a:t>-</a:t>
+                      </a:r>
+                    </a:p>
+                  </a:txBody>
+                  <a:tcPr marL="9525" marR="9525" marT="9525" marB="0" anchor="b"/>
+                </a:tc>
+                <a:extLst>
+                  <a:ext uri="{0D108BD9-81ED-4DB2-BD59-A6C34878D82A}">
+                    <a16:rowId xmlns:a16="http://schemas.microsoft.com/office/drawing/2014/main" val="385112056"/>
+                  </a:ext>
+                </a:extLst>
+              </a:tr>
+              <a:tr h="230188">
+                <a:tc>
+                  <a:txBody>
+                    <a:bodyPr/>
+                    <a:lstStyle/>
+                    <a:p>
+                      <a:pPr algn="r" fontAlgn="b"/>
+                      <a:r>
+                        <a:rPr lang="en-AU" sz="1600" b="0" i="0" u="none" strike="noStrike">
+                          <a:solidFill>
+                            <a:srgbClr val="000000"/>
+                          </a:solidFill>
+                          <a:effectLst/>
+                          <a:latin typeface="Aptos Narrow" panose="020B0004020202020204" pitchFamily="34" charset="0"/>
+                        </a:rPr>
+                        <a:t>chr2</a:t>
+                      </a:r>
+                    </a:p>
+                  </a:txBody>
+                  <a:tcPr marL="9525" marR="9525" marT="9525" marB="0" anchor="b"/>
+                </a:tc>
+                <a:tc>
+                  <a:txBody>
+                    <a:bodyPr/>
+                    <a:lstStyle/>
+                    <a:p>
+                      <a:pPr algn="r" fontAlgn="b"/>
+                      <a:r>
+                        <a:rPr lang="en-AU" sz="1600" b="0" i="0" u="none" strike="noStrike" dirty="0">
+                          <a:solidFill>
+                            <a:srgbClr val="000000"/>
+                          </a:solidFill>
+                          <a:effectLst/>
+                          <a:latin typeface="Aptos Narrow" panose="020B0004020202020204" pitchFamily="34" charset="0"/>
+                        </a:rPr>
+                        <a:t>152390061</a:t>
+                      </a:r>
+                    </a:p>
+                  </a:txBody>
+                  <a:tcPr marL="9525" marR="9525" marT="9525" marB="0" anchor="b"/>
+                </a:tc>
+                <a:tc>
+                  <a:txBody>
+                    <a:bodyPr/>
+                    <a:lstStyle/>
+                    <a:p>
+                      <a:pPr algn="r" fontAlgn="b"/>
+                      <a:r>
+                        <a:rPr lang="en-AU" sz="1600" b="0" i="0" u="none" strike="noStrike">
+                          <a:solidFill>
+                            <a:srgbClr val="000000"/>
+                          </a:solidFill>
+                          <a:effectLst/>
+                          <a:latin typeface="Aptos Narrow" panose="020B0004020202020204" pitchFamily="34" charset="0"/>
+                        </a:rPr>
+                        <a:t>152391916</a:t>
+                      </a:r>
+                    </a:p>
+                  </a:txBody>
+                  <a:tcPr marL="9525" marR="9525" marT="9525" marB="0" anchor="b"/>
+                </a:tc>
+                <a:tc>
+                  <a:txBody>
+                    <a:bodyPr/>
+                    <a:lstStyle/>
+                    <a:p>
+                      <a:pPr algn="ctr" fontAlgn="b"/>
+                      <a:r>
+                        <a:rPr lang="en-AU" sz="1600" b="0" i="0" u="none" strike="noStrike" dirty="0">
+                          <a:solidFill>
+                            <a:srgbClr val="000000"/>
+                          </a:solidFill>
+                          <a:effectLst/>
+                          <a:latin typeface="Aptos Narrow" panose="020B0004020202020204" pitchFamily="34" charset="0"/>
+                        </a:rPr>
+                        <a:t>-</a:t>
+                      </a:r>
+                    </a:p>
+                  </a:txBody>
+                  <a:tcPr marL="9525" marR="9525" marT="9525" marB="0" anchor="b"/>
+                </a:tc>
+                <a:extLst>
+                  <a:ext uri="{0D108BD9-81ED-4DB2-BD59-A6C34878D82A}">
+                    <a16:rowId xmlns:a16="http://schemas.microsoft.com/office/drawing/2014/main" val="1084722614"/>
+                  </a:ext>
+                </a:extLst>
+              </a:tr>
+              <a:tr h="230188">
+                <a:tc>
+                  <a:txBody>
+                    <a:bodyPr/>
+                    <a:lstStyle/>
+                    <a:p>
+                      <a:pPr algn="r" fontAlgn="b"/>
+                      <a:r>
+                        <a:rPr lang="en-AU" sz="1600" b="0" i="0" u="none" strike="noStrike">
+                          <a:solidFill>
+                            <a:srgbClr val="000000"/>
+                          </a:solidFill>
+                          <a:effectLst/>
+                          <a:latin typeface="Aptos Narrow" panose="020B0004020202020204" pitchFamily="34" charset="0"/>
+                        </a:rPr>
+                        <a:t>chr1</a:t>
+                      </a:r>
+                    </a:p>
+                  </a:txBody>
+                  <a:tcPr marL="9525" marR="9525" marT="9525" marB="0" anchor="b"/>
+                </a:tc>
+                <a:tc>
+                  <a:txBody>
+                    <a:bodyPr/>
+                    <a:lstStyle/>
+                    <a:p>
+                      <a:pPr algn="r" fontAlgn="b"/>
+                      <a:r>
+                        <a:rPr lang="en-AU" sz="1600" b="0" i="0" u="none" strike="noStrike" dirty="0">
+                          <a:solidFill>
+                            <a:srgbClr val="000000"/>
+                          </a:solidFill>
+                          <a:effectLst/>
+                          <a:latin typeface="Aptos Narrow" panose="020B0004020202020204" pitchFamily="34" charset="0"/>
+                        </a:rPr>
+                        <a:t>6257817</a:t>
+                      </a:r>
+                    </a:p>
+                  </a:txBody>
+                  <a:tcPr marL="9525" marR="9525" marT="9525" marB="0" anchor="b"/>
+                </a:tc>
+                <a:tc>
+                  <a:txBody>
+                    <a:bodyPr/>
+                    <a:lstStyle/>
+                    <a:p>
+                      <a:pPr algn="r" fontAlgn="b"/>
+                      <a:r>
+                        <a:rPr lang="en-AU" sz="1600" b="0" i="0" u="none" strike="noStrike" dirty="0">
+                          <a:solidFill>
+                            <a:srgbClr val="000000"/>
+                          </a:solidFill>
+                          <a:effectLst/>
+                          <a:latin typeface="Aptos Narrow" panose="020B0004020202020204" pitchFamily="34" charset="0"/>
+                        </a:rPr>
+                        <a:t>6268740</a:t>
+                      </a:r>
+                    </a:p>
+                  </a:txBody>
+                  <a:tcPr marL="9525" marR="9525" marT="9525" marB="0" anchor="b"/>
+                </a:tc>
+                <a:tc>
+                  <a:txBody>
+                    <a:bodyPr/>
+                    <a:lstStyle/>
+                    <a:p>
+                      <a:pPr algn="ctr" fontAlgn="b"/>
+                      <a:r>
+                        <a:rPr lang="en-AU" sz="1600" b="0" i="0" u="none" strike="noStrike" dirty="0">
+                          <a:solidFill>
+                            <a:srgbClr val="000000"/>
+                          </a:solidFill>
+                          <a:effectLst/>
+                          <a:latin typeface="Aptos Narrow" panose="020B0004020202020204" pitchFamily="34" charset="0"/>
+                        </a:rPr>
+                        <a:t>-</a:t>
+                      </a:r>
+                    </a:p>
+                  </a:txBody>
+                  <a:tcPr marL="9525" marR="9525" marT="9525" marB="0" anchor="b"/>
+                </a:tc>
+                <a:extLst>
+                  <a:ext uri="{0D108BD9-81ED-4DB2-BD59-A6C34878D82A}">
+                    <a16:rowId xmlns:a16="http://schemas.microsoft.com/office/drawing/2014/main" val="3528340972"/>
+                  </a:ext>
+                </a:extLst>
+              </a:tr>
+              <a:tr h="230188">
+                <a:tc>
+                  <a:txBody>
+                    <a:bodyPr/>
+                    <a:lstStyle/>
+                    <a:p>
+                      <a:pPr algn="r" fontAlgn="b"/>
+                      <a:r>
+                        <a:rPr lang="en-AU" sz="1600" b="0" i="0" u="none" strike="noStrike">
+                          <a:solidFill>
+                            <a:srgbClr val="000000"/>
+                          </a:solidFill>
+                          <a:effectLst/>
+                          <a:latin typeface="Aptos Narrow" panose="020B0004020202020204" pitchFamily="34" charset="0"/>
+                        </a:rPr>
+                        <a:t>chr1</a:t>
+                      </a:r>
+                    </a:p>
+                  </a:txBody>
+                  <a:tcPr marL="9525" marR="9525" marT="9525" marB="0" anchor="b"/>
+                </a:tc>
+                <a:tc>
+                  <a:txBody>
+                    <a:bodyPr/>
+                    <a:lstStyle/>
+                    <a:p>
+                      <a:pPr algn="r" fontAlgn="b"/>
+                      <a:r>
+                        <a:rPr lang="en-AU" sz="1600" b="0" i="0" u="none" strike="noStrike">
+                          <a:solidFill>
+                            <a:srgbClr val="000000"/>
+                          </a:solidFill>
+                          <a:effectLst/>
+                          <a:latin typeface="Aptos Narrow" panose="020B0004020202020204" pitchFamily="34" charset="0"/>
+                        </a:rPr>
+                        <a:t>148252119</a:t>
+                      </a:r>
+                    </a:p>
+                  </a:txBody>
+                  <a:tcPr marL="9525" marR="9525" marT="9525" marB="0" anchor="b"/>
+                </a:tc>
+                <a:tc>
+                  <a:txBody>
+                    <a:bodyPr/>
+                    <a:lstStyle/>
+                    <a:p>
+                      <a:pPr algn="r" fontAlgn="b"/>
+                      <a:r>
+                        <a:rPr lang="en-AU" sz="1600" b="0" i="0" u="none" strike="noStrike" dirty="0">
+                          <a:solidFill>
+                            <a:srgbClr val="000000"/>
+                          </a:solidFill>
+                          <a:effectLst/>
+                          <a:latin typeface="Aptos Narrow" panose="020B0004020202020204" pitchFamily="34" charset="0"/>
+                        </a:rPr>
+                        <a:t>148252729</a:t>
+                      </a:r>
+                    </a:p>
+                  </a:txBody>
+                  <a:tcPr marL="9525" marR="9525" marT="9525" marB="0" anchor="b"/>
+                </a:tc>
+                <a:tc>
+                  <a:txBody>
+                    <a:bodyPr/>
+                    <a:lstStyle/>
+                    <a:p>
+                      <a:pPr algn="ctr" fontAlgn="b"/>
+                      <a:r>
+                        <a:rPr lang="en-AU" sz="1600" b="0" i="0" u="none" strike="noStrike" dirty="0">
+                          <a:solidFill>
+                            <a:srgbClr val="000000"/>
+                          </a:solidFill>
+                          <a:effectLst/>
+                          <a:latin typeface="Aptos Narrow" panose="020B0004020202020204" pitchFamily="34" charset="0"/>
+                        </a:rPr>
+                        <a:t>-</a:t>
+                      </a:r>
+                    </a:p>
+                  </a:txBody>
+                  <a:tcPr marL="9525" marR="9525" marT="9525" marB="0" anchor="b"/>
+                </a:tc>
+                <a:extLst>
+                  <a:ext uri="{0D108BD9-81ED-4DB2-BD59-A6C34878D82A}">
+                    <a16:rowId xmlns:a16="http://schemas.microsoft.com/office/drawing/2014/main" val="2125299604"/>
+                  </a:ext>
+                </a:extLst>
+              </a:tr>
+              <a:tr h="230188">
+                <a:tc>
+                  <a:txBody>
+                    <a:bodyPr/>
+                    <a:lstStyle/>
+                    <a:p>
+                      <a:pPr algn="r" fontAlgn="b"/>
+                      <a:r>
+                        <a:rPr lang="en-AU" sz="1600" b="0" i="0" u="none" strike="noStrike">
+                          <a:solidFill>
+                            <a:srgbClr val="000000"/>
+                          </a:solidFill>
+                          <a:effectLst/>
+                          <a:latin typeface="Aptos Narrow" panose="020B0004020202020204" pitchFamily="34" charset="0"/>
+                        </a:rPr>
+                        <a:t>chr17</a:t>
+                      </a:r>
+                    </a:p>
+                  </a:txBody>
+                  <a:tcPr marL="9525" marR="9525" marT="9525" marB="0" anchor="b"/>
+                </a:tc>
+                <a:tc>
+                  <a:txBody>
+                    <a:bodyPr/>
+                    <a:lstStyle/>
+                    <a:p>
+                      <a:pPr algn="r" fontAlgn="b"/>
+                      <a:r>
+                        <a:rPr lang="en-AU" sz="1600" b="0" i="0" u="none" strike="noStrike">
+                          <a:solidFill>
+                            <a:srgbClr val="000000"/>
+                          </a:solidFill>
+                          <a:effectLst/>
+                          <a:latin typeface="Aptos Narrow" panose="020B0004020202020204" pitchFamily="34" charset="0"/>
+                        </a:rPr>
+                        <a:t>46051815</a:t>
+                      </a:r>
+                    </a:p>
+                  </a:txBody>
+                  <a:tcPr marL="9525" marR="9525" marT="9525" marB="0" anchor="b"/>
+                </a:tc>
+                <a:tc>
+                  <a:txBody>
+                    <a:bodyPr/>
+                    <a:lstStyle/>
+                    <a:p>
+                      <a:pPr algn="r" fontAlgn="b"/>
+                      <a:r>
+                        <a:rPr lang="en-AU" sz="1600" b="0" i="0" u="none" strike="noStrike" dirty="0">
+                          <a:solidFill>
+                            <a:srgbClr val="000000"/>
+                          </a:solidFill>
+                          <a:effectLst/>
+                          <a:latin typeface="Aptos Narrow" panose="020B0004020202020204" pitchFamily="34" charset="0"/>
+                        </a:rPr>
+                        <a:t>46052524</a:t>
+                      </a:r>
+                    </a:p>
+                  </a:txBody>
+                  <a:tcPr marL="9525" marR="9525" marT="9525" marB="0" anchor="b"/>
+                </a:tc>
+                <a:tc>
+                  <a:txBody>
+                    <a:bodyPr/>
+                    <a:lstStyle/>
+                    <a:p>
+                      <a:pPr algn="ctr" fontAlgn="b"/>
+                      <a:r>
+                        <a:rPr lang="en-AU" sz="1600" b="0" i="0" u="none" strike="noStrike" dirty="0">
+                          <a:solidFill>
+                            <a:srgbClr val="000000"/>
+                          </a:solidFill>
+                          <a:effectLst/>
+                          <a:latin typeface="Aptos Narrow" panose="020B0004020202020204" pitchFamily="34" charset="0"/>
+                        </a:rPr>
+                        <a:t>+</a:t>
+                      </a:r>
+                    </a:p>
+                  </a:txBody>
+                  <a:tcPr marL="9525" marR="9525" marT="9525" marB="0" anchor="b"/>
+                </a:tc>
+                <a:extLst>
+                  <a:ext uri="{0D108BD9-81ED-4DB2-BD59-A6C34878D82A}">
+                    <a16:rowId xmlns:a16="http://schemas.microsoft.com/office/drawing/2014/main" val="1618039479"/>
+                  </a:ext>
+                </a:extLst>
+              </a:tr>
+              <a:tr h="230188">
+                <a:tc>
+                  <a:txBody>
+                    <a:bodyPr/>
+                    <a:lstStyle/>
+                    <a:p>
+                      <a:pPr algn="r" fontAlgn="b"/>
+                      <a:r>
+                        <a:rPr lang="en-AU" sz="1600" b="0" i="0" u="none" strike="noStrike">
+                          <a:solidFill>
+                            <a:srgbClr val="000000"/>
+                          </a:solidFill>
+                          <a:effectLst/>
+                          <a:latin typeface="Aptos Narrow" panose="020B0004020202020204" pitchFamily="34" charset="0"/>
+                        </a:rPr>
+                        <a:t>chr10</a:t>
+                      </a:r>
+                    </a:p>
+                  </a:txBody>
+                  <a:tcPr marL="9525" marR="9525" marT="9525" marB="0" anchor="b"/>
+                </a:tc>
+                <a:tc>
+                  <a:txBody>
+                    <a:bodyPr/>
+                    <a:lstStyle/>
+                    <a:p>
+                      <a:pPr algn="r" fontAlgn="b"/>
+                      <a:r>
+                        <a:rPr lang="en-AU" sz="1600" b="0" i="0" u="none" strike="noStrike">
+                          <a:solidFill>
+                            <a:srgbClr val="000000"/>
+                          </a:solidFill>
+                          <a:effectLst/>
+                          <a:latin typeface="Aptos Narrow" panose="020B0004020202020204" pitchFamily="34" charset="0"/>
+                        </a:rPr>
+                        <a:t>13144248</a:t>
+                      </a:r>
+                    </a:p>
+                  </a:txBody>
+                  <a:tcPr marL="9525" marR="9525" marT="9525" marB="0" anchor="b"/>
+                </a:tc>
+                <a:tc>
+                  <a:txBody>
+                    <a:bodyPr/>
+                    <a:lstStyle/>
+                    <a:p>
+                      <a:pPr algn="r" fontAlgn="b"/>
+                      <a:r>
+                        <a:rPr lang="en-AU" sz="1600" b="0" i="0" u="none" strike="noStrike" dirty="0">
+                          <a:solidFill>
+                            <a:srgbClr val="000000"/>
+                          </a:solidFill>
+                          <a:effectLst/>
+                          <a:latin typeface="Aptos Narrow" panose="020B0004020202020204" pitchFamily="34" charset="0"/>
+                        </a:rPr>
+                        <a:t>13150137</a:t>
+                      </a:r>
+                    </a:p>
+                  </a:txBody>
+                  <a:tcPr marL="9525" marR="9525" marT="9525" marB="0" anchor="b"/>
+                </a:tc>
+                <a:tc>
+                  <a:txBody>
+                    <a:bodyPr/>
+                    <a:lstStyle/>
+                    <a:p>
+                      <a:pPr algn="ctr" fontAlgn="b"/>
+                      <a:r>
+                        <a:rPr lang="en-AU" sz="1600" b="0" i="0" u="none" strike="noStrike" dirty="0">
+                          <a:solidFill>
+                            <a:srgbClr val="000000"/>
+                          </a:solidFill>
+                          <a:effectLst/>
+                          <a:latin typeface="Aptos Narrow" panose="020B0004020202020204" pitchFamily="34" charset="0"/>
+                        </a:rPr>
+                        <a:t>+</a:t>
+                      </a:r>
+                    </a:p>
+                  </a:txBody>
+                  <a:tcPr marL="9525" marR="9525" marT="9525" marB="0" anchor="b"/>
+                </a:tc>
+                <a:extLst>
+                  <a:ext uri="{0D108BD9-81ED-4DB2-BD59-A6C34878D82A}">
+                    <a16:rowId xmlns:a16="http://schemas.microsoft.com/office/drawing/2014/main" val="2531703264"/>
+                  </a:ext>
+                </a:extLst>
+              </a:tr>
+              <a:tr h="230188">
+                <a:tc>
+                  <a:txBody>
+                    <a:bodyPr/>
+                    <a:lstStyle/>
+                    <a:p>
+                      <a:pPr algn="r" fontAlgn="b"/>
+                      <a:r>
+                        <a:rPr lang="en-AU" sz="1600" b="0" i="0" u="none" strike="noStrike">
+                          <a:solidFill>
+                            <a:srgbClr val="000000"/>
+                          </a:solidFill>
+                          <a:effectLst/>
+                          <a:latin typeface="Aptos Narrow" panose="020B0004020202020204" pitchFamily="34" charset="0"/>
+                        </a:rPr>
+                        <a:t>chr10</a:t>
+                      </a:r>
+                    </a:p>
+                  </a:txBody>
+                  <a:tcPr marL="9525" marR="9525" marT="9525" marB="0" anchor="b"/>
+                </a:tc>
+                <a:tc>
+                  <a:txBody>
+                    <a:bodyPr/>
+                    <a:lstStyle/>
+                    <a:p>
+                      <a:pPr algn="r" fontAlgn="b"/>
+                      <a:r>
+                        <a:rPr lang="en-AU" sz="1600" b="0" i="0" u="none" strike="noStrike">
+                          <a:solidFill>
+                            <a:srgbClr val="000000"/>
+                          </a:solidFill>
+                          <a:effectLst/>
+                          <a:latin typeface="Aptos Narrow" panose="020B0004020202020204" pitchFamily="34" charset="0"/>
+                        </a:rPr>
+                        <a:t>13160593</a:t>
+                      </a:r>
+                    </a:p>
+                  </a:txBody>
+                  <a:tcPr marL="9525" marR="9525" marT="9525" marB="0" anchor="b"/>
+                </a:tc>
+                <a:tc>
+                  <a:txBody>
+                    <a:bodyPr/>
+                    <a:lstStyle/>
+                    <a:p>
+                      <a:pPr algn="r" fontAlgn="b"/>
+                      <a:r>
+                        <a:rPr lang="en-AU" sz="1600" b="0" i="0" u="none" strike="noStrike" dirty="0">
+                          <a:solidFill>
+                            <a:srgbClr val="000000"/>
+                          </a:solidFill>
+                          <a:effectLst/>
+                          <a:latin typeface="Aptos Narrow" panose="020B0004020202020204" pitchFamily="34" charset="0"/>
+                        </a:rPr>
+                        <a:t>13160887</a:t>
+                      </a:r>
+                    </a:p>
+                  </a:txBody>
+                  <a:tcPr marL="9525" marR="9525" marT="9525" marB="0" anchor="b"/>
+                </a:tc>
+                <a:tc>
+                  <a:txBody>
+                    <a:bodyPr/>
+                    <a:lstStyle/>
+                    <a:p>
+                      <a:pPr algn="ctr" fontAlgn="b"/>
+                      <a:r>
+                        <a:rPr lang="en-AU" sz="1600" b="0" i="0" u="none" strike="noStrike" dirty="0">
+                          <a:solidFill>
+                            <a:srgbClr val="000000"/>
+                          </a:solidFill>
+                          <a:effectLst/>
+                          <a:latin typeface="Aptos Narrow" panose="020B0004020202020204" pitchFamily="34" charset="0"/>
+                        </a:rPr>
+                        <a:t>+</a:t>
+                      </a:r>
+                    </a:p>
+                  </a:txBody>
+                  <a:tcPr marL="9525" marR="9525" marT="9525" marB="0" anchor="b"/>
+                </a:tc>
+                <a:extLst>
+                  <a:ext uri="{0D108BD9-81ED-4DB2-BD59-A6C34878D82A}">
+                    <a16:rowId xmlns:a16="http://schemas.microsoft.com/office/drawing/2014/main" val="4240056916"/>
+                  </a:ext>
+                </a:extLst>
+              </a:tr>
+              <a:tr h="230188">
+                <a:tc>
+                  <a:txBody>
+                    <a:bodyPr/>
+                    <a:lstStyle/>
+                    <a:p>
+                      <a:pPr algn="r" fontAlgn="b"/>
+                      <a:r>
+                        <a:rPr lang="en-AU" sz="1600" b="0" i="0" u="none" strike="noStrike">
+                          <a:solidFill>
+                            <a:srgbClr val="000000"/>
+                          </a:solidFill>
+                          <a:effectLst/>
+                          <a:latin typeface="Aptos Narrow" panose="020B0004020202020204" pitchFamily="34" charset="0"/>
+                        </a:rPr>
+                        <a:t>chr6</a:t>
+                      </a:r>
+                    </a:p>
+                  </a:txBody>
+                  <a:tcPr marL="9525" marR="9525" marT="9525" marB="0" anchor="b"/>
+                </a:tc>
+                <a:tc>
+                  <a:txBody>
+                    <a:bodyPr/>
+                    <a:lstStyle/>
+                    <a:p>
+                      <a:pPr algn="r" fontAlgn="b"/>
+                      <a:r>
+                        <a:rPr lang="en-AU" sz="1600" b="0" i="0" u="none" strike="noStrike">
+                          <a:solidFill>
+                            <a:srgbClr val="000000"/>
+                          </a:solidFill>
+                          <a:effectLst/>
+                          <a:latin typeface="Aptos Narrow" panose="020B0004020202020204" pitchFamily="34" charset="0"/>
+                        </a:rPr>
+                        <a:t>32521177</a:t>
+                      </a:r>
+                    </a:p>
+                  </a:txBody>
+                  <a:tcPr marL="9525" marR="9525" marT="9525" marB="0" anchor="b"/>
+                </a:tc>
+                <a:tc>
+                  <a:txBody>
+                    <a:bodyPr/>
+                    <a:lstStyle/>
+                    <a:p>
+                      <a:pPr algn="r" fontAlgn="b"/>
+                      <a:r>
+                        <a:rPr lang="en-AU" sz="1600" b="0" i="0" u="none" strike="noStrike" dirty="0">
+                          <a:solidFill>
+                            <a:srgbClr val="000000"/>
+                          </a:solidFill>
+                          <a:effectLst/>
+                          <a:latin typeface="Aptos Narrow" panose="020B0004020202020204" pitchFamily="34" charset="0"/>
+                        </a:rPr>
+                        <a:t>32521632</a:t>
+                      </a:r>
+                    </a:p>
+                  </a:txBody>
+                  <a:tcPr marL="9525" marR="9525" marT="9525" marB="0" anchor="b"/>
+                </a:tc>
+                <a:tc>
+                  <a:txBody>
+                    <a:bodyPr/>
+                    <a:lstStyle/>
+                    <a:p>
+                      <a:pPr algn="ctr" fontAlgn="b"/>
+                      <a:r>
+                        <a:rPr lang="en-AU" sz="1600" b="0" i="0" u="none" strike="noStrike" dirty="0">
+                          <a:solidFill>
+                            <a:srgbClr val="000000"/>
+                          </a:solidFill>
+                          <a:effectLst/>
+                          <a:latin typeface="Aptos Narrow" panose="020B0004020202020204" pitchFamily="34" charset="0"/>
+                        </a:rPr>
+                        <a:t>-</a:t>
+                      </a:r>
+                    </a:p>
+                  </a:txBody>
+                  <a:tcPr marL="9525" marR="9525" marT="9525" marB="0" anchor="b"/>
+                </a:tc>
+                <a:extLst>
+                  <a:ext uri="{0D108BD9-81ED-4DB2-BD59-A6C34878D82A}">
+                    <a16:rowId xmlns:a16="http://schemas.microsoft.com/office/drawing/2014/main" val="1868707075"/>
+                  </a:ext>
+                </a:extLst>
+              </a:tr>
+              <a:tr h="230188">
+                <a:tc>
+                  <a:txBody>
+                    <a:bodyPr/>
+                    <a:lstStyle/>
+                    <a:p>
+                      <a:pPr algn="r" fontAlgn="b"/>
+                      <a:r>
+                        <a:rPr lang="en-AU" sz="1600" b="0" i="0" u="none" strike="noStrike">
+                          <a:solidFill>
+                            <a:srgbClr val="000000"/>
+                          </a:solidFill>
+                          <a:effectLst/>
+                          <a:latin typeface="Aptos Narrow" panose="020B0004020202020204" pitchFamily="34" charset="0"/>
+                        </a:rPr>
+                        <a:t>chr1</a:t>
+                      </a:r>
+                    </a:p>
+                  </a:txBody>
+                  <a:tcPr marL="9525" marR="9525" marT="9525" marB="0" anchor="b"/>
+                </a:tc>
+                <a:tc>
+                  <a:txBody>
+                    <a:bodyPr/>
+                    <a:lstStyle/>
+                    <a:p>
+                      <a:pPr algn="r" fontAlgn="b"/>
+                      <a:r>
+                        <a:rPr lang="en-AU" sz="1600" b="0" i="0" u="none" strike="noStrike">
+                          <a:solidFill>
+                            <a:srgbClr val="000000"/>
+                          </a:solidFill>
+                          <a:effectLst/>
+                          <a:latin typeface="Aptos Narrow" panose="020B0004020202020204" pitchFamily="34" charset="0"/>
+                        </a:rPr>
+                        <a:t>154145676</a:t>
+                      </a:r>
+                    </a:p>
+                  </a:txBody>
+                  <a:tcPr marL="9525" marR="9525" marT="9525" marB="0" anchor="b"/>
+                </a:tc>
+                <a:tc>
+                  <a:txBody>
+                    <a:bodyPr/>
+                    <a:lstStyle/>
+                    <a:p>
+                      <a:pPr algn="r" fontAlgn="b"/>
+                      <a:r>
+                        <a:rPr lang="en-AU" sz="1600" b="0" i="0" u="none" strike="noStrike" dirty="0">
+                          <a:solidFill>
+                            <a:srgbClr val="000000"/>
+                          </a:solidFill>
+                          <a:effectLst/>
+                          <a:latin typeface="Aptos Narrow" panose="020B0004020202020204" pitchFamily="34" charset="0"/>
+                        </a:rPr>
+                        <a:t>154148590</a:t>
+                      </a:r>
+                    </a:p>
+                  </a:txBody>
+                  <a:tcPr marL="9525" marR="9525" marT="9525" marB="0" anchor="b"/>
+                </a:tc>
+                <a:tc>
+                  <a:txBody>
+                    <a:bodyPr/>
+                    <a:lstStyle/>
+                    <a:p>
+                      <a:pPr algn="ctr" fontAlgn="b"/>
+                      <a:r>
+                        <a:rPr lang="en-AU" sz="1600" b="0" i="0" u="none" strike="noStrike" dirty="0">
+                          <a:solidFill>
+                            <a:srgbClr val="000000"/>
+                          </a:solidFill>
+                          <a:effectLst/>
+                          <a:latin typeface="Aptos Narrow" panose="020B0004020202020204" pitchFamily="34" charset="0"/>
+                        </a:rPr>
+                        <a:t>-</a:t>
+                      </a:r>
+                    </a:p>
+                  </a:txBody>
+                  <a:tcPr marL="9525" marR="9525" marT="9525" marB="0" anchor="b"/>
+                </a:tc>
+                <a:extLst>
+                  <a:ext uri="{0D108BD9-81ED-4DB2-BD59-A6C34878D82A}">
+                    <a16:rowId xmlns:a16="http://schemas.microsoft.com/office/drawing/2014/main" val="1893836083"/>
+                  </a:ext>
+                </a:extLst>
+              </a:tr>
+              <a:tr h="230188">
+                <a:tc>
+                  <a:txBody>
+                    <a:bodyPr/>
+                    <a:lstStyle/>
+                    <a:p>
+                      <a:pPr algn="r" fontAlgn="b"/>
+                      <a:r>
+                        <a:rPr lang="en-AU" sz="1600" b="0" i="0" u="none" strike="noStrike">
+                          <a:solidFill>
+                            <a:srgbClr val="000000"/>
+                          </a:solidFill>
+                          <a:effectLst/>
+                          <a:latin typeface="Aptos Narrow" panose="020B0004020202020204" pitchFamily="34" charset="0"/>
+                        </a:rPr>
+                        <a:t>chr19</a:t>
+                      </a:r>
+                    </a:p>
+                  </a:txBody>
+                  <a:tcPr marL="9525" marR="9525" marT="9525" marB="0" anchor="b"/>
+                </a:tc>
+                <a:tc>
+                  <a:txBody>
+                    <a:bodyPr/>
+                    <a:lstStyle/>
+                    <a:p>
+                      <a:pPr algn="r" fontAlgn="b"/>
+                      <a:r>
+                        <a:rPr lang="en-AU" sz="1600" b="0" i="0" u="none" strike="noStrike" dirty="0">
+                          <a:solidFill>
+                            <a:srgbClr val="000000"/>
+                          </a:solidFill>
+                          <a:effectLst/>
+                          <a:latin typeface="Aptos Narrow" panose="020B0004020202020204" pitchFamily="34" charset="0"/>
+                        </a:rPr>
+                        <a:t>50183187</a:t>
+                      </a:r>
+                    </a:p>
+                  </a:txBody>
+                  <a:tcPr marL="9525" marR="9525" marT="9525" marB="0" anchor="b"/>
+                </a:tc>
+                <a:tc>
+                  <a:txBody>
+                    <a:bodyPr/>
+                    <a:lstStyle/>
+                    <a:p>
+                      <a:pPr algn="r" fontAlgn="b"/>
+                      <a:r>
+                        <a:rPr lang="en-AU" sz="1600" b="0" i="0" u="none" strike="noStrike" dirty="0">
+                          <a:solidFill>
+                            <a:srgbClr val="000000"/>
+                          </a:solidFill>
+                          <a:effectLst/>
+                          <a:latin typeface="Aptos Narrow" panose="020B0004020202020204" pitchFamily="34" charset="0"/>
+                        </a:rPr>
+                        <a:t>50183396</a:t>
+                      </a:r>
+                    </a:p>
+                  </a:txBody>
+                  <a:tcPr marL="9525" marR="9525" marT="9525" marB="0" anchor="b"/>
+                </a:tc>
+                <a:tc>
+                  <a:txBody>
+                    <a:bodyPr/>
+                    <a:lstStyle/>
+                    <a:p>
+                      <a:pPr algn="ctr" fontAlgn="b"/>
+                      <a:r>
+                        <a:rPr lang="en-AU" sz="1600" b="0" i="0" u="none" strike="noStrike" dirty="0">
+                          <a:solidFill>
+                            <a:srgbClr val="000000"/>
+                          </a:solidFill>
+                          <a:effectLst/>
+                          <a:latin typeface="Aptos Narrow" panose="020B0004020202020204" pitchFamily="34" charset="0"/>
+                        </a:rPr>
+                        <a:t>+</a:t>
+                      </a:r>
+                    </a:p>
+                  </a:txBody>
+                  <a:tcPr marL="9525" marR="9525" marT="9525" marB="0" anchor="b"/>
+                </a:tc>
+                <a:extLst>
+                  <a:ext uri="{0D108BD9-81ED-4DB2-BD59-A6C34878D82A}">
+                    <a16:rowId xmlns:a16="http://schemas.microsoft.com/office/drawing/2014/main" val="689141023"/>
+                  </a:ext>
+                </a:extLst>
+              </a:tr>
+            </a:tbl>
+          </a:graphicData>
+        </a:graphic>
+      </p:graphicFrame>
+      <p:sp>
+        <p:nvSpPr>
+          <p:cNvPr id="21" name="TextBox 20">
+            <a:extLst>
+              <a:ext uri="{FF2B5EF4-FFF2-40B4-BE49-F238E27FC236}">
+                <a16:creationId xmlns:a16="http://schemas.microsoft.com/office/drawing/2014/main" id="{E3D42977-3C43-9C77-E4FD-19A73EEEDC36}"/>
+              </a:ext>
+            </a:extLst>
+          </p:cNvPr>
+          <p:cNvSpPr txBox="1"/>
+          <p:nvPr/>
+        </p:nvSpPr>
+        <p:spPr>
+          <a:xfrm>
+            <a:off x="8823882" y="489645"/>
+            <a:ext cx="3134492" cy="923330"/>
+          </a:xfrm>
+          <a:prstGeom prst="rect">
+            <a:avLst/>
+          </a:prstGeom>
+          <a:solidFill>
+            <a:schemeClr val="bg1"/>
+          </a:solidFill>
+          <a:ln>
+            <a:solidFill>
+              <a:schemeClr val="tx1"/>
+            </a:solidFill>
+          </a:ln>
+          <a:effectLst>
+            <a:outerShdw blurRad="50800" dist="38100" dir="2700000" algn="tl" rotWithShape="0">
+              <a:prstClr val="black">
+                <a:alpha val="40000"/>
+              </a:prstClr>
+            </a:outerShdw>
+          </a:effectLst>
+        </p:spPr>
+        <p:txBody>
+          <a:bodyPr wrap="square" rtlCol="0">
+            <a:spAutoFit/>
+          </a:bodyPr>
+          <a:lstStyle/>
+          <a:p>
+            <a:r>
+              <a:rPr lang="en-US" dirty="0"/>
+              <a:t>RNA-sequencing alignment produces ‘split-reads’ that show the location of an intron</a:t>
+            </a:r>
+          </a:p>
+        </p:txBody>
+      </p:sp>
+      <p:sp>
+        <p:nvSpPr>
+          <p:cNvPr id="22" name="TextBox 21">
+            <a:extLst>
+              <a:ext uri="{FF2B5EF4-FFF2-40B4-BE49-F238E27FC236}">
+                <a16:creationId xmlns:a16="http://schemas.microsoft.com/office/drawing/2014/main" id="{C1DBB03D-D07A-C253-85BB-9BBF573C0044}"/>
+              </a:ext>
+            </a:extLst>
+          </p:cNvPr>
+          <p:cNvSpPr txBox="1"/>
+          <p:nvPr/>
+        </p:nvSpPr>
+        <p:spPr>
+          <a:xfrm>
+            <a:off x="405260" y="3952876"/>
+            <a:ext cx="3609080" cy="923330"/>
+          </a:xfrm>
+          <a:prstGeom prst="rect">
+            <a:avLst/>
+          </a:prstGeom>
+          <a:solidFill>
+            <a:schemeClr val="bg1"/>
+          </a:solidFill>
+          <a:ln>
+            <a:solidFill>
+              <a:schemeClr val="tx1"/>
+            </a:solidFill>
+          </a:ln>
+          <a:effectLst>
+            <a:outerShdw blurRad="50800" dist="38100" dir="2700000" algn="tl" rotWithShape="0">
+              <a:prstClr val="black">
+                <a:alpha val="40000"/>
+              </a:prstClr>
+            </a:outerShdw>
+          </a:effectLst>
+        </p:spPr>
+        <p:txBody>
+          <a:bodyPr wrap="square" rtlCol="0">
+            <a:spAutoFit/>
+          </a:bodyPr>
+          <a:lstStyle/>
+          <a:p>
+            <a:r>
+              <a:rPr lang="en-US" dirty="0"/>
+              <a:t>This is recorded as genomic coordinates, but more information is needed for interpretation</a:t>
+            </a:r>
+          </a:p>
+        </p:txBody>
+      </p:sp>
+      <p:sp>
+        <p:nvSpPr>
+          <p:cNvPr id="23" name="TextBox 22">
+            <a:extLst>
+              <a:ext uri="{FF2B5EF4-FFF2-40B4-BE49-F238E27FC236}">
+                <a16:creationId xmlns:a16="http://schemas.microsoft.com/office/drawing/2014/main" id="{DBD797F9-6339-131A-2AF9-7A11112217D3}"/>
+              </a:ext>
+            </a:extLst>
+          </p:cNvPr>
+          <p:cNvSpPr txBox="1"/>
+          <p:nvPr/>
+        </p:nvSpPr>
+        <p:spPr>
+          <a:xfrm>
+            <a:off x="3080662" y="5742193"/>
+            <a:ext cx="3609080" cy="923330"/>
+          </a:xfrm>
+          <a:prstGeom prst="rect">
+            <a:avLst/>
+          </a:prstGeom>
+          <a:solidFill>
+            <a:schemeClr val="bg1"/>
+          </a:solidFill>
+          <a:ln>
+            <a:solidFill>
+              <a:schemeClr val="tx1"/>
+            </a:solidFill>
+          </a:ln>
+          <a:effectLst>
+            <a:outerShdw blurRad="50800" dist="38100" dir="2700000" algn="tl" rotWithShape="0">
+              <a:prstClr val="black">
+                <a:alpha val="40000"/>
+              </a:prstClr>
+            </a:outerShdw>
+          </a:effectLst>
+        </p:spPr>
+        <p:txBody>
+          <a:bodyPr wrap="square" rtlCol="0">
+            <a:spAutoFit/>
+          </a:bodyPr>
+          <a:lstStyle/>
+          <a:p>
+            <a:r>
+              <a:rPr lang="en-US" dirty="0"/>
+              <a:t>This problem is compounded when assessing multiple introns from the output of some analysis</a:t>
+            </a:r>
+          </a:p>
+        </p:txBody>
+      </p:sp>
+      <mc:AlternateContent xmlns:mc="http://schemas.openxmlformats.org/markup-compatibility/2006" xmlns:p14="http://schemas.microsoft.com/office/powerpoint/2010/main">
+        <mc:Choice Requires="p14">
+          <p:contentPart p14:bwMode="auto" r:id="rId3">
+            <p14:nvContentPartPr>
+              <p14:cNvPr id="24" name="Ink 23">
+                <a:extLst>
+                  <a:ext uri="{FF2B5EF4-FFF2-40B4-BE49-F238E27FC236}">
+                    <a16:creationId xmlns:a16="http://schemas.microsoft.com/office/drawing/2014/main" id="{D2AC0F50-4140-2CD7-89B8-65CD233827F4}"/>
+                  </a:ext>
+                </a:extLst>
+              </p14:cNvPr>
+              <p14:cNvContentPartPr/>
+              <p14:nvPr/>
+            </p14:nvContentPartPr>
+            <p14:xfrm>
+              <a:off x="4266488" y="2922448"/>
+              <a:ext cx="773640" cy="1103760"/>
+            </p14:xfrm>
+          </p:contentPart>
+        </mc:Choice>
+        <mc:Fallback xmlns="">
+          <p:pic>
+            <p:nvPicPr>
+              <p:cNvPr id="24" name="Ink 23">
+                <a:extLst>
+                  <a:ext uri="{FF2B5EF4-FFF2-40B4-BE49-F238E27FC236}">
+                    <a16:creationId xmlns:a16="http://schemas.microsoft.com/office/drawing/2014/main" id="{D2AC0F50-4140-2CD7-89B8-65CD233827F4}"/>
+                  </a:ext>
+                </a:extLst>
+              </p:cNvPr>
+              <p:cNvPicPr/>
+              <p:nvPr/>
+            </p:nvPicPr>
+            <p:blipFill>
+              <a:blip r:embed="rId4"/>
+              <a:stretch>
+                <a:fillRect/>
+              </a:stretch>
+            </p:blipFill>
+            <p:spPr>
+              <a:xfrm>
+                <a:off x="4257848" y="2913448"/>
+                <a:ext cx="791280" cy="1121400"/>
+              </a:xfrm>
+              <a:prstGeom prst="rect">
+                <a:avLst/>
+              </a:prstGeom>
+            </p:spPr>
+          </p:pic>
+        </mc:Fallback>
+      </mc:AlternateContent>
+      <mc:AlternateContent xmlns:mc="http://schemas.openxmlformats.org/markup-compatibility/2006" xmlns:p14="http://schemas.microsoft.com/office/powerpoint/2010/main">
+        <mc:Choice Requires="p14">
+          <p:contentPart p14:bwMode="auto" r:id="rId5">
+            <p14:nvContentPartPr>
+              <p14:cNvPr id="27" name="Ink 26">
+                <a:extLst>
+                  <a:ext uri="{FF2B5EF4-FFF2-40B4-BE49-F238E27FC236}">
+                    <a16:creationId xmlns:a16="http://schemas.microsoft.com/office/drawing/2014/main" id="{9B714589-AC69-F5C6-8059-09BE7DB8EB14}"/>
+                  </a:ext>
+                </a:extLst>
+              </p14:cNvPr>
+              <p14:cNvContentPartPr/>
+              <p14:nvPr/>
+            </p14:nvContentPartPr>
+            <p14:xfrm>
+              <a:off x="7548608" y="2400448"/>
+              <a:ext cx="1829520" cy="585720"/>
+            </p14:xfrm>
+          </p:contentPart>
+        </mc:Choice>
+        <mc:Fallback xmlns="">
+          <p:pic>
+            <p:nvPicPr>
+              <p:cNvPr id="27" name="Ink 26">
+                <a:extLst>
+                  <a:ext uri="{FF2B5EF4-FFF2-40B4-BE49-F238E27FC236}">
+                    <a16:creationId xmlns:a16="http://schemas.microsoft.com/office/drawing/2014/main" id="{9B714589-AC69-F5C6-8059-09BE7DB8EB14}"/>
+                  </a:ext>
+                </a:extLst>
+              </p:cNvPr>
+              <p:cNvPicPr/>
+              <p:nvPr/>
+            </p:nvPicPr>
+            <p:blipFill>
+              <a:blip r:embed="rId6"/>
+              <a:stretch>
+                <a:fillRect/>
+              </a:stretch>
+            </p:blipFill>
+            <p:spPr>
+              <a:xfrm>
+                <a:off x="7539608" y="2391808"/>
+                <a:ext cx="1847160" cy="603360"/>
+              </a:xfrm>
+              <a:prstGeom prst="rect">
+                <a:avLst/>
+              </a:prstGeom>
+            </p:spPr>
+          </p:pic>
+        </mc:Fallback>
+      </mc:AlternateContent>
+    </p:spTree>
+    <p:extLst>
+      <p:ext uri="{BB962C8B-B14F-4D97-AF65-F5344CB8AC3E}">
+        <p14:creationId xmlns:p14="http://schemas.microsoft.com/office/powerpoint/2010/main" val="1867753254"/>
+      </p:ext>
+    </p:extLst>
+  </p:cSld>
+  <p:clrMapOvr>
+    <a:masterClrMapping/>
+  </p:clrMapOvr>
+</p:sld>
+</file>
+
+<file path=ppt/slides/slide3.xml><?xml version="1.0" encoding="utf-8"?>
+<p:sld xmlns:a="http://schemas.openxmlformats.org/drawingml/2006/main" xmlns:r="http://schemas.openxmlformats.org/officeDocument/2006/relationships" xmlns:p="http://schemas.openxmlformats.org/presentationml/2006/main">
+  <p:cSld>
+    <p:spTree>
+      <p:nvGrpSpPr>
+        <p:cNvPr id="1" name=""/>
+        <p:cNvGrpSpPr/>
+        <p:nvPr/>
+      </p:nvGrpSpPr>
+      <p:grpSpPr>
+        <a:xfrm>
+          <a:off x="0" y="0"/>
+          <a:ext cx="0" cy="0"/>
+          <a:chOff x="0" y="0"/>
+          <a:chExt cx="0" cy="0"/>
+        </a:xfrm>
+      </p:grpSpPr>
+      <p:sp>
+        <p:nvSpPr>
+          <p:cNvPr id="2" name="Title 1">
+            <a:extLst>
+              <a:ext uri="{FF2B5EF4-FFF2-40B4-BE49-F238E27FC236}">
+                <a16:creationId xmlns:a16="http://schemas.microsoft.com/office/drawing/2014/main" id="{14B7B3DA-1DB1-8A64-6B4B-1BE65489421E}"/>
+              </a:ext>
+            </a:extLst>
+          </p:cNvPr>
+          <p:cNvSpPr>
+            <a:spLocks noGrp="1"/>
+          </p:cNvSpPr>
+          <p:nvPr>
+            <p:ph type="title"/>
+          </p:nvPr>
+        </p:nvSpPr>
+        <p:spPr/>
+        <p:txBody>
+          <a:bodyPr/>
+          <a:lstStyle/>
+          <a:p>
+            <a:r>
+              <a:rPr lang="en-US" dirty="0"/>
+              <a:t>Splice Event Annotator</a:t>
+            </a:r>
+          </a:p>
+        </p:txBody>
+      </p:sp>
+      <p:sp>
+        <p:nvSpPr>
+          <p:cNvPr id="5" name="TextBox 4">
+            <a:extLst>
+              <a:ext uri="{FF2B5EF4-FFF2-40B4-BE49-F238E27FC236}">
+                <a16:creationId xmlns:a16="http://schemas.microsoft.com/office/drawing/2014/main" id="{942BFAA8-5E46-FA16-C7CF-6DF5EA08D4A5}"/>
+              </a:ext>
+            </a:extLst>
+          </p:cNvPr>
+          <p:cNvSpPr txBox="1"/>
+          <p:nvPr/>
+        </p:nvSpPr>
+        <p:spPr>
+          <a:xfrm>
+            <a:off x="5837182" y="4552874"/>
+            <a:ext cx="4795361" cy="1754326"/>
+          </a:xfrm>
+          <a:prstGeom prst="rect">
+            <a:avLst/>
+          </a:prstGeom>
+          <a:noFill/>
+        </p:spPr>
+        <p:txBody>
+          <a:bodyPr wrap="square">
+            <a:spAutoFit/>
+          </a:bodyPr>
+          <a:lstStyle/>
+          <a:p>
+            <a:pPr marL="742950" lvl="1" indent="-285750">
+              <a:buFont typeface="Arial" panose="020B0604020202020204" pitchFamily="34" charset="0"/>
+              <a:buChar char="•"/>
+            </a:pPr>
+            <a:r>
+              <a:rPr lang="en-US" dirty="0"/>
+              <a:t>Canonical splicing</a:t>
+            </a:r>
+          </a:p>
+          <a:p>
+            <a:pPr marL="742950" lvl="1" indent="-285750">
+              <a:buFont typeface="Arial" panose="020B0604020202020204" pitchFamily="34" charset="0"/>
+              <a:buChar char="•"/>
+            </a:pPr>
+            <a:r>
+              <a:rPr lang="en-US" dirty="0"/>
+              <a:t>Exon skipping (single &amp; multi-exon) </a:t>
+            </a:r>
+          </a:p>
+          <a:p>
+            <a:pPr marL="742950" lvl="1" indent="-285750">
+              <a:buFont typeface="Arial" panose="020B0604020202020204" pitchFamily="34" charset="0"/>
+              <a:buChar char="•"/>
+            </a:pPr>
+            <a:r>
+              <a:rPr lang="en-US" dirty="0"/>
+              <a:t>Cryptic acceptors</a:t>
+            </a:r>
+          </a:p>
+          <a:p>
+            <a:pPr marL="742950" lvl="1" indent="-285750">
+              <a:buFont typeface="Arial" panose="020B0604020202020204" pitchFamily="34" charset="0"/>
+              <a:buChar char="•"/>
+            </a:pPr>
+            <a:r>
+              <a:rPr lang="en-US" dirty="0"/>
+              <a:t>Cryptic donors</a:t>
+            </a:r>
+          </a:p>
+          <a:p>
+            <a:pPr marL="742950" lvl="1" indent="-285750">
+              <a:buFont typeface="Arial" panose="020B0604020202020204" pitchFamily="34" charset="0"/>
+              <a:buChar char="•"/>
+            </a:pPr>
+            <a:r>
+              <a:rPr lang="en-US" dirty="0"/>
+              <a:t>Intron retention</a:t>
+            </a:r>
+          </a:p>
+          <a:p>
+            <a:pPr marL="742950" lvl="1" indent="-285750">
+              <a:buFont typeface="Arial" panose="020B0604020202020204" pitchFamily="34" charset="0"/>
+              <a:buChar char="•"/>
+            </a:pPr>
+            <a:r>
+              <a:rPr lang="en-US" dirty="0"/>
+              <a:t>Unannotated junctions</a:t>
+            </a:r>
+          </a:p>
+        </p:txBody>
+      </p:sp>
+      <p:pic>
+        <p:nvPicPr>
+          <p:cNvPr id="6" name="Picture 5" descr="A diagram of different types of lines&#10;&#10;Description automatically generated">
+            <a:extLst>
+              <a:ext uri="{FF2B5EF4-FFF2-40B4-BE49-F238E27FC236}">
+                <a16:creationId xmlns:a16="http://schemas.microsoft.com/office/drawing/2014/main" id="{9F66B1FC-7CAA-1C21-9CF0-1053666FB0DD}"/>
+              </a:ext>
+            </a:extLst>
+          </p:cNvPr>
+          <p:cNvPicPr>
+            <a:picLocks noChangeAspect="1"/>
+          </p:cNvPicPr>
+          <p:nvPr/>
+        </p:nvPicPr>
+        <p:blipFill rotWithShape="1">
+          <a:blip r:embed="rId2"/>
+          <a:srcRect b="90868"/>
+          <a:stretch/>
+        </p:blipFill>
+        <p:spPr>
+          <a:xfrm>
+            <a:off x="2209800" y="1690688"/>
+            <a:ext cx="7772400" cy="477202"/>
+          </a:xfrm>
+          <a:prstGeom prst="rect">
+            <a:avLst/>
+          </a:prstGeom>
+        </p:spPr>
+      </p:pic>
+      <p:sp>
+        <p:nvSpPr>
+          <p:cNvPr id="7" name="TextBox 6">
+            <a:extLst>
+              <a:ext uri="{FF2B5EF4-FFF2-40B4-BE49-F238E27FC236}">
+                <a16:creationId xmlns:a16="http://schemas.microsoft.com/office/drawing/2014/main" id="{1C0822A9-BFC0-31D0-BC55-E0E6466614AB}"/>
+              </a:ext>
+            </a:extLst>
+          </p:cNvPr>
+          <p:cNvSpPr txBox="1"/>
+          <p:nvPr/>
+        </p:nvSpPr>
+        <p:spPr>
+          <a:xfrm>
+            <a:off x="1122487" y="1823344"/>
+            <a:ext cx="1338893" cy="369332"/>
+          </a:xfrm>
+          <a:prstGeom prst="rect">
+            <a:avLst/>
+          </a:prstGeom>
+          <a:noFill/>
+        </p:spPr>
+        <p:txBody>
+          <a:bodyPr wrap="none" rtlCol="0">
+            <a:spAutoFit/>
+          </a:bodyPr>
+          <a:lstStyle/>
+          <a:p>
+            <a:r>
+              <a:rPr lang="en-US" dirty="0"/>
+              <a:t>Gene: </a:t>
+            </a:r>
+            <a:r>
+              <a:rPr lang="en-US" i="1" dirty="0"/>
+              <a:t>GALT</a:t>
+            </a:r>
+          </a:p>
+        </p:txBody>
+      </p:sp>
+      <p:sp>
+        <p:nvSpPr>
+          <p:cNvPr id="8" name="TextBox 7">
+            <a:extLst>
+              <a:ext uri="{FF2B5EF4-FFF2-40B4-BE49-F238E27FC236}">
+                <a16:creationId xmlns:a16="http://schemas.microsoft.com/office/drawing/2014/main" id="{5A3096A0-23D6-5F4D-F26D-919B0A207EA4}"/>
+              </a:ext>
+            </a:extLst>
+          </p:cNvPr>
+          <p:cNvSpPr txBox="1"/>
+          <p:nvPr/>
+        </p:nvSpPr>
+        <p:spPr>
+          <a:xfrm>
+            <a:off x="2733040" y="2243257"/>
+            <a:ext cx="699230" cy="369332"/>
+          </a:xfrm>
+          <a:prstGeom prst="rect">
+            <a:avLst/>
+          </a:prstGeom>
+          <a:noFill/>
+        </p:spPr>
+        <p:txBody>
+          <a:bodyPr wrap="none" rtlCol="0">
+            <a:spAutoFit/>
+          </a:bodyPr>
+          <a:lstStyle/>
+          <a:p>
+            <a:r>
+              <a:rPr lang="en-US" dirty="0"/>
+              <a:t>Read</a:t>
+            </a:r>
+          </a:p>
+        </p:txBody>
+      </p:sp>
+      <p:sp>
+        <p:nvSpPr>
+          <p:cNvPr id="9" name="Rectangle 8">
+            <a:extLst>
+              <a:ext uri="{FF2B5EF4-FFF2-40B4-BE49-F238E27FC236}">
+                <a16:creationId xmlns:a16="http://schemas.microsoft.com/office/drawing/2014/main" id="{DCD8607F-FF3A-85FC-5CBC-398D802B9D4A}"/>
+              </a:ext>
+            </a:extLst>
+          </p:cNvPr>
+          <p:cNvSpPr/>
+          <p:nvPr/>
+        </p:nvSpPr>
+        <p:spPr>
+          <a:xfrm>
+            <a:off x="3556000" y="2346960"/>
+            <a:ext cx="365760" cy="117038"/>
+          </a:xfrm>
+          <a:prstGeom prst="rect">
+            <a:avLst/>
+          </a:prstGeom>
+          <a:solidFill>
+            <a:schemeClr val="accent2"/>
+          </a:solidFill>
+          <a:ln>
+            <a:noFill/>
+          </a:ln>
+        </p:spPr>
+        <p:style>
+          <a:lnRef idx="2">
+            <a:schemeClr val="accent1">
+              <a:shade val="15000"/>
+            </a:schemeClr>
+          </a:lnRef>
+          <a:fillRef idx="1">
+            <a:schemeClr val="accent1"/>
+          </a:fillRef>
+          <a:effectRef idx="0">
+            <a:schemeClr val="accent1"/>
+          </a:effectRef>
+          <a:fontRef idx="minor">
+            <a:schemeClr val="lt1"/>
+          </a:fontRef>
+        </p:style>
+        <p:txBody>
+          <a:bodyPr rtlCol="0" anchor="ctr"/>
+          <a:lstStyle/>
+          <a:p>
+            <a:pPr algn="ctr"/>
+            <a:endParaRPr lang="en-US"/>
+          </a:p>
+        </p:txBody>
+      </p:sp>
+      <p:sp>
+        <p:nvSpPr>
+          <p:cNvPr id="10" name="Rectangle 9">
+            <a:extLst>
+              <a:ext uri="{FF2B5EF4-FFF2-40B4-BE49-F238E27FC236}">
+                <a16:creationId xmlns:a16="http://schemas.microsoft.com/office/drawing/2014/main" id="{5F316266-D8F9-6AFF-710D-E1DA5E5FA021}"/>
+              </a:ext>
+            </a:extLst>
+          </p:cNvPr>
+          <p:cNvSpPr/>
+          <p:nvPr/>
+        </p:nvSpPr>
+        <p:spPr>
+          <a:xfrm>
+            <a:off x="6746240" y="2346960"/>
+            <a:ext cx="365760" cy="117038"/>
+          </a:xfrm>
+          <a:prstGeom prst="rect">
+            <a:avLst/>
+          </a:prstGeom>
+          <a:solidFill>
+            <a:schemeClr val="accent2"/>
+          </a:solidFill>
+          <a:ln>
+            <a:noFill/>
+          </a:ln>
+        </p:spPr>
+        <p:style>
+          <a:lnRef idx="2">
+            <a:schemeClr val="accent1">
+              <a:shade val="15000"/>
+            </a:schemeClr>
+          </a:lnRef>
+          <a:fillRef idx="1">
+            <a:schemeClr val="accent1"/>
+          </a:fillRef>
+          <a:effectRef idx="0">
+            <a:schemeClr val="accent1"/>
+          </a:effectRef>
+          <a:fontRef idx="minor">
+            <a:schemeClr val="lt1"/>
+          </a:fontRef>
+        </p:style>
+        <p:txBody>
+          <a:bodyPr rtlCol="0" anchor="ctr"/>
+          <a:lstStyle/>
+          <a:p>
+            <a:pPr algn="ctr"/>
+            <a:endParaRPr lang="en-US"/>
+          </a:p>
+        </p:txBody>
+      </p:sp>
+      <p:cxnSp>
+        <p:nvCxnSpPr>
+          <p:cNvPr id="11" name="Straight Connector 10">
+            <a:extLst>
+              <a:ext uri="{FF2B5EF4-FFF2-40B4-BE49-F238E27FC236}">
+                <a16:creationId xmlns:a16="http://schemas.microsoft.com/office/drawing/2014/main" id="{AFD62BE5-4085-DBE1-645E-9AF868CEC19E}"/>
+              </a:ext>
+            </a:extLst>
+          </p:cNvPr>
+          <p:cNvCxnSpPr>
+            <a:stCxn id="9" idx="3"/>
+            <a:endCxn id="10" idx="1"/>
+          </p:cNvCxnSpPr>
+          <p:nvPr/>
+        </p:nvCxnSpPr>
+        <p:spPr>
+          <a:xfrm>
+            <a:off x="3921760" y="2405479"/>
+            <a:ext cx="2824480" cy="0"/>
+          </a:xfrm>
+          <a:prstGeom prst="line">
+            <a:avLst/>
+          </a:prstGeom>
+          <a:ln>
+            <a:solidFill>
+              <a:schemeClr val="accent2"/>
+            </a:solidFill>
+          </a:ln>
+        </p:spPr>
+        <p:style>
+          <a:lnRef idx="2">
+            <a:schemeClr val="accent1"/>
+          </a:lnRef>
+          <a:fillRef idx="0">
+            <a:schemeClr val="accent1"/>
+          </a:fillRef>
+          <a:effectRef idx="1">
+            <a:schemeClr val="accent1"/>
+          </a:effectRef>
+          <a:fontRef idx="minor">
+            <a:schemeClr val="tx1"/>
+          </a:fontRef>
+        </p:style>
+      </p:cxnSp>
+      <p:sp>
+        <p:nvSpPr>
+          <p:cNvPr id="14" name="TextBox 13">
+            <a:extLst>
+              <a:ext uri="{FF2B5EF4-FFF2-40B4-BE49-F238E27FC236}">
+                <a16:creationId xmlns:a16="http://schemas.microsoft.com/office/drawing/2014/main" id="{B8C34AC0-56E1-F052-D729-09F2C930E065}"/>
+              </a:ext>
+            </a:extLst>
+          </p:cNvPr>
+          <p:cNvSpPr txBox="1"/>
+          <p:nvPr/>
+        </p:nvSpPr>
+        <p:spPr>
+          <a:xfrm>
+            <a:off x="5843428" y="1267325"/>
+            <a:ext cx="633507" cy="369332"/>
+          </a:xfrm>
+          <a:prstGeom prst="rect">
+            <a:avLst/>
+          </a:prstGeom>
+          <a:noFill/>
+        </p:spPr>
+        <p:txBody>
+          <a:bodyPr wrap="none" rtlCol="0">
+            <a:spAutoFit/>
+          </a:bodyPr>
+          <a:lstStyle/>
+          <a:p>
+            <a:r>
+              <a:rPr lang="en-US" dirty="0"/>
+              <a:t>chr9</a:t>
+            </a:r>
+          </a:p>
+        </p:txBody>
+      </p:sp>
+      <p:sp>
+        <p:nvSpPr>
+          <p:cNvPr id="15" name="Rectangle 14">
+            <a:extLst>
+              <a:ext uri="{FF2B5EF4-FFF2-40B4-BE49-F238E27FC236}">
+                <a16:creationId xmlns:a16="http://schemas.microsoft.com/office/drawing/2014/main" id="{0B1442AC-0D72-A728-9841-B3F4CE52ADDC}"/>
+              </a:ext>
+            </a:extLst>
+          </p:cNvPr>
+          <p:cNvSpPr/>
+          <p:nvPr/>
+        </p:nvSpPr>
+        <p:spPr>
+          <a:xfrm>
+            <a:off x="838200" y="1625768"/>
+            <a:ext cx="10515600" cy="69408"/>
+          </a:xfrm>
+          <a:prstGeom prst="rect">
+            <a:avLst/>
+          </a:prstGeom>
+          <a:solidFill>
+            <a:schemeClr val="accent1">
+              <a:lumMod val="20000"/>
+              <a:lumOff val="80000"/>
+            </a:schemeClr>
+          </a:solidFill>
+          <a:ln>
+            <a:noFill/>
+          </a:ln>
+        </p:spPr>
+        <p:style>
+          <a:lnRef idx="2">
+            <a:schemeClr val="accent1">
+              <a:shade val="15000"/>
+            </a:schemeClr>
+          </a:lnRef>
+          <a:fillRef idx="1">
+            <a:schemeClr val="accent1"/>
+          </a:fillRef>
+          <a:effectRef idx="0">
+            <a:schemeClr val="accent1"/>
+          </a:effectRef>
+          <a:fontRef idx="minor">
+            <a:schemeClr val="lt1"/>
+          </a:fontRef>
+        </p:style>
+        <p:txBody>
+          <a:bodyPr rtlCol="0" anchor="ctr"/>
+          <a:lstStyle/>
+          <a:p>
+            <a:pPr algn="ctr"/>
+            <a:endParaRPr lang="en-US"/>
+          </a:p>
+        </p:txBody>
+      </p:sp>
+      <p:sp>
+        <p:nvSpPr>
+          <p:cNvPr id="16" name="Rounded Rectangle 15">
+            <a:extLst>
+              <a:ext uri="{FF2B5EF4-FFF2-40B4-BE49-F238E27FC236}">
+                <a16:creationId xmlns:a16="http://schemas.microsoft.com/office/drawing/2014/main" id="{8FFE7A39-33F3-4601-0559-2521AD0E1D6F}"/>
+              </a:ext>
+            </a:extLst>
+          </p:cNvPr>
+          <p:cNvSpPr/>
+          <p:nvPr/>
+        </p:nvSpPr>
+        <p:spPr>
+          <a:xfrm>
+            <a:off x="2140554" y="3009087"/>
+            <a:ext cx="1736460" cy="1236325"/>
+          </a:xfrm>
+          <a:prstGeom prst="roundRect">
+            <a:avLst/>
+          </a:prstGeom>
+        </p:spPr>
+        <p:style>
+          <a:lnRef idx="2">
+            <a:schemeClr val="accent1">
+              <a:shade val="15000"/>
+            </a:schemeClr>
+          </a:lnRef>
+          <a:fillRef idx="1">
+            <a:schemeClr val="accent1"/>
+          </a:fillRef>
+          <a:effectRef idx="0">
+            <a:schemeClr val="accent1"/>
+          </a:effectRef>
+          <a:fontRef idx="minor">
+            <a:schemeClr val="lt1"/>
+          </a:fontRef>
+        </p:style>
+        <p:txBody>
+          <a:bodyPr rtlCol="0" anchor="ctr"/>
+          <a:lstStyle/>
+          <a:p>
+            <a:pPr algn="ctr"/>
+            <a:r>
+              <a:rPr lang="en-US" dirty="0"/>
+              <a:t>1</a:t>
+            </a:r>
+          </a:p>
+          <a:p>
+            <a:pPr algn="ctr"/>
+            <a:r>
+              <a:rPr lang="en-US" dirty="0"/>
+              <a:t>Identify Transcript</a:t>
+            </a:r>
+          </a:p>
+        </p:txBody>
+      </p:sp>
+      <p:sp>
+        <p:nvSpPr>
+          <p:cNvPr id="17" name="Rounded Rectangle 16">
+            <a:extLst>
+              <a:ext uri="{FF2B5EF4-FFF2-40B4-BE49-F238E27FC236}">
+                <a16:creationId xmlns:a16="http://schemas.microsoft.com/office/drawing/2014/main" id="{E8EE128E-03BD-39A6-6BF0-7776B6A27FFC}"/>
+              </a:ext>
+            </a:extLst>
+          </p:cNvPr>
+          <p:cNvSpPr/>
+          <p:nvPr/>
+        </p:nvSpPr>
+        <p:spPr>
+          <a:xfrm>
+            <a:off x="4100722" y="3009087"/>
+            <a:ext cx="1736460" cy="1236325"/>
+          </a:xfrm>
+          <a:prstGeom prst="roundRect">
+            <a:avLst/>
+          </a:prstGeom>
+          <a:solidFill>
+            <a:schemeClr val="accent2"/>
+          </a:solidFill>
+        </p:spPr>
+        <p:style>
+          <a:lnRef idx="2">
+            <a:schemeClr val="accent1">
+              <a:shade val="15000"/>
+            </a:schemeClr>
+          </a:lnRef>
+          <a:fillRef idx="1">
+            <a:schemeClr val="accent1"/>
+          </a:fillRef>
+          <a:effectRef idx="0">
+            <a:schemeClr val="accent1"/>
+          </a:effectRef>
+          <a:fontRef idx="minor">
+            <a:schemeClr val="lt1"/>
+          </a:fontRef>
+        </p:style>
+        <p:txBody>
+          <a:bodyPr rtlCol="0" anchor="ctr"/>
+          <a:lstStyle/>
+          <a:p>
+            <a:pPr algn="ctr"/>
+            <a:r>
+              <a:rPr lang="en-US" dirty="0"/>
+              <a:t>2</a:t>
+            </a:r>
+          </a:p>
+          <a:p>
+            <a:pPr algn="ctr"/>
+            <a:r>
+              <a:rPr lang="en-US" dirty="0"/>
+              <a:t>Identify Introns/Exons</a:t>
+            </a:r>
+          </a:p>
+        </p:txBody>
+      </p:sp>
+      <p:sp>
+        <p:nvSpPr>
+          <p:cNvPr id="18" name="Rounded Rectangle 17">
+            <a:extLst>
+              <a:ext uri="{FF2B5EF4-FFF2-40B4-BE49-F238E27FC236}">
+                <a16:creationId xmlns:a16="http://schemas.microsoft.com/office/drawing/2014/main" id="{EBC9CA0A-979D-795B-0B2E-6BB062A57924}"/>
+              </a:ext>
+            </a:extLst>
+          </p:cNvPr>
+          <p:cNvSpPr/>
+          <p:nvPr/>
+        </p:nvSpPr>
+        <p:spPr>
+          <a:xfrm>
+            <a:off x="6060890" y="3009087"/>
+            <a:ext cx="1736460" cy="1236325"/>
+          </a:xfrm>
+          <a:prstGeom prst="roundRect">
+            <a:avLst/>
+          </a:prstGeom>
+          <a:solidFill>
+            <a:schemeClr val="accent3"/>
+          </a:solidFill>
+        </p:spPr>
+        <p:style>
+          <a:lnRef idx="2">
+            <a:schemeClr val="accent1">
+              <a:shade val="15000"/>
+            </a:schemeClr>
+          </a:lnRef>
+          <a:fillRef idx="1">
+            <a:schemeClr val="accent1"/>
+          </a:fillRef>
+          <a:effectRef idx="0">
+            <a:schemeClr val="accent1"/>
+          </a:effectRef>
+          <a:fontRef idx="minor">
+            <a:schemeClr val="lt1"/>
+          </a:fontRef>
+        </p:style>
+        <p:txBody>
+          <a:bodyPr rtlCol="0" anchor="ctr"/>
+          <a:lstStyle/>
+          <a:p>
+            <a:pPr algn="ctr"/>
+            <a:r>
+              <a:rPr lang="en-US" dirty="0"/>
+              <a:t>3</a:t>
+            </a:r>
+          </a:p>
+          <a:p>
+            <a:pPr algn="ctr"/>
+            <a:r>
+              <a:rPr lang="en-US" dirty="0"/>
+              <a:t>Annotate Events</a:t>
+            </a:r>
+          </a:p>
+        </p:txBody>
+      </p:sp>
+      <p:sp>
+        <p:nvSpPr>
+          <p:cNvPr id="19" name="Rounded Rectangle 18">
+            <a:extLst>
+              <a:ext uri="{FF2B5EF4-FFF2-40B4-BE49-F238E27FC236}">
+                <a16:creationId xmlns:a16="http://schemas.microsoft.com/office/drawing/2014/main" id="{0017A7AD-A7C8-07AE-A45E-2F9E7CF35487}"/>
+              </a:ext>
+            </a:extLst>
+          </p:cNvPr>
+          <p:cNvSpPr/>
+          <p:nvPr/>
+        </p:nvSpPr>
+        <p:spPr>
+          <a:xfrm>
+            <a:off x="8019257" y="3009087"/>
+            <a:ext cx="1736460" cy="1236325"/>
+          </a:xfrm>
+          <a:prstGeom prst="roundRect">
+            <a:avLst/>
+          </a:prstGeom>
+          <a:solidFill>
+            <a:schemeClr val="accent4"/>
+          </a:solidFill>
+        </p:spPr>
+        <p:style>
+          <a:lnRef idx="2">
+            <a:schemeClr val="accent1">
+              <a:shade val="15000"/>
+            </a:schemeClr>
+          </a:lnRef>
+          <a:fillRef idx="1">
+            <a:schemeClr val="accent1"/>
+          </a:fillRef>
+          <a:effectRef idx="0">
+            <a:schemeClr val="accent1"/>
+          </a:effectRef>
+          <a:fontRef idx="minor">
+            <a:schemeClr val="lt1"/>
+          </a:fontRef>
+        </p:style>
+        <p:txBody>
+          <a:bodyPr rtlCol="0" anchor="ctr"/>
+          <a:lstStyle/>
+          <a:p>
+            <a:pPr algn="ctr"/>
+            <a:r>
+              <a:rPr lang="en-US" dirty="0"/>
+              <a:t>4</a:t>
+            </a:r>
+          </a:p>
+          <a:p>
+            <a:pPr algn="ctr"/>
+            <a:r>
+              <a:rPr lang="en-US" dirty="0"/>
+              <a:t>Flag Alternate</a:t>
+            </a:r>
+          </a:p>
+          <a:p>
+            <a:pPr algn="ctr"/>
+            <a:r>
+              <a:rPr lang="en-US" dirty="0"/>
+              <a:t>Splicing</a:t>
+            </a:r>
+          </a:p>
+        </p:txBody>
+      </p:sp>
+      <p:sp>
+        <p:nvSpPr>
+          <p:cNvPr id="21" name="TextBox 20">
+            <a:extLst>
+              <a:ext uri="{FF2B5EF4-FFF2-40B4-BE49-F238E27FC236}">
+                <a16:creationId xmlns:a16="http://schemas.microsoft.com/office/drawing/2014/main" id="{F1E7E86B-6E8B-4BF7-09AD-8DD5FF562ED6}"/>
+              </a:ext>
+            </a:extLst>
+          </p:cNvPr>
+          <p:cNvSpPr txBox="1"/>
+          <p:nvPr/>
+        </p:nvSpPr>
+        <p:spPr>
+          <a:xfrm>
+            <a:off x="4359540" y="2447254"/>
+            <a:ext cx="1736460" cy="369332"/>
+          </a:xfrm>
+          <a:prstGeom prst="rect">
+            <a:avLst/>
+          </a:prstGeom>
+          <a:noFill/>
+        </p:spPr>
+        <p:txBody>
+          <a:bodyPr wrap="square">
+            <a:spAutoFit/>
+          </a:bodyPr>
+          <a:lstStyle/>
+          <a:p>
+            <a:pPr algn="ctr"/>
+            <a:r>
+              <a:rPr lang="en-US" dirty="0"/>
+              <a:t>exon 2 skipping </a:t>
+            </a:r>
+          </a:p>
+        </p:txBody>
+      </p:sp>
+    </p:spTree>
+    <p:extLst>
+      <p:ext uri="{BB962C8B-B14F-4D97-AF65-F5344CB8AC3E}">
+        <p14:creationId xmlns:p14="http://schemas.microsoft.com/office/powerpoint/2010/main" val="2336898673"/>
+      </p:ext>
+    </p:extLst>
+  </p:cSld>
+  <p:clrMapOvr>
+    <a:masterClrMapping/>
+  </p:clrMapOvr>
+</p:sld>
+</file>
+
+<file path=ppt/slides/slide4.xml><?xml version="1.0" encoding="utf-8"?>
+<p:sld xmlns:a="http://schemas.openxmlformats.org/drawingml/2006/main" xmlns:r="http://schemas.openxmlformats.org/officeDocument/2006/relationships" xmlns:p="http://schemas.openxmlformats.org/presentationml/2006/main">
+  <p:cSld>
+    <p:spTree>
+      <p:nvGrpSpPr>
+        <p:cNvPr id="1" name=""/>
+        <p:cNvGrpSpPr/>
+        <p:nvPr/>
+      </p:nvGrpSpPr>
+      <p:grpSpPr>
+        <a:xfrm>
+          <a:off x="0" y="0"/>
+          <a:ext cx="0" cy="0"/>
+          <a:chOff x="0" y="0"/>
+          <a:chExt cx="0" cy="0"/>
+        </a:xfrm>
+      </p:grpSpPr>
+      <p:sp>
+        <p:nvSpPr>
+          <p:cNvPr id="2" name="Title 1">
+            <a:extLst>
+              <a:ext uri="{FF2B5EF4-FFF2-40B4-BE49-F238E27FC236}">
+                <a16:creationId xmlns:a16="http://schemas.microsoft.com/office/drawing/2014/main" id="{14B7B3DA-1DB1-8A64-6B4B-1BE65489421E}"/>
+              </a:ext>
+            </a:extLst>
+          </p:cNvPr>
+          <p:cNvSpPr>
+            <a:spLocks noGrp="1"/>
+          </p:cNvSpPr>
+          <p:nvPr>
+            <p:ph type="title"/>
+          </p:nvPr>
+        </p:nvSpPr>
+        <p:spPr/>
+        <p:txBody>
+          <a:bodyPr/>
+          <a:lstStyle/>
+          <a:p>
+            <a:r>
+              <a:rPr lang="en-US" dirty="0"/>
+              <a:t>Splice Event Annotator</a:t>
+            </a:r>
+          </a:p>
+        </p:txBody>
+      </p:sp>
+      <p:graphicFrame>
+        <p:nvGraphicFramePr>
+          <p:cNvPr id="3" name="Table 2">
+            <a:extLst>
+              <a:ext uri="{FF2B5EF4-FFF2-40B4-BE49-F238E27FC236}">
+                <a16:creationId xmlns:a16="http://schemas.microsoft.com/office/drawing/2014/main" id="{613D8EA5-1741-71EA-4053-6DF542AEEAC4}"/>
+              </a:ext>
+            </a:extLst>
+          </p:cNvPr>
+          <p:cNvGraphicFramePr>
+            <a:graphicFrameLocks noGrp="1"/>
+          </p:cNvGraphicFramePr>
+          <p:nvPr>
+            <p:extLst>
+              <p:ext uri="{D42A27DB-BD31-4B8C-83A1-F6EECF244321}">
+                <p14:modId xmlns:p14="http://schemas.microsoft.com/office/powerpoint/2010/main" val="1817328943"/>
+              </p:ext>
+            </p:extLst>
+          </p:nvPr>
+        </p:nvGraphicFramePr>
+        <p:xfrm>
+          <a:off x="558738" y="1563367"/>
+          <a:ext cx="11074523" cy="4802191"/>
+        </p:xfrm>
+        <a:graphic>
+          <a:graphicData uri="http://schemas.openxmlformats.org/drawingml/2006/table">
+            <a:tbl>
+              <a:tblPr>
+                <a:tableStyleId>{5C22544A-7EE6-4342-B048-85BDC9FD1C3A}</a:tableStyleId>
+              </a:tblPr>
+              <a:tblGrid>
+                <a:gridCol w="1305488">
+                  <a:extLst>
+                    <a:ext uri="{9D8B030D-6E8A-4147-A177-3AD203B41FA5}">
+                      <a16:colId xmlns:a16="http://schemas.microsoft.com/office/drawing/2014/main" val="1110858165"/>
+                    </a:ext>
+                  </a:extLst>
+                </a:gridCol>
+                <a:gridCol w="1145893">
+                  <a:extLst>
+                    <a:ext uri="{9D8B030D-6E8A-4147-A177-3AD203B41FA5}">
+                      <a16:colId xmlns:a16="http://schemas.microsoft.com/office/drawing/2014/main" val="2468009557"/>
+                    </a:ext>
+                  </a:extLst>
+                </a:gridCol>
+                <a:gridCol w="1111170">
+                  <a:extLst>
+                    <a:ext uri="{9D8B030D-6E8A-4147-A177-3AD203B41FA5}">
+                      <a16:colId xmlns:a16="http://schemas.microsoft.com/office/drawing/2014/main" val="2134646287"/>
+                    </a:ext>
+                  </a:extLst>
+                </a:gridCol>
+                <a:gridCol w="960699">
+                  <a:extLst>
+                    <a:ext uri="{9D8B030D-6E8A-4147-A177-3AD203B41FA5}">
+                      <a16:colId xmlns:a16="http://schemas.microsoft.com/office/drawing/2014/main" val="3370446702"/>
+                    </a:ext>
+                  </a:extLst>
+                </a:gridCol>
+                <a:gridCol w="1516283">
+                  <a:extLst>
+                    <a:ext uri="{9D8B030D-6E8A-4147-A177-3AD203B41FA5}">
+                      <a16:colId xmlns:a16="http://schemas.microsoft.com/office/drawing/2014/main" val="2526403552"/>
+                    </a:ext>
+                  </a:extLst>
+                </a:gridCol>
+                <a:gridCol w="5034990">
+                  <a:extLst>
+                    <a:ext uri="{9D8B030D-6E8A-4147-A177-3AD203B41FA5}">
+                      <a16:colId xmlns:a16="http://schemas.microsoft.com/office/drawing/2014/main" val="3292741551"/>
+                    </a:ext>
+                  </a:extLst>
+                </a:gridCol>
+              </a:tblGrid>
+              <a:tr h="329964">
+                <a:tc>
+                  <a:txBody>
+                    <a:bodyPr/>
+                    <a:lstStyle/>
+                    <a:p>
+                      <a:pPr algn="r" fontAlgn="b"/>
+                      <a:r>
+                        <a:rPr lang="en-AU" sz="1600" b="1" u="none" strike="noStrike" dirty="0">
+                          <a:effectLst/>
+                        </a:rPr>
+                        <a:t>chromosome</a:t>
+                      </a:r>
+                      <a:endParaRPr lang="en-AU" sz="1600" b="1" i="0" u="none" strike="noStrike" dirty="0">
+                        <a:solidFill>
+                          <a:srgbClr val="000000"/>
+                        </a:solidFill>
+                        <a:effectLst/>
+                        <a:latin typeface="Aptos Narrow" panose="020B0004020202020204" pitchFamily="34" charset="0"/>
+                      </a:endParaRPr>
+                    </a:p>
+                  </a:txBody>
+                  <a:tcPr marL="2487" marR="2487" marT="2487" marB="0" anchor="b"/>
+                </a:tc>
+                <a:tc>
+                  <a:txBody>
+                    <a:bodyPr/>
+                    <a:lstStyle/>
+                    <a:p>
+                      <a:pPr algn="r" fontAlgn="b"/>
+                      <a:r>
+                        <a:rPr lang="en-AU" sz="1600" b="1" u="none" strike="noStrike" dirty="0">
+                          <a:effectLst/>
+                        </a:rPr>
+                        <a:t>start</a:t>
+                      </a:r>
+                      <a:endParaRPr lang="en-AU" sz="1600" b="1" i="0" u="none" strike="noStrike" dirty="0">
+                        <a:solidFill>
+                          <a:srgbClr val="000000"/>
+                        </a:solidFill>
+                        <a:effectLst/>
+                        <a:latin typeface="Aptos Narrow" panose="020B0004020202020204" pitchFamily="34" charset="0"/>
+                      </a:endParaRPr>
+                    </a:p>
+                  </a:txBody>
+                  <a:tcPr marL="2487" marR="2487" marT="2487" marB="0" anchor="b"/>
+                </a:tc>
+                <a:tc>
+                  <a:txBody>
+                    <a:bodyPr/>
+                    <a:lstStyle/>
+                    <a:p>
+                      <a:pPr algn="r" fontAlgn="b"/>
+                      <a:r>
+                        <a:rPr lang="en-AU" sz="1600" b="1" u="none" strike="noStrike" dirty="0">
+                          <a:effectLst/>
+                        </a:rPr>
+                        <a:t>end</a:t>
+                      </a:r>
+                      <a:endParaRPr lang="en-AU" sz="1600" b="1" i="0" u="none" strike="noStrike" dirty="0">
+                        <a:solidFill>
+                          <a:srgbClr val="000000"/>
+                        </a:solidFill>
+                        <a:effectLst/>
+                        <a:latin typeface="Aptos Narrow" panose="020B0004020202020204" pitchFamily="34" charset="0"/>
+                      </a:endParaRPr>
+                    </a:p>
+                  </a:txBody>
+                  <a:tcPr marL="2487" marR="2487" marT="2487" marB="0" anchor="b"/>
+                </a:tc>
+                <a:tc>
+                  <a:txBody>
+                    <a:bodyPr/>
+                    <a:lstStyle/>
+                    <a:p>
+                      <a:pPr algn="ctr" fontAlgn="b"/>
+                      <a:r>
+                        <a:rPr lang="en-AU" sz="1600" b="1" u="none" strike="noStrike" dirty="0">
+                          <a:effectLst/>
+                        </a:rPr>
+                        <a:t>strand</a:t>
+                      </a:r>
+                      <a:endParaRPr lang="en-AU" sz="1600" b="1" i="0" u="none" strike="noStrike" dirty="0">
+                        <a:solidFill>
+                          <a:srgbClr val="000000"/>
+                        </a:solidFill>
+                        <a:effectLst/>
+                        <a:latin typeface="Aptos Narrow" panose="020B0004020202020204" pitchFamily="34" charset="0"/>
+                      </a:endParaRPr>
+                    </a:p>
+                  </a:txBody>
+                  <a:tcPr marL="2487" marR="2487" marT="2487" marB="0" anchor="b"/>
+                </a:tc>
+                <a:tc>
+                  <a:txBody>
+                    <a:bodyPr/>
+                    <a:lstStyle/>
+                    <a:p>
+                      <a:pPr algn="ctr" fontAlgn="b"/>
+                      <a:r>
+                        <a:rPr lang="en-AU" sz="1600" b="1" i="0" u="none" strike="noStrike" dirty="0">
+                          <a:solidFill>
+                            <a:srgbClr val="000000"/>
+                          </a:solidFill>
+                          <a:effectLst/>
+                          <a:latin typeface="Aptos Narrow" panose="020B0004020202020204" pitchFamily="34" charset="0"/>
+                        </a:rPr>
+                        <a:t>gene</a:t>
+                      </a:r>
+                    </a:p>
+                  </a:txBody>
+                  <a:tcPr marL="2487" marR="2487" marT="2487" marB="0" anchor="b">
+                    <a:solidFill>
+                      <a:schemeClr val="accent6">
+                        <a:lumMod val="20000"/>
+                        <a:lumOff val="80000"/>
+                      </a:schemeClr>
+                    </a:solidFill>
+                  </a:tcPr>
+                </a:tc>
+                <a:tc>
+                  <a:txBody>
+                    <a:bodyPr/>
+                    <a:lstStyle/>
+                    <a:p>
+                      <a:pPr algn="ctr" fontAlgn="b"/>
+                      <a:r>
+                        <a:rPr lang="en-AU" sz="1600" b="1" i="0" u="none" strike="noStrike" dirty="0">
+                          <a:solidFill>
+                            <a:srgbClr val="000000"/>
+                          </a:solidFill>
+                          <a:effectLst/>
+                          <a:latin typeface="Aptos Narrow" panose="020B0004020202020204" pitchFamily="34" charset="0"/>
+                        </a:rPr>
+                        <a:t>event</a:t>
+                      </a:r>
+                    </a:p>
+                  </a:txBody>
+                  <a:tcPr marL="2487" marR="2487" marT="2487" marB="0" anchor="b">
+                    <a:solidFill>
+                      <a:schemeClr val="accent6">
+                        <a:lumMod val="20000"/>
+                        <a:lumOff val="80000"/>
+                      </a:schemeClr>
+                    </a:solidFill>
+                  </a:tcPr>
+                </a:tc>
+                <a:extLst>
+                  <a:ext uri="{0D108BD9-81ED-4DB2-BD59-A6C34878D82A}">
+                    <a16:rowId xmlns:a16="http://schemas.microsoft.com/office/drawing/2014/main" val="1174067835"/>
+                  </a:ext>
+                </a:extLst>
+              </a:tr>
+              <a:tr h="339392">
+                <a:tc>
+                  <a:txBody>
+                    <a:bodyPr/>
+                    <a:lstStyle/>
+                    <a:p>
+                      <a:pPr algn="r" fontAlgn="b"/>
+                      <a:r>
+                        <a:rPr lang="en-AU" sz="1600" b="0" i="0" u="none" strike="noStrike" dirty="0">
+                          <a:solidFill>
+                            <a:srgbClr val="000000"/>
+                          </a:solidFill>
+                          <a:effectLst/>
+                          <a:latin typeface="Aptos Narrow" panose="020B0004020202020204" pitchFamily="34" charset="0"/>
+                        </a:rPr>
+                        <a:t>chr11</a:t>
+                      </a:r>
+                    </a:p>
+                  </a:txBody>
+                  <a:tcPr marL="9525" marR="9525" marT="9525" marB="0" anchor="b"/>
+                </a:tc>
+                <a:tc>
+                  <a:txBody>
+                    <a:bodyPr/>
+                    <a:lstStyle/>
+                    <a:p>
+                      <a:pPr algn="r" fontAlgn="b"/>
+                      <a:r>
+                        <a:rPr lang="en-AU" sz="1600" b="0" i="0" u="none" strike="noStrike">
+                          <a:solidFill>
+                            <a:srgbClr val="000000"/>
+                          </a:solidFill>
+                          <a:effectLst/>
+                          <a:latin typeface="Aptos Narrow" panose="020B0004020202020204" pitchFamily="34" charset="0"/>
+                        </a:rPr>
+                        <a:t>64514937</a:t>
+                      </a:r>
+                    </a:p>
+                  </a:txBody>
+                  <a:tcPr marL="9525" marR="9525" marT="9525" marB="0" anchor="b"/>
+                </a:tc>
+                <a:tc>
+                  <a:txBody>
+                    <a:bodyPr/>
+                    <a:lstStyle/>
+                    <a:p>
+                      <a:pPr algn="r" fontAlgn="b"/>
+                      <a:r>
+                        <a:rPr lang="en-AU" sz="1600" b="0" i="0" u="none" strike="noStrike">
+                          <a:solidFill>
+                            <a:srgbClr val="000000"/>
+                          </a:solidFill>
+                          <a:effectLst/>
+                          <a:latin typeface="Aptos Narrow" panose="020B0004020202020204" pitchFamily="34" charset="0"/>
+                        </a:rPr>
+                        <a:t>64519068</a:t>
+                      </a:r>
+                    </a:p>
+                  </a:txBody>
+                  <a:tcPr marL="9525" marR="9525" marT="9525" marB="0" anchor="b"/>
+                </a:tc>
+                <a:tc>
+                  <a:txBody>
+                    <a:bodyPr/>
+                    <a:lstStyle/>
+                    <a:p>
+                      <a:pPr algn="ctr" fontAlgn="b"/>
+                      <a:r>
+                        <a:rPr lang="en-AU" sz="1600" b="0" i="0" u="none" strike="noStrike" dirty="0">
+                          <a:solidFill>
+                            <a:srgbClr val="000000"/>
+                          </a:solidFill>
+                          <a:effectLst/>
+                          <a:latin typeface="Aptos Narrow" panose="020B0004020202020204" pitchFamily="34" charset="0"/>
+                        </a:rPr>
+                        <a:t>-</a:t>
+                      </a:r>
+                    </a:p>
+                  </a:txBody>
+                  <a:tcPr marL="9525" marR="9525" marT="9525" marB="0" anchor="b"/>
+                </a:tc>
+                <a:tc>
+                  <a:txBody>
+                    <a:bodyPr/>
+                    <a:lstStyle/>
+                    <a:p>
+                      <a:pPr algn="ctr" fontAlgn="b"/>
+                      <a:r>
+                        <a:rPr lang="en-AU" sz="1600" b="0" i="0" u="none" strike="noStrike" dirty="0">
+                          <a:solidFill>
+                            <a:srgbClr val="000000"/>
+                          </a:solidFill>
+                          <a:effectLst/>
+                          <a:latin typeface="Aptos Narrow" panose="020B0004020202020204" pitchFamily="34" charset="0"/>
+                        </a:rPr>
+                        <a:t>PYGM</a:t>
+                      </a:r>
+                    </a:p>
+                  </a:txBody>
+                  <a:tcPr marL="9525" marR="9525" marT="9525" marB="0" anchor="b">
+                    <a:solidFill>
+                      <a:schemeClr val="accent6">
+                        <a:lumMod val="20000"/>
+                        <a:lumOff val="80000"/>
+                      </a:schemeClr>
+                    </a:solidFill>
+                  </a:tcPr>
+                </a:tc>
+                <a:tc>
+                  <a:txBody>
+                    <a:bodyPr/>
+                    <a:lstStyle/>
+                    <a:p>
+                      <a:pPr algn="l" fontAlgn="b"/>
+                      <a:r>
+                        <a:rPr lang="en-AU" sz="1600" b="0" i="0" u="none" strike="noStrike" dirty="0">
+                          <a:solidFill>
+                            <a:srgbClr val="000000"/>
+                          </a:solidFill>
+                          <a:effectLst/>
+                          <a:latin typeface="Aptos Narrow" panose="020B0004020202020204" pitchFamily="34" charset="0"/>
+                        </a:rPr>
+                        <a:t>exon 16-17 skipping/cryptic intron 17 acceptor @ -107</a:t>
+                      </a:r>
+                    </a:p>
+                  </a:txBody>
+                  <a:tcPr marL="9525" marR="9525" marT="9525" marB="0" anchor="b">
+                    <a:solidFill>
+                      <a:schemeClr val="accent6">
+                        <a:lumMod val="20000"/>
+                        <a:lumOff val="80000"/>
+                      </a:schemeClr>
+                    </a:solidFill>
+                  </a:tcPr>
+                </a:tc>
+                <a:extLst>
+                  <a:ext uri="{0D108BD9-81ED-4DB2-BD59-A6C34878D82A}">
+                    <a16:rowId xmlns:a16="http://schemas.microsoft.com/office/drawing/2014/main" val="1499173822"/>
+                  </a:ext>
+                </a:extLst>
+              </a:tr>
+              <a:tr h="399523">
+                <a:tc>
+                  <a:txBody>
+                    <a:bodyPr/>
+                    <a:lstStyle/>
+                    <a:p>
+                      <a:pPr algn="r" fontAlgn="b"/>
+                      <a:r>
+                        <a:rPr lang="en-AU" sz="1600" b="0" i="0" u="none" strike="noStrike">
+                          <a:solidFill>
+                            <a:srgbClr val="000000"/>
+                          </a:solidFill>
+                          <a:effectLst/>
+                          <a:latin typeface="Aptos Narrow" panose="020B0004020202020204" pitchFamily="34" charset="0"/>
+                        </a:rPr>
+                        <a:t>chr9</a:t>
+                      </a:r>
+                    </a:p>
+                  </a:txBody>
+                  <a:tcPr marL="9525" marR="9525" marT="9525" marB="0" anchor="b"/>
+                </a:tc>
+                <a:tc>
+                  <a:txBody>
+                    <a:bodyPr/>
+                    <a:lstStyle/>
+                    <a:p>
+                      <a:pPr algn="r" fontAlgn="b"/>
+                      <a:r>
+                        <a:rPr lang="en-AU" sz="1600" b="0" i="0" u="none" strike="noStrike" dirty="0">
+                          <a:solidFill>
+                            <a:srgbClr val="000000"/>
+                          </a:solidFill>
+                          <a:effectLst/>
+                          <a:latin typeface="Aptos Narrow" panose="020B0004020202020204" pitchFamily="34" charset="0"/>
+                        </a:rPr>
+                        <a:t>19378917</a:t>
+                      </a:r>
+                    </a:p>
+                  </a:txBody>
+                  <a:tcPr marL="9525" marR="9525" marT="9525" marB="0" anchor="b"/>
+                </a:tc>
+                <a:tc>
+                  <a:txBody>
+                    <a:bodyPr/>
+                    <a:lstStyle/>
+                    <a:p>
+                      <a:pPr algn="r" fontAlgn="b"/>
+                      <a:r>
+                        <a:rPr lang="en-AU" sz="1600" b="0" i="0" u="none" strike="noStrike">
+                          <a:solidFill>
+                            <a:srgbClr val="000000"/>
+                          </a:solidFill>
+                          <a:effectLst/>
+                          <a:latin typeface="Aptos Narrow" panose="020B0004020202020204" pitchFamily="34" charset="0"/>
+                        </a:rPr>
+                        <a:t>19379460</a:t>
+                      </a:r>
+                    </a:p>
+                  </a:txBody>
+                  <a:tcPr marL="9525" marR="9525" marT="9525" marB="0" anchor="b"/>
+                </a:tc>
+                <a:tc>
+                  <a:txBody>
+                    <a:bodyPr/>
+                    <a:lstStyle/>
+                    <a:p>
+                      <a:pPr algn="ctr" fontAlgn="b"/>
+                      <a:r>
+                        <a:rPr lang="en-AU" sz="1600" b="0" i="0" u="none" strike="noStrike" dirty="0">
+                          <a:solidFill>
+                            <a:srgbClr val="000000"/>
+                          </a:solidFill>
+                          <a:effectLst/>
+                          <a:latin typeface="Aptos Narrow" panose="020B0004020202020204" pitchFamily="34" charset="0"/>
+                        </a:rPr>
+                        <a:t>-</a:t>
+                      </a:r>
+                    </a:p>
+                  </a:txBody>
+                  <a:tcPr marL="9525" marR="9525" marT="9525" marB="0" anchor="b"/>
+                </a:tc>
+                <a:tc>
+                  <a:txBody>
+                    <a:bodyPr/>
+                    <a:lstStyle/>
+                    <a:p>
+                      <a:pPr algn="ctr" fontAlgn="b"/>
+                      <a:r>
+                        <a:rPr lang="en-AU" sz="1600" b="0" i="0" u="none" strike="noStrike" dirty="0">
+                          <a:solidFill>
+                            <a:srgbClr val="000000"/>
+                          </a:solidFill>
+                          <a:effectLst/>
+                          <a:latin typeface="Aptos Narrow" panose="020B0004020202020204" pitchFamily="34" charset="0"/>
+                        </a:rPr>
+                        <a:t>RPS6</a:t>
+                      </a:r>
+                    </a:p>
+                  </a:txBody>
+                  <a:tcPr marL="9525" marR="9525" marT="9525" marB="0" anchor="b">
+                    <a:solidFill>
+                      <a:schemeClr val="accent6">
+                        <a:lumMod val="20000"/>
+                        <a:lumOff val="80000"/>
+                      </a:schemeClr>
+                    </a:solidFill>
+                  </a:tcPr>
+                </a:tc>
+                <a:tc>
+                  <a:txBody>
+                    <a:bodyPr/>
+                    <a:lstStyle/>
+                    <a:p>
+                      <a:pPr algn="l" fontAlgn="b"/>
+                      <a:r>
+                        <a:rPr lang="en-AU" sz="1600" b="0" i="0" u="none" strike="noStrike" dirty="0">
+                          <a:solidFill>
+                            <a:srgbClr val="000000"/>
+                          </a:solidFill>
+                          <a:effectLst/>
+                          <a:latin typeface="Aptos Narrow" panose="020B0004020202020204" pitchFamily="34" charset="0"/>
+                        </a:rPr>
+                        <a:t>cryptic intron 2 donor @ +25</a:t>
+                      </a:r>
+                    </a:p>
+                  </a:txBody>
+                  <a:tcPr marL="9525" marR="9525" marT="9525" marB="0" anchor="b">
+                    <a:solidFill>
+                      <a:schemeClr val="accent6">
+                        <a:lumMod val="20000"/>
+                        <a:lumOff val="80000"/>
+                      </a:schemeClr>
+                    </a:solidFill>
+                  </a:tcPr>
+                </a:tc>
+                <a:extLst>
+                  <a:ext uri="{0D108BD9-81ED-4DB2-BD59-A6C34878D82A}">
+                    <a16:rowId xmlns:a16="http://schemas.microsoft.com/office/drawing/2014/main" val="2697179442"/>
+                  </a:ext>
+                </a:extLst>
+              </a:tr>
+              <a:tr h="339392">
+                <a:tc>
+                  <a:txBody>
+                    <a:bodyPr/>
+                    <a:lstStyle/>
+                    <a:p>
+                      <a:pPr algn="r" fontAlgn="b"/>
+                      <a:r>
+                        <a:rPr lang="en-AU" sz="1600" b="0" i="0" u="none" strike="noStrike">
+                          <a:solidFill>
+                            <a:srgbClr val="000000"/>
+                          </a:solidFill>
+                          <a:effectLst/>
+                          <a:latin typeface="Aptos Narrow" panose="020B0004020202020204" pitchFamily="34" charset="0"/>
+                        </a:rPr>
+                        <a:t>chr9</a:t>
+                      </a:r>
+                    </a:p>
+                  </a:txBody>
+                  <a:tcPr marL="9525" marR="9525" marT="9525" marB="0" anchor="b"/>
+                </a:tc>
+                <a:tc>
+                  <a:txBody>
+                    <a:bodyPr/>
+                    <a:lstStyle/>
+                    <a:p>
+                      <a:pPr algn="r" fontAlgn="b"/>
+                      <a:r>
+                        <a:rPr lang="en-AU" sz="1600" b="0" i="0" u="none" strike="noStrike" dirty="0">
+                          <a:solidFill>
+                            <a:srgbClr val="000000"/>
+                          </a:solidFill>
+                          <a:effectLst/>
+                          <a:latin typeface="Aptos Narrow" panose="020B0004020202020204" pitchFamily="34" charset="0"/>
+                        </a:rPr>
+                        <a:t>139565773</a:t>
+                      </a:r>
+                    </a:p>
+                  </a:txBody>
+                  <a:tcPr marL="9525" marR="9525" marT="9525" marB="0" anchor="b"/>
+                </a:tc>
+                <a:tc>
+                  <a:txBody>
+                    <a:bodyPr/>
+                    <a:lstStyle/>
+                    <a:p>
+                      <a:pPr algn="r" fontAlgn="b"/>
+                      <a:r>
+                        <a:rPr lang="en-AU" sz="1600" b="0" i="0" u="none" strike="noStrike">
+                          <a:solidFill>
+                            <a:srgbClr val="000000"/>
+                          </a:solidFill>
+                          <a:effectLst/>
+                          <a:latin typeface="Aptos Narrow" panose="020B0004020202020204" pitchFamily="34" charset="0"/>
+                        </a:rPr>
+                        <a:t>139566377</a:t>
+                      </a:r>
+                    </a:p>
+                  </a:txBody>
+                  <a:tcPr marL="9525" marR="9525" marT="9525" marB="0" anchor="b"/>
+                </a:tc>
+                <a:tc>
+                  <a:txBody>
+                    <a:bodyPr/>
+                    <a:lstStyle/>
+                    <a:p>
+                      <a:pPr algn="ctr" fontAlgn="b"/>
+                      <a:r>
+                        <a:rPr lang="en-AU" sz="1600" b="0" i="0" u="none" strike="noStrike" dirty="0">
+                          <a:solidFill>
+                            <a:srgbClr val="000000"/>
+                          </a:solidFill>
+                          <a:effectLst/>
+                          <a:latin typeface="Aptos Narrow" panose="020B0004020202020204" pitchFamily="34" charset="0"/>
+                        </a:rPr>
+                        <a:t>+</a:t>
+                      </a:r>
+                    </a:p>
+                  </a:txBody>
+                  <a:tcPr marL="9525" marR="9525" marT="9525" marB="0" anchor="b"/>
+                </a:tc>
+                <a:tc>
+                  <a:txBody>
+                    <a:bodyPr/>
+                    <a:lstStyle/>
+                    <a:p>
+                      <a:pPr algn="ctr" fontAlgn="b"/>
+                      <a:r>
+                        <a:rPr lang="en-AU" sz="1600" b="0" i="0" u="none" strike="noStrike" dirty="0">
+                          <a:solidFill>
+                            <a:srgbClr val="000000"/>
+                          </a:solidFill>
+                          <a:effectLst/>
+                          <a:latin typeface="Aptos Narrow" panose="020B0004020202020204" pitchFamily="34" charset="0"/>
+                        </a:rPr>
+                        <a:t>EGFL7</a:t>
+                      </a:r>
+                    </a:p>
+                  </a:txBody>
+                  <a:tcPr marL="9525" marR="9525" marT="9525" marB="0" anchor="b">
+                    <a:solidFill>
+                      <a:schemeClr val="accent6">
+                        <a:lumMod val="20000"/>
+                        <a:lumOff val="80000"/>
+                      </a:schemeClr>
+                    </a:solidFill>
+                  </a:tcPr>
+                </a:tc>
+                <a:tc>
+                  <a:txBody>
+                    <a:bodyPr/>
+                    <a:lstStyle/>
+                    <a:p>
+                      <a:pPr algn="l" fontAlgn="b"/>
+                      <a:r>
+                        <a:rPr lang="en-AU" sz="1600" b="0" i="0" u="none" strike="noStrike" dirty="0">
+                          <a:solidFill>
+                            <a:srgbClr val="000000"/>
+                          </a:solidFill>
+                          <a:effectLst/>
+                          <a:latin typeface="Aptos Narrow" panose="020B0004020202020204" pitchFamily="34" charset="0"/>
+                        </a:rPr>
+                        <a:t>cryptic intron 9 donor @ +307</a:t>
+                      </a:r>
+                    </a:p>
+                  </a:txBody>
+                  <a:tcPr marL="9525" marR="9525" marT="9525" marB="0" anchor="b">
+                    <a:solidFill>
+                      <a:schemeClr val="accent6">
+                        <a:lumMod val="20000"/>
+                        <a:lumOff val="80000"/>
+                      </a:schemeClr>
+                    </a:solidFill>
+                  </a:tcPr>
+                </a:tc>
+                <a:extLst>
+                  <a:ext uri="{0D108BD9-81ED-4DB2-BD59-A6C34878D82A}">
+                    <a16:rowId xmlns:a16="http://schemas.microsoft.com/office/drawing/2014/main" val="4185118752"/>
+                  </a:ext>
+                </a:extLst>
+              </a:tr>
+              <a:tr h="339392">
+                <a:tc>
+                  <a:txBody>
+                    <a:bodyPr/>
+                    <a:lstStyle/>
+                    <a:p>
+                      <a:pPr algn="r" fontAlgn="b"/>
+                      <a:r>
+                        <a:rPr lang="en-AU" sz="1600" b="0" i="0" u="none" strike="noStrike">
+                          <a:solidFill>
+                            <a:srgbClr val="000000"/>
+                          </a:solidFill>
+                          <a:effectLst/>
+                          <a:latin typeface="Aptos Narrow" panose="020B0004020202020204" pitchFamily="34" charset="0"/>
+                        </a:rPr>
+                        <a:t>chr1</a:t>
+                      </a:r>
+                    </a:p>
+                  </a:txBody>
+                  <a:tcPr marL="9525" marR="9525" marT="9525" marB="0" anchor="b"/>
+                </a:tc>
+                <a:tc>
+                  <a:txBody>
+                    <a:bodyPr/>
+                    <a:lstStyle/>
+                    <a:p>
+                      <a:pPr algn="r" fontAlgn="b"/>
+                      <a:r>
+                        <a:rPr lang="en-AU" sz="1600" b="0" i="0" u="none" strike="noStrike" dirty="0">
+                          <a:solidFill>
+                            <a:srgbClr val="000000"/>
+                          </a:solidFill>
+                          <a:effectLst/>
+                          <a:latin typeface="Aptos Narrow" panose="020B0004020202020204" pitchFamily="34" charset="0"/>
+                        </a:rPr>
+                        <a:t>229602504</a:t>
+                      </a:r>
+                    </a:p>
+                  </a:txBody>
+                  <a:tcPr marL="9525" marR="9525" marT="9525" marB="0" anchor="b"/>
+                </a:tc>
+                <a:tc>
+                  <a:txBody>
+                    <a:bodyPr/>
+                    <a:lstStyle/>
+                    <a:p>
+                      <a:pPr algn="r" fontAlgn="b"/>
+                      <a:r>
+                        <a:rPr lang="en-AU" sz="1600" b="0" i="0" u="none" strike="noStrike">
+                          <a:solidFill>
+                            <a:srgbClr val="000000"/>
+                          </a:solidFill>
+                          <a:effectLst/>
+                          <a:latin typeface="Aptos Narrow" panose="020B0004020202020204" pitchFamily="34" charset="0"/>
+                        </a:rPr>
+                        <a:t>229606326</a:t>
+                      </a:r>
+                    </a:p>
+                  </a:txBody>
+                  <a:tcPr marL="9525" marR="9525" marT="9525" marB="0" anchor="b"/>
+                </a:tc>
+                <a:tc>
+                  <a:txBody>
+                    <a:bodyPr/>
+                    <a:lstStyle/>
+                    <a:p>
+                      <a:pPr algn="ctr" fontAlgn="b"/>
+                      <a:r>
+                        <a:rPr lang="en-AU" sz="1600" b="0" i="0" u="none" strike="noStrike" dirty="0">
+                          <a:solidFill>
+                            <a:srgbClr val="000000"/>
+                          </a:solidFill>
+                          <a:effectLst/>
+                          <a:latin typeface="Aptos Narrow" panose="020B0004020202020204" pitchFamily="34" charset="0"/>
+                        </a:rPr>
+                        <a:t>-</a:t>
+                      </a:r>
+                    </a:p>
+                  </a:txBody>
+                  <a:tcPr marL="9525" marR="9525" marT="9525" marB="0" anchor="b"/>
+                </a:tc>
+                <a:tc>
+                  <a:txBody>
+                    <a:bodyPr/>
+                    <a:lstStyle/>
+                    <a:p>
+                      <a:pPr algn="ctr" fontAlgn="b"/>
+                      <a:r>
+                        <a:rPr lang="en-AU" sz="1600" b="0" i="0" u="none" strike="noStrike" dirty="0">
+                          <a:solidFill>
+                            <a:srgbClr val="000000"/>
+                          </a:solidFill>
+                          <a:effectLst/>
+                          <a:latin typeface="Aptos Narrow" panose="020B0004020202020204" pitchFamily="34" charset="0"/>
+                        </a:rPr>
+                        <a:t>NUP133</a:t>
+                      </a:r>
+                    </a:p>
+                  </a:txBody>
+                  <a:tcPr marL="9525" marR="9525" marT="9525" marB="0" anchor="b">
+                    <a:solidFill>
+                      <a:schemeClr val="accent6">
+                        <a:lumMod val="20000"/>
+                        <a:lumOff val="80000"/>
+                      </a:schemeClr>
+                    </a:solidFill>
+                  </a:tcPr>
+                </a:tc>
+                <a:tc>
+                  <a:txBody>
+                    <a:bodyPr/>
+                    <a:lstStyle/>
+                    <a:p>
+                      <a:pPr algn="l" fontAlgn="b"/>
+                      <a:r>
+                        <a:rPr lang="en-AU" sz="1600" b="0" i="0" u="none" strike="noStrike" dirty="0">
+                          <a:solidFill>
+                            <a:srgbClr val="000000"/>
+                          </a:solidFill>
+                          <a:effectLst/>
+                          <a:latin typeface="Aptos Narrow" panose="020B0004020202020204" pitchFamily="34" charset="0"/>
+                        </a:rPr>
+                        <a:t>canonical exon 15-16 splicing</a:t>
+                      </a:r>
+                    </a:p>
+                  </a:txBody>
+                  <a:tcPr marL="9525" marR="9525" marT="9525" marB="0" anchor="b">
+                    <a:solidFill>
+                      <a:schemeClr val="accent6">
+                        <a:lumMod val="20000"/>
+                        <a:lumOff val="80000"/>
+                      </a:schemeClr>
+                    </a:solidFill>
+                  </a:tcPr>
+                </a:tc>
+                <a:extLst>
+                  <a:ext uri="{0D108BD9-81ED-4DB2-BD59-A6C34878D82A}">
+                    <a16:rowId xmlns:a16="http://schemas.microsoft.com/office/drawing/2014/main" val="385112056"/>
+                  </a:ext>
+                </a:extLst>
+              </a:tr>
+              <a:tr h="339392">
+                <a:tc>
+                  <a:txBody>
+                    <a:bodyPr/>
+                    <a:lstStyle/>
+                    <a:p>
+                      <a:pPr algn="r" fontAlgn="b"/>
+                      <a:r>
+                        <a:rPr lang="en-AU" sz="1600" b="0" i="0" u="none" strike="noStrike">
+                          <a:solidFill>
+                            <a:srgbClr val="000000"/>
+                          </a:solidFill>
+                          <a:effectLst/>
+                          <a:latin typeface="Aptos Narrow" panose="020B0004020202020204" pitchFamily="34" charset="0"/>
+                        </a:rPr>
+                        <a:t>chr2</a:t>
+                      </a:r>
+                    </a:p>
+                  </a:txBody>
+                  <a:tcPr marL="9525" marR="9525" marT="9525" marB="0" anchor="b"/>
+                </a:tc>
+                <a:tc>
+                  <a:txBody>
+                    <a:bodyPr/>
+                    <a:lstStyle/>
+                    <a:p>
+                      <a:pPr algn="r" fontAlgn="b"/>
+                      <a:r>
+                        <a:rPr lang="en-AU" sz="1600" b="0" i="0" u="none" strike="noStrike" dirty="0">
+                          <a:solidFill>
+                            <a:srgbClr val="000000"/>
+                          </a:solidFill>
+                          <a:effectLst/>
+                          <a:latin typeface="Aptos Narrow" panose="020B0004020202020204" pitchFamily="34" charset="0"/>
+                        </a:rPr>
+                        <a:t>152390061</a:t>
+                      </a:r>
+                    </a:p>
+                  </a:txBody>
+                  <a:tcPr marL="9525" marR="9525" marT="9525" marB="0" anchor="b"/>
+                </a:tc>
+                <a:tc>
+                  <a:txBody>
+                    <a:bodyPr/>
+                    <a:lstStyle/>
+                    <a:p>
+                      <a:pPr algn="r" fontAlgn="b"/>
+                      <a:r>
+                        <a:rPr lang="en-AU" sz="1600" b="0" i="0" u="none" strike="noStrike">
+                          <a:solidFill>
+                            <a:srgbClr val="000000"/>
+                          </a:solidFill>
+                          <a:effectLst/>
+                          <a:latin typeface="Aptos Narrow" panose="020B0004020202020204" pitchFamily="34" charset="0"/>
+                        </a:rPr>
+                        <a:t>152391916</a:t>
+                      </a:r>
+                    </a:p>
+                  </a:txBody>
+                  <a:tcPr marL="9525" marR="9525" marT="9525" marB="0" anchor="b"/>
+                </a:tc>
+                <a:tc>
+                  <a:txBody>
+                    <a:bodyPr/>
+                    <a:lstStyle/>
+                    <a:p>
+                      <a:pPr algn="ctr" fontAlgn="b"/>
+                      <a:r>
+                        <a:rPr lang="en-AU" sz="1600" b="0" i="0" u="none" strike="noStrike" dirty="0">
+                          <a:solidFill>
+                            <a:srgbClr val="000000"/>
+                          </a:solidFill>
+                          <a:effectLst/>
+                          <a:latin typeface="Aptos Narrow" panose="020B0004020202020204" pitchFamily="34" charset="0"/>
+                        </a:rPr>
+                        <a:t>-</a:t>
+                      </a:r>
+                    </a:p>
+                  </a:txBody>
+                  <a:tcPr marL="9525" marR="9525" marT="9525" marB="0" anchor="b"/>
+                </a:tc>
+                <a:tc>
+                  <a:txBody>
+                    <a:bodyPr/>
+                    <a:lstStyle/>
+                    <a:p>
+                      <a:pPr algn="ctr" fontAlgn="b"/>
+                      <a:r>
+                        <a:rPr lang="en-AU" sz="1600" b="0" i="0" u="none" strike="noStrike" dirty="0">
+                          <a:solidFill>
+                            <a:srgbClr val="000000"/>
+                          </a:solidFill>
+                          <a:effectLst/>
+                          <a:latin typeface="Aptos Narrow" panose="020B0004020202020204" pitchFamily="34" charset="0"/>
+                        </a:rPr>
+                        <a:t>NEB</a:t>
+                      </a:r>
+                    </a:p>
+                  </a:txBody>
+                  <a:tcPr marL="9525" marR="9525" marT="9525" marB="0" anchor="b">
+                    <a:solidFill>
+                      <a:schemeClr val="accent6">
+                        <a:lumMod val="20000"/>
+                        <a:lumOff val="80000"/>
+                      </a:schemeClr>
+                    </a:solidFill>
+                  </a:tcPr>
+                </a:tc>
+                <a:tc>
+                  <a:txBody>
+                    <a:bodyPr/>
+                    <a:lstStyle/>
+                    <a:p>
+                      <a:pPr algn="l" fontAlgn="b"/>
+                      <a:r>
+                        <a:rPr lang="en-AU" sz="1600" b="0" i="0" u="none" strike="noStrike" dirty="0">
+                          <a:solidFill>
+                            <a:srgbClr val="000000"/>
+                          </a:solidFill>
+                          <a:effectLst/>
+                          <a:latin typeface="Aptos Narrow" panose="020B0004020202020204" pitchFamily="34" charset="0"/>
+                        </a:rPr>
+                        <a:t>cryptic intron 142 donor @ +289</a:t>
+                      </a:r>
+                    </a:p>
+                  </a:txBody>
+                  <a:tcPr marL="9525" marR="9525" marT="9525" marB="0" anchor="b">
+                    <a:solidFill>
+                      <a:schemeClr val="accent6">
+                        <a:lumMod val="20000"/>
+                        <a:lumOff val="80000"/>
+                      </a:schemeClr>
+                    </a:solidFill>
+                  </a:tcPr>
+                </a:tc>
+                <a:extLst>
+                  <a:ext uri="{0D108BD9-81ED-4DB2-BD59-A6C34878D82A}">
+                    <a16:rowId xmlns:a16="http://schemas.microsoft.com/office/drawing/2014/main" val="1084722614"/>
+                  </a:ext>
+                </a:extLst>
+              </a:tr>
+              <a:tr h="339392">
+                <a:tc>
+                  <a:txBody>
+                    <a:bodyPr/>
+                    <a:lstStyle/>
+                    <a:p>
+                      <a:pPr algn="r" fontAlgn="b"/>
+                      <a:r>
+                        <a:rPr lang="en-AU" sz="1600" b="0" i="0" u="none" strike="noStrike">
+                          <a:solidFill>
+                            <a:srgbClr val="000000"/>
+                          </a:solidFill>
+                          <a:effectLst/>
+                          <a:latin typeface="Aptos Narrow" panose="020B0004020202020204" pitchFamily="34" charset="0"/>
+                        </a:rPr>
+                        <a:t>chr1</a:t>
+                      </a:r>
+                    </a:p>
+                  </a:txBody>
+                  <a:tcPr marL="9525" marR="9525" marT="9525" marB="0" anchor="b"/>
+                </a:tc>
+                <a:tc>
+                  <a:txBody>
+                    <a:bodyPr/>
+                    <a:lstStyle/>
+                    <a:p>
+                      <a:pPr algn="r" fontAlgn="b"/>
+                      <a:r>
+                        <a:rPr lang="en-AU" sz="1600" b="0" i="0" u="none" strike="noStrike" dirty="0">
+                          <a:solidFill>
+                            <a:srgbClr val="000000"/>
+                          </a:solidFill>
+                          <a:effectLst/>
+                          <a:latin typeface="Aptos Narrow" panose="020B0004020202020204" pitchFamily="34" charset="0"/>
+                        </a:rPr>
+                        <a:t>6257817</a:t>
+                      </a:r>
+                    </a:p>
+                  </a:txBody>
+                  <a:tcPr marL="9525" marR="9525" marT="9525" marB="0" anchor="b"/>
+                </a:tc>
+                <a:tc>
+                  <a:txBody>
+                    <a:bodyPr/>
+                    <a:lstStyle/>
+                    <a:p>
+                      <a:pPr algn="r" fontAlgn="b"/>
+                      <a:r>
+                        <a:rPr lang="en-AU" sz="1600" b="0" i="0" u="none" strike="noStrike" dirty="0">
+                          <a:solidFill>
+                            <a:srgbClr val="000000"/>
+                          </a:solidFill>
+                          <a:effectLst/>
+                          <a:latin typeface="Aptos Narrow" panose="020B0004020202020204" pitchFamily="34" charset="0"/>
+                        </a:rPr>
+                        <a:t>6268740</a:t>
+                      </a:r>
+                    </a:p>
+                  </a:txBody>
+                  <a:tcPr marL="9525" marR="9525" marT="9525" marB="0" anchor="b"/>
+                </a:tc>
+                <a:tc>
+                  <a:txBody>
+                    <a:bodyPr/>
+                    <a:lstStyle/>
+                    <a:p>
+                      <a:pPr algn="ctr" fontAlgn="b"/>
+                      <a:r>
+                        <a:rPr lang="en-AU" sz="1600" b="0" i="0" u="none" strike="noStrike" dirty="0">
+                          <a:solidFill>
+                            <a:srgbClr val="000000"/>
+                          </a:solidFill>
+                          <a:effectLst/>
+                          <a:latin typeface="Aptos Narrow" panose="020B0004020202020204" pitchFamily="34" charset="0"/>
+                        </a:rPr>
+                        <a:t>-</a:t>
+                      </a:r>
+                    </a:p>
+                  </a:txBody>
+                  <a:tcPr marL="9525" marR="9525" marT="9525" marB="0" anchor="b"/>
+                </a:tc>
+                <a:tc>
+                  <a:txBody>
+                    <a:bodyPr/>
+                    <a:lstStyle/>
+                    <a:p>
+                      <a:pPr algn="ctr" fontAlgn="b"/>
+                      <a:r>
+                        <a:rPr lang="en-AU" sz="1600" b="0" i="0" u="none" strike="noStrike" dirty="0">
+                          <a:solidFill>
+                            <a:srgbClr val="000000"/>
+                          </a:solidFill>
+                          <a:effectLst/>
+                          <a:latin typeface="Aptos Narrow" panose="020B0004020202020204" pitchFamily="34" charset="0"/>
+                        </a:rPr>
+                        <a:t>RP1-120G22.11</a:t>
+                      </a:r>
+                    </a:p>
+                  </a:txBody>
+                  <a:tcPr marL="9525" marR="9525" marT="9525" marB="0" anchor="b">
+                    <a:solidFill>
+                      <a:schemeClr val="accent6">
+                        <a:lumMod val="20000"/>
+                        <a:lumOff val="80000"/>
+                      </a:schemeClr>
+                    </a:solidFill>
+                  </a:tcPr>
+                </a:tc>
+                <a:tc>
+                  <a:txBody>
+                    <a:bodyPr/>
+                    <a:lstStyle/>
+                    <a:p>
+                      <a:pPr algn="l" fontAlgn="b"/>
+                      <a:r>
+                        <a:rPr lang="en-AU" sz="1600" b="0" i="0" u="none" strike="noStrike" dirty="0">
+                          <a:solidFill>
+                            <a:srgbClr val="000000"/>
+                          </a:solidFill>
+                          <a:effectLst/>
+                          <a:latin typeface="Aptos Narrow" panose="020B0004020202020204" pitchFamily="34" charset="0"/>
+                        </a:rPr>
+                        <a:t>cryptic intergenic donor @ -9119</a:t>
+                      </a:r>
+                    </a:p>
+                  </a:txBody>
+                  <a:tcPr marL="9525" marR="9525" marT="9525" marB="0" anchor="b">
+                    <a:solidFill>
+                      <a:schemeClr val="accent6">
+                        <a:lumMod val="20000"/>
+                        <a:lumOff val="80000"/>
+                      </a:schemeClr>
+                    </a:solidFill>
+                  </a:tcPr>
+                </a:tc>
+                <a:extLst>
+                  <a:ext uri="{0D108BD9-81ED-4DB2-BD59-A6C34878D82A}">
+                    <a16:rowId xmlns:a16="http://schemas.microsoft.com/office/drawing/2014/main" val="3528340972"/>
+                  </a:ext>
+                </a:extLst>
+              </a:tr>
+              <a:tr h="339392">
+                <a:tc>
+                  <a:txBody>
+                    <a:bodyPr/>
+                    <a:lstStyle/>
+                    <a:p>
+                      <a:pPr algn="r" fontAlgn="b"/>
+                      <a:r>
+                        <a:rPr lang="en-AU" sz="1600" b="0" i="0" u="none" strike="noStrike">
+                          <a:solidFill>
+                            <a:srgbClr val="000000"/>
+                          </a:solidFill>
+                          <a:effectLst/>
+                          <a:latin typeface="Aptos Narrow" panose="020B0004020202020204" pitchFamily="34" charset="0"/>
+                        </a:rPr>
+                        <a:t>chr1</a:t>
+                      </a:r>
+                    </a:p>
+                  </a:txBody>
+                  <a:tcPr marL="9525" marR="9525" marT="9525" marB="0" anchor="b"/>
+                </a:tc>
+                <a:tc>
+                  <a:txBody>
+                    <a:bodyPr/>
+                    <a:lstStyle/>
+                    <a:p>
+                      <a:pPr algn="r" fontAlgn="b"/>
+                      <a:r>
+                        <a:rPr lang="en-AU" sz="1600" b="0" i="0" u="none" strike="noStrike">
+                          <a:solidFill>
+                            <a:srgbClr val="000000"/>
+                          </a:solidFill>
+                          <a:effectLst/>
+                          <a:latin typeface="Aptos Narrow" panose="020B0004020202020204" pitchFamily="34" charset="0"/>
+                        </a:rPr>
+                        <a:t>148252119</a:t>
+                      </a:r>
+                    </a:p>
+                  </a:txBody>
+                  <a:tcPr marL="9525" marR="9525" marT="9525" marB="0" anchor="b"/>
+                </a:tc>
+                <a:tc>
+                  <a:txBody>
+                    <a:bodyPr/>
+                    <a:lstStyle/>
+                    <a:p>
+                      <a:pPr algn="r" fontAlgn="b"/>
+                      <a:r>
+                        <a:rPr lang="en-AU" sz="1600" b="0" i="0" u="none" strike="noStrike" dirty="0">
+                          <a:solidFill>
+                            <a:srgbClr val="000000"/>
+                          </a:solidFill>
+                          <a:effectLst/>
+                          <a:latin typeface="Aptos Narrow" panose="020B0004020202020204" pitchFamily="34" charset="0"/>
+                        </a:rPr>
+                        <a:t>148252729</a:t>
+                      </a:r>
+                    </a:p>
+                  </a:txBody>
+                  <a:tcPr marL="9525" marR="9525" marT="9525" marB="0" anchor="b"/>
+                </a:tc>
+                <a:tc>
+                  <a:txBody>
+                    <a:bodyPr/>
+                    <a:lstStyle/>
+                    <a:p>
+                      <a:pPr algn="ctr" fontAlgn="b"/>
+                      <a:r>
+                        <a:rPr lang="en-AU" sz="1600" b="0" i="0" u="none" strike="noStrike" dirty="0">
+                          <a:solidFill>
+                            <a:srgbClr val="000000"/>
+                          </a:solidFill>
+                          <a:effectLst/>
+                          <a:latin typeface="Aptos Narrow" panose="020B0004020202020204" pitchFamily="34" charset="0"/>
+                        </a:rPr>
+                        <a:t>-</a:t>
+                      </a:r>
+                    </a:p>
+                  </a:txBody>
+                  <a:tcPr marL="9525" marR="9525" marT="9525" marB="0" anchor="b"/>
+                </a:tc>
+                <a:tc>
+                  <a:txBody>
+                    <a:bodyPr/>
+                    <a:lstStyle/>
+                    <a:p>
+                      <a:pPr algn="ctr" fontAlgn="b"/>
+                      <a:r>
+                        <a:rPr lang="en-AU" sz="1600" b="0" i="0" u="none" strike="noStrike" dirty="0">
+                          <a:solidFill>
+                            <a:srgbClr val="000000"/>
+                          </a:solidFill>
+                          <a:effectLst/>
+                          <a:latin typeface="Aptos Narrow" panose="020B0004020202020204" pitchFamily="34" charset="0"/>
+                        </a:rPr>
+                        <a:t>NBPF20</a:t>
+                      </a:r>
+                    </a:p>
+                  </a:txBody>
+                  <a:tcPr marL="9525" marR="9525" marT="9525" marB="0" anchor="b">
+                    <a:solidFill>
+                      <a:schemeClr val="accent6">
+                        <a:lumMod val="20000"/>
+                        <a:lumOff val="80000"/>
+                      </a:schemeClr>
+                    </a:solidFill>
+                  </a:tcPr>
+                </a:tc>
+                <a:tc>
+                  <a:txBody>
+                    <a:bodyPr/>
+                    <a:lstStyle/>
+                    <a:p>
+                      <a:pPr algn="l" fontAlgn="b"/>
+                      <a:r>
+                        <a:rPr lang="en-AU" sz="1600" b="0" i="0" u="none" strike="noStrike" dirty="0">
+                          <a:solidFill>
+                            <a:srgbClr val="000000"/>
+                          </a:solidFill>
+                          <a:effectLst/>
+                          <a:latin typeface="Aptos Narrow" panose="020B0004020202020204" pitchFamily="34" charset="0"/>
+                        </a:rPr>
+                        <a:t>cryptic intron 25 donor @ +30211</a:t>
+                      </a:r>
+                    </a:p>
+                  </a:txBody>
+                  <a:tcPr marL="9525" marR="9525" marT="9525" marB="0" anchor="b">
+                    <a:solidFill>
+                      <a:schemeClr val="accent6">
+                        <a:lumMod val="20000"/>
+                        <a:lumOff val="80000"/>
+                      </a:schemeClr>
+                    </a:solidFill>
+                  </a:tcPr>
+                </a:tc>
+                <a:extLst>
+                  <a:ext uri="{0D108BD9-81ED-4DB2-BD59-A6C34878D82A}">
+                    <a16:rowId xmlns:a16="http://schemas.microsoft.com/office/drawing/2014/main" val="2125299604"/>
+                  </a:ext>
+                </a:extLst>
+              </a:tr>
+              <a:tr h="339392">
+                <a:tc>
+                  <a:txBody>
+                    <a:bodyPr/>
+                    <a:lstStyle/>
+                    <a:p>
+                      <a:pPr algn="r" fontAlgn="b"/>
+                      <a:r>
+                        <a:rPr lang="en-AU" sz="1600" b="0" i="0" u="none" strike="noStrike">
+                          <a:solidFill>
+                            <a:srgbClr val="000000"/>
+                          </a:solidFill>
+                          <a:effectLst/>
+                          <a:latin typeface="Aptos Narrow" panose="020B0004020202020204" pitchFamily="34" charset="0"/>
+                        </a:rPr>
+                        <a:t>chr17</a:t>
+                      </a:r>
+                    </a:p>
+                  </a:txBody>
+                  <a:tcPr marL="9525" marR="9525" marT="9525" marB="0" anchor="b"/>
+                </a:tc>
+                <a:tc>
+                  <a:txBody>
+                    <a:bodyPr/>
+                    <a:lstStyle/>
+                    <a:p>
+                      <a:pPr algn="r" fontAlgn="b"/>
+                      <a:r>
+                        <a:rPr lang="en-AU" sz="1600" b="0" i="0" u="none" strike="noStrike">
+                          <a:solidFill>
+                            <a:srgbClr val="000000"/>
+                          </a:solidFill>
+                          <a:effectLst/>
+                          <a:latin typeface="Aptos Narrow" panose="020B0004020202020204" pitchFamily="34" charset="0"/>
+                        </a:rPr>
+                        <a:t>46051815</a:t>
+                      </a:r>
+                    </a:p>
+                  </a:txBody>
+                  <a:tcPr marL="9525" marR="9525" marT="9525" marB="0" anchor="b"/>
+                </a:tc>
+                <a:tc>
+                  <a:txBody>
+                    <a:bodyPr/>
+                    <a:lstStyle/>
+                    <a:p>
+                      <a:pPr algn="r" fontAlgn="b"/>
+                      <a:r>
+                        <a:rPr lang="en-AU" sz="1600" b="0" i="0" u="none" strike="noStrike" dirty="0">
+                          <a:solidFill>
+                            <a:srgbClr val="000000"/>
+                          </a:solidFill>
+                          <a:effectLst/>
+                          <a:latin typeface="Aptos Narrow" panose="020B0004020202020204" pitchFamily="34" charset="0"/>
+                        </a:rPr>
+                        <a:t>46052524</a:t>
+                      </a:r>
+                    </a:p>
+                  </a:txBody>
+                  <a:tcPr marL="9525" marR="9525" marT="9525" marB="0" anchor="b"/>
+                </a:tc>
+                <a:tc>
+                  <a:txBody>
+                    <a:bodyPr/>
+                    <a:lstStyle/>
+                    <a:p>
+                      <a:pPr algn="ctr" fontAlgn="b"/>
+                      <a:r>
+                        <a:rPr lang="en-AU" sz="1600" b="0" i="0" u="none" strike="noStrike" dirty="0">
+                          <a:solidFill>
+                            <a:srgbClr val="000000"/>
+                          </a:solidFill>
+                          <a:effectLst/>
+                          <a:latin typeface="Aptos Narrow" panose="020B0004020202020204" pitchFamily="34" charset="0"/>
+                        </a:rPr>
+                        <a:t>+</a:t>
+                      </a:r>
+                    </a:p>
+                  </a:txBody>
+                  <a:tcPr marL="9525" marR="9525" marT="9525" marB="0" anchor="b"/>
+                </a:tc>
+                <a:tc>
+                  <a:txBody>
+                    <a:bodyPr/>
+                    <a:lstStyle/>
+                    <a:p>
+                      <a:pPr algn="ctr" fontAlgn="b"/>
+                      <a:r>
+                        <a:rPr lang="en-AU" sz="1600" b="0" i="0" u="none" strike="noStrike" dirty="0">
+                          <a:solidFill>
+                            <a:srgbClr val="000000"/>
+                          </a:solidFill>
+                          <a:effectLst/>
+                          <a:latin typeface="Aptos Narrow" panose="020B0004020202020204" pitchFamily="34" charset="0"/>
+                        </a:rPr>
+                        <a:t>CDK5RAP3</a:t>
+                      </a:r>
+                    </a:p>
+                  </a:txBody>
+                  <a:tcPr marL="9525" marR="9525" marT="9525" marB="0" anchor="b">
+                    <a:solidFill>
+                      <a:schemeClr val="accent6">
+                        <a:lumMod val="20000"/>
+                        <a:lumOff val="80000"/>
+                      </a:schemeClr>
+                    </a:solidFill>
+                  </a:tcPr>
+                </a:tc>
+                <a:tc>
+                  <a:txBody>
+                    <a:bodyPr/>
+                    <a:lstStyle/>
+                    <a:p>
+                      <a:pPr algn="l" fontAlgn="b"/>
+                      <a:r>
+                        <a:rPr lang="en-AU" sz="1600" b="0" i="0" u="none" strike="noStrike" dirty="0">
+                          <a:solidFill>
+                            <a:srgbClr val="000000"/>
+                          </a:solidFill>
+                          <a:effectLst/>
+                          <a:latin typeface="Aptos Narrow" panose="020B0004020202020204" pitchFamily="34" charset="0"/>
+                        </a:rPr>
+                        <a:t>canonical exon 5-6 splicing</a:t>
+                      </a:r>
+                    </a:p>
+                  </a:txBody>
+                  <a:tcPr marL="9525" marR="9525" marT="9525" marB="0" anchor="b">
+                    <a:solidFill>
+                      <a:schemeClr val="accent6">
+                        <a:lumMod val="20000"/>
+                        <a:lumOff val="80000"/>
+                      </a:schemeClr>
+                    </a:solidFill>
+                  </a:tcPr>
+                </a:tc>
+                <a:extLst>
+                  <a:ext uri="{0D108BD9-81ED-4DB2-BD59-A6C34878D82A}">
+                    <a16:rowId xmlns:a16="http://schemas.microsoft.com/office/drawing/2014/main" val="1618039479"/>
+                  </a:ext>
+                </a:extLst>
+              </a:tr>
+              <a:tr h="339392">
+                <a:tc>
+                  <a:txBody>
+                    <a:bodyPr/>
+                    <a:lstStyle/>
+                    <a:p>
+                      <a:pPr algn="r" fontAlgn="b"/>
+                      <a:r>
+                        <a:rPr lang="en-AU" sz="1600" b="0" i="0" u="none" strike="noStrike">
+                          <a:solidFill>
+                            <a:srgbClr val="000000"/>
+                          </a:solidFill>
+                          <a:effectLst/>
+                          <a:latin typeface="Aptos Narrow" panose="020B0004020202020204" pitchFamily="34" charset="0"/>
+                        </a:rPr>
+                        <a:t>chr10</a:t>
+                      </a:r>
+                    </a:p>
+                  </a:txBody>
+                  <a:tcPr marL="9525" marR="9525" marT="9525" marB="0" anchor="b"/>
+                </a:tc>
+                <a:tc>
+                  <a:txBody>
+                    <a:bodyPr/>
+                    <a:lstStyle/>
+                    <a:p>
+                      <a:pPr algn="r" fontAlgn="b"/>
+                      <a:r>
+                        <a:rPr lang="en-AU" sz="1600" b="0" i="0" u="none" strike="noStrike">
+                          <a:solidFill>
+                            <a:srgbClr val="000000"/>
+                          </a:solidFill>
+                          <a:effectLst/>
+                          <a:latin typeface="Aptos Narrow" panose="020B0004020202020204" pitchFamily="34" charset="0"/>
+                        </a:rPr>
+                        <a:t>13144248</a:t>
+                      </a:r>
+                    </a:p>
+                  </a:txBody>
+                  <a:tcPr marL="9525" marR="9525" marT="9525" marB="0" anchor="b"/>
+                </a:tc>
+                <a:tc>
+                  <a:txBody>
+                    <a:bodyPr/>
+                    <a:lstStyle/>
+                    <a:p>
+                      <a:pPr algn="r" fontAlgn="b"/>
+                      <a:r>
+                        <a:rPr lang="en-AU" sz="1600" b="0" i="0" u="none" strike="noStrike" dirty="0">
+                          <a:solidFill>
+                            <a:srgbClr val="000000"/>
+                          </a:solidFill>
+                          <a:effectLst/>
+                          <a:latin typeface="Aptos Narrow" panose="020B0004020202020204" pitchFamily="34" charset="0"/>
+                        </a:rPr>
+                        <a:t>13150137</a:t>
+                      </a:r>
+                    </a:p>
+                  </a:txBody>
+                  <a:tcPr marL="9525" marR="9525" marT="9525" marB="0" anchor="b"/>
+                </a:tc>
+                <a:tc>
+                  <a:txBody>
+                    <a:bodyPr/>
+                    <a:lstStyle/>
+                    <a:p>
+                      <a:pPr algn="ctr" fontAlgn="b"/>
+                      <a:r>
+                        <a:rPr lang="en-AU" sz="1600" b="0" i="0" u="none" strike="noStrike" dirty="0">
+                          <a:solidFill>
+                            <a:srgbClr val="000000"/>
+                          </a:solidFill>
+                          <a:effectLst/>
+                          <a:latin typeface="Aptos Narrow" panose="020B0004020202020204" pitchFamily="34" charset="0"/>
+                        </a:rPr>
+                        <a:t>+</a:t>
+                      </a:r>
+                    </a:p>
+                  </a:txBody>
+                  <a:tcPr marL="9525" marR="9525" marT="9525" marB="0" anchor="b"/>
+                </a:tc>
+                <a:tc>
+                  <a:txBody>
+                    <a:bodyPr/>
+                    <a:lstStyle/>
+                    <a:p>
+                      <a:pPr algn="ctr" fontAlgn="b"/>
+                      <a:r>
+                        <a:rPr lang="en-AU" sz="1600" b="0" i="0" u="none" strike="noStrike" dirty="0">
+                          <a:solidFill>
+                            <a:srgbClr val="000000"/>
+                          </a:solidFill>
+                          <a:effectLst/>
+                          <a:latin typeface="Aptos Narrow" panose="020B0004020202020204" pitchFamily="34" charset="0"/>
+                        </a:rPr>
+                        <a:t>OPTN</a:t>
+                      </a:r>
+                    </a:p>
+                  </a:txBody>
+                  <a:tcPr marL="9525" marR="9525" marT="9525" marB="0" anchor="b">
+                    <a:solidFill>
+                      <a:schemeClr val="accent6">
+                        <a:lumMod val="20000"/>
+                        <a:lumOff val="80000"/>
+                      </a:schemeClr>
+                    </a:solidFill>
+                  </a:tcPr>
+                </a:tc>
+                <a:tc>
+                  <a:txBody>
+                    <a:bodyPr/>
+                    <a:lstStyle/>
+                    <a:p>
+                      <a:pPr algn="l" fontAlgn="b"/>
+                      <a:r>
+                        <a:rPr lang="en-AU" sz="1600" b="0" i="0" u="none" strike="noStrike" dirty="0">
+                          <a:solidFill>
+                            <a:srgbClr val="000000"/>
+                          </a:solidFill>
+                          <a:effectLst/>
+                          <a:latin typeface="Aptos Narrow" panose="020B0004020202020204" pitchFamily="34" charset="0"/>
+                        </a:rPr>
+                        <a:t>cryptic intron 1 donor @ +1946</a:t>
+                      </a:r>
+                    </a:p>
+                  </a:txBody>
+                  <a:tcPr marL="9525" marR="9525" marT="9525" marB="0" anchor="b">
+                    <a:solidFill>
+                      <a:schemeClr val="accent6">
+                        <a:lumMod val="20000"/>
+                        <a:lumOff val="80000"/>
+                      </a:schemeClr>
+                    </a:solidFill>
+                  </a:tcPr>
+                </a:tc>
+                <a:extLst>
+                  <a:ext uri="{0D108BD9-81ED-4DB2-BD59-A6C34878D82A}">
+                    <a16:rowId xmlns:a16="http://schemas.microsoft.com/office/drawing/2014/main" val="2531703264"/>
+                  </a:ext>
+                </a:extLst>
+              </a:tr>
+              <a:tr h="339392">
+                <a:tc>
+                  <a:txBody>
+                    <a:bodyPr/>
+                    <a:lstStyle/>
+                    <a:p>
+                      <a:pPr algn="r" fontAlgn="b"/>
+                      <a:r>
+                        <a:rPr lang="en-AU" sz="1600" b="0" i="0" u="none" strike="noStrike">
+                          <a:solidFill>
+                            <a:srgbClr val="000000"/>
+                          </a:solidFill>
+                          <a:effectLst/>
+                          <a:latin typeface="Aptos Narrow" panose="020B0004020202020204" pitchFamily="34" charset="0"/>
+                        </a:rPr>
+                        <a:t>chr10</a:t>
+                      </a:r>
+                    </a:p>
+                  </a:txBody>
+                  <a:tcPr marL="9525" marR="9525" marT="9525" marB="0" anchor="b"/>
+                </a:tc>
+                <a:tc>
+                  <a:txBody>
+                    <a:bodyPr/>
+                    <a:lstStyle/>
+                    <a:p>
+                      <a:pPr algn="r" fontAlgn="b"/>
+                      <a:r>
+                        <a:rPr lang="en-AU" sz="1600" b="0" i="0" u="none" strike="noStrike">
+                          <a:solidFill>
+                            <a:srgbClr val="000000"/>
+                          </a:solidFill>
+                          <a:effectLst/>
+                          <a:latin typeface="Aptos Narrow" panose="020B0004020202020204" pitchFamily="34" charset="0"/>
+                        </a:rPr>
+                        <a:t>13160593</a:t>
+                      </a:r>
+                    </a:p>
+                  </a:txBody>
+                  <a:tcPr marL="9525" marR="9525" marT="9525" marB="0" anchor="b"/>
+                </a:tc>
+                <a:tc>
+                  <a:txBody>
+                    <a:bodyPr/>
+                    <a:lstStyle/>
+                    <a:p>
+                      <a:pPr algn="r" fontAlgn="b"/>
+                      <a:r>
+                        <a:rPr lang="en-AU" sz="1600" b="0" i="0" u="none" strike="noStrike" dirty="0">
+                          <a:solidFill>
+                            <a:srgbClr val="000000"/>
+                          </a:solidFill>
+                          <a:effectLst/>
+                          <a:latin typeface="Aptos Narrow" panose="020B0004020202020204" pitchFamily="34" charset="0"/>
+                        </a:rPr>
+                        <a:t>13160887</a:t>
+                      </a:r>
+                    </a:p>
+                  </a:txBody>
+                  <a:tcPr marL="9525" marR="9525" marT="9525" marB="0" anchor="b"/>
+                </a:tc>
+                <a:tc>
+                  <a:txBody>
+                    <a:bodyPr/>
+                    <a:lstStyle/>
+                    <a:p>
+                      <a:pPr algn="ctr" fontAlgn="b"/>
+                      <a:r>
+                        <a:rPr lang="en-AU" sz="1600" b="0" i="0" u="none" strike="noStrike" dirty="0">
+                          <a:solidFill>
+                            <a:srgbClr val="000000"/>
+                          </a:solidFill>
+                          <a:effectLst/>
+                          <a:latin typeface="Aptos Narrow" panose="020B0004020202020204" pitchFamily="34" charset="0"/>
+                        </a:rPr>
+                        <a:t>+</a:t>
+                      </a:r>
+                    </a:p>
+                  </a:txBody>
+                  <a:tcPr marL="9525" marR="9525" marT="9525" marB="0" anchor="b"/>
+                </a:tc>
+                <a:tc>
+                  <a:txBody>
+                    <a:bodyPr/>
+                    <a:lstStyle/>
+                    <a:p>
+                      <a:pPr algn="ctr" fontAlgn="b"/>
+                      <a:r>
+                        <a:rPr lang="en-AU" sz="1600" b="0" i="0" u="none" strike="noStrike" dirty="0">
+                          <a:solidFill>
+                            <a:srgbClr val="000000"/>
+                          </a:solidFill>
+                          <a:effectLst/>
+                          <a:latin typeface="Aptos Narrow" panose="020B0004020202020204" pitchFamily="34" charset="0"/>
+                        </a:rPr>
+                        <a:t>OPTN</a:t>
+                      </a:r>
+                    </a:p>
+                  </a:txBody>
+                  <a:tcPr marL="9525" marR="9525" marT="9525" marB="0" anchor="b">
+                    <a:solidFill>
+                      <a:schemeClr val="accent6">
+                        <a:lumMod val="20000"/>
+                        <a:lumOff val="80000"/>
+                      </a:schemeClr>
+                    </a:solidFill>
+                  </a:tcPr>
+                </a:tc>
+                <a:tc>
+                  <a:txBody>
+                    <a:bodyPr/>
+                    <a:lstStyle/>
+                    <a:p>
+                      <a:pPr algn="l" fontAlgn="b"/>
+                      <a:r>
+                        <a:rPr lang="en-AU" sz="1600" b="0" i="0" u="none" strike="noStrike" dirty="0">
+                          <a:solidFill>
+                            <a:srgbClr val="000000"/>
+                          </a:solidFill>
+                          <a:effectLst/>
+                          <a:latin typeface="Aptos Narrow" panose="020B0004020202020204" pitchFamily="34" charset="0"/>
+                        </a:rPr>
+                        <a:t>cryptic intron 6 donor @ +2253</a:t>
+                      </a:r>
+                    </a:p>
+                  </a:txBody>
+                  <a:tcPr marL="9525" marR="9525" marT="9525" marB="0" anchor="b">
+                    <a:solidFill>
+                      <a:schemeClr val="accent6">
+                        <a:lumMod val="20000"/>
+                        <a:lumOff val="80000"/>
+                      </a:schemeClr>
+                    </a:solidFill>
+                  </a:tcPr>
+                </a:tc>
+                <a:extLst>
+                  <a:ext uri="{0D108BD9-81ED-4DB2-BD59-A6C34878D82A}">
+                    <a16:rowId xmlns:a16="http://schemas.microsoft.com/office/drawing/2014/main" val="4240056916"/>
+                  </a:ext>
+                </a:extLst>
+              </a:tr>
+              <a:tr h="339392">
+                <a:tc>
+                  <a:txBody>
+                    <a:bodyPr/>
+                    <a:lstStyle/>
+                    <a:p>
+                      <a:pPr algn="r" fontAlgn="b"/>
+                      <a:r>
+                        <a:rPr lang="en-AU" sz="1600" b="0" i="0" u="none" strike="noStrike">
+                          <a:solidFill>
+                            <a:srgbClr val="000000"/>
+                          </a:solidFill>
+                          <a:effectLst/>
+                          <a:latin typeface="Aptos Narrow" panose="020B0004020202020204" pitchFamily="34" charset="0"/>
+                        </a:rPr>
+                        <a:t>chr6</a:t>
+                      </a:r>
+                    </a:p>
+                  </a:txBody>
+                  <a:tcPr marL="9525" marR="9525" marT="9525" marB="0" anchor="b"/>
+                </a:tc>
+                <a:tc>
+                  <a:txBody>
+                    <a:bodyPr/>
+                    <a:lstStyle/>
+                    <a:p>
+                      <a:pPr algn="r" fontAlgn="b"/>
+                      <a:r>
+                        <a:rPr lang="en-AU" sz="1600" b="0" i="0" u="none" strike="noStrike">
+                          <a:solidFill>
+                            <a:srgbClr val="000000"/>
+                          </a:solidFill>
+                          <a:effectLst/>
+                          <a:latin typeface="Aptos Narrow" panose="020B0004020202020204" pitchFamily="34" charset="0"/>
+                        </a:rPr>
+                        <a:t>32521177</a:t>
+                      </a:r>
+                    </a:p>
+                  </a:txBody>
+                  <a:tcPr marL="9525" marR="9525" marT="9525" marB="0" anchor="b"/>
+                </a:tc>
+                <a:tc>
+                  <a:txBody>
+                    <a:bodyPr/>
+                    <a:lstStyle/>
+                    <a:p>
+                      <a:pPr algn="r" fontAlgn="b"/>
+                      <a:r>
+                        <a:rPr lang="en-AU" sz="1600" b="0" i="0" u="none" strike="noStrike" dirty="0">
+                          <a:solidFill>
+                            <a:srgbClr val="000000"/>
+                          </a:solidFill>
+                          <a:effectLst/>
+                          <a:latin typeface="Aptos Narrow" panose="020B0004020202020204" pitchFamily="34" charset="0"/>
+                        </a:rPr>
+                        <a:t>32521632</a:t>
+                      </a:r>
+                    </a:p>
+                  </a:txBody>
+                  <a:tcPr marL="9525" marR="9525" marT="9525" marB="0" anchor="b"/>
+                </a:tc>
+                <a:tc>
+                  <a:txBody>
+                    <a:bodyPr/>
+                    <a:lstStyle/>
+                    <a:p>
+                      <a:pPr algn="ctr" fontAlgn="b"/>
+                      <a:r>
+                        <a:rPr lang="en-AU" sz="1600" b="0" i="0" u="none" strike="noStrike" dirty="0">
+                          <a:solidFill>
+                            <a:srgbClr val="000000"/>
+                          </a:solidFill>
+                          <a:effectLst/>
+                          <a:latin typeface="Aptos Narrow" panose="020B0004020202020204" pitchFamily="34" charset="0"/>
+                        </a:rPr>
+                        <a:t>-</a:t>
+                      </a:r>
+                    </a:p>
+                  </a:txBody>
+                  <a:tcPr marL="9525" marR="9525" marT="9525" marB="0" anchor="b"/>
+                </a:tc>
+                <a:tc>
+                  <a:txBody>
+                    <a:bodyPr/>
+                    <a:lstStyle/>
+                    <a:p>
+                      <a:pPr algn="ctr" fontAlgn="b"/>
+                      <a:r>
+                        <a:rPr lang="en-AU" sz="1600" b="0" i="0" u="none" strike="noStrike" dirty="0">
+                          <a:solidFill>
+                            <a:srgbClr val="000000"/>
+                          </a:solidFill>
+                          <a:effectLst/>
+                          <a:latin typeface="Aptos Narrow" panose="020B0004020202020204" pitchFamily="34" charset="0"/>
+                        </a:rPr>
+                        <a:t>HLA-DRB6</a:t>
+                      </a:r>
+                    </a:p>
+                  </a:txBody>
+                  <a:tcPr marL="9525" marR="9525" marT="9525" marB="0" anchor="b">
+                    <a:solidFill>
+                      <a:schemeClr val="accent6">
+                        <a:lumMod val="20000"/>
+                        <a:lumOff val="80000"/>
+                      </a:schemeClr>
+                    </a:solidFill>
+                  </a:tcPr>
+                </a:tc>
+                <a:tc>
+                  <a:txBody>
+                    <a:bodyPr/>
+                    <a:lstStyle/>
+                    <a:p>
+                      <a:pPr algn="l" fontAlgn="b"/>
+                      <a:r>
+                        <a:rPr lang="en-AU" sz="1600" b="0" i="0" u="none" strike="noStrike" dirty="0">
+                          <a:solidFill>
+                            <a:srgbClr val="000000"/>
+                          </a:solidFill>
+                          <a:effectLst/>
+                          <a:latin typeface="Aptos Narrow" panose="020B0004020202020204" pitchFamily="34" charset="0"/>
+                        </a:rPr>
+                        <a:t>alternate intergenic junction (NR_001298.1 exon 4-5)</a:t>
+                      </a:r>
+                    </a:p>
+                  </a:txBody>
+                  <a:tcPr marL="9525" marR="9525" marT="9525" marB="0" anchor="b">
+                    <a:solidFill>
+                      <a:schemeClr val="accent6">
+                        <a:lumMod val="20000"/>
+                        <a:lumOff val="80000"/>
+                      </a:schemeClr>
+                    </a:solidFill>
+                  </a:tcPr>
+                </a:tc>
+                <a:extLst>
+                  <a:ext uri="{0D108BD9-81ED-4DB2-BD59-A6C34878D82A}">
+                    <a16:rowId xmlns:a16="http://schemas.microsoft.com/office/drawing/2014/main" val="1868707075"/>
+                  </a:ext>
+                </a:extLst>
+              </a:tr>
+              <a:tr h="339392">
+                <a:tc>
+                  <a:txBody>
+                    <a:bodyPr/>
+                    <a:lstStyle/>
+                    <a:p>
+                      <a:pPr algn="r" fontAlgn="b"/>
+                      <a:r>
+                        <a:rPr lang="en-AU" sz="1600" b="0" i="0" u="none" strike="noStrike">
+                          <a:solidFill>
+                            <a:srgbClr val="000000"/>
+                          </a:solidFill>
+                          <a:effectLst/>
+                          <a:latin typeface="Aptos Narrow" panose="020B0004020202020204" pitchFamily="34" charset="0"/>
+                        </a:rPr>
+                        <a:t>chr1</a:t>
+                      </a:r>
+                    </a:p>
+                  </a:txBody>
+                  <a:tcPr marL="9525" marR="9525" marT="9525" marB="0" anchor="b"/>
+                </a:tc>
+                <a:tc>
+                  <a:txBody>
+                    <a:bodyPr/>
+                    <a:lstStyle/>
+                    <a:p>
+                      <a:pPr algn="r" fontAlgn="b"/>
+                      <a:r>
+                        <a:rPr lang="en-AU" sz="1600" b="0" i="0" u="none" strike="noStrike">
+                          <a:solidFill>
+                            <a:srgbClr val="000000"/>
+                          </a:solidFill>
+                          <a:effectLst/>
+                          <a:latin typeface="Aptos Narrow" panose="020B0004020202020204" pitchFamily="34" charset="0"/>
+                        </a:rPr>
+                        <a:t>154145676</a:t>
+                      </a:r>
+                    </a:p>
+                  </a:txBody>
+                  <a:tcPr marL="9525" marR="9525" marT="9525" marB="0" anchor="b"/>
+                </a:tc>
+                <a:tc>
+                  <a:txBody>
+                    <a:bodyPr/>
+                    <a:lstStyle/>
+                    <a:p>
+                      <a:pPr algn="r" fontAlgn="b"/>
+                      <a:r>
+                        <a:rPr lang="en-AU" sz="1600" b="0" i="0" u="none" strike="noStrike" dirty="0">
+                          <a:solidFill>
+                            <a:srgbClr val="000000"/>
+                          </a:solidFill>
+                          <a:effectLst/>
+                          <a:latin typeface="Aptos Narrow" panose="020B0004020202020204" pitchFamily="34" charset="0"/>
+                        </a:rPr>
+                        <a:t>154148590</a:t>
+                      </a:r>
+                    </a:p>
+                  </a:txBody>
+                  <a:tcPr marL="9525" marR="9525" marT="9525" marB="0" anchor="b"/>
+                </a:tc>
+                <a:tc>
+                  <a:txBody>
+                    <a:bodyPr/>
+                    <a:lstStyle/>
+                    <a:p>
+                      <a:pPr algn="ctr" fontAlgn="b"/>
+                      <a:r>
+                        <a:rPr lang="en-AU" sz="1600" b="0" i="0" u="none" strike="noStrike" dirty="0">
+                          <a:solidFill>
+                            <a:srgbClr val="000000"/>
+                          </a:solidFill>
+                          <a:effectLst/>
+                          <a:latin typeface="Aptos Narrow" panose="020B0004020202020204" pitchFamily="34" charset="0"/>
+                        </a:rPr>
+                        <a:t>-</a:t>
+                      </a:r>
+                    </a:p>
+                  </a:txBody>
+                  <a:tcPr marL="9525" marR="9525" marT="9525" marB="0" anchor="b"/>
+                </a:tc>
+                <a:tc>
+                  <a:txBody>
+                    <a:bodyPr/>
+                    <a:lstStyle/>
+                    <a:p>
+                      <a:pPr algn="ctr" fontAlgn="b"/>
+                      <a:r>
+                        <a:rPr lang="en-AU" sz="1600" b="0" i="0" u="none" strike="noStrike" dirty="0">
+                          <a:solidFill>
+                            <a:srgbClr val="000000"/>
+                          </a:solidFill>
+                          <a:effectLst/>
+                          <a:latin typeface="Aptos Narrow" panose="020B0004020202020204" pitchFamily="34" charset="0"/>
+                        </a:rPr>
+                        <a:t>TPM3</a:t>
+                      </a:r>
+                    </a:p>
+                  </a:txBody>
+                  <a:tcPr marL="9525" marR="9525" marT="9525" marB="0" anchor="b">
+                    <a:solidFill>
+                      <a:schemeClr val="accent6">
+                        <a:lumMod val="20000"/>
+                        <a:lumOff val="80000"/>
+                      </a:schemeClr>
+                    </a:solidFill>
+                  </a:tcPr>
+                </a:tc>
+                <a:tc>
+                  <a:txBody>
+                    <a:bodyPr/>
+                    <a:lstStyle/>
+                    <a:p>
+                      <a:pPr algn="l" fontAlgn="b"/>
+                      <a:r>
+                        <a:rPr lang="en-AU" sz="1600" b="0" i="0" u="none" strike="noStrike" dirty="0">
+                          <a:solidFill>
+                            <a:srgbClr val="000000"/>
+                          </a:solidFill>
+                          <a:effectLst/>
+                          <a:latin typeface="Aptos Narrow" panose="020B0004020202020204" pitchFamily="34" charset="0"/>
+                        </a:rPr>
+                        <a:t>cryptic exon 4 acceptor @ +2</a:t>
+                      </a:r>
+                    </a:p>
+                  </a:txBody>
+                  <a:tcPr marL="9525" marR="9525" marT="9525" marB="0" anchor="b">
+                    <a:solidFill>
+                      <a:schemeClr val="accent6">
+                        <a:lumMod val="20000"/>
+                        <a:lumOff val="80000"/>
+                      </a:schemeClr>
+                    </a:solidFill>
+                  </a:tcPr>
+                </a:tc>
+                <a:extLst>
+                  <a:ext uri="{0D108BD9-81ED-4DB2-BD59-A6C34878D82A}">
+                    <a16:rowId xmlns:a16="http://schemas.microsoft.com/office/drawing/2014/main" val="1893836083"/>
+                  </a:ext>
+                </a:extLst>
+              </a:tr>
+              <a:tr h="339392">
+                <a:tc>
+                  <a:txBody>
+                    <a:bodyPr/>
+                    <a:lstStyle/>
+                    <a:p>
+                      <a:pPr algn="r" fontAlgn="b"/>
+                      <a:r>
+                        <a:rPr lang="en-AU" sz="1600" b="0" i="0" u="none" strike="noStrike">
+                          <a:solidFill>
+                            <a:srgbClr val="000000"/>
+                          </a:solidFill>
+                          <a:effectLst/>
+                          <a:latin typeface="Aptos Narrow" panose="020B0004020202020204" pitchFamily="34" charset="0"/>
+                        </a:rPr>
+                        <a:t>chr19</a:t>
+                      </a:r>
+                    </a:p>
+                  </a:txBody>
+                  <a:tcPr marL="9525" marR="9525" marT="9525" marB="0" anchor="b"/>
+                </a:tc>
+                <a:tc>
+                  <a:txBody>
+                    <a:bodyPr/>
+                    <a:lstStyle/>
+                    <a:p>
+                      <a:pPr algn="r" fontAlgn="b"/>
+                      <a:r>
+                        <a:rPr lang="en-AU" sz="1600" b="0" i="0" u="none" strike="noStrike" dirty="0">
+                          <a:solidFill>
+                            <a:srgbClr val="000000"/>
+                          </a:solidFill>
+                          <a:effectLst/>
+                          <a:latin typeface="Aptos Narrow" panose="020B0004020202020204" pitchFamily="34" charset="0"/>
+                        </a:rPr>
+                        <a:t>50183187</a:t>
+                      </a:r>
+                    </a:p>
+                  </a:txBody>
+                  <a:tcPr marL="9525" marR="9525" marT="9525" marB="0" anchor="b"/>
+                </a:tc>
+                <a:tc>
+                  <a:txBody>
+                    <a:bodyPr/>
+                    <a:lstStyle/>
+                    <a:p>
+                      <a:pPr algn="r" fontAlgn="b"/>
+                      <a:r>
+                        <a:rPr lang="en-AU" sz="1600" b="0" i="0" u="none" strike="noStrike" dirty="0">
+                          <a:solidFill>
+                            <a:srgbClr val="000000"/>
+                          </a:solidFill>
+                          <a:effectLst/>
+                          <a:latin typeface="Aptos Narrow" panose="020B0004020202020204" pitchFamily="34" charset="0"/>
+                        </a:rPr>
+                        <a:t>50183396</a:t>
+                      </a:r>
+                    </a:p>
+                  </a:txBody>
+                  <a:tcPr marL="9525" marR="9525" marT="9525" marB="0" anchor="b"/>
+                </a:tc>
+                <a:tc>
+                  <a:txBody>
+                    <a:bodyPr/>
+                    <a:lstStyle/>
+                    <a:p>
+                      <a:pPr algn="ctr" fontAlgn="b"/>
+                      <a:r>
+                        <a:rPr lang="en-AU" sz="1600" b="0" i="0" u="none" strike="noStrike" dirty="0">
+                          <a:solidFill>
+                            <a:srgbClr val="000000"/>
+                          </a:solidFill>
+                          <a:effectLst/>
+                          <a:latin typeface="Aptos Narrow" panose="020B0004020202020204" pitchFamily="34" charset="0"/>
+                        </a:rPr>
+                        <a:t>+</a:t>
+                      </a:r>
+                    </a:p>
+                  </a:txBody>
+                  <a:tcPr marL="9525" marR="9525" marT="9525" marB="0" anchor="b"/>
+                </a:tc>
+                <a:tc>
+                  <a:txBody>
+                    <a:bodyPr/>
+                    <a:lstStyle/>
+                    <a:p>
+                      <a:pPr algn="ctr" fontAlgn="b"/>
+                      <a:r>
+                        <a:rPr lang="en-AU" sz="1600" b="0" i="0" u="none" strike="noStrike" dirty="0">
+                          <a:solidFill>
+                            <a:srgbClr val="000000"/>
+                          </a:solidFill>
+                          <a:effectLst/>
+                          <a:latin typeface="Aptos Narrow" panose="020B0004020202020204" pitchFamily="34" charset="0"/>
+                        </a:rPr>
+                        <a:t>PRMT1</a:t>
+                      </a:r>
+                    </a:p>
+                  </a:txBody>
+                  <a:tcPr marL="9525" marR="9525" marT="9525" marB="0" anchor="b">
+                    <a:solidFill>
+                      <a:schemeClr val="accent6">
+                        <a:lumMod val="20000"/>
+                        <a:lumOff val="80000"/>
+                      </a:schemeClr>
+                    </a:solidFill>
+                  </a:tcPr>
+                </a:tc>
+                <a:tc>
+                  <a:txBody>
+                    <a:bodyPr/>
+                    <a:lstStyle/>
+                    <a:p>
+                      <a:pPr algn="l" fontAlgn="b"/>
+                      <a:r>
+                        <a:rPr lang="en-AU" sz="1600" b="0" i="0" u="none" strike="noStrike" dirty="0">
+                          <a:solidFill>
+                            <a:srgbClr val="000000"/>
+                          </a:solidFill>
+                          <a:effectLst/>
+                          <a:latin typeface="Aptos Narrow" panose="020B0004020202020204" pitchFamily="34" charset="0"/>
+                        </a:rPr>
+                        <a:t>alternate intronic junction (NR_033397.5 exon 2-3)</a:t>
+                      </a:r>
+                    </a:p>
+                  </a:txBody>
+                  <a:tcPr marL="9525" marR="9525" marT="9525" marB="0" anchor="b">
+                    <a:solidFill>
+                      <a:schemeClr val="accent6">
+                        <a:lumMod val="20000"/>
+                        <a:lumOff val="80000"/>
+                      </a:schemeClr>
+                    </a:solidFill>
+                  </a:tcPr>
+                </a:tc>
+                <a:extLst>
+                  <a:ext uri="{0D108BD9-81ED-4DB2-BD59-A6C34878D82A}">
+                    <a16:rowId xmlns:a16="http://schemas.microsoft.com/office/drawing/2014/main" val="689141023"/>
+                  </a:ext>
+                </a:extLst>
+              </a:tr>
+            </a:tbl>
+          </a:graphicData>
+        </a:graphic>
+      </p:graphicFrame>
+    </p:spTree>
+    <p:extLst>
+      <p:ext uri="{BB962C8B-B14F-4D97-AF65-F5344CB8AC3E}">
+        <p14:creationId xmlns:p14="http://schemas.microsoft.com/office/powerpoint/2010/main" val="2937172334"/>
+      </p:ext>
+    </p:extLst>
+  </p:cSld>
+  <p:clrMapOvr>
+    <a:masterClrMapping/>
+  </p:clrMapOvr>
+</p:sld>
+</file>
+
+<file path=ppt/slides/slide5.xml><?xml version="1.0" encoding="utf-8"?>
+<p:sld xmlns:a="http://schemas.openxmlformats.org/drawingml/2006/main" xmlns:r="http://schemas.openxmlformats.org/officeDocument/2006/relationships" xmlns:p="http://schemas.openxmlformats.org/presentationml/2006/main">
+  <p:cSld>
+    <p:spTree>
+      <p:nvGrpSpPr>
+        <p:cNvPr id="1" name=""/>
+        <p:cNvGrpSpPr/>
+        <p:nvPr/>
+      </p:nvGrpSpPr>
+      <p:grpSpPr>
+        <a:xfrm>
+          <a:off x="0" y="0"/>
+          <a:ext cx="0" cy="0"/>
+          <a:chOff x="0" y="0"/>
+          <a:chExt cx="0" cy="0"/>
+        </a:xfrm>
+      </p:grpSpPr>
+      <p:sp>
+        <p:nvSpPr>
+          <p:cNvPr id="2" name="Title 1">
+            <a:extLst>
+              <a:ext uri="{FF2B5EF4-FFF2-40B4-BE49-F238E27FC236}">
+                <a16:creationId xmlns:a16="http://schemas.microsoft.com/office/drawing/2014/main" id="{5D2C6068-E3F9-C0D3-8131-21326EA5BF46}"/>
+              </a:ext>
+            </a:extLst>
+          </p:cNvPr>
+          <p:cNvSpPr>
+            <a:spLocks noGrp="1"/>
+          </p:cNvSpPr>
+          <p:nvPr>
+            <p:ph type="title"/>
+          </p:nvPr>
+        </p:nvSpPr>
+        <p:spPr>
+          <a:xfrm>
+            <a:off x="838200" y="506350"/>
+            <a:ext cx="10515600" cy="1325563"/>
+          </a:xfrm>
+        </p:spPr>
+        <p:txBody>
+          <a:bodyPr>
+            <a:normAutofit fontScale="90000"/>
+          </a:bodyPr>
+          <a:lstStyle/>
+          <a:p>
+            <a:r>
+              <a:rPr lang="en-US" dirty="0"/>
+              <a:t>In </a:t>
+            </a:r>
+            <a:r>
+              <a:rPr lang="en-US" i="1" dirty="0"/>
+              <a:t>GALT</a:t>
+            </a:r>
+            <a:r>
+              <a:rPr lang="en-US" dirty="0"/>
+              <a:t>, most detected junctions (81%) are abnormal, but most reads (87%) are canonical</a:t>
+            </a:r>
+          </a:p>
+        </p:txBody>
+      </p:sp>
+      <p:pic>
+        <p:nvPicPr>
+          <p:cNvPr id="7" name="Picture 6" descr="A pie chart with different colored circles&#10;&#10;Description automatically generated">
+            <a:extLst>
+              <a:ext uri="{FF2B5EF4-FFF2-40B4-BE49-F238E27FC236}">
+                <a16:creationId xmlns:a16="http://schemas.microsoft.com/office/drawing/2014/main" id="{15F617F6-870D-E2AD-62CD-701F345C456E}"/>
+              </a:ext>
+            </a:extLst>
+          </p:cNvPr>
+          <p:cNvPicPr>
+            <a:picLocks noChangeAspect="1"/>
+          </p:cNvPicPr>
+          <p:nvPr/>
+        </p:nvPicPr>
+        <p:blipFill>
+          <a:blip r:embed="rId2"/>
+          <a:stretch>
+            <a:fillRect/>
+          </a:stretch>
+        </p:blipFill>
+        <p:spPr>
+          <a:xfrm>
+            <a:off x="312518" y="1973140"/>
+            <a:ext cx="11340022" cy="2299449"/>
+          </a:xfrm>
+          <a:prstGeom prst="rect">
+            <a:avLst/>
+          </a:prstGeom>
+        </p:spPr>
+      </p:pic>
+      <p:pic>
+        <p:nvPicPr>
+          <p:cNvPr id="9" name="Picture 8" descr="A close-up of a pie chart&#10;&#10;Description automatically generated">
+            <a:extLst>
+              <a:ext uri="{FF2B5EF4-FFF2-40B4-BE49-F238E27FC236}">
+                <a16:creationId xmlns:a16="http://schemas.microsoft.com/office/drawing/2014/main" id="{E13D9288-B18A-741A-D4B0-559E239F128C}"/>
+              </a:ext>
+            </a:extLst>
+          </p:cNvPr>
+          <p:cNvPicPr>
+            <a:picLocks noChangeAspect="1"/>
+          </p:cNvPicPr>
+          <p:nvPr/>
+        </p:nvPicPr>
+        <p:blipFill>
+          <a:blip r:embed="rId3"/>
+          <a:stretch>
+            <a:fillRect/>
+          </a:stretch>
+        </p:blipFill>
+        <p:spPr>
+          <a:xfrm>
+            <a:off x="312518" y="4555042"/>
+            <a:ext cx="11393785" cy="2134602"/>
+          </a:xfrm>
+          <a:prstGeom prst="rect">
+            <a:avLst/>
+          </a:prstGeom>
+        </p:spPr>
+      </p:pic>
+    </p:spTree>
+    <p:extLst>
+      <p:ext uri="{BB962C8B-B14F-4D97-AF65-F5344CB8AC3E}">
+        <p14:creationId xmlns:p14="http://schemas.microsoft.com/office/powerpoint/2010/main" val="3249732208"/>
+      </p:ext>
+    </p:extLst>
+  </p:cSld>
+  <p:clrMapOvr>
+    <a:masterClrMapping/>
+  </p:clrMapOvr>
+</p:sld>
+</file>
+
+<file path=ppt/slides/slide6.xml><?xml version="1.0" encoding="utf-8"?>
+<p:sld xmlns:a="http://schemas.openxmlformats.org/drawingml/2006/main" xmlns:r="http://schemas.openxmlformats.org/officeDocument/2006/relationships" xmlns:p="http://schemas.openxmlformats.org/presentationml/2006/main">
+  <p:cSld>
+    <p:spTree>
+      <p:nvGrpSpPr>
+        <p:cNvPr id="1" name=""/>
+        <p:cNvGrpSpPr/>
+        <p:nvPr/>
+      </p:nvGrpSpPr>
+      <p:grpSpPr>
+        <a:xfrm>
+          <a:off x="0" y="0"/>
+          <a:ext cx="0" cy="0"/>
+          <a:chOff x="0" y="0"/>
+          <a:chExt cx="0" cy="0"/>
+        </a:xfrm>
+      </p:grpSpPr>
+      <p:sp>
+        <p:nvSpPr>
+          <p:cNvPr id="2" name="Title 1">
+            <a:extLst>
+              <a:ext uri="{FF2B5EF4-FFF2-40B4-BE49-F238E27FC236}">
+                <a16:creationId xmlns:a16="http://schemas.microsoft.com/office/drawing/2014/main" id="{5D2C6068-E3F9-C0D3-8131-21326EA5BF46}"/>
+              </a:ext>
+            </a:extLst>
+          </p:cNvPr>
+          <p:cNvSpPr>
+            <a:spLocks noGrp="1"/>
+          </p:cNvSpPr>
+          <p:nvPr>
+            <p:ph type="title"/>
+          </p:nvPr>
+        </p:nvSpPr>
+        <p:spPr/>
+        <p:txBody>
+          <a:bodyPr/>
+          <a:lstStyle/>
+          <a:p>
+            <a:r>
+              <a:rPr lang="en-US" dirty="0"/>
+              <a:t>FRASER: What outlier events are seen?</a:t>
+            </a:r>
+          </a:p>
+        </p:txBody>
+      </p:sp>
+      <p:pic>
+        <p:nvPicPr>
+          <p:cNvPr id="5" name="Content Placeholder 4" descr="A pie chart with many colors&#10;&#10;Description automatically generated">
+            <a:extLst>
+              <a:ext uri="{FF2B5EF4-FFF2-40B4-BE49-F238E27FC236}">
+                <a16:creationId xmlns:a16="http://schemas.microsoft.com/office/drawing/2014/main" id="{83536B7F-E6A4-FAE6-AAFE-0AB56FA732F8}"/>
+              </a:ext>
+            </a:extLst>
+          </p:cNvPr>
+          <p:cNvPicPr>
+            <a:picLocks noGrp="1" noChangeAspect="1"/>
+          </p:cNvPicPr>
+          <p:nvPr>
+            <p:ph idx="1"/>
+          </p:nvPr>
+        </p:nvPicPr>
+        <p:blipFill>
+          <a:blip r:embed="rId2"/>
+          <a:stretch>
+            <a:fillRect/>
+          </a:stretch>
+        </p:blipFill>
+        <p:spPr>
+          <a:xfrm>
+            <a:off x="838200" y="2107388"/>
+            <a:ext cx="10515600" cy="4142509"/>
+          </a:xfrm>
+        </p:spPr>
+      </p:pic>
+      <p:sp>
+        <p:nvSpPr>
+          <p:cNvPr id="10" name="TextBox 9">
+            <a:extLst>
+              <a:ext uri="{FF2B5EF4-FFF2-40B4-BE49-F238E27FC236}">
+                <a16:creationId xmlns:a16="http://schemas.microsoft.com/office/drawing/2014/main" id="{C456FD77-F5DE-DD23-CB60-88BFCD0DC59B}"/>
+              </a:ext>
+            </a:extLst>
+          </p:cNvPr>
+          <p:cNvSpPr txBox="1"/>
+          <p:nvPr/>
+        </p:nvSpPr>
+        <p:spPr>
+          <a:xfrm>
+            <a:off x="838200" y="1576273"/>
+            <a:ext cx="10515600" cy="461665"/>
+          </a:xfrm>
+          <a:prstGeom prst="rect">
+            <a:avLst/>
+          </a:prstGeom>
+          <a:noFill/>
+        </p:spPr>
+        <p:txBody>
+          <a:bodyPr wrap="square" rtlCol="0">
+            <a:spAutoFit/>
+          </a:bodyPr>
+          <a:lstStyle/>
+          <a:p>
+            <a:pPr algn="r"/>
+            <a:r>
+              <a:rPr lang="en-US" sz="2400" dirty="0"/>
+              <a:t>In all splicing outliers…</a:t>
+            </a:r>
+          </a:p>
+        </p:txBody>
+      </p:sp>
+    </p:spTree>
+    <p:extLst>
+      <p:ext uri="{BB962C8B-B14F-4D97-AF65-F5344CB8AC3E}">
+        <p14:creationId xmlns:p14="http://schemas.microsoft.com/office/powerpoint/2010/main" val="3992637899"/>
+      </p:ext>
+    </p:extLst>
+  </p:cSld>
+  <p:clrMapOvr>
+    <a:masterClrMapping/>
+  </p:clrMapOvr>
+</p:sld>
+</file>
+
+<file path=ppt/slides/slide7.xml><?xml version="1.0" encoding="utf-8"?>
+<p:sld xmlns:a="http://schemas.openxmlformats.org/drawingml/2006/main" xmlns:r="http://schemas.openxmlformats.org/officeDocument/2006/relationships" xmlns:p="http://schemas.openxmlformats.org/presentationml/2006/main">
+  <p:cSld>
+    <p:spTree>
+      <p:nvGrpSpPr>
+        <p:cNvPr id="1" name=""/>
+        <p:cNvGrpSpPr/>
+        <p:nvPr/>
+      </p:nvGrpSpPr>
+      <p:grpSpPr>
+        <a:xfrm>
+          <a:off x="0" y="0"/>
+          <a:ext cx="0" cy="0"/>
+          <a:chOff x="0" y="0"/>
+          <a:chExt cx="0" cy="0"/>
+        </a:xfrm>
+      </p:grpSpPr>
+      <p:pic>
+        <p:nvPicPr>
+          <p:cNvPr id="6" name="Picture 5" descr="A screenshot of a pie chart&#10;&#10;Description automatically generated">
+            <a:extLst>
+              <a:ext uri="{FF2B5EF4-FFF2-40B4-BE49-F238E27FC236}">
+                <a16:creationId xmlns:a16="http://schemas.microsoft.com/office/drawing/2014/main" id="{56829D72-C173-152C-83AA-1EEFD4ED6B5F}"/>
+              </a:ext>
+            </a:extLst>
+          </p:cNvPr>
+          <p:cNvPicPr>
+            <a:picLocks noChangeAspect="1"/>
+          </p:cNvPicPr>
+          <p:nvPr/>
+        </p:nvPicPr>
+        <p:blipFill>
+          <a:blip r:embed="rId2"/>
+          <a:stretch>
+            <a:fillRect/>
+          </a:stretch>
+        </p:blipFill>
+        <p:spPr>
+          <a:xfrm>
+            <a:off x="838200" y="2107388"/>
+            <a:ext cx="10546806" cy="4142509"/>
+          </a:xfrm>
+          <a:prstGeom prst="rect">
+            <a:avLst/>
+          </a:prstGeom>
+        </p:spPr>
+      </p:pic>
+      <p:sp>
+        <p:nvSpPr>
+          <p:cNvPr id="2" name="Title 1">
+            <a:extLst>
+              <a:ext uri="{FF2B5EF4-FFF2-40B4-BE49-F238E27FC236}">
+                <a16:creationId xmlns:a16="http://schemas.microsoft.com/office/drawing/2014/main" id="{5D2C6068-E3F9-C0D3-8131-21326EA5BF46}"/>
+              </a:ext>
+            </a:extLst>
+          </p:cNvPr>
+          <p:cNvSpPr>
+            <a:spLocks noGrp="1"/>
+          </p:cNvSpPr>
+          <p:nvPr>
+            <p:ph type="title"/>
+          </p:nvPr>
+        </p:nvSpPr>
+        <p:spPr/>
+        <p:txBody>
+          <a:bodyPr/>
+          <a:lstStyle/>
+          <a:p>
+            <a:r>
+              <a:rPr lang="en-US" dirty="0"/>
+              <a:t>FRASER: Unannotated events are enriched</a:t>
+            </a:r>
+          </a:p>
+        </p:txBody>
+      </p:sp>
+      <p:sp>
+        <p:nvSpPr>
+          <p:cNvPr id="3" name="TextBox 2">
+            <a:extLst>
+              <a:ext uri="{FF2B5EF4-FFF2-40B4-BE49-F238E27FC236}">
+                <a16:creationId xmlns:a16="http://schemas.microsoft.com/office/drawing/2014/main" id="{0275DE16-74EB-0199-7969-62C62EEEBA82}"/>
+              </a:ext>
+            </a:extLst>
+          </p:cNvPr>
+          <p:cNvSpPr txBox="1"/>
+          <p:nvPr/>
+        </p:nvSpPr>
+        <p:spPr>
+          <a:xfrm>
+            <a:off x="838200" y="1576273"/>
+            <a:ext cx="10515600" cy="461665"/>
+          </a:xfrm>
+          <a:prstGeom prst="rect">
+            <a:avLst/>
+          </a:prstGeom>
+          <a:noFill/>
+        </p:spPr>
+        <p:txBody>
+          <a:bodyPr wrap="square" rtlCol="0">
+            <a:spAutoFit/>
+          </a:bodyPr>
+          <a:lstStyle/>
+          <a:p>
+            <a:pPr algn="r"/>
+            <a:r>
+              <a:rPr lang="en-US" sz="2400" dirty="0"/>
+              <a:t>… in all significant splicing outliers …</a:t>
+            </a:r>
+          </a:p>
+        </p:txBody>
+      </p:sp>
+    </p:spTree>
+    <p:extLst>
+      <p:ext uri="{BB962C8B-B14F-4D97-AF65-F5344CB8AC3E}">
+        <p14:creationId xmlns:p14="http://schemas.microsoft.com/office/powerpoint/2010/main" val="1476365057"/>
+      </p:ext>
+    </p:extLst>
+  </p:cSld>
+  <p:clrMapOvr>
+    <a:masterClrMapping/>
+  </p:clrMapOvr>
+</p:sld>
+</file>
+
+<file path=ppt/slides/slide8.xml><?xml version="1.0" encoding="utf-8"?>
+<p:sld xmlns:a="http://schemas.openxmlformats.org/drawingml/2006/main" xmlns:r="http://schemas.openxmlformats.org/officeDocument/2006/relationships" xmlns:p="http://schemas.openxmlformats.org/presentationml/2006/main">
+  <p:cSld>
+    <p:spTree>
+      <p:nvGrpSpPr>
+        <p:cNvPr id="1" name=""/>
+        <p:cNvGrpSpPr/>
+        <p:nvPr/>
+      </p:nvGrpSpPr>
+      <p:grpSpPr>
+        <a:xfrm>
+          <a:off x="0" y="0"/>
+          <a:ext cx="0" cy="0"/>
+          <a:chOff x="0" y="0"/>
+          <a:chExt cx="0" cy="0"/>
+        </a:xfrm>
+      </p:grpSpPr>
+      <p:pic>
+        <p:nvPicPr>
+          <p:cNvPr id="7" name="Picture 6" descr="A pie chart with many colors&#10;&#10;Description automatically generated">
+            <a:extLst>
+              <a:ext uri="{FF2B5EF4-FFF2-40B4-BE49-F238E27FC236}">
+                <a16:creationId xmlns:a16="http://schemas.microsoft.com/office/drawing/2014/main" id="{7853580C-F73F-D9DD-518E-B34F10131ABB}"/>
+              </a:ext>
+            </a:extLst>
+          </p:cNvPr>
+          <p:cNvPicPr>
+            <a:picLocks noChangeAspect="1"/>
+          </p:cNvPicPr>
+          <p:nvPr/>
+        </p:nvPicPr>
+        <p:blipFill>
+          <a:blip r:embed="rId2"/>
+          <a:stretch>
+            <a:fillRect/>
+          </a:stretch>
+        </p:blipFill>
+        <p:spPr>
+          <a:xfrm>
+            <a:off x="838199" y="2107387"/>
+            <a:ext cx="10629133" cy="4142509"/>
+          </a:xfrm>
+          <a:prstGeom prst="rect">
+            <a:avLst/>
+          </a:prstGeom>
+        </p:spPr>
+      </p:pic>
+      <p:sp>
+        <p:nvSpPr>
+          <p:cNvPr id="2" name="Title 1">
+            <a:extLst>
+              <a:ext uri="{FF2B5EF4-FFF2-40B4-BE49-F238E27FC236}">
+                <a16:creationId xmlns:a16="http://schemas.microsoft.com/office/drawing/2014/main" id="{5D2C6068-E3F9-C0D3-8131-21326EA5BF46}"/>
+              </a:ext>
+            </a:extLst>
+          </p:cNvPr>
+          <p:cNvSpPr>
+            <a:spLocks noGrp="1"/>
+          </p:cNvSpPr>
+          <p:nvPr>
+            <p:ph type="title"/>
+          </p:nvPr>
+        </p:nvSpPr>
+        <p:spPr/>
+        <p:txBody>
+          <a:bodyPr/>
+          <a:lstStyle/>
+          <a:p>
+            <a:r>
+              <a:rPr lang="en-US" dirty="0"/>
+              <a:t>FRASER: Unannotated events are dominant</a:t>
+            </a:r>
+          </a:p>
+        </p:txBody>
+      </p:sp>
+      <p:sp>
+        <p:nvSpPr>
+          <p:cNvPr id="9" name="TextBox 8">
+            <a:extLst>
+              <a:ext uri="{FF2B5EF4-FFF2-40B4-BE49-F238E27FC236}">
+                <a16:creationId xmlns:a16="http://schemas.microsoft.com/office/drawing/2014/main" id="{6D72A3F3-E50A-9101-0B33-E7CF0D98B187}"/>
+              </a:ext>
+            </a:extLst>
+          </p:cNvPr>
+          <p:cNvSpPr txBox="1"/>
+          <p:nvPr/>
+        </p:nvSpPr>
+        <p:spPr>
+          <a:xfrm>
+            <a:off x="1554980" y="5603565"/>
+            <a:ext cx="3584179" cy="646331"/>
+          </a:xfrm>
+          <a:prstGeom prst="rect">
+            <a:avLst/>
+          </a:prstGeom>
+          <a:solidFill>
+            <a:schemeClr val="bg1"/>
+          </a:solidFill>
+          <a:ln>
+            <a:solidFill>
+              <a:schemeClr val="tx1"/>
+            </a:solidFill>
+          </a:ln>
+          <a:effectLst>
+            <a:outerShdw blurRad="50800" dist="38100" dir="2700000" algn="tl" rotWithShape="0">
+              <a:prstClr val="black">
+                <a:alpha val="40000"/>
+              </a:prstClr>
+            </a:outerShdw>
+          </a:effectLst>
+        </p:spPr>
+        <p:txBody>
+          <a:bodyPr wrap="square" rtlCol="0">
+            <a:spAutoFit/>
+          </a:bodyPr>
+          <a:lstStyle/>
+          <a:p>
+            <a:r>
+              <a:rPr lang="en-US" dirty="0"/>
+              <a:t>Excluding </a:t>
+            </a:r>
+            <a:r>
+              <a:rPr lang="en-US" dirty="0">
+                <a:solidFill>
+                  <a:srgbClr val="FF0000"/>
+                </a:solidFill>
+              </a:rPr>
+              <a:t>unannotated introns </a:t>
+            </a:r>
+            <a:r>
+              <a:rPr lang="en-US" dirty="0"/>
+              <a:t>may be a suitable filtering strategy</a:t>
+            </a:r>
+          </a:p>
+        </p:txBody>
+      </p:sp>
+      <p:sp>
+        <p:nvSpPr>
+          <p:cNvPr id="10" name="TextBox 9">
+            <a:extLst>
+              <a:ext uri="{FF2B5EF4-FFF2-40B4-BE49-F238E27FC236}">
+                <a16:creationId xmlns:a16="http://schemas.microsoft.com/office/drawing/2014/main" id="{96D8DFED-3732-3ACE-F084-7E9590750D5B}"/>
+              </a:ext>
+            </a:extLst>
+          </p:cNvPr>
+          <p:cNvSpPr txBox="1"/>
+          <p:nvPr/>
+        </p:nvSpPr>
+        <p:spPr>
+          <a:xfrm>
+            <a:off x="838200" y="1576273"/>
+            <a:ext cx="10629132" cy="461665"/>
+          </a:xfrm>
+          <a:prstGeom prst="rect">
+            <a:avLst/>
+          </a:prstGeom>
+          <a:noFill/>
+        </p:spPr>
+        <p:txBody>
+          <a:bodyPr wrap="square" rtlCol="0">
+            <a:spAutoFit/>
+          </a:bodyPr>
+          <a:lstStyle/>
+          <a:p>
+            <a:pPr algn="r"/>
+            <a:r>
+              <a:rPr lang="en-US" sz="2400" dirty="0"/>
+              <a:t>… in all significant splicing outliers (when adjusting for FDR)</a:t>
+            </a:r>
+          </a:p>
+        </p:txBody>
+      </p:sp>
+    </p:spTree>
+    <p:extLst>
+      <p:ext uri="{BB962C8B-B14F-4D97-AF65-F5344CB8AC3E}">
+        <p14:creationId xmlns:p14="http://schemas.microsoft.com/office/powerpoint/2010/main" val="3614067962"/>
+      </p:ext>
+    </p:extLst>
+  </p:cSld>
+  <p:clrMapOvr>
+    <a:masterClrMapping/>
+  </p:clrMapOvr>
+</p:sld>
+</file>
+
+<file path=ppt/slides/slide9.xml><?xml version="1.0" encoding="utf-8"?>
+<p:sld xmlns:a="http://schemas.openxmlformats.org/drawingml/2006/main" xmlns:r="http://schemas.openxmlformats.org/officeDocument/2006/relationships" xmlns:p="http://schemas.openxmlformats.org/presentationml/2006/main">
+  <p:cSld>
+    <p:spTree>
+      <p:nvGrpSpPr>
+        <p:cNvPr id="1" name=""/>
+        <p:cNvGrpSpPr/>
+        <p:nvPr/>
+      </p:nvGrpSpPr>
+      <p:grpSpPr>
+        <a:xfrm>
+          <a:off x="0" y="0"/>
+          <a:ext cx="0" cy="0"/>
+          <a:chOff x="0" y="0"/>
+          <a:chExt cx="0" cy="0"/>
+        </a:xfrm>
+      </p:grpSpPr>
+      <p:sp>
+        <p:nvSpPr>
+          <p:cNvPr id="2" name="Title 1">
+            <a:extLst>
+              <a:ext uri="{FF2B5EF4-FFF2-40B4-BE49-F238E27FC236}">
+                <a16:creationId xmlns:a16="http://schemas.microsoft.com/office/drawing/2014/main" id="{B16402BF-BC41-8612-E5A9-BCBAE6923C2C}"/>
+              </a:ext>
+            </a:extLst>
+          </p:cNvPr>
+          <p:cNvSpPr>
+            <a:spLocks noGrp="1"/>
+          </p:cNvSpPr>
+          <p:nvPr>
+            <p:ph type="title"/>
+          </p:nvPr>
+        </p:nvSpPr>
+        <p:spPr/>
+        <p:txBody>
+          <a:bodyPr/>
+          <a:lstStyle/>
+          <a:p>
+            <a:r>
+              <a:rPr lang="en-US" dirty="0"/>
+              <a:t>Future Directions</a:t>
             </a:r>
           </a:p>
         </p:txBody>
@@ -3486,7 +9768,7 @@
           <p:cNvPr id="3" name="Content Placeholder 2">
             <a:extLst>
               <a:ext uri="{FF2B5EF4-FFF2-40B4-BE49-F238E27FC236}">
-                <a16:creationId xmlns:a16="http://schemas.microsoft.com/office/drawing/2014/main" id="{74425EB2-63D6-7E8D-FD29-C9CA8934BB5D}"/>
+                <a16:creationId xmlns:a16="http://schemas.microsoft.com/office/drawing/2014/main" id="{22304B87-6C6B-04C5-1FC7-E58797F546BD}"/>
               </a:ext>
             </a:extLst>
           </p:cNvPr>
@@ -3499,17 +9781,49 @@
         </p:nvSpPr>
         <p:spPr/>
         <p:txBody>
-          <a:bodyPr/>
+          <a:bodyPr>
+            <a:normAutofit fontScale="92500" lnSpcReduction="20000"/>
+          </a:bodyPr>
           <a:lstStyle/>
           <a:p>
+            <a:r>
+              <a:rPr lang="en-US" dirty="0"/>
+              <a:t>Small errors in annotation can lead to increased false positives and increase low-throughput manual curation</a:t>
+            </a:r>
+          </a:p>
+          <a:p>
             <a:endParaRPr lang="en-US" dirty="0"/>
+          </a:p>
+          <a:p>
+            <a:r>
+              <a:rPr lang="en-US" dirty="0"/>
+              <a:t>Diagnostic efforts are limited by high splicing tool output volume, but improved curation could provide substantial filtering power</a:t>
+            </a:r>
+          </a:p>
+          <a:p>
+            <a:endParaRPr lang="en-US" dirty="0"/>
+          </a:p>
+          <a:p>
+            <a:r>
+              <a:rPr lang="en-US" dirty="0"/>
+              <a:t>Unannotated junctions may highlight mis-mapping or unannotated isoforms, particularly when associated with high read counts</a:t>
+            </a:r>
+          </a:p>
+          <a:p>
+            <a:endParaRPr lang="en-US" dirty="0"/>
+          </a:p>
+          <a:p>
+            <a:r>
+              <a:rPr lang="en-US" dirty="0"/>
+              <a:t>Diagnostic utility will be further improved by protein level predictions, e.g., p. coordinates and functional domains</a:t>
+            </a:r>
           </a:p>
         </p:txBody>
       </p:sp>
     </p:spTree>
     <p:extLst>
       <p:ext uri="{BB962C8B-B14F-4D97-AF65-F5344CB8AC3E}">
-        <p14:creationId xmlns:p14="http://schemas.microsoft.com/office/powerpoint/2010/main" val="1867753254"/>
+        <p14:creationId xmlns:p14="http://schemas.microsoft.com/office/powerpoint/2010/main" val="601041608"/>
       </p:ext>
     </p:extLst>
   </p:cSld>

--- a/docs/splice-event-annotation.pptx
+++ b/docs/splice-event-annotation.pptx
@@ -8,12 +8,13 @@
     <p:sldId id="256" r:id="rId2"/>
     <p:sldId id="257" r:id="rId3"/>
     <p:sldId id="259" r:id="rId4"/>
-    <p:sldId id="262" r:id="rId5"/>
-    <p:sldId id="258" r:id="rId6"/>
-    <p:sldId id="260" r:id="rId7"/>
-    <p:sldId id="264" r:id="rId8"/>
-    <p:sldId id="263" r:id="rId9"/>
-    <p:sldId id="261" r:id="rId10"/>
+    <p:sldId id="265" r:id="rId5"/>
+    <p:sldId id="262" r:id="rId6"/>
+    <p:sldId id="258" r:id="rId7"/>
+    <p:sldId id="260" r:id="rId8"/>
+    <p:sldId id="264" r:id="rId9"/>
+    <p:sldId id="263" r:id="rId10"/>
+    <p:sldId id="261" r:id="rId11"/>
   </p:sldIdLst>
   <p:sldSz cx="12192000" cy="6858000"/>
   <p:notesSz cx="6858000" cy="9144000"/>
@@ -123,7 +124,7 @@
 <file path=ppt/revisionInfo.xml><?xml version="1.0" encoding="utf-8"?>
 <p1510:revInfo xmlns:a="http://schemas.openxmlformats.org/drawingml/2006/main" xmlns:r="http://schemas.openxmlformats.org/officeDocument/2006/relationships" xmlns:p1510="http://schemas.microsoft.com/office/powerpoint/2015/10/main">
   <p1510:revLst>
-    <p1510:client id="{7133A3CE-13BC-A846-BD39-2206C18E2A82}" v="38" dt="2024-05-21T02:58:04.074"/>
+    <p1510:client id="{7133A3CE-13BC-A846-BD39-2206C18E2A82}" v="52" dt="2024-05-30T23:51:00.175"/>
   </p1510:revLst>
 </p1510:revInfo>
 </file>
@@ -133,12 +134,12 @@
   <pc:docChgLst>
     <pc:chgData name="Rhett Marchant" userId="18df2c221d5c7175" providerId="LiveId" clId="{7133A3CE-13BC-A846-BD39-2206C18E2A82}"/>
     <pc:docChg chg="undo custSel addSld delSld modSld sldOrd">
-      <pc:chgData name="Rhett Marchant" userId="18df2c221d5c7175" providerId="LiveId" clId="{7133A3CE-13BC-A846-BD39-2206C18E2A82}" dt="2024-05-21T03:02:43.139" v="1551" actId="2162"/>
+      <pc:chgData name="Rhett Marchant" userId="18df2c221d5c7175" providerId="LiveId" clId="{7133A3CE-13BC-A846-BD39-2206C18E2A82}" dt="2024-05-30T23:51:00.175" v="1596"/>
       <pc:docMkLst>
         <pc:docMk/>
       </pc:docMkLst>
-      <pc:sldChg chg="addSp delSp modSp mod">
-        <pc:chgData name="Rhett Marchant" userId="18df2c221d5c7175" providerId="LiveId" clId="{7133A3CE-13BC-A846-BD39-2206C18E2A82}" dt="2024-05-21T02:35:16.701" v="635" actId="122"/>
+      <pc:sldChg chg="addSp delSp modSp mod modAnim">
+        <pc:chgData name="Rhett Marchant" userId="18df2c221d5c7175" providerId="LiveId" clId="{7133A3CE-13BC-A846-BD39-2206C18E2A82}" dt="2024-05-30T23:50:27.882" v="1588"/>
         <pc:sldMkLst>
           <pc:docMk/>
           <pc:sldMk cId="1867753254" sldId="257"/>
@@ -248,7 +249,7 @@
           </ac:spMkLst>
         </pc:spChg>
         <pc:spChg chg="add mod">
-          <ac:chgData name="Rhett Marchant" userId="18df2c221d5c7175" providerId="LiveId" clId="{7133A3CE-13BC-A846-BD39-2206C18E2A82}" dt="2024-05-21T02:28:59.115" v="353" actId="1076"/>
+          <ac:chgData name="Rhett Marchant" userId="18df2c221d5c7175" providerId="LiveId" clId="{7133A3CE-13BC-A846-BD39-2206C18E2A82}" dt="2024-05-30T23:42:18.903" v="1554" actId="20577"/>
           <ac:spMkLst>
             <pc:docMk/>
             <pc:sldMk cId="1867753254" sldId="257"/>
@@ -256,7 +257,7 @@
           </ac:spMkLst>
         </pc:spChg>
         <pc:spChg chg="add mod">
-          <ac:chgData name="Rhett Marchant" userId="18df2c221d5c7175" providerId="LiveId" clId="{7133A3CE-13BC-A846-BD39-2206C18E2A82}" dt="2024-05-21T02:29:53.016" v="455" actId="1076"/>
+          <ac:chgData name="Rhett Marchant" userId="18df2c221d5c7175" providerId="LiveId" clId="{7133A3CE-13BC-A846-BD39-2206C18E2A82}" dt="2024-05-30T23:42:21.862" v="1557" actId="20577"/>
           <ac:spMkLst>
             <pc:docMk/>
             <pc:sldMk cId="1867753254" sldId="257"/>
@@ -264,7 +265,7 @@
           </ac:spMkLst>
         </pc:spChg>
         <pc:spChg chg="add mod">
-          <ac:chgData name="Rhett Marchant" userId="18df2c221d5c7175" providerId="LiveId" clId="{7133A3CE-13BC-A846-BD39-2206C18E2A82}" dt="2024-05-21T02:30:42.078" v="564" actId="1076"/>
+          <ac:chgData name="Rhett Marchant" userId="18df2c221d5c7175" providerId="LiveId" clId="{7133A3CE-13BC-A846-BD39-2206C18E2A82}" dt="2024-05-30T23:42:27.064" v="1561" actId="20577"/>
           <ac:spMkLst>
             <pc:docMk/>
             <pc:sldMk cId="1867753254" sldId="257"/>
@@ -311,8 +312,8 @@
             <ac:inkMk id="26" creationId="{B26D2BA2-CF90-9AA1-8B21-31A176792F71}"/>
           </ac:inkMkLst>
         </pc:inkChg>
-        <pc:inkChg chg="add">
-          <ac:chgData name="Rhett Marchant" userId="18df2c221d5c7175" providerId="LiveId" clId="{7133A3CE-13BC-A846-BD39-2206C18E2A82}" dt="2024-05-21T02:32:45.596" v="624" actId="9405"/>
+        <pc:inkChg chg="add mod">
+          <ac:chgData name="Rhett Marchant" userId="18df2c221d5c7175" providerId="LiveId" clId="{7133A3CE-13BC-A846-BD39-2206C18E2A82}" dt="2024-05-30T23:50:18.580" v="1586" actId="1076"/>
           <ac:inkMkLst>
             <pc:docMk/>
             <pc:sldMk cId="1867753254" sldId="257"/>
@@ -328,8 +329,8 @@
           </ac:cxnSpMkLst>
         </pc:cxnChg>
       </pc:sldChg>
-      <pc:sldChg chg="addSp delSp modSp new mod">
-        <pc:chgData name="Rhett Marchant" userId="18df2c221d5c7175" providerId="LiveId" clId="{7133A3CE-13BC-A846-BD39-2206C18E2A82}" dt="2024-05-21T02:54:21.543" v="1173" actId="1076"/>
+      <pc:sldChg chg="addSp delSp modSp new mod modAnim">
+        <pc:chgData name="Rhett Marchant" userId="18df2c221d5c7175" providerId="LiveId" clId="{7133A3CE-13BC-A846-BD39-2206C18E2A82}" dt="2024-05-30T23:51:00.175" v="1596"/>
         <pc:sldMkLst>
           <pc:docMk/>
           <pc:sldMk cId="3249732208" sldId="258"/>
@@ -375,8 +376,8 @@
           </ac:picMkLst>
         </pc:picChg>
       </pc:sldChg>
-      <pc:sldChg chg="addSp delSp modSp new mod ord">
-        <pc:chgData name="Rhett Marchant" userId="18df2c221d5c7175" providerId="LiveId" clId="{7133A3CE-13BC-A846-BD39-2206C18E2A82}" dt="2024-05-21T02:50:40.418" v="1086" actId="207"/>
+      <pc:sldChg chg="addSp delSp modSp new mod ord modAnim">
+        <pc:chgData name="Rhett Marchant" userId="18df2c221d5c7175" providerId="LiveId" clId="{7133A3CE-13BC-A846-BD39-2206C18E2A82}" dt="2024-05-30T23:50:50.855" v="1595"/>
         <pc:sldMkLst>
           <pc:docMk/>
           <pc:sldMk cId="2336898673" sldId="259"/>
@@ -582,7 +583,7 @@
         </pc:picChg>
       </pc:sldChg>
       <pc:sldChg chg="modSp new mod">
-        <pc:chgData name="Rhett Marchant" userId="18df2c221d5c7175" providerId="LiveId" clId="{7133A3CE-13BC-A846-BD39-2206C18E2A82}" dt="2024-05-21T02:57:00.808" v="1304" actId="20577"/>
+        <pc:chgData name="Rhett Marchant" userId="18df2c221d5c7175" providerId="LiveId" clId="{7133A3CE-13BC-A846-BD39-2206C18E2A82}" dt="2024-05-30T23:42:58.069" v="1568" actId="20577"/>
         <pc:sldMkLst>
           <pc:docMk/>
           <pc:sldMk cId="601041608" sldId="261"/>
@@ -596,7 +597,7 @@
           </ac:spMkLst>
         </pc:spChg>
         <pc:spChg chg="mod">
-          <ac:chgData name="Rhett Marchant" userId="18df2c221d5c7175" providerId="LiveId" clId="{7133A3CE-13BC-A846-BD39-2206C18E2A82}" dt="2024-05-21T02:57:00.808" v="1304" actId="20577"/>
+          <ac:chgData name="Rhett Marchant" userId="18df2c221d5c7175" providerId="LiveId" clId="{7133A3CE-13BC-A846-BD39-2206C18E2A82}" dt="2024-05-30T23:42:58.069" v="1568" actId="20577"/>
           <ac:spMkLst>
             <pc:docMk/>
             <pc:sldMk cId="601041608" sldId="261"/>
@@ -824,6 +825,149 @@
           </ac:picMkLst>
         </pc:picChg>
       </pc:sldChg>
+      <pc:sldChg chg="addSp delSp modSp add mod">
+        <pc:chgData name="Rhett Marchant" userId="18df2c221d5c7175" providerId="LiveId" clId="{7133A3CE-13BC-A846-BD39-2206C18E2A82}" dt="2024-05-30T23:49:08.987" v="1581" actId="1076"/>
+        <pc:sldMkLst>
+          <pc:docMk/>
+          <pc:sldMk cId="426165249" sldId="265"/>
+        </pc:sldMkLst>
+        <pc:spChg chg="del">
+          <ac:chgData name="Rhett Marchant" userId="18df2c221d5c7175" providerId="LiveId" clId="{7133A3CE-13BC-A846-BD39-2206C18E2A82}" dt="2024-05-30T23:49:02.108" v="1577" actId="478"/>
+          <ac:spMkLst>
+            <pc:docMk/>
+            <pc:sldMk cId="426165249" sldId="265"/>
+            <ac:spMk id="2" creationId="{14B7B3DA-1DB1-8A64-6B4B-1BE65489421E}"/>
+          </ac:spMkLst>
+        </pc:spChg>
+        <pc:spChg chg="del">
+          <ac:chgData name="Rhett Marchant" userId="18df2c221d5c7175" providerId="LiveId" clId="{7133A3CE-13BC-A846-BD39-2206C18E2A82}" dt="2024-05-30T23:48:30.501" v="1570" actId="478"/>
+          <ac:spMkLst>
+            <pc:docMk/>
+            <pc:sldMk cId="426165249" sldId="265"/>
+            <ac:spMk id="5" creationId="{942BFAA8-5E46-FA16-C7CF-6DF5EA08D4A5}"/>
+          </ac:spMkLst>
+        </pc:spChg>
+        <pc:spChg chg="del">
+          <ac:chgData name="Rhett Marchant" userId="18df2c221d5c7175" providerId="LiveId" clId="{7133A3CE-13BC-A846-BD39-2206C18E2A82}" dt="2024-05-30T23:48:30.501" v="1570" actId="478"/>
+          <ac:spMkLst>
+            <pc:docMk/>
+            <pc:sldMk cId="426165249" sldId="265"/>
+            <ac:spMk id="7" creationId="{1C0822A9-BFC0-31D0-BC55-E0E6466614AB}"/>
+          </ac:spMkLst>
+        </pc:spChg>
+        <pc:spChg chg="del">
+          <ac:chgData name="Rhett Marchant" userId="18df2c221d5c7175" providerId="LiveId" clId="{7133A3CE-13BC-A846-BD39-2206C18E2A82}" dt="2024-05-30T23:48:30.501" v="1570" actId="478"/>
+          <ac:spMkLst>
+            <pc:docMk/>
+            <pc:sldMk cId="426165249" sldId="265"/>
+            <ac:spMk id="8" creationId="{5A3096A0-23D6-5F4D-F26D-919B0A207EA4}"/>
+          </ac:spMkLst>
+        </pc:spChg>
+        <pc:spChg chg="del">
+          <ac:chgData name="Rhett Marchant" userId="18df2c221d5c7175" providerId="LiveId" clId="{7133A3CE-13BC-A846-BD39-2206C18E2A82}" dt="2024-05-30T23:48:30.501" v="1570" actId="478"/>
+          <ac:spMkLst>
+            <pc:docMk/>
+            <pc:sldMk cId="426165249" sldId="265"/>
+            <ac:spMk id="9" creationId="{DCD8607F-FF3A-85FC-5CBC-398D802B9D4A}"/>
+          </ac:spMkLst>
+        </pc:spChg>
+        <pc:spChg chg="del">
+          <ac:chgData name="Rhett Marchant" userId="18df2c221d5c7175" providerId="LiveId" clId="{7133A3CE-13BC-A846-BD39-2206C18E2A82}" dt="2024-05-30T23:48:30.501" v="1570" actId="478"/>
+          <ac:spMkLst>
+            <pc:docMk/>
+            <pc:sldMk cId="426165249" sldId="265"/>
+            <ac:spMk id="10" creationId="{5F316266-D8F9-6AFF-710D-E1DA5E5FA021}"/>
+          </ac:spMkLst>
+        </pc:spChg>
+        <pc:spChg chg="add del mod">
+          <ac:chgData name="Rhett Marchant" userId="18df2c221d5c7175" providerId="LiveId" clId="{7133A3CE-13BC-A846-BD39-2206C18E2A82}" dt="2024-05-30T23:49:03.720" v="1578" actId="478"/>
+          <ac:spMkLst>
+            <pc:docMk/>
+            <pc:sldMk cId="426165249" sldId="265"/>
+            <ac:spMk id="13" creationId="{9CB2B2E5-0ACC-EEF7-1B60-4EFB0B5C35EC}"/>
+          </ac:spMkLst>
+        </pc:spChg>
+        <pc:spChg chg="del">
+          <ac:chgData name="Rhett Marchant" userId="18df2c221d5c7175" providerId="LiveId" clId="{7133A3CE-13BC-A846-BD39-2206C18E2A82}" dt="2024-05-30T23:48:30.501" v="1570" actId="478"/>
+          <ac:spMkLst>
+            <pc:docMk/>
+            <pc:sldMk cId="426165249" sldId="265"/>
+            <ac:spMk id="14" creationId="{B8C34AC0-56E1-F052-D729-09F2C930E065}"/>
+          </ac:spMkLst>
+        </pc:spChg>
+        <pc:spChg chg="del">
+          <ac:chgData name="Rhett Marchant" userId="18df2c221d5c7175" providerId="LiveId" clId="{7133A3CE-13BC-A846-BD39-2206C18E2A82}" dt="2024-05-30T23:48:30.501" v="1570" actId="478"/>
+          <ac:spMkLst>
+            <pc:docMk/>
+            <pc:sldMk cId="426165249" sldId="265"/>
+            <ac:spMk id="15" creationId="{0B1442AC-0D72-A728-9841-B3F4CE52ADDC}"/>
+          </ac:spMkLst>
+        </pc:spChg>
+        <pc:spChg chg="del">
+          <ac:chgData name="Rhett Marchant" userId="18df2c221d5c7175" providerId="LiveId" clId="{7133A3CE-13BC-A846-BD39-2206C18E2A82}" dt="2024-05-30T23:48:30.501" v="1570" actId="478"/>
+          <ac:spMkLst>
+            <pc:docMk/>
+            <pc:sldMk cId="426165249" sldId="265"/>
+            <ac:spMk id="16" creationId="{8FFE7A39-33F3-4601-0559-2521AD0E1D6F}"/>
+          </ac:spMkLst>
+        </pc:spChg>
+        <pc:spChg chg="del">
+          <ac:chgData name="Rhett Marchant" userId="18df2c221d5c7175" providerId="LiveId" clId="{7133A3CE-13BC-A846-BD39-2206C18E2A82}" dt="2024-05-30T23:48:30.501" v="1570" actId="478"/>
+          <ac:spMkLst>
+            <pc:docMk/>
+            <pc:sldMk cId="426165249" sldId="265"/>
+            <ac:spMk id="17" creationId="{E8EE128E-03BD-39A6-6BF0-7776B6A27FFC}"/>
+          </ac:spMkLst>
+        </pc:spChg>
+        <pc:spChg chg="del">
+          <ac:chgData name="Rhett Marchant" userId="18df2c221d5c7175" providerId="LiveId" clId="{7133A3CE-13BC-A846-BD39-2206C18E2A82}" dt="2024-05-30T23:48:30.501" v="1570" actId="478"/>
+          <ac:spMkLst>
+            <pc:docMk/>
+            <pc:sldMk cId="426165249" sldId="265"/>
+            <ac:spMk id="18" creationId="{EBC9CA0A-979D-795B-0B2E-6BB062A57924}"/>
+          </ac:spMkLst>
+        </pc:spChg>
+        <pc:spChg chg="del">
+          <ac:chgData name="Rhett Marchant" userId="18df2c221d5c7175" providerId="LiveId" clId="{7133A3CE-13BC-A846-BD39-2206C18E2A82}" dt="2024-05-30T23:48:30.501" v="1570" actId="478"/>
+          <ac:spMkLst>
+            <pc:docMk/>
+            <pc:sldMk cId="426165249" sldId="265"/>
+            <ac:spMk id="19" creationId="{0017A7AD-A7C8-07AE-A45E-2F9E7CF35487}"/>
+          </ac:spMkLst>
+        </pc:spChg>
+        <pc:spChg chg="del">
+          <ac:chgData name="Rhett Marchant" userId="18df2c221d5c7175" providerId="LiveId" clId="{7133A3CE-13BC-A846-BD39-2206C18E2A82}" dt="2024-05-30T23:48:30.501" v="1570" actId="478"/>
+          <ac:spMkLst>
+            <pc:docMk/>
+            <pc:sldMk cId="426165249" sldId="265"/>
+            <ac:spMk id="21" creationId="{F1E7E86B-6E8B-4BF7-09AD-8DD5FF562ED6}"/>
+          </ac:spMkLst>
+        </pc:spChg>
+        <pc:picChg chg="add mod">
+          <ac:chgData name="Rhett Marchant" userId="18df2c221d5c7175" providerId="LiveId" clId="{7133A3CE-13BC-A846-BD39-2206C18E2A82}" dt="2024-05-30T23:49:08.987" v="1581" actId="1076"/>
+          <ac:picMkLst>
+            <pc:docMk/>
+            <pc:sldMk cId="426165249" sldId="265"/>
+            <ac:picMk id="4" creationId="{1014A864-B3B3-5380-0D49-D27BA40F769B}"/>
+          </ac:picMkLst>
+        </pc:picChg>
+        <pc:picChg chg="del">
+          <ac:chgData name="Rhett Marchant" userId="18df2c221d5c7175" providerId="LiveId" clId="{7133A3CE-13BC-A846-BD39-2206C18E2A82}" dt="2024-05-30T23:48:30.501" v="1570" actId="478"/>
+          <ac:picMkLst>
+            <pc:docMk/>
+            <pc:sldMk cId="426165249" sldId="265"/>
+            <ac:picMk id="6" creationId="{9F66B1FC-7CAA-1C21-9CF0-1053666FB0DD}"/>
+          </ac:picMkLst>
+        </pc:picChg>
+        <pc:cxnChg chg="del mod">
+          <ac:chgData name="Rhett Marchant" userId="18df2c221d5c7175" providerId="LiveId" clId="{7133A3CE-13BC-A846-BD39-2206C18E2A82}" dt="2024-05-30T23:48:30.501" v="1570" actId="478"/>
+          <ac:cxnSpMkLst>
+            <pc:docMk/>
+            <pc:sldMk cId="426165249" sldId="265"/>
+            <ac:cxnSpMk id="11" creationId="{AFD62BE5-4085-DBE1-645E-9AF868CEC19E}"/>
+          </ac:cxnSpMkLst>
+        </pc:cxnChg>
+      </pc:sldChg>
       <pc:sldChg chg="new del">
         <pc:chgData name="Rhett Marchant" userId="18df2c221d5c7175" providerId="LiveId" clId="{7133A3CE-13BC-A846-BD39-2206C18E2A82}" dt="2024-05-21T03:00:43.184" v="1522" actId="2696"/>
         <pc:sldMkLst>
@@ -1041,7 +1185,7 @@
           <a:p>
             <a:fld id="{3EF31678-6B82-5B4B-834D-D2CBD0B9CFEC}" type="datetimeFigureOut">
               <a:rPr lang="en-US" smtClean="0"/>
-              <a:t>5/21/24</a:t>
+              <a:t>5/31/24</a:t>
             </a:fld>
             <a:endParaRPr lang="en-US"/>
           </a:p>
@@ -1241,7 +1385,7 @@
           <a:p>
             <a:fld id="{3EF31678-6B82-5B4B-834D-D2CBD0B9CFEC}" type="datetimeFigureOut">
               <a:rPr lang="en-US" smtClean="0"/>
-              <a:t>5/21/24</a:t>
+              <a:t>5/31/24</a:t>
             </a:fld>
             <a:endParaRPr lang="en-US"/>
           </a:p>
@@ -1451,7 +1595,7 @@
           <a:p>
             <a:fld id="{3EF31678-6B82-5B4B-834D-D2CBD0B9CFEC}" type="datetimeFigureOut">
               <a:rPr lang="en-US" smtClean="0"/>
-              <a:t>5/21/24</a:t>
+              <a:t>5/31/24</a:t>
             </a:fld>
             <a:endParaRPr lang="en-US"/>
           </a:p>
@@ -1651,7 +1795,7 @@
           <a:p>
             <a:fld id="{3EF31678-6B82-5B4B-834D-D2CBD0B9CFEC}" type="datetimeFigureOut">
               <a:rPr lang="en-US" smtClean="0"/>
-              <a:t>5/21/24</a:t>
+              <a:t>5/31/24</a:t>
             </a:fld>
             <a:endParaRPr lang="en-US"/>
           </a:p>
@@ -1927,7 +2071,7 @@
           <a:p>
             <a:fld id="{3EF31678-6B82-5B4B-834D-D2CBD0B9CFEC}" type="datetimeFigureOut">
               <a:rPr lang="en-US" smtClean="0"/>
-              <a:t>5/21/24</a:t>
+              <a:t>5/31/24</a:t>
             </a:fld>
             <a:endParaRPr lang="en-US"/>
           </a:p>
@@ -2195,7 +2339,7 @@
           <a:p>
             <a:fld id="{3EF31678-6B82-5B4B-834D-D2CBD0B9CFEC}" type="datetimeFigureOut">
               <a:rPr lang="en-US" smtClean="0"/>
-              <a:t>5/21/24</a:t>
+              <a:t>5/31/24</a:t>
             </a:fld>
             <a:endParaRPr lang="en-US"/>
           </a:p>
@@ -2610,7 +2754,7 @@
           <a:p>
             <a:fld id="{3EF31678-6B82-5B4B-834D-D2CBD0B9CFEC}" type="datetimeFigureOut">
               <a:rPr lang="en-US" smtClean="0"/>
-              <a:t>5/21/24</a:t>
+              <a:t>5/31/24</a:t>
             </a:fld>
             <a:endParaRPr lang="en-US"/>
           </a:p>
@@ -2752,7 +2896,7 @@
           <a:p>
             <a:fld id="{3EF31678-6B82-5B4B-834D-D2CBD0B9CFEC}" type="datetimeFigureOut">
               <a:rPr lang="en-US" smtClean="0"/>
-              <a:t>5/21/24</a:t>
+              <a:t>5/31/24</a:t>
             </a:fld>
             <a:endParaRPr lang="en-US"/>
           </a:p>
@@ -2865,7 +3009,7 @@
           <a:p>
             <a:fld id="{3EF31678-6B82-5B4B-834D-D2CBD0B9CFEC}" type="datetimeFigureOut">
               <a:rPr lang="en-US" smtClean="0"/>
-              <a:t>5/21/24</a:t>
+              <a:t>5/31/24</a:t>
             </a:fld>
             <a:endParaRPr lang="en-US"/>
           </a:p>
@@ -3178,7 +3322,7 @@
           <a:p>
             <a:fld id="{3EF31678-6B82-5B4B-834D-D2CBD0B9CFEC}" type="datetimeFigureOut">
               <a:rPr lang="en-US" smtClean="0"/>
-              <a:t>5/21/24</a:t>
+              <a:t>5/31/24</a:t>
             </a:fld>
             <a:endParaRPr lang="en-US"/>
           </a:p>
@@ -3467,7 +3611,7 @@
           <a:p>
             <a:fld id="{3EF31678-6B82-5B4B-834D-D2CBD0B9CFEC}" type="datetimeFigureOut">
               <a:rPr lang="en-US" smtClean="0"/>
-              <a:t>5/21/24</a:t>
+              <a:t>5/31/24</a:t>
             </a:fld>
             <a:endParaRPr lang="en-US"/>
           </a:p>
@@ -3710,7 +3854,7 @@
           <a:p>
             <a:fld id="{3EF31678-6B82-5B4B-834D-D2CBD0B9CFEC}" type="datetimeFigureOut">
               <a:rPr lang="en-US" smtClean="0"/>
-              <a:t>5/21/24</a:t>
+              <a:t>5/31/24</a:t>
             </a:fld>
             <a:endParaRPr lang="en-US"/>
           </a:p>
@@ -4220,6 +4364,121 @@
 </p:sld>
 </file>
 
+<file path=ppt/slides/slide10.xml><?xml version="1.0" encoding="utf-8"?>
+<p:sld xmlns:a="http://schemas.openxmlformats.org/drawingml/2006/main" xmlns:r="http://schemas.openxmlformats.org/officeDocument/2006/relationships" xmlns:p="http://schemas.openxmlformats.org/presentationml/2006/main">
+  <p:cSld>
+    <p:spTree>
+      <p:nvGrpSpPr>
+        <p:cNvPr id="1" name=""/>
+        <p:cNvGrpSpPr/>
+        <p:nvPr/>
+      </p:nvGrpSpPr>
+      <p:grpSpPr>
+        <a:xfrm>
+          <a:off x="0" y="0"/>
+          <a:ext cx="0" cy="0"/>
+          <a:chOff x="0" y="0"/>
+          <a:chExt cx="0" cy="0"/>
+        </a:xfrm>
+      </p:grpSpPr>
+      <p:sp>
+        <p:nvSpPr>
+          <p:cNvPr id="2" name="Title 1">
+            <a:extLst>
+              <a:ext uri="{FF2B5EF4-FFF2-40B4-BE49-F238E27FC236}">
+                <a16:creationId xmlns:a16="http://schemas.microsoft.com/office/drawing/2014/main" id="{B16402BF-BC41-8612-E5A9-BCBAE6923C2C}"/>
+              </a:ext>
+            </a:extLst>
+          </p:cNvPr>
+          <p:cNvSpPr>
+            <a:spLocks noGrp="1"/>
+          </p:cNvSpPr>
+          <p:nvPr>
+            <p:ph type="title"/>
+          </p:nvPr>
+        </p:nvSpPr>
+        <p:spPr/>
+        <p:txBody>
+          <a:bodyPr/>
+          <a:lstStyle/>
+          <a:p>
+            <a:r>
+              <a:rPr lang="en-US" dirty="0"/>
+              <a:t>Future Directions</a:t>
+            </a:r>
+          </a:p>
+        </p:txBody>
+      </p:sp>
+      <p:sp>
+        <p:nvSpPr>
+          <p:cNvPr id="3" name="Content Placeholder 2">
+            <a:extLst>
+              <a:ext uri="{FF2B5EF4-FFF2-40B4-BE49-F238E27FC236}">
+                <a16:creationId xmlns:a16="http://schemas.microsoft.com/office/drawing/2014/main" id="{22304B87-6C6B-04C5-1FC7-E58797F546BD}"/>
+              </a:ext>
+            </a:extLst>
+          </p:cNvPr>
+          <p:cNvSpPr>
+            <a:spLocks noGrp="1"/>
+          </p:cNvSpPr>
+          <p:nvPr>
+            <p:ph idx="1"/>
+          </p:nvPr>
+        </p:nvSpPr>
+        <p:spPr/>
+        <p:txBody>
+          <a:bodyPr>
+            <a:normAutofit fontScale="92500" lnSpcReduction="20000"/>
+          </a:bodyPr>
+          <a:lstStyle/>
+          <a:p>
+            <a:r>
+              <a:rPr lang="en-US" dirty="0"/>
+              <a:t>Small errors in annotation can lead to increased false positives and increase low-throughput manual curation burden</a:t>
+            </a:r>
+          </a:p>
+          <a:p>
+            <a:endParaRPr lang="en-US" dirty="0"/>
+          </a:p>
+          <a:p>
+            <a:r>
+              <a:rPr lang="en-US" dirty="0"/>
+              <a:t>Diagnostic efforts are limited by high splicing tool output volume, but improved curation could provide substantial filtering power</a:t>
+            </a:r>
+          </a:p>
+          <a:p>
+            <a:endParaRPr lang="en-US" dirty="0"/>
+          </a:p>
+          <a:p>
+            <a:r>
+              <a:rPr lang="en-US" dirty="0"/>
+              <a:t>Unannotated junctions may highlight mis-mapping or unannotated isoforms, particularly when associated with high read counts</a:t>
+            </a:r>
+          </a:p>
+          <a:p>
+            <a:endParaRPr lang="en-US" dirty="0"/>
+          </a:p>
+          <a:p>
+            <a:r>
+              <a:rPr lang="en-US" dirty="0"/>
+              <a:t>Diagnostic utility will be further improved by protein level predictions, e.g., p. coordinates and functional domains</a:t>
+            </a:r>
+          </a:p>
+        </p:txBody>
+      </p:sp>
+    </p:spTree>
+    <p:extLst>
+      <p:ext uri="{BB962C8B-B14F-4D97-AF65-F5344CB8AC3E}">
+        <p14:creationId xmlns:p14="http://schemas.microsoft.com/office/powerpoint/2010/main" val="601041608"/>
+      </p:ext>
+    </p:extLst>
+  </p:cSld>
+  <p:clrMapOvr>
+    <a:masterClrMapping/>
+  </p:clrMapOvr>
+</p:sld>
+</file>
+
 <file path=ppt/slides/slide2.xml><?xml version="1.0" encoding="utf-8"?>
 <p:sld xmlns:a="http://schemas.openxmlformats.org/drawingml/2006/main" xmlns:r="http://schemas.openxmlformats.org/officeDocument/2006/relationships" xmlns:p="http://schemas.openxmlformats.org/presentationml/2006/main">
   <p:cSld>
@@ -6049,7 +6308,7 @@
           <a:p>
             <a:r>
               <a:rPr lang="en-US" dirty="0"/>
-              <a:t>RNA-sequencing alignment produces ‘split-reads’ that show the location of an intron</a:t>
+              <a:t>1. RNA-sequencing alignment produces ‘split-reads’ that show the location of an intron</a:t>
             </a:r>
           </a:p>
         </p:txBody>
@@ -6098,7 +6357,7 @@
           <a:p>
             <a:r>
               <a:rPr lang="en-US" dirty="0"/>
-              <a:t>This is recorded as genomic coordinates, but more information is needed for interpretation</a:t>
+              <a:t>2. This is recorded as genomic coordinates, but more information is needed for interpretation</a:t>
             </a:r>
           </a:p>
         </p:txBody>
@@ -6147,7 +6406,7 @@
           <a:p>
             <a:r>
               <a:rPr lang="en-US" dirty="0"/>
-              <a:t>This problem is compounded when assessing multiple introns from the output of some analysis</a:t>
+              <a:t>3. This problem is compounded when assessing multiple introns from the output of some analyses</a:t>
             </a:r>
           </a:p>
         </p:txBody>
@@ -6203,8 +6462,8 @@
           </p:pic>
         </mc:Fallback>
       </mc:AlternateContent>
-      <mc:AlternateContent xmlns:mc="http://schemas.openxmlformats.org/markup-compatibility/2006" xmlns:p14="http://schemas.microsoft.com/office/powerpoint/2010/main">
-        <mc:Choice Requires="p14">
+      <mc:AlternateContent xmlns:mc="http://schemas.openxmlformats.org/markup-compatibility/2006">
+        <mc:Choice xmlns:p14="http://schemas.microsoft.com/office/powerpoint/2010/main" Requires="p14">
           <p:contentPart p14:bwMode="auto" r:id="rId5">
             <p14:nvContentPartPr>
               <p14:cNvPr id="27" name="Ink 26">
@@ -6217,13 +6476,13 @@
               <p14:cNvContentPartPr/>
               <p14:nvPr/>
             </p14:nvContentPartPr>
-            <p14:xfrm>
-              <a:off x="7548608" y="2400448"/>
+            <p14:xfrm rot="10800000">
+              <a:off x="3921760" y="5042691"/>
               <a:ext cx="1829520" cy="585720"/>
             </p14:xfrm>
           </p:contentPart>
         </mc:Choice>
-        <mc:Fallback xmlns="">
+        <mc:Fallback>
           <p:pic>
             <p:nvPicPr>
               <p:cNvPr id="27" name="Ink 26">
@@ -6243,9 +6502,9 @@
               </a:stretch>
             </p:blipFill>
             <p:spPr>
-              <a:xfrm>
-                <a:off x="7539608" y="2391808"/>
-                <a:ext cx="1847160" cy="603360"/>
+              <a:xfrm rot="10800000">
+                <a:off x="3912762" y="5033691"/>
+                <a:ext cx="1847157" cy="603360"/>
               </a:xfrm>
               <a:prstGeom prst="rect">
                 <a:avLst/>
@@ -6264,6 +6523,239 @@
   <p:clrMapOvr>
     <a:masterClrMapping/>
   </p:clrMapOvr>
+  <p:timing>
+    <p:tnLst>
+      <p:par>
+        <p:cTn id="1" dur="indefinite" restart="never" nodeType="tmRoot">
+          <p:childTnLst>
+            <p:seq concurrent="1" nextAc="seek">
+              <p:cTn id="2" dur="indefinite" nodeType="mainSeq">
+                <p:childTnLst>
+                  <p:par>
+                    <p:cTn id="3" fill="hold">
+                      <p:stCondLst>
+                        <p:cond delay="indefinite"/>
+                      </p:stCondLst>
+                      <p:childTnLst>
+                        <p:par>
+                          <p:cTn id="4" fill="hold">
+                            <p:stCondLst>
+                              <p:cond delay="0"/>
+                            </p:stCondLst>
+                            <p:childTnLst>
+                              <p:par>
+                                <p:cTn id="5" presetID="1" presetClass="entr" presetSubtype="0" fill="hold" nodeType="clickEffect">
+                                  <p:stCondLst>
+                                    <p:cond delay="0"/>
+                                  </p:stCondLst>
+                                  <p:childTnLst>
+                                    <p:set>
+                                      <p:cBhvr>
+                                        <p:cTn id="6" dur="1" fill="hold">
+                                          <p:stCondLst>
+                                            <p:cond delay="0"/>
+                                          </p:stCondLst>
+                                        </p:cTn>
+                                        <p:tgtEl>
+                                          <p:spTgt spid="24"/>
+                                        </p:tgtEl>
+                                        <p:attrNameLst>
+                                          <p:attrName>style.visibility</p:attrName>
+                                        </p:attrNameLst>
+                                      </p:cBhvr>
+                                      <p:to>
+                                        <p:strVal val="visible"/>
+                                      </p:to>
+                                    </p:set>
+                                  </p:childTnLst>
+                                </p:cTn>
+                              </p:par>
+                              <p:par>
+                                <p:cTn id="7" presetID="1" presetClass="entr" presetSubtype="0" fill="hold" grpId="0" nodeType="withEffect">
+                                  <p:stCondLst>
+                                    <p:cond delay="0"/>
+                                  </p:stCondLst>
+                                  <p:childTnLst>
+                                    <p:set>
+                                      <p:cBhvr>
+                                        <p:cTn id="8" dur="1" fill="hold">
+                                          <p:stCondLst>
+                                            <p:cond delay="0"/>
+                                          </p:stCondLst>
+                                        </p:cTn>
+                                        <p:tgtEl>
+                                          <p:spTgt spid="16"/>
+                                        </p:tgtEl>
+                                        <p:attrNameLst>
+                                          <p:attrName>style.visibility</p:attrName>
+                                        </p:attrNameLst>
+                                      </p:cBhvr>
+                                      <p:to>
+                                        <p:strVal val="visible"/>
+                                      </p:to>
+                                    </p:set>
+                                  </p:childTnLst>
+                                </p:cTn>
+                              </p:par>
+                              <p:par>
+                                <p:cTn id="9" presetID="1" presetClass="entr" presetSubtype="0" fill="hold" grpId="0" nodeType="withEffect">
+                                  <p:stCondLst>
+                                    <p:cond delay="0"/>
+                                  </p:stCondLst>
+                                  <p:childTnLst>
+                                    <p:set>
+                                      <p:cBhvr>
+                                        <p:cTn id="10" dur="1" fill="hold">
+                                          <p:stCondLst>
+                                            <p:cond delay="0"/>
+                                          </p:stCondLst>
+                                        </p:cTn>
+                                        <p:tgtEl>
+                                          <p:spTgt spid="22"/>
+                                        </p:tgtEl>
+                                        <p:attrNameLst>
+                                          <p:attrName>style.visibility</p:attrName>
+                                        </p:attrNameLst>
+                                      </p:cBhvr>
+                                      <p:to>
+                                        <p:strVal val="visible"/>
+                                      </p:to>
+                                    </p:set>
+                                  </p:childTnLst>
+                                </p:cTn>
+                              </p:par>
+                            </p:childTnLst>
+                          </p:cTn>
+                        </p:par>
+                      </p:childTnLst>
+                    </p:cTn>
+                  </p:par>
+                  <p:par>
+                    <p:cTn id="11" fill="hold">
+                      <p:stCondLst>
+                        <p:cond delay="indefinite"/>
+                      </p:stCondLst>
+                      <p:childTnLst>
+                        <p:par>
+                          <p:cTn id="12" fill="hold">
+                            <p:stCondLst>
+                              <p:cond delay="0"/>
+                            </p:stCondLst>
+                            <p:childTnLst>
+                              <p:par>
+                                <p:cTn id="13" presetID="1" presetClass="entr" presetSubtype="0" fill="hold" grpId="0" nodeType="clickEffect">
+                                  <p:stCondLst>
+                                    <p:cond delay="0"/>
+                                  </p:stCondLst>
+                                  <p:childTnLst>
+                                    <p:set>
+                                      <p:cBhvr>
+                                        <p:cTn id="14" dur="1" fill="hold">
+                                          <p:stCondLst>
+                                            <p:cond delay="0"/>
+                                          </p:stCondLst>
+                                        </p:cTn>
+                                        <p:tgtEl>
+                                          <p:spTgt spid="23"/>
+                                        </p:tgtEl>
+                                        <p:attrNameLst>
+                                          <p:attrName>style.visibility</p:attrName>
+                                        </p:attrNameLst>
+                                      </p:cBhvr>
+                                      <p:to>
+                                        <p:strVal val="visible"/>
+                                      </p:to>
+                                    </p:set>
+                                  </p:childTnLst>
+                                </p:cTn>
+                              </p:par>
+                              <p:par>
+                                <p:cTn id="15" presetID="1" presetClass="entr" presetSubtype="0" fill="hold" nodeType="withEffect">
+                                  <p:stCondLst>
+                                    <p:cond delay="0"/>
+                                  </p:stCondLst>
+                                  <p:childTnLst>
+                                    <p:set>
+                                      <p:cBhvr>
+                                        <p:cTn id="16" dur="1" fill="hold">
+                                          <p:stCondLst>
+                                            <p:cond delay="0"/>
+                                          </p:stCondLst>
+                                        </p:cTn>
+                                        <p:tgtEl>
+                                          <p:spTgt spid="19"/>
+                                        </p:tgtEl>
+                                        <p:attrNameLst>
+                                          <p:attrName>style.visibility</p:attrName>
+                                        </p:attrNameLst>
+                                      </p:cBhvr>
+                                      <p:to>
+                                        <p:strVal val="visible"/>
+                                      </p:to>
+                                    </p:set>
+                                  </p:childTnLst>
+                                </p:cTn>
+                              </p:par>
+                              <p:par>
+                                <p:cTn id="17" presetID="1" presetClass="entr" presetSubtype="0" fill="hold" nodeType="withEffect">
+                                  <p:stCondLst>
+                                    <p:cond delay="0"/>
+                                  </p:stCondLst>
+                                  <p:childTnLst>
+                                    <p:set>
+                                      <p:cBhvr>
+                                        <p:cTn id="18" dur="1" fill="hold">
+                                          <p:stCondLst>
+                                            <p:cond delay="0"/>
+                                          </p:stCondLst>
+                                        </p:cTn>
+                                        <p:tgtEl>
+                                          <p:spTgt spid="27"/>
+                                        </p:tgtEl>
+                                        <p:attrNameLst>
+                                          <p:attrName>style.visibility</p:attrName>
+                                        </p:attrNameLst>
+                                      </p:cBhvr>
+                                      <p:to>
+                                        <p:strVal val="visible"/>
+                                      </p:to>
+                                    </p:set>
+                                  </p:childTnLst>
+                                </p:cTn>
+                              </p:par>
+                            </p:childTnLst>
+                          </p:cTn>
+                        </p:par>
+                      </p:childTnLst>
+                    </p:cTn>
+                  </p:par>
+                </p:childTnLst>
+              </p:cTn>
+              <p:prevCondLst>
+                <p:cond evt="onPrev" delay="0">
+                  <p:tgtEl>
+                    <p:sldTgt/>
+                  </p:tgtEl>
+                </p:cond>
+              </p:prevCondLst>
+              <p:nextCondLst>
+                <p:cond evt="onNext" delay="0">
+                  <p:tgtEl>
+                    <p:sldTgt/>
+                  </p:tgtEl>
+                </p:cond>
+              </p:nextCondLst>
+            </p:seq>
+          </p:childTnLst>
+        </p:cTn>
+      </p:par>
+    </p:tnLst>
+    <p:bldLst>
+      <p:bldP spid="16" grpId="0"/>
+      <p:bldP spid="22" grpId="0" animBg="1"/>
+      <p:bldP spid="23" grpId="0" animBg="1"/>
+    </p:bldLst>
+  </p:timing>
 </p:sld>
 </file>
 
@@ -7028,10 +7520,314 @@
   <p:clrMapOvr>
     <a:masterClrMapping/>
   </p:clrMapOvr>
+  <p:timing>
+    <p:tnLst>
+      <p:par>
+        <p:cTn id="1" dur="indefinite" restart="never" nodeType="tmRoot">
+          <p:childTnLst>
+            <p:seq concurrent="1" nextAc="seek">
+              <p:cTn id="2" dur="indefinite" nodeType="mainSeq">
+                <p:childTnLst>
+                  <p:par>
+                    <p:cTn id="3" fill="hold">
+                      <p:stCondLst>
+                        <p:cond delay="indefinite"/>
+                      </p:stCondLst>
+                      <p:childTnLst>
+                        <p:par>
+                          <p:cTn id="4" fill="hold">
+                            <p:stCondLst>
+                              <p:cond delay="0"/>
+                            </p:stCondLst>
+                            <p:childTnLst>
+                              <p:par>
+                                <p:cTn id="5" presetID="1" presetClass="entr" presetSubtype="0" fill="hold" grpId="0" nodeType="clickEffect">
+                                  <p:stCondLst>
+                                    <p:cond delay="0"/>
+                                  </p:stCondLst>
+                                  <p:childTnLst>
+                                    <p:set>
+                                      <p:cBhvr>
+                                        <p:cTn id="6" dur="1" fill="hold">
+                                          <p:stCondLst>
+                                            <p:cond delay="0"/>
+                                          </p:stCondLst>
+                                        </p:cTn>
+                                        <p:tgtEl>
+                                          <p:spTgt spid="16"/>
+                                        </p:tgtEl>
+                                        <p:attrNameLst>
+                                          <p:attrName>style.visibility</p:attrName>
+                                        </p:attrNameLst>
+                                      </p:cBhvr>
+                                      <p:to>
+                                        <p:strVal val="visible"/>
+                                      </p:to>
+                                    </p:set>
+                                  </p:childTnLst>
+                                </p:cTn>
+                              </p:par>
+                            </p:childTnLst>
+                          </p:cTn>
+                        </p:par>
+                      </p:childTnLst>
+                    </p:cTn>
+                  </p:par>
+                  <p:par>
+                    <p:cTn id="7" fill="hold">
+                      <p:stCondLst>
+                        <p:cond delay="indefinite"/>
+                      </p:stCondLst>
+                      <p:childTnLst>
+                        <p:par>
+                          <p:cTn id="8" fill="hold">
+                            <p:stCondLst>
+                              <p:cond delay="0"/>
+                            </p:stCondLst>
+                            <p:childTnLst>
+                              <p:par>
+                                <p:cTn id="9" presetID="1" presetClass="entr" presetSubtype="0" fill="hold" grpId="0" nodeType="clickEffect">
+                                  <p:stCondLst>
+                                    <p:cond delay="0"/>
+                                  </p:stCondLst>
+                                  <p:childTnLst>
+                                    <p:set>
+                                      <p:cBhvr>
+                                        <p:cTn id="10" dur="1" fill="hold">
+                                          <p:stCondLst>
+                                            <p:cond delay="0"/>
+                                          </p:stCondLst>
+                                        </p:cTn>
+                                        <p:tgtEl>
+                                          <p:spTgt spid="17"/>
+                                        </p:tgtEl>
+                                        <p:attrNameLst>
+                                          <p:attrName>style.visibility</p:attrName>
+                                        </p:attrNameLst>
+                                      </p:cBhvr>
+                                      <p:to>
+                                        <p:strVal val="visible"/>
+                                      </p:to>
+                                    </p:set>
+                                  </p:childTnLst>
+                                </p:cTn>
+                              </p:par>
+                            </p:childTnLst>
+                          </p:cTn>
+                        </p:par>
+                      </p:childTnLst>
+                    </p:cTn>
+                  </p:par>
+                  <p:par>
+                    <p:cTn id="11" fill="hold">
+                      <p:stCondLst>
+                        <p:cond delay="indefinite"/>
+                      </p:stCondLst>
+                      <p:childTnLst>
+                        <p:par>
+                          <p:cTn id="12" fill="hold">
+                            <p:stCondLst>
+                              <p:cond delay="0"/>
+                            </p:stCondLst>
+                            <p:childTnLst>
+                              <p:par>
+                                <p:cTn id="13" presetID="1" presetClass="entr" presetSubtype="0" fill="hold" grpId="0" nodeType="clickEffect">
+                                  <p:stCondLst>
+                                    <p:cond delay="0"/>
+                                  </p:stCondLst>
+                                  <p:childTnLst>
+                                    <p:set>
+                                      <p:cBhvr>
+                                        <p:cTn id="14" dur="1" fill="hold">
+                                          <p:stCondLst>
+                                            <p:cond delay="0"/>
+                                          </p:stCondLst>
+                                        </p:cTn>
+                                        <p:tgtEl>
+                                          <p:spTgt spid="18"/>
+                                        </p:tgtEl>
+                                        <p:attrNameLst>
+                                          <p:attrName>style.visibility</p:attrName>
+                                        </p:attrNameLst>
+                                      </p:cBhvr>
+                                      <p:to>
+                                        <p:strVal val="visible"/>
+                                      </p:to>
+                                    </p:set>
+                                  </p:childTnLst>
+                                </p:cTn>
+                              </p:par>
+                              <p:par>
+                                <p:cTn id="15" presetID="1" presetClass="entr" presetSubtype="0" fill="hold" grpId="0" nodeType="withEffect">
+                                  <p:stCondLst>
+                                    <p:cond delay="0"/>
+                                  </p:stCondLst>
+                                  <p:childTnLst>
+                                    <p:set>
+                                      <p:cBhvr>
+                                        <p:cTn id="16" dur="1" fill="hold">
+                                          <p:stCondLst>
+                                            <p:cond delay="0"/>
+                                          </p:stCondLst>
+                                        </p:cTn>
+                                        <p:tgtEl>
+                                          <p:spTgt spid="5"/>
+                                        </p:tgtEl>
+                                        <p:attrNameLst>
+                                          <p:attrName>style.visibility</p:attrName>
+                                        </p:attrNameLst>
+                                      </p:cBhvr>
+                                      <p:to>
+                                        <p:strVal val="visible"/>
+                                      </p:to>
+                                    </p:set>
+                                  </p:childTnLst>
+                                </p:cTn>
+                              </p:par>
+                            </p:childTnLst>
+                          </p:cTn>
+                        </p:par>
+                      </p:childTnLst>
+                    </p:cTn>
+                  </p:par>
+                  <p:par>
+                    <p:cTn id="17" fill="hold">
+                      <p:stCondLst>
+                        <p:cond delay="indefinite"/>
+                      </p:stCondLst>
+                      <p:childTnLst>
+                        <p:par>
+                          <p:cTn id="18" fill="hold">
+                            <p:stCondLst>
+                              <p:cond delay="0"/>
+                            </p:stCondLst>
+                            <p:childTnLst>
+                              <p:par>
+                                <p:cTn id="19" presetID="1" presetClass="entr" presetSubtype="0" fill="hold" grpId="0" nodeType="clickEffect">
+                                  <p:stCondLst>
+                                    <p:cond delay="0"/>
+                                  </p:stCondLst>
+                                  <p:childTnLst>
+                                    <p:set>
+                                      <p:cBhvr>
+                                        <p:cTn id="20" dur="1" fill="hold">
+                                          <p:stCondLst>
+                                            <p:cond delay="0"/>
+                                          </p:stCondLst>
+                                        </p:cTn>
+                                        <p:tgtEl>
+                                          <p:spTgt spid="19"/>
+                                        </p:tgtEl>
+                                        <p:attrNameLst>
+                                          <p:attrName>style.visibility</p:attrName>
+                                        </p:attrNameLst>
+                                      </p:cBhvr>
+                                      <p:to>
+                                        <p:strVal val="visible"/>
+                                      </p:to>
+                                    </p:set>
+                                  </p:childTnLst>
+                                </p:cTn>
+                              </p:par>
+                            </p:childTnLst>
+                          </p:cTn>
+                        </p:par>
+                      </p:childTnLst>
+                    </p:cTn>
+                  </p:par>
+                </p:childTnLst>
+              </p:cTn>
+              <p:prevCondLst>
+                <p:cond evt="onPrev" delay="0">
+                  <p:tgtEl>
+                    <p:sldTgt/>
+                  </p:tgtEl>
+                </p:cond>
+              </p:prevCondLst>
+              <p:nextCondLst>
+                <p:cond evt="onNext" delay="0">
+                  <p:tgtEl>
+                    <p:sldTgt/>
+                  </p:tgtEl>
+                </p:cond>
+              </p:nextCondLst>
+            </p:seq>
+          </p:childTnLst>
+        </p:cTn>
+      </p:par>
+    </p:tnLst>
+    <p:bldLst>
+      <p:bldP spid="5" grpId="0"/>
+      <p:bldP spid="16" grpId="0" animBg="1"/>
+      <p:bldP spid="17" grpId="0" animBg="1"/>
+      <p:bldP spid="18" grpId="0" animBg="1"/>
+      <p:bldP spid="19" grpId="0" animBg="1"/>
+    </p:bldLst>
+  </p:timing>
 </p:sld>
 </file>
 
 <file path=ppt/slides/slide4.xml><?xml version="1.0" encoding="utf-8"?>
+<p:sld xmlns:a="http://schemas.openxmlformats.org/drawingml/2006/main" xmlns:r="http://schemas.openxmlformats.org/officeDocument/2006/relationships" xmlns:p="http://schemas.openxmlformats.org/presentationml/2006/main">
+  <p:cSld>
+    <p:spTree>
+      <p:nvGrpSpPr>
+        <p:cNvPr id="1" name=""/>
+        <p:cNvGrpSpPr/>
+        <p:nvPr/>
+      </p:nvGrpSpPr>
+      <p:grpSpPr>
+        <a:xfrm>
+          <a:off x="0" y="0"/>
+          <a:ext cx="0" cy="0"/>
+          <a:chOff x="0" y="0"/>
+          <a:chExt cx="0" cy="0"/>
+        </a:xfrm>
+      </p:grpSpPr>
+      <p:pic>
+        <p:nvPicPr>
+          <p:cNvPr id="4" name="Picture 3" descr="A diagram of different types of lines&#10;&#10;Description automatically generated">
+            <a:extLst>
+              <a:ext uri="{FF2B5EF4-FFF2-40B4-BE49-F238E27FC236}">
+                <a16:creationId xmlns:a16="http://schemas.microsoft.com/office/drawing/2014/main" id="{1014A864-B3B3-5380-0D49-D27BA40F769B}"/>
+              </a:ext>
+            </a:extLst>
+          </p:cNvPr>
+          <p:cNvPicPr>
+            <a:picLocks noChangeAspect="1"/>
+          </p:cNvPicPr>
+          <p:nvPr/>
+        </p:nvPicPr>
+        <p:blipFill>
+          <a:blip r:embed="rId2"/>
+          <a:stretch>
+            <a:fillRect/>
+          </a:stretch>
+        </p:blipFill>
+        <p:spPr>
+          <a:xfrm>
+            <a:off x="1275071" y="187859"/>
+            <a:ext cx="9641857" cy="6482281"/>
+          </a:xfrm>
+          <a:prstGeom prst="rect">
+            <a:avLst/>
+          </a:prstGeom>
+        </p:spPr>
+      </p:pic>
+    </p:spTree>
+    <p:extLst>
+      <p:ext uri="{BB962C8B-B14F-4D97-AF65-F5344CB8AC3E}">
+        <p14:creationId xmlns:p14="http://schemas.microsoft.com/office/powerpoint/2010/main" val="426165249"/>
+      </p:ext>
+    </p:extLst>
+  </p:cSld>
+  <p:clrMapOvr>
+    <a:masterClrMapping/>
+  </p:clrMapOvr>
+</p:sld>
+</file>
+
+<file path=ppt/slides/slide5.xml><?xml version="1.0" encoding="utf-8"?>
 <p:sld xmlns:a="http://schemas.openxmlformats.org/drawingml/2006/main" xmlns:r="http://schemas.openxmlformats.org/officeDocument/2006/relationships" xmlns:p="http://schemas.openxmlformats.org/presentationml/2006/main">
   <p:cSld>
     <p:spTree>
@@ -9153,7 +9949,7 @@
 </p:sld>
 </file>
 
-<file path=ppt/slides/slide5.xml><?xml version="1.0" encoding="utf-8"?>
+<file path=ppt/slides/slide6.xml><?xml version="1.0" encoding="utf-8"?>
 <p:sld xmlns:a="http://schemas.openxmlformats.org/drawingml/2006/main" xmlns:r="http://schemas.openxmlformats.org/officeDocument/2006/relationships" xmlns:p="http://schemas.openxmlformats.org/presentationml/2006/main">
   <p:cSld>
     <p:spTree>
@@ -9283,10 +10079,85 @@
   <p:clrMapOvr>
     <a:masterClrMapping/>
   </p:clrMapOvr>
+  <p:timing>
+    <p:tnLst>
+      <p:par>
+        <p:cTn id="1" dur="indefinite" restart="never" nodeType="tmRoot">
+          <p:childTnLst>
+            <p:seq concurrent="1" nextAc="seek">
+              <p:cTn id="2" dur="indefinite" nodeType="mainSeq">
+                <p:childTnLst>
+                  <p:par>
+                    <p:cTn id="3" fill="hold">
+                      <p:stCondLst>
+                        <p:cond delay="indefinite"/>
+                      </p:stCondLst>
+                      <p:childTnLst>
+                        <p:par>
+                          <p:cTn id="4" fill="hold">
+                            <p:stCondLst>
+                              <p:cond delay="0"/>
+                            </p:stCondLst>
+                            <p:childTnLst>
+                              <p:par>
+                                <p:cTn id="5" presetID="1" presetClass="entr" presetSubtype="0" fill="hold" nodeType="clickEffect">
+                                  <p:stCondLst>
+                                    <p:cond delay="0"/>
+                                  </p:stCondLst>
+                                  <p:childTnLst>
+                                    <p:set>
+                                      <p:cBhvr>
+                                        <p:cTn id="6" dur="1" fill="hold">
+                                          <p:stCondLst>
+                                            <p:cond delay="0"/>
+                                          </p:stCondLst>
+                                        </p:cTn>
+                                        <p:tgtEl>
+                                          <p:spTgt spid="9"/>
+                                        </p:tgtEl>
+                                        <p:attrNameLst>
+                                          <p:attrName>style.visibility</p:attrName>
+                                        </p:attrNameLst>
+                                      </p:cBhvr>
+                                      <p:to>
+                                        <p:strVal val="visible"/>
+                                      </p:to>
+                                    </p:set>
+                                  </p:childTnLst>
+                                </p:cTn>
+                              </p:par>
+                            </p:childTnLst>
+                          </p:cTn>
+                        </p:par>
+                      </p:childTnLst>
+                    </p:cTn>
+                  </p:par>
+                </p:childTnLst>
+              </p:cTn>
+              <p:prevCondLst>
+                <p:cond evt="onPrev" delay="0">
+                  <p:tgtEl>
+                    <p:sldTgt/>
+                  </p:tgtEl>
+                </p:cond>
+              </p:prevCondLst>
+              <p:nextCondLst>
+                <p:cond evt="onNext" delay="0">
+                  <p:tgtEl>
+                    <p:sldTgt/>
+                  </p:tgtEl>
+                </p:cond>
+              </p:nextCondLst>
+            </p:seq>
+          </p:childTnLst>
+        </p:cTn>
+      </p:par>
+    </p:tnLst>
+  </p:timing>
 </p:sld>
 </file>
 
-<file path=ppt/slides/slide6.xml><?xml version="1.0" encoding="utf-8"?>
+<file path=ppt/slides/slide7.xml><?xml version="1.0" encoding="utf-8"?>
 <p:sld xmlns:a="http://schemas.openxmlformats.org/drawingml/2006/main" xmlns:r="http://schemas.openxmlformats.org/officeDocument/2006/relationships" xmlns:p="http://schemas.openxmlformats.org/presentationml/2006/main">
   <p:cSld>
     <p:spTree>
@@ -9409,7 +10280,7 @@
 </p:sld>
 </file>
 
-<file path=ppt/slides/slide7.xml><?xml version="1.0" encoding="utf-8"?>
+<file path=ppt/slides/slide8.xml><?xml version="1.0" encoding="utf-8"?>
 <p:sld xmlns:a="http://schemas.openxmlformats.org/drawingml/2006/main" xmlns:r="http://schemas.openxmlformats.org/officeDocument/2006/relationships" xmlns:p="http://schemas.openxmlformats.org/presentationml/2006/main">
   <p:cSld>
     <p:spTree>
@@ -9533,7 +10404,7 @@
 </p:sld>
 </file>
 
-<file path=ppt/slides/slide8.xml><?xml version="1.0" encoding="utf-8"?>
+<file path=ppt/slides/slide9.xml><?xml version="1.0" encoding="utf-8"?>
 <p:sld xmlns:a="http://schemas.openxmlformats.org/drawingml/2006/main" xmlns:r="http://schemas.openxmlformats.org/officeDocument/2006/relationships" xmlns:p="http://schemas.openxmlformats.org/presentationml/2006/main">
   <p:cSld>
     <p:spTree>
@@ -9709,121 +10580,6 @@
     <p:extLst>
       <p:ext uri="{BB962C8B-B14F-4D97-AF65-F5344CB8AC3E}">
         <p14:creationId xmlns:p14="http://schemas.microsoft.com/office/powerpoint/2010/main" val="3614067962"/>
-      </p:ext>
-    </p:extLst>
-  </p:cSld>
-  <p:clrMapOvr>
-    <a:masterClrMapping/>
-  </p:clrMapOvr>
-</p:sld>
-</file>
-
-<file path=ppt/slides/slide9.xml><?xml version="1.0" encoding="utf-8"?>
-<p:sld xmlns:a="http://schemas.openxmlformats.org/drawingml/2006/main" xmlns:r="http://schemas.openxmlformats.org/officeDocument/2006/relationships" xmlns:p="http://schemas.openxmlformats.org/presentationml/2006/main">
-  <p:cSld>
-    <p:spTree>
-      <p:nvGrpSpPr>
-        <p:cNvPr id="1" name=""/>
-        <p:cNvGrpSpPr/>
-        <p:nvPr/>
-      </p:nvGrpSpPr>
-      <p:grpSpPr>
-        <a:xfrm>
-          <a:off x="0" y="0"/>
-          <a:ext cx="0" cy="0"/>
-          <a:chOff x="0" y="0"/>
-          <a:chExt cx="0" cy="0"/>
-        </a:xfrm>
-      </p:grpSpPr>
-      <p:sp>
-        <p:nvSpPr>
-          <p:cNvPr id="2" name="Title 1">
-            <a:extLst>
-              <a:ext uri="{FF2B5EF4-FFF2-40B4-BE49-F238E27FC236}">
-                <a16:creationId xmlns:a16="http://schemas.microsoft.com/office/drawing/2014/main" id="{B16402BF-BC41-8612-E5A9-BCBAE6923C2C}"/>
-              </a:ext>
-            </a:extLst>
-          </p:cNvPr>
-          <p:cNvSpPr>
-            <a:spLocks noGrp="1"/>
-          </p:cNvSpPr>
-          <p:nvPr>
-            <p:ph type="title"/>
-          </p:nvPr>
-        </p:nvSpPr>
-        <p:spPr/>
-        <p:txBody>
-          <a:bodyPr/>
-          <a:lstStyle/>
-          <a:p>
-            <a:r>
-              <a:rPr lang="en-US" dirty="0"/>
-              <a:t>Future Directions</a:t>
-            </a:r>
-          </a:p>
-        </p:txBody>
-      </p:sp>
-      <p:sp>
-        <p:nvSpPr>
-          <p:cNvPr id="3" name="Content Placeholder 2">
-            <a:extLst>
-              <a:ext uri="{FF2B5EF4-FFF2-40B4-BE49-F238E27FC236}">
-                <a16:creationId xmlns:a16="http://schemas.microsoft.com/office/drawing/2014/main" id="{22304B87-6C6B-04C5-1FC7-E58797F546BD}"/>
-              </a:ext>
-            </a:extLst>
-          </p:cNvPr>
-          <p:cNvSpPr>
-            <a:spLocks noGrp="1"/>
-          </p:cNvSpPr>
-          <p:nvPr>
-            <p:ph idx="1"/>
-          </p:nvPr>
-        </p:nvSpPr>
-        <p:spPr/>
-        <p:txBody>
-          <a:bodyPr>
-            <a:normAutofit fontScale="92500" lnSpcReduction="20000"/>
-          </a:bodyPr>
-          <a:lstStyle/>
-          <a:p>
-            <a:r>
-              <a:rPr lang="en-US" dirty="0"/>
-              <a:t>Small errors in annotation can lead to increased false positives and increase low-throughput manual curation</a:t>
-            </a:r>
-          </a:p>
-          <a:p>
-            <a:endParaRPr lang="en-US" dirty="0"/>
-          </a:p>
-          <a:p>
-            <a:r>
-              <a:rPr lang="en-US" dirty="0"/>
-              <a:t>Diagnostic efforts are limited by high splicing tool output volume, but improved curation could provide substantial filtering power</a:t>
-            </a:r>
-          </a:p>
-          <a:p>
-            <a:endParaRPr lang="en-US" dirty="0"/>
-          </a:p>
-          <a:p>
-            <a:r>
-              <a:rPr lang="en-US" dirty="0"/>
-              <a:t>Unannotated junctions may highlight mis-mapping or unannotated isoforms, particularly when associated with high read counts</a:t>
-            </a:r>
-          </a:p>
-          <a:p>
-            <a:endParaRPr lang="en-US" dirty="0"/>
-          </a:p>
-          <a:p>
-            <a:r>
-              <a:rPr lang="en-US" dirty="0"/>
-              <a:t>Diagnostic utility will be further improved by protein level predictions, e.g., p. coordinates and functional domains</a:t>
-            </a:r>
-          </a:p>
-        </p:txBody>
-      </p:sp>
-    </p:spTree>
-    <p:extLst>
-      <p:ext uri="{BB962C8B-B14F-4D97-AF65-F5344CB8AC3E}">
-        <p14:creationId xmlns:p14="http://schemas.microsoft.com/office/powerpoint/2010/main" val="601041608"/>
       </p:ext>
     </p:extLst>
   </p:cSld>
